--- a/projects/kog.040.010-models/aitcg310 - Modeling.pptx
+++ b/projects/kog.040.010-models/aitcg310 - Modeling.pptx
@@ -5,7 +5,7 @@
     <p:sldMasterId id="2147483648" r:id="rId1"/>
   </p:sldMasterIdLst>
   <p:notesMasterIdLst>
-    <p:notesMasterId r:id="rId20"/>
+    <p:notesMasterId r:id="rId18"/>
   </p:notesMasterIdLst>
   <p:sldIdLst>
     <p:sldId id="437" r:id="rId2"/>
@@ -16,16 +16,14 @@
     <p:sldId id="441" r:id="rId7"/>
     <p:sldId id="354" r:id="rId8"/>
     <p:sldId id="335" r:id="rId9"/>
-    <p:sldId id="443" r:id="rId10"/>
-    <p:sldId id="337" r:id="rId11"/>
-    <p:sldId id="336" r:id="rId12"/>
-    <p:sldId id="338" r:id="rId13"/>
-    <p:sldId id="339" r:id="rId14"/>
-    <p:sldId id="451" r:id="rId15"/>
-    <p:sldId id="452" r:id="rId16"/>
-    <p:sldId id="454" r:id="rId17"/>
-    <p:sldId id="453" r:id="rId18"/>
-    <p:sldId id="455" r:id="rId19"/>
+    <p:sldId id="336" r:id="rId10"/>
+    <p:sldId id="338" r:id="rId11"/>
+    <p:sldId id="339" r:id="rId12"/>
+    <p:sldId id="589" r:id="rId13"/>
+    <p:sldId id="452" r:id="rId14"/>
+    <p:sldId id="454" r:id="rId15"/>
+    <p:sldId id="453" r:id="rId16"/>
+    <p:sldId id="455" r:id="rId17"/>
   </p:sldIdLst>
   <p:sldSz cx="12192000" cy="6858000"/>
   <p:notesSz cx="6858000" cy="9144000"/>
@@ -214,7 +212,7 @@
           <a:p>
             <a:fld id="{5B0DAFD6-FAC2-42B7-869F-67A360C20BEA}" type="datetimeFigureOut">
               <a:rPr lang="en-US" smtClean="0"/>
-              <a:t>3/24/2021</a:t>
+              <a:t>11/2/2021</a:t>
             </a:fld>
             <a:endParaRPr lang="en-US"/>
           </a:p>
@@ -612,7 +610,7 @@
           <a:p>
             <a:fld id="{338A3FAA-9C6C-4F9E-8590-40D8D97A52B8}" type="datetimeFigureOut">
               <a:rPr lang="en-US" smtClean="0"/>
-              <a:t>3/24/2021</a:t>
+              <a:t>11/2/2021</a:t>
             </a:fld>
             <a:endParaRPr lang="en-US"/>
           </a:p>
@@ -780,7 +778,7 @@
           <a:p>
             <a:fld id="{338A3FAA-9C6C-4F9E-8590-40D8D97A52B8}" type="datetimeFigureOut">
               <a:rPr lang="en-US" smtClean="0"/>
-              <a:t>3/24/2021</a:t>
+              <a:t>11/2/2021</a:t>
             </a:fld>
             <a:endParaRPr lang="en-US"/>
           </a:p>
@@ -958,7 +956,7 @@
           <a:p>
             <a:fld id="{338A3FAA-9C6C-4F9E-8590-40D8D97A52B8}" type="datetimeFigureOut">
               <a:rPr lang="en-US" smtClean="0"/>
-              <a:t>3/24/2021</a:t>
+              <a:t>11/2/2021</a:t>
             </a:fld>
             <a:endParaRPr lang="en-US"/>
           </a:p>
@@ -1126,7 +1124,7 @@
           <a:p>
             <a:fld id="{338A3FAA-9C6C-4F9E-8590-40D8D97A52B8}" type="datetimeFigureOut">
               <a:rPr lang="en-US" smtClean="0"/>
-              <a:t>3/24/2021</a:t>
+              <a:t>11/2/2021</a:t>
             </a:fld>
             <a:endParaRPr lang="en-US"/>
           </a:p>
@@ -1371,7 +1369,7 @@
           <a:p>
             <a:fld id="{338A3FAA-9C6C-4F9E-8590-40D8D97A52B8}" type="datetimeFigureOut">
               <a:rPr lang="en-US" smtClean="0"/>
-              <a:t>3/24/2021</a:t>
+              <a:t>11/2/2021</a:t>
             </a:fld>
             <a:endParaRPr lang="en-US"/>
           </a:p>
@@ -1600,7 +1598,7 @@
           <a:p>
             <a:fld id="{338A3FAA-9C6C-4F9E-8590-40D8D97A52B8}" type="datetimeFigureOut">
               <a:rPr lang="en-US" smtClean="0"/>
-              <a:t>3/24/2021</a:t>
+              <a:t>11/2/2021</a:t>
             </a:fld>
             <a:endParaRPr lang="en-US"/>
           </a:p>
@@ -1964,7 +1962,7 @@
           <a:p>
             <a:fld id="{338A3FAA-9C6C-4F9E-8590-40D8D97A52B8}" type="datetimeFigureOut">
               <a:rPr lang="en-US" smtClean="0"/>
-              <a:t>3/24/2021</a:t>
+              <a:t>11/2/2021</a:t>
             </a:fld>
             <a:endParaRPr lang="en-US"/>
           </a:p>
@@ -2081,7 +2079,7 @@
           <a:p>
             <a:fld id="{338A3FAA-9C6C-4F9E-8590-40D8D97A52B8}" type="datetimeFigureOut">
               <a:rPr lang="en-US" smtClean="0"/>
-              <a:t>3/24/2021</a:t>
+              <a:t>11/2/2021</a:t>
             </a:fld>
             <a:endParaRPr lang="en-US"/>
           </a:p>
@@ -2176,7 +2174,7 @@
           <a:p>
             <a:fld id="{338A3FAA-9C6C-4F9E-8590-40D8D97A52B8}" type="datetimeFigureOut">
               <a:rPr lang="en-US" smtClean="0"/>
-              <a:t>3/24/2021</a:t>
+              <a:t>11/2/2021</a:t>
             </a:fld>
             <a:endParaRPr lang="en-US"/>
           </a:p>
@@ -2451,7 +2449,7 @@
           <a:p>
             <a:fld id="{338A3FAA-9C6C-4F9E-8590-40D8D97A52B8}" type="datetimeFigureOut">
               <a:rPr lang="en-US" smtClean="0"/>
-              <a:t>3/24/2021</a:t>
+              <a:t>11/2/2021</a:t>
             </a:fld>
             <a:endParaRPr lang="en-US"/>
           </a:p>
@@ -2703,7 +2701,7 @@
           <a:p>
             <a:fld id="{338A3FAA-9C6C-4F9E-8590-40D8D97A52B8}" type="datetimeFigureOut">
               <a:rPr lang="en-US" smtClean="0"/>
-              <a:t>3/24/2021</a:t>
+              <a:t>11/2/2021</a:t>
             </a:fld>
             <a:endParaRPr lang="en-US"/>
           </a:p>
@@ -2914,7 +2912,7 @@
           <a:p>
             <a:fld id="{338A3FAA-9C6C-4F9E-8590-40D8D97A52B8}" type="datetimeFigureOut">
               <a:rPr lang="en-US" smtClean="0"/>
-              <a:t>3/24/2021</a:t>
+              <a:t>11/2/2021</a:t>
             </a:fld>
             <a:endParaRPr lang="en-US"/>
           </a:p>
@@ -3344,6 +3342,10 @@
               </a:rPr>
               <a:t>Computer Graphics</a:t>
             </a:r>
+            <a:r>
+              <a:rPr lang="en-US" dirty="0"/>
+              <a:t/>
+            </a:r>
             <a:br>
               <a:rPr lang="en-US" dirty="0"/>
             </a:br>
@@ -3405,2923 +3407,6 @@
 </file>
 
 <file path=ppt/slides/slide10.xml><?xml version="1.0" encoding="utf-8"?>
-<p:sld xmlns:a="http://schemas.openxmlformats.org/drawingml/2006/main" xmlns:r="http://schemas.openxmlformats.org/officeDocument/2006/relationships" xmlns:p="http://schemas.openxmlformats.org/presentationml/2006/main">
-  <p:cSld>
-    <p:spTree>
-      <p:nvGrpSpPr>
-        <p:cNvPr id="1" name=""/>
-        <p:cNvGrpSpPr/>
-        <p:nvPr/>
-      </p:nvGrpSpPr>
-      <p:grpSpPr>
-        <a:xfrm>
-          <a:off x="0" y="0"/>
-          <a:ext cx="0" cy="0"/>
-          <a:chOff x="0" y="0"/>
-          <a:chExt cx="0" cy="0"/>
-        </a:xfrm>
-      </p:grpSpPr>
-      <p:sp>
-        <p:nvSpPr>
-          <p:cNvPr id="2" name="Title 1"/>
-          <p:cNvSpPr>
-            <a:spLocks noGrp="1"/>
-          </p:cNvSpPr>
-          <p:nvPr>
-            <p:ph type="title"/>
-          </p:nvPr>
-        </p:nvSpPr>
-        <p:spPr/>
-        <p:txBody>
-          <a:bodyPr>
-            <a:normAutofit/>
-          </a:bodyPr>
-          <a:lstStyle/>
-          <a:p>
-            <a:r>
-              <a:rPr lang="hu-HU" dirty="0" err="1">
-                <a:latin typeface="Consolas" panose="020B0609020204030204" pitchFamily="49" charset="0"/>
-                <a:cs typeface="Consolas" panose="020B0609020204030204" pitchFamily="49" charset="0"/>
-              </a:rPr>
-              <a:t>MultiMesh.kt</a:t>
-            </a:r>
-            <a:endParaRPr lang="en-US" dirty="0"/>
-          </a:p>
-        </p:txBody>
-      </p:sp>
-      <p:sp>
-        <p:nvSpPr>
-          <p:cNvPr id="3" name="Rectangle 2"/>
-          <p:cNvSpPr/>
-          <p:nvPr/>
-        </p:nvSpPr>
-        <p:spPr>
-          <a:xfrm>
-            <a:off x="1524000" y="1905000"/>
-            <a:ext cx="9144000" cy="4953000"/>
-          </a:xfrm>
-          <a:prstGeom prst="rect">
-            <a:avLst/>
-          </a:prstGeom>
-          <a:solidFill>
-            <a:schemeClr val="accent4">
-              <a:lumMod val="20000"/>
-              <a:lumOff val="80000"/>
-            </a:schemeClr>
-          </a:solidFill>
-        </p:spPr>
-        <p:style>
-          <a:lnRef idx="2">
-            <a:schemeClr val="accent1">
-              <a:shade val="50000"/>
-            </a:schemeClr>
-          </a:lnRef>
-          <a:fillRef idx="1">
-            <a:schemeClr val="accent1"/>
-          </a:fillRef>
-          <a:effectRef idx="0">
-            <a:schemeClr val="accent1"/>
-          </a:effectRef>
-          <a:fontRef idx="minor">
-            <a:schemeClr val="lt1"/>
-          </a:fontRef>
-        </p:style>
-        <p:txBody>
-          <a:bodyPr rtlCol="0" anchor="ctr"/>
-          <a:lstStyle/>
-          <a:p>
-            <a:pPr>
-              <a:lnSpc>
-                <a:spcPct val="107000"/>
-              </a:lnSpc>
-              <a:tabLst>
-                <a:tab pos="581660" algn="l"/>
-                <a:tab pos="1163320" algn="l"/>
-                <a:tab pos="1744980" algn="l"/>
-                <a:tab pos="2326640" algn="l"/>
-                <a:tab pos="2908300" algn="l"/>
-                <a:tab pos="3489960" algn="l"/>
-                <a:tab pos="4071620" algn="l"/>
-                <a:tab pos="4653280" algn="l"/>
-                <a:tab pos="5234940" algn="l"/>
-                <a:tab pos="5816600" algn="l"/>
-                <a:tab pos="6398260" algn="l"/>
-                <a:tab pos="6979920" algn="l"/>
-                <a:tab pos="7561580" algn="l"/>
-                <a:tab pos="8143240" algn="l"/>
-                <a:tab pos="8724900" algn="l"/>
-                <a:tab pos="9306560" algn="l"/>
-              </a:tabLst>
-            </a:pPr>
-            <a:r>
-              <a:rPr lang="en-US" sz="2000" dirty="0">
-                <a:solidFill>
-                  <a:srgbClr val="C70040"/>
-                </a:solidFill>
-                <a:latin typeface="Consolas" panose="020B0609020204030204" pitchFamily="49" charset="0"/>
-                <a:ea typeface="Times New Roman" panose="02020603050405020304" pitchFamily="18" charset="0"/>
-                <a:cs typeface="Times New Roman" panose="02020603050405020304" pitchFamily="18" charset="0"/>
-              </a:rPr>
-              <a:t>class </a:t>
-            </a:r>
-            <a:r>
-              <a:rPr lang="en-US" sz="2000" dirty="0" err="1">
-                <a:solidFill>
-                  <a:srgbClr val="000000"/>
-                </a:solidFill>
-                <a:latin typeface="Consolas" panose="020B0609020204030204" pitchFamily="49" charset="0"/>
-                <a:ea typeface="Times New Roman" panose="02020603050405020304" pitchFamily="18" charset="0"/>
-                <a:cs typeface="Times New Roman" panose="02020603050405020304" pitchFamily="18" charset="0"/>
-              </a:rPr>
-              <a:t>MultiMesh</a:t>
-            </a:r>
-            <a:r>
-              <a:rPr lang="en-US" sz="2000" dirty="0">
-                <a:solidFill>
-                  <a:srgbClr val="000000"/>
-                </a:solidFill>
-                <a:latin typeface="Consolas" panose="020B0609020204030204" pitchFamily="49" charset="0"/>
-                <a:ea typeface="Times New Roman" panose="02020603050405020304" pitchFamily="18" charset="0"/>
-                <a:cs typeface="Times New Roman" panose="02020603050405020304" pitchFamily="18" charset="0"/>
-              </a:rPr>
-              <a:t>(</a:t>
-            </a:r>
-          </a:p>
-          <a:p>
-            <a:pPr>
-              <a:lnSpc>
-                <a:spcPct val="107000"/>
-              </a:lnSpc>
-              <a:tabLst>
-                <a:tab pos="581660" algn="l"/>
-                <a:tab pos="1163320" algn="l"/>
-                <a:tab pos="1744980" algn="l"/>
-                <a:tab pos="2326640" algn="l"/>
-                <a:tab pos="2908300" algn="l"/>
-                <a:tab pos="3489960" algn="l"/>
-                <a:tab pos="4071620" algn="l"/>
-                <a:tab pos="4653280" algn="l"/>
-                <a:tab pos="5234940" algn="l"/>
-                <a:tab pos="5816600" algn="l"/>
-                <a:tab pos="6398260" algn="l"/>
-                <a:tab pos="6979920" algn="l"/>
-                <a:tab pos="7561580" algn="l"/>
-                <a:tab pos="8143240" algn="l"/>
-                <a:tab pos="8724900" algn="l"/>
-                <a:tab pos="9306560" algn="l"/>
-              </a:tabLst>
-            </a:pPr>
-            <a:r>
-              <a:rPr lang="en-US" sz="2000" dirty="0">
-                <a:solidFill>
-                  <a:srgbClr val="000000"/>
-                </a:solidFill>
-                <a:latin typeface="Consolas" panose="020B0609020204030204" pitchFamily="49" charset="0"/>
-                <a:cs typeface="Times New Roman" panose="02020603050405020304" pitchFamily="18" charset="0"/>
-              </a:rPr>
-              <a:t>  </a:t>
-            </a:r>
-            <a:r>
-              <a:rPr lang="en-US" sz="2000" i="1" dirty="0">
-                <a:solidFill>
-                  <a:srgbClr val="CB6500"/>
-                </a:solidFill>
-                <a:latin typeface="Consolas" panose="020B0609020204030204" pitchFamily="49" charset="0"/>
-                <a:cs typeface="Times New Roman" panose="02020603050405020304" pitchFamily="18" charset="0"/>
-              </a:rPr>
-              <a:t>materials</a:t>
-            </a:r>
-            <a:r>
-              <a:rPr lang="en-US" sz="2000" dirty="0">
-                <a:solidFill>
-                  <a:srgbClr val="000000"/>
-                </a:solidFill>
-                <a:latin typeface="Consolas" panose="020B0609020204030204" pitchFamily="49" charset="0"/>
-                <a:cs typeface="Times New Roman" panose="02020603050405020304" pitchFamily="18" charset="0"/>
-              </a:rPr>
-              <a:t> : </a:t>
-            </a:r>
-            <a:r>
-              <a:rPr lang="en-US" sz="2000" i="1" dirty="0">
-                <a:solidFill>
-                  <a:srgbClr val="34A7BD"/>
-                </a:solidFill>
-                <a:latin typeface="Consolas" panose="020B0609020204030204" pitchFamily="49" charset="0"/>
-                <a:cs typeface="Times New Roman" panose="02020603050405020304" pitchFamily="18" charset="0"/>
-              </a:rPr>
-              <a:t>Array</a:t>
-            </a:r>
-            <a:r>
-              <a:rPr lang="en-US" sz="2000" dirty="0">
-                <a:solidFill>
-                  <a:srgbClr val="000000"/>
-                </a:solidFill>
-                <a:latin typeface="Consolas" panose="020B0609020204030204" pitchFamily="49" charset="0"/>
-                <a:cs typeface="Times New Roman" panose="02020603050405020304" pitchFamily="18" charset="0"/>
-              </a:rPr>
-              <a:t>&lt;Material&gt;,</a:t>
-            </a:r>
-          </a:p>
-          <a:p>
-            <a:pPr>
-              <a:lnSpc>
-                <a:spcPct val="107000"/>
-              </a:lnSpc>
-              <a:tabLst>
-                <a:tab pos="581660" algn="l"/>
-                <a:tab pos="1163320" algn="l"/>
-                <a:tab pos="1744980" algn="l"/>
-                <a:tab pos="2326640" algn="l"/>
-                <a:tab pos="2908300" algn="l"/>
-                <a:tab pos="3489960" algn="l"/>
-                <a:tab pos="4071620" algn="l"/>
-                <a:tab pos="4653280" algn="l"/>
-                <a:tab pos="5234940" algn="l"/>
-                <a:tab pos="5816600" algn="l"/>
-                <a:tab pos="6398260" algn="l"/>
-                <a:tab pos="6979920" algn="l"/>
-                <a:tab pos="7561580" algn="l"/>
-                <a:tab pos="8143240" algn="l"/>
-                <a:tab pos="8724900" algn="l"/>
-                <a:tab pos="9306560" algn="l"/>
-              </a:tabLst>
-            </a:pPr>
-            <a:r>
-              <a:rPr lang="en-US" sz="2000" dirty="0">
-                <a:solidFill>
-                  <a:srgbClr val="000000"/>
-                </a:solidFill>
-                <a:latin typeface="Consolas" panose="020B0609020204030204" pitchFamily="49" charset="0"/>
-                <a:cs typeface="Times New Roman" panose="02020603050405020304" pitchFamily="18" charset="0"/>
-              </a:rPr>
-              <a:t>  </a:t>
-            </a:r>
-            <a:r>
-              <a:rPr lang="en-US" sz="2000" i="1" dirty="0">
-                <a:solidFill>
-                  <a:srgbClr val="CB6500"/>
-                </a:solidFill>
-                <a:latin typeface="Consolas" panose="020B0609020204030204" pitchFamily="49" charset="0"/>
-                <a:cs typeface="Times New Roman" panose="02020603050405020304" pitchFamily="18" charset="0"/>
-              </a:rPr>
-              <a:t>geometries</a:t>
-            </a:r>
-            <a:r>
-              <a:rPr lang="en-US" sz="2000" dirty="0">
-                <a:solidFill>
-                  <a:srgbClr val="000000"/>
-                </a:solidFill>
-                <a:latin typeface="Consolas" panose="020B0609020204030204" pitchFamily="49" charset="0"/>
-                <a:cs typeface="Times New Roman" panose="02020603050405020304" pitchFamily="18" charset="0"/>
-              </a:rPr>
-              <a:t> : </a:t>
-            </a:r>
-            <a:r>
-              <a:rPr lang="en-US" sz="2000" i="1" dirty="0">
-                <a:solidFill>
-                  <a:srgbClr val="34A7BD"/>
-                </a:solidFill>
-                <a:latin typeface="Consolas" panose="020B0609020204030204" pitchFamily="49" charset="0"/>
-                <a:cs typeface="Times New Roman" panose="02020603050405020304" pitchFamily="18" charset="0"/>
-              </a:rPr>
-              <a:t>Array</a:t>
-            </a:r>
-            <a:r>
-              <a:rPr lang="en-US" sz="2000" dirty="0">
-                <a:solidFill>
-                  <a:srgbClr val="000000"/>
-                </a:solidFill>
-                <a:latin typeface="Consolas" panose="020B0609020204030204" pitchFamily="49" charset="0"/>
-                <a:cs typeface="Times New Roman" panose="02020603050405020304" pitchFamily="18" charset="0"/>
-              </a:rPr>
-              <a:t>&lt;Geometry&gt;</a:t>
-            </a:r>
-          </a:p>
-          <a:p>
-            <a:pPr>
-              <a:lnSpc>
-                <a:spcPct val="107000"/>
-              </a:lnSpc>
-              <a:tabLst>
-                <a:tab pos="581660" algn="l"/>
-                <a:tab pos="1163320" algn="l"/>
-                <a:tab pos="1744980" algn="l"/>
-                <a:tab pos="2326640" algn="l"/>
-                <a:tab pos="2908300" algn="l"/>
-                <a:tab pos="3489960" algn="l"/>
-                <a:tab pos="4071620" algn="l"/>
-                <a:tab pos="4653280" algn="l"/>
-                <a:tab pos="5234940" algn="l"/>
-                <a:tab pos="5816600" algn="l"/>
-                <a:tab pos="6398260" algn="l"/>
-                <a:tab pos="6979920" algn="l"/>
-                <a:tab pos="7561580" algn="l"/>
-                <a:tab pos="8143240" algn="l"/>
-                <a:tab pos="8724900" algn="l"/>
-                <a:tab pos="9306560" algn="l"/>
-              </a:tabLst>
-            </a:pPr>
-            <a:r>
-              <a:rPr lang="en-US" sz="2000" dirty="0">
-                <a:solidFill>
-                  <a:srgbClr val="000000"/>
-                </a:solidFill>
-                <a:latin typeface="Consolas" panose="020B0609020204030204" pitchFamily="49" charset="0"/>
-                <a:ea typeface="Times New Roman" panose="02020603050405020304" pitchFamily="18" charset="0"/>
-                <a:cs typeface="Times New Roman" panose="02020603050405020304" pitchFamily="18" charset="0"/>
-              </a:rPr>
-              <a:t>  ) </a:t>
-            </a:r>
-            <a:r>
-              <a:rPr lang="en-US" sz="2000" dirty="0">
-                <a:solidFill>
-                  <a:srgbClr val="C70040"/>
-                </a:solidFill>
-                <a:latin typeface="Consolas" panose="020B0609020204030204" pitchFamily="49" charset="0"/>
-                <a:ea typeface="Times New Roman" panose="02020603050405020304" pitchFamily="18" charset="0"/>
-                <a:cs typeface="Times New Roman" panose="02020603050405020304" pitchFamily="18" charset="0"/>
-              </a:rPr>
-              <a:t>: </a:t>
-            </a:r>
-            <a:r>
-              <a:rPr lang="en-US" sz="2000" i="1" dirty="0" err="1">
-                <a:solidFill>
-                  <a:srgbClr val="427E00"/>
-                </a:solidFill>
-                <a:latin typeface="Consolas" panose="020B0609020204030204" pitchFamily="49" charset="0"/>
-                <a:ea typeface="Times New Roman" panose="02020603050405020304" pitchFamily="18" charset="0"/>
-                <a:cs typeface="Times New Roman" panose="02020603050405020304" pitchFamily="18" charset="0"/>
-              </a:rPr>
-              <a:t>UniformProvider</a:t>
-            </a:r>
-            <a:r>
-              <a:rPr lang="en-US" sz="2000" dirty="0">
-                <a:solidFill>
-                  <a:srgbClr val="000000"/>
-                </a:solidFill>
-                <a:latin typeface="Consolas" panose="020B0609020204030204" pitchFamily="49" charset="0"/>
-                <a:ea typeface="Times New Roman" panose="02020603050405020304" pitchFamily="18" charset="0"/>
-                <a:cs typeface="Times New Roman" panose="02020603050405020304" pitchFamily="18" charset="0"/>
-              </a:rPr>
-              <a:t>(</a:t>
-            </a:r>
-            <a:r>
-              <a:rPr lang="en-US" sz="2000" dirty="0">
-                <a:solidFill>
-                  <a:srgbClr val="8F8634"/>
-                </a:solidFill>
-                <a:latin typeface="Consolas" panose="020B0609020204030204" pitchFamily="49" charset="0"/>
-                <a:ea typeface="Times New Roman" panose="02020603050405020304" pitchFamily="18" charset="0"/>
-                <a:cs typeface="Times New Roman" panose="02020603050405020304" pitchFamily="18" charset="0"/>
-              </a:rPr>
-              <a:t>"</a:t>
-            </a:r>
-            <a:r>
-              <a:rPr lang="en-US" sz="2000" dirty="0" err="1">
-                <a:solidFill>
-                  <a:srgbClr val="8F8634"/>
-                </a:solidFill>
-                <a:latin typeface="Consolas" panose="020B0609020204030204" pitchFamily="49" charset="0"/>
-                <a:ea typeface="Times New Roman" panose="02020603050405020304" pitchFamily="18" charset="0"/>
-                <a:cs typeface="Times New Roman" panose="02020603050405020304" pitchFamily="18" charset="0"/>
-              </a:rPr>
-              <a:t>multiMesh</a:t>
-            </a:r>
-            <a:r>
-              <a:rPr lang="en-US" sz="2000" dirty="0">
-                <a:solidFill>
-                  <a:srgbClr val="8F8634"/>
-                </a:solidFill>
-                <a:latin typeface="Consolas" panose="020B0609020204030204" pitchFamily="49" charset="0"/>
-                <a:ea typeface="Times New Roman" panose="02020603050405020304" pitchFamily="18" charset="0"/>
-                <a:cs typeface="Times New Roman" panose="02020603050405020304" pitchFamily="18" charset="0"/>
-              </a:rPr>
-              <a:t>"</a:t>
-            </a:r>
-            <a:r>
-              <a:rPr lang="en-US" sz="2000" dirty="0">
-                <a:solidFill>
-                  <a:srgbClr val="000000"/>
-                </a:solidFill>
-                <a:latin typeface="Consolas" panose="020B0609020204030204" pitchFamily="49" charset="0"/>
-                <a:ea typeface="Times New Roman" panose="02020603050405020304" pitchFamily="18" charset="0"/>
-                <a:cs typeface="Times New Roman" panose="02020603050405020304" pitchFamily="18" charset="0"/>
-              </a:rPr>
-              <a:t>) {</a:t>
-            </a:r>
-            <a:endParaRPr lang="en-US" sz="2000" dirty="0">
-              <a:latin typeface="Calibri" panose="020F0502020204030204" pitchFamily="34" charset="0"/>
-              <a:ea typeface="Calibri" panose="020F0502020204030204" pitchFamily="34" charset="0"/>
-              <a:cs typeface="Times New Roman" panose="02020603050405020304" pitchFamily="18" charset="0"/>
-            </a:endParaRPr>
-          </a:p>
-          <a:p>
-            <a:pPr>
-              <a:lnSpc>
-                <a:spcPct val="107000"/>
-              </a:lnSpc>
-              <a:tabLst>
-                <a:tab pos="581660" algn="l"/>
-                <a:tab pos="1163320" algn="l"/>
-                <a:tab pos="1744980" algn="l"/>
-                <a:tab pos="2326640" algn="l"/>
-                <a:tab pos="2908300" algn="l"/>
-                <a:tab pos="3489960" algn="l"/>
-                <a:tab pos="4071620" algn="l"/>
-                <a:tab pos="4653280" algn="l"/>
-                <a:tab pos="5234940" algn="l"/>
-                <a:tab pos="5816600" algn="l"/>
-                <a:tab pos="6398260" algn="l"/>
-                <a:tab pos="6979920" algn="l"/>
-                <a:tab pos="7561580" algn="l"/>
-                <a:tab pos="8143240" algn="l"/>
-                <a:tab pos="8724900" algn="l"/>
-                <a:tab pos="9306560" algn="l"/>
-              </a:tabLst>
-            </a:pPr>
-            <a:endParaRPr lang="en-US" sz="2000" dirty="0">
-              <a:latin typeface="Calibri" panose="020F0502020204030204" pitchFamily="34" charset="0"/>
-              <a:ea typeface="Calibri" panose="020F0502020204030204" pitchFamily="34" charset="0"/>
-              <a:cs typeface="Times New Roman" panose="02020603050405020304" pitchFamily="18" charset="0"/>
-            </a:endParaRPr>
-          </a:p>
-          <a:p>
-            <a:pPr>
-              <a:lnSpc>
-                <a:spcPct val="107000"/>
-              </a:lnSpc>
-              <a:tabLst>
-                <a:tab pos="581660" algn="l"/>
-                <a:tab pos="1163320" algn="l"/>
-                <a:tab pos="1744980" algn="l"/>
-                <a:tab pos="2326640" algn="l"/>
-                <a:tab pos="2908300" algn="l"/>
-                <a:tab pos="3489960" algn="l"/>
-                <a:tab pos="4071620" algn="l"/>
-                <a:tab pos="4653280" algn="l"/>
-                <a:tab pos="5234940" algn="l"/>
-                <a:tab pos="5816600" algn="l"/>
-                <a:tab pos="6398260" algn="l"/>
-                <a:tab pos="6979920" algn="l"/>
-                <a:tab pos="7561580" algn="l"/>
-                <a:tab pos="8143240" algn="l"/>
-                <a:tab pos="8724900" algn="l"/>
-                <a:tab pos="9306560" algn="l"/>
-              </a:tabLst>
-            </a:pPr>
-            <a:r>
-              <a:rPr lang="en-US" sz="2000" dirty="0">
-                <a:solidFill>
-                  <a:srgbClr val="000000"/>
-                </a:solidFill>
-                <a:latin typeface="Consolas" panose="020B0609020204030204" pitchFamily="49" charset="0"/>
-                <a:ea typeface="Times New Roman" panose="02020603050405020304" pitchFamily="18" charset="0"/>
-                <a:cs typeface="Times New Roman" panose="02020603050405020304" pitchFamily="18" charset="0"/>
-              </a:rPr>
-              <a:t>  </a:t>
-            </a:r>
-            <a:r>
-              <a:rPr lang="en-US" sz="2000" dirty="0" err="1">
-                <a:solidFill>
-                  <a:srgbClr val="000000"/>
-                </a:solidFill>
-                <a:latin typeface="Consolas" panose="020B0609020204030204" pitchFamily="49" charset="0"/>
-                <a:ea typeface="Times New Roman" panose="02020603050405020304" pitchFamily="18" charset="0"/>
-                <a:cs typeface="Times New Roman" panose="02020603050405020304" pitchFamily="18" charset="0"/>
-              </a:rPr>
-              <a:t>init</a:t>
-            </a:r>
-            <a:r>
-              <a:rPr lang="en-US" sz="2000" dirty="0">
-                <a:solidFill>
-                  <a:srgbClr val="000000"/>
-                </a:solidFill>
-                <a:latin typeface="Consolas" panose="020B0609020204030204" pitchFamily="49" charset="0"/>
-                <a:ea typeface="Times New Roman" panose="02020603050405020304" pitchFamily="18" charset="0"/>
-                <a:cs typeface="Times New Roman" panose="02020603050405020304" pitchFamily="18" charset="0"/>
-              </a:rPr>
-              <a:t> {</a:t>
-            </a:r>
-          </a:p>
-          <a:p>
-            <a:pPr>
-              <a:lnSpc>
-                <a:spcPct val="107000"/>
-              </a:lnSpc>
-              <a:tabLst>
-                <a:tab pos="581660" algn="l"/>
-                <a:tab pos="1163320" algn="l"/>
-                <a:tab pos="1744980" algn="l"/>
-                <a:tab pos="2326640" algn="l"/>
-                <a:tab pos="2908300" algn="l"/>
-                <a:tab pos="3489960" algn="l"/>
-                <a:tab pos="4071620" algn="l"/>
-                <a:tab pos="4653280" algn="l"/>
-                <a:tab pos="5234940" algn="l"/>
-                <a:tab pos="5816600" algn="l"/>
-                <a:tab pos="6398260" algn="l"/>
-                <a:tab pos="6979920" algn="l"/>
-                <a:tab pos="7561580" algn="l"/>
-                <a:tab pos="8143240" algn="l"/>
-                <a:tab pos="8724900" algn="l"/>
-                <a:tab pos="9306560" algn="l"/>
-              </a:tabLst>
-            </a:pPr>
-            <a:r>
-              <a:rPr lang="en-US" sz="1100" dirty="0">
-                <a:solidFill>
-                  <a:srgbClr val="000000"/>
-                </a:solidFill>
-                <a:latin typeface="Consolas" panose="020B0609020204030204" pitchFamily="49" charset="0"/>
-                <a:ea typeface="Times New Roman" panose="02020603050405020304" pitchFamily="18" charset="0"/>
-                <a:cs typeface="Times New Roman" panose="02020603050405020304" pitchFamily="18" charset="0"/>
-              </a:rPr>
-              <a:t>    </a:t>
-            </a:r>
-            <a:r>
-              <a:rPr lang="en-US" sz="1100" dirty="0">
-                <a:solidFill>
-                  <a:srgbClr val="C70040"/>
-                </a:solidFill>
-                <a:latin typeface="Consolas" panose="020B0609020204030204" pitchFamily="49" charset="0"/>
-                <a:cs typeface="Times New Roman" panose="02020603050405020304" pitchFamily="18" charset="0"/>
-              </a:rPr>
-              <a:t>if</a:t>
-            </a:r>
-            <a:r>
-              <a:rPr lang="en-US" sz="1100" dirty="0">
-                <a:solidFill>
-                  <a:srgbClr val="000000"/>
-                </a:solidFill>
-                <a:latin typeface="Consolas" panose="020B0609020204030204" pitchFamily="49" charset="0"/>
-                <a:ea typeface="Times New Roman" panose="02020603050405020304" pitchFamily="18" charset="0"/>
-                <a:cs typeface="Times New Roman" panose="02020603050405020304" pitchFamily="18" charset="0"/>
-              </a:rPr>
-              <a:t>(</a:t>
-            </a:r>
-            <a:r>
-              <a:rPr lang="en-US" sz="1100" dirty="0" err="1">
-                <a:solidFill>
-                  <a:srgbClr val="000000"/>
-                </a:solidFill>
-                <a:latin typeface="Consolas" panose="020B0609020204030204" pitchFamily="49" charset="0"/>
-                <a:ea typeface="Times New Roman" panose="02020603050405020304" pitchFamily="18" charset="0"/>
-                <a:cs typeface="Times New Roman" panose="02020603050405020304" pitchFamily="18" charset="0"/>
-              </a:rPr>
-              <a:t>materials.size</a:t>
-            </a:r>
-            <a:r>
-              <a:rPr lang="en-US" sz="1100" dirty="0">
-                <a:solidFill>
-                  <a:srgbClr val="000000"/>
-                </a:solidFill>
-                <a:latin typeface="Consolas" panose="020B0609020204030204" pitchFamily="49" charset="0"/>
-                <a:ea typeface="Times New Roman" panose="02020603050405020304" pitchFamily="18" charset="0"/>
-                <a:cs typeface="Times New Roman" panose="02020603050405020304" pitchFamily="18" charset="0"/>
-              </a:rPr>
-              <a:t> </a:t>
-            </a:r>
-            <a:r>
-              <a:rPr lang="en-US" sz="1100" dirty="0">
-                <a:solidFill>
-                  <a:srgbClr val="C70040"/>
-                </a:solidFill>
-                <a:latin typeface="Consolas" panose="020B0609020204030204" pitchFamily="49" charset="0"/>
-                <a:cs typeface="Times New Roman" panose="02020603050405020304" pitchFamily="18" charset="0"/>
-              </a:rPr>
-              <a:t>!=</a:t>
-            </a:r>
-            <a:r>
-              <a:rPr lang="en-US" sz="1100" dirty="0">
-                <a:solidFill>
-                  <a:srgbClr val="000000"/>
-                </a:solidFill>
-                <a:latin typeface="Consolas" panose="020B0609020204030204" pitchFamily="49" charset="0"/>
-                <a:ea typeface="Times New Roman" panose="02020603050405020304" pitchFamily="18" charset="0"/>
-                <a:cs typeface="Times New Roman" panose="02020603050405020304" pitchFamily="18" charset="0"/>
-              </a:rPr>
-              <a:t> </a:t>
-            </a:r>
-            <a:r>
-              <a:rPr lang="en-US" sz="1100" dirty="0" err="1">
-                <a:solidFill>
-                  <a:srgbClr val="000000"/>
-                </a:solidFill>
-                <a:latin typeface="Consolas" panose="020B0609020204030204" pitchFamily="49" charset="0"/>
-                <a:ea typeface="Times New Roman" panose="02020603050405020304" pitchFamily="18" charset="0"/>
-                <a:cs typeface="Times New Roman" panose="02020603050405020304" pitchFamily="18" charset="0"/>
-              </a:rPr>
-              <a:t>geometries.size</a:t>
-            </a:r>
-            <a:r>
-              <a:rPr lang="en-US" sz="1100" dirty="0">
-                <a:solidFill>
-                  <a:srgbClr val="000000"/>
-                </a:solidFill>
-                <a:latin typeface="Consolas" panose="020B0609020204030204" pitchFamily="49" charset="0"/>
-                <a:ea typeface="Times New Roman" panose="02020603050405020304" pitchFamily="18" charset="0"/>
-                <a:cs typeface="Times New Roman" panose="02020603050405020304" pitchFamily="18" charset="0"/>
-              </a:rPr>
-              <a:t>){</a:t>
-            </a:r>
-          </a:p>
-          <a:p>
-            <a:pPr>
-              <a:lnSpc>
-                <a:spcPct val="107000"/>
-              </a:lnSpc>
-              <a:tabLst>
-                <a:tab pos="581660" algn="l"/>
-                <a:tab pos="1163320" algn="l"/>
-                <a:tab pos="1744980" algn="l"/>
-                <a:tab pos="2326640" algn="l"/>
-                <a:tab pos="2908300" algn="l"/>
-                <a:tab pos="3489960" algn="l"/>
-                <a:tab pos="4071620" algn="l"/>
-                <a:tab pos="4653280" algn="l"/>
-                <a:tab pos="5234940" algn="l"/>
-                <a:tab pos="5816600" algn="l"/>
-                <a:tab pos="6398260" algn="l"/>
-                <a:tab pos="6979920" algn="l"/>
-                <a:tab pos="7561580" algn="l"/>
-                <a:tab pos="8143240" algn="l"/>
-                <a:tab pos="8724900" algn="l"/>
-                <a:tab pos="9306560" algn="l"/>
-              </a:tabLst>
-            </a:pPr>
-            <a:r>
-              <a:rPr lang="en-US" sz="1100" dirty="0">
-                <a:solidFill>
-                  <a:srgbClr val="000000"/>
-                </a:solidFill>
-                <a:latin typeface="Consolas" panose="020B0609020204030204" pitchFamily="49" charset="0"/>
-                <a:ea typeface="Times New Roman" panose="02020603050405020304" pitchFamily="18" charset="0"/>
-                <a:cs typeface="Times New Roman" panose="02020603050405020304" pitchFamily="18" charset="0"/>
-              </a:rPr>
-              <a:t>      throw Error</a:t>
-            </a:r>
-            <a:r>
-              <a:rPr lang="en-US" sz="1100" dirty="0">
-                <a:solidFill>
-                  <a:srgbClr val="8F8634"/>
-                </a:solidFill>
-                <a:latin typeface="Consolas" panose="020B0609020204030204" pitchFamily="49" charset="0"/>
-                <a:cs typeface="Times New Roman" panose="02020603050405020304" pitchFamily="18" charset="0"/>
-              </a:rPr>
-              <a:t>("</a:t>
-            </a:r>
-            <a:r>
-              <a:rPr lang="en-US" sz="1100" dirty="0" err="1">
-                <a:solidFill>
-                  <a:srgbClr val="8F8634"/>
-                </a:solidFill>
-                <a:latin typeface="Consolas" panose="020B0609020204030204" pitchFamily="49" charset="0"/>
-                <a:cs typeface="Times New Roman" panose="02020603050405020304" pitchFamily="18" charset="0"/>
-              </a:rPr>
-              <a:t>MultiMesh</a:t>
-            </a:r>
-            <a:r>
-              <a:rPr lang="en-US" sz="1100" dirty="0">
-                <a:solidFill>
-                  <a:srgbClr val="8F8634"/>
-                </a:solidFill>
-                <a:latin typeface="Consolas" panose="020B0609020204030204" pitchFamily="49" charset="0"/>
-                <a:cs typeface="Times New Roman" panose="02020603050405020304" pitchFamily="18" charset="0"/>
-              </a:rPr>
-              <a:t> has ${</a:t>
-            </a:r>
-            <a:r>
-              <a:rPr lang="en-US" sz="1100" dirty="0" err="1">
-                <a:solidFill>
-                  <a:srgbClr val="8F8634"/>
-                </a:solidFill>
-                <a:latin typeface="Consolas" panose="020B0609020204030204" pitchFamily="49" charset="0"/>
-                <a:cs typeface="Times New Roman" panose="02020603050405020304" pitchFamily="18" charset="0"/>
-              </a:rPr>
-              <a:t>geometries.size</a:t>
-            </a:r>
-            <a:r>
-              <a:rPr lang="en-US" sz="1100" dirty="0">
-                <a:solidFill>
-                  <a:srgbClr val="8F8634"/>
-                </a:solidFill>
-                <a:latin typeface="Consolas" panose="020B0609020204030204" pitchFamily="49" charset="0"/>
-                <a:cs typeface="Times New Roman" panose="02020603050405020304" pitchFamily="18" charset="0"/>
-              </a:rPr>
-              <a:t>} geometries, but ${</a:t>
-            </a:r>
-            <a:r>
-              <a:rPr lang="en-US" sz="1100" dirty="0" err="1">
-                <a:solidFill>
-                  <a:srgbClr val="8F8634"/>
-                </a:solidFill>
-                <a:latin typeface="Consolas" panose="020B0609020204030204" pitchFamily="49" charset="0"/>
-                <a:cs typeface="Times New Roman" panose="02020603050405020304" pitchFamily="18" charset="0"/>
-              </a:rPr>
-              <a:t>materials.size</a:t>
-            </a:r>
-            <a:r>
-              <a:rPr lang="en-US" sz="1100" dirty="0">
-                <a:solidFill>
-                  <a:srgbClr val="8F8634"/>
-                </a:solidFill>
-                <a:latin typeface="Consolas" panose="020B0609020204030204" pitchFamily="49" charset="0"/>
-                <a:cs typeface="Times New Roman" panose="02020603050405020304" pitchFamily="18" charset="0"/>
-              </a:rPr>
-              <a:t>} materials were provided."</a:t>
-            </a:r>
-            <a:r>
-              <a:rPr lang="en-US" sz="1100" dirty="0">
-                <a:solidFill>
-                  <a:srgbClr val="000000"/>
-                </a:solidFill>
-                <a:latin typeface="Consolas" panose="020B0609020204030204" pitchFamily="49" charset="0"/>
-                <a:ea typeface="Times New Roman" panose="02020603050405020304" pitchFamily="18" charset="0"/>
-                <a:cs typeface="Times New Roman" panose="02020603050405020304" pitchFamily="18" charset="0"/>
-              </a:rPr>
-              <a:t>)</a:t>
-            </a:r>
-          </a:p>
-          <a:p>
-            <a:pPr>
-              <a:lnSpc>
-                <a:spcPct val="107000"/>
-              </a:lnSpc>
-              <a:tabLst>
-                <a:tab pos="581660" algn="l"/>
-                <a:tab pos="1163320" algn="l"/>
-                <a:tab pos="1744980" algn="l"/>
-                <a:tab pos="2326640" algn="l"/>
-                <a:tab pos="2908300" algn="l"/>
-                <a:tab pos="3489960" algn="l"/>
-                <a:tab pos="4071620" algn="l"/>
-                <a:tab pos="4653280" algn="l"/>
-                <a:tab pos="5234940" algn="l"/>
-                <a:tab pos="5816600" algn="l"/>
-                <a:tab pos="6398260" algn="l"/>
-                <a:tab pos="6979920" algn="l"/>
-                <a:tab pos="7561580" algn="l"/>
-                <a:tab pos="8143240" algn="l"/>
-                <a:tab pos="8724900" algn="l"/>
-                <a:tab pos="9306560" algn="l"/>
-              </a:tabLst>
-            </a:pPr>
-            <a:r>
-              <a:rPr lang="en-US" sz="1100" dirty="0">
-                <a:solidFill>
-                  <a:srgbClr val="000000"/>
-                </a:solidFill>
-                <a:latin typeface="Consolas" panose="020B0609020204030204" pitchFamily="49" charset="0"/>
-                <a:ea typeface="Times New Roman" panose="02020603050405020304" pitchFamily="18" charset="0"/>
-                <a:cs typeface="Times New Roman" panose="02020603050405020304" pitchFamily="18" charset="0"/>
-              </a:rPr>
-              <a:t>    }</a:t>
-            </a:r>
-          </a:p>
-          <a:p>
-            <a:pPr>
-              <a:lnSpc>
-                <a:spcPct val="107000"/>
-              </a:lnSpc>
-              <a:tabLst>
-                <a:tab pos="581660" algn="l"/>
-                <a:tab pos="1163320" algn="l"/>
-                <a:tab pos="1744980" algn="l"/>
-                <a:tab pos="2326640" algn="l"/>
-                <a:tab pos="2908300" algn="l"/>
-                <a:tab pos="3489960" algn="l"/>
-                <a:tab pos="4071620" algn="l"/>
-                <a:tab pos="4653280" algn="l"/>
-                <a:tab pos="5234940" algn="l"/>
-                <a:tab pos="5816600" algn="l"/>
-                <a:tab pos="6398260" algn="l"/>
-                <a:tab pos="6979920" algn="l"/>
-                <a:tab pos="7561580" algn="l"/>
-                <a:tab pos="8143240" algn="l"/>
-                <a:tab pos="8724900" algn="l"/>
-                <a:tab pos="9306560" algn="l"/>
-              </a:tabLst>
-            </a:pPr>
-            <a:r>
-              <a:rPr lang="en-US" sz="2000" dirty="0">
-                <a:solidFill>
-                  <a:srgbClr val="000000"/>
-                </a:solidFill>
-                <a:latin typeface="Consolas" panose="020B0609020204030204" pitchFamily="49" charset="0"/>
-                <a:ea typeface="Times New Roman" panose="02020603050405020304" pitchFamily="18" charset="0"/>
-                <a:cs typeface="Times New Roman" panose="02020603050405020304" pitchFamily="18" charset="0"/>
-              </a:rPr>
-              <a:t>    </a:t>
-            </a:r>
-            <a:r>
-              <a:rPr lang="en-US" sz="2000" dirty="0" err="1">
-                <a:solidFill>
-                  <a:srgbClr val="C70040"/>
-                </a:solidFill>
-                <a:latin typeface="Consolas" panose="020B0609020204030204" pitchFamily="49" charset="0"/>
-                <a:cs typeface="Times New Roman" panose="02020603050405020304" pitchFamily="18" charset="0"/>
-              </a:rPr>
-              <a:t>val</a:t>
-            </a:r>
-            <a:r>
-              <a:rPr lang="en-US" sz="2000" dirty="0">
-                <a:solidFill>
-                  <a:srgbClr val="000000"/>
-                </a:solidFill>
-                <a:latin typeface="Consolas" panose="020B0609020204030204" pitchFamily="49" charset="0"/>
-                <a:ea typeface="Times New Roman" panose="02020603050405020304" pitchFamily="18" charset="0"/>
-                <a:cs typeface="Times New Roman" panose="02020603050405020304" pitchFamily="18" charset="0"/>
-              </a:rPr>
-              <a:t> </a:t>
-            </a:r>
-            <a:r>
-              <a:rPr lang="en-US" sz="2000" dirty="0" err="1">
-                <a:solidFill>
-                  <a:srgbClr val="000000"/>
-                </a:solidFill>
-                <a:latin typeface="Consolas" panose="020B0609020204030204" pitchFamily="49" charset="0"/>
-                <a:ea typeface="Times New Roman" panose="02020603050405020304" pitchFamily="18" charset="0"/>
-                <a:cs typeface="Times New Roman" panose="02020603050405020304" pitchFamily="18" charset="0"/>
-              </a:rPr>
-              <a:t>submeshes</a:t>
-            </a:r>
-            <a:r>
-              <a:rPr lang="en-US" sz="2000" dirty="0">
-                <a:solidFill>
-                  <a:srgbClr val="000000"/>
-                </a:solidFill>
-                <a:latin typeface="Consolas" panose="020B0609020204030204" pitchFamily="49" charset="0"/>
-                <a:ea typeface="Times New Roman" panose="02020603050405020304" pitchFamily="18" charset="0"/>
-                <a:cs typeface="Times New Roman" panose="02020603050405020304" pitchFamily="18" charset="0"/>
-              </a:rPr>
-              <a:t> = Array&lt;Mesh&gt;(</a:t>
-            </a:r>
-            <a:r>
-              <a:rPr lang="en-US" sz="2000" dirty="0" err="1">
-                <a:solidFill>
-                  <a:srgbClr val="000000"/>
-                </a:solidFill>
-                <a:latin typeface="Consolas" panose="020B0609020204030204" pitchFamily="49" charset="0"/>
-                <a:ea typeface="Times New Roman" panose="02020603050405020304" pitchFamily="18" charset="0"/>
-                <a:cs typeface="Times New Roman" panose="02020603050405020304" pitchFamily="18" charset="0"/>
-              </a:rPr>
-              <a:t>geometries</a:t>
-            </a:r>
-            <a:r>
-              <a:rPr lang="en-US" sz="2000" dirty="0" err="1">
-                <a:solidFill>
-                  <a:srgbClr val="C70040"/>
-                </a:solidFill>
-                <a:latin typeface="Consolas" panose="020B0609020204030204" pitchFamily="49" charset="0"/>
-                <a:cs typeface="Times New Roman" panose="02020603050405020304" pitchFamily="18" charset="0"/>
-              </a:rPr>
-              <a:t>.</a:t>
-            </a:r>
-            <a:r>
-              <a:rPr lang="en-US" sz="2000" dirty="0" err="1">
-                <a:solidFill>
-                  <a:srgbClr val="000000"/>
-                </a:solidFill>
-                <a:latin typeface="Consolas" panose="020B0609020204030204" pitchFamily="49" charset="0"/>
-                <a:ea typeface="Times New Roman" panose="02020603050405020304" pitchFamily="18" charset="0"/>
-                <a:cs typeface="Times New Roman" panose="02020603050405020304" pitchFamily="18" charset="0"/>
-              </a:rPr>
-              <a:t>size</a:t>
-            </a:r>
-            <a:r>
-              <a:rPr lang="en-US" sz="2000" dirty="0">
-                <a:solidFill>
-                  <a:srgbClr val="000000"/>
-                </a:solidFill>
-                <a:latin typeface="Consolas" panose="020B0609020204030204" pitchFamily="49" charset="0"/>
-                <a:ea typeface="Times New Roman" panose="02020603050405020304" pitchFamily="18" charset="0"/>
-                <a:cs typeface="Times New Roman" panose="02020603050405020304" pitchFamily="18" charset="0"/>
-              </a:rPr>
-              <a:t>) {</a:t>
-            </a:r>
-          </a:p>
-          <a:p>
-            <a:pPr>
-              <a:lnSpc>
-                <a:spcPct val="107000"/>
-              </a:lnSpc>
-              <a:tabLst>
-                <a:tab pos="581660" algn="l"/>
-                <a:tab pos="1163320" algn="l"/>
-                <a:tab pos="1744980" algn="l"/>
-                <a:tab pos="2326640" algn="l"/>
-                <a:tab pos="2908300" algn="l"/>
-                <a:tab pos="3489960" algn="l"/>
-                <a:tab pos="4071620" algn="l"/>
-                <a:tab pos="4653280" algn="l"/>
-                <a:tab pos="5234940" algn="l"/>
-                <a:tab pos="5816600" algn="l"/>
-                <a:tab pos="6398260" algn="l"/>
-                <a:tab pos="6979920" algn="l"/>
-                <a:tab pos="7561580" algn="l"/>
-                <a:tab pos="8143240" algn="l"/>
-                <a:tab pos="8724900" algn="l"/>
-                <a:tab pos="9306560" algn="l"/>
-              </a:tabLst>
-            </a:pPr>
-            <a:r>
-              <a:rPr lang="en-US" sz="2000" dirty="0">
-                <a:solidFill>
-                  <a:srgbClr val="000000"/>
-                </a:solidFill>
-                <a:latin typeface="Consolas" panose="020B0609020204030204" pitchFamily="49" charset="0"/>
-                <a:ea typeface="Times New Roman" panose="02020603050405020304" pitchFamily="18" charset="0"/>
-                <a:cs typeface="Times New Roman" panose="02020603050405020304" pitchFamily="18" charset="0"/>
-              </a:rPr>
-              <a:t>      </a:t>
-            </a:r>
-            <a:r>
-              <a:rPr lang="en-US" sz="2000" dirty="0" err="1">
-                <a:solidFill>
-                  <a:srgbClr val="000000"/>
-                </a:solidFill>
-                <a:latin typeface="Consolas" panose="020B0609020204030204" pitchFamily="49" charset="0"/>
-                <a:ea typeface="Times New Roman" panose="02020603050405020304" pitchFamily="18" charset="0"/>
-                <a:cs typeface="Times New Roman" panose="02020603050405020304" pitchFamily="18" charset="0"/>
-              </a:rPr>
-              <a:t>i</a:t>
-            </a:r>
-            <a:r>
-              <a:rPr lang="en-US" sz="2000" dirty="0">
-                <a:solidFill>
-                  <a:srgbClr val="000000"/>
-                </a:solidFill>
-                <a:latin typeface="Consolas" panose="020B0609020204030204" pitchFamily="49" charset="0"/>
-                <a:ea typeface="Times New Roman" panose="02020603050405020304" pitchFamily="18" charset="0"/>
-                <a:cs typeface="Times New Roman" panose="02020603050405020304" pitchFamily="18" charset="0"/>
-              </a:rPr>
-              <a:t> </a:t>
-            </a:r>
-            <a:r>
-              <a:rPr lang="en-US" sz="2000" dirty="0">
-                <a:solidFill>
-                  <a:srgbClr val="C70040"/>
-                </a:solidFill>
-                <a:latin typeface="Consolas" panose="020B0609020204030204" pitchFamily="49" charset="0"/>
-                <a:cs typeface="Times New Roman" panose="02020603050405020304" pitchFamily="18" charset="0"/>
-              </a:rPr>
-              <a:t>-&gt;</a:t>
-            </a:r>
-            <a:r>
-              <a:rPr lang="en-US" sz="2000" dirty="0">
-                <a:solidFill>
-                  <a:srgbClr val="000000"/>
-                </a:solidFill>
-                <a:latin typeface="Consolas" panose="020B0609020204030204" pitchFamily="49" charset="0"/>
-                <a:ea typeface="Times New Roman" panose="02020603050405020304" pitchFamily="18" charset="0"/>
-                <a:cs typeface="Times New Roman" panose="02020603050405020304" pitchFamily="18" charset="0"/>
-              </a:rPr>
-              <a:t> Mesh(materials[</a:t>
-            </a:r>
-            <a:r>
-              <a:rPr lang="en-US" sz="2000" dirty="0" err="1">
-                <a:solidFill>
-                  <a:srgbClr val="000000"/>
-                </a:solidFill>
-                <a:latin typeface="Consolas" panose="020B0609020204030204" pitchFamily="49" charset="0"/>
-                <a:ea typeface="Times New Roman" panose="02020603050405020304" pitchFamily="18" charset="0"/>
-                <a:cs typeface="Times New Roman" panose="02020603050405020304" pitchFamily="18" charset="0"/>
-              </a:rPr>
-              <a:t>i</a:t>
-            </a:r>
-            <a:r>
-              <a:rPr lang="en-US" sz="2000" dirty="0">
-                <a:solidFill>
-                  <a:srgbClr val="000000"/>
-                </a:solidFill>
-                <a:latin typeface="Consolas" panose="020B0609020204030204" pitchFamily="49" charset="0"/>
-                <a:ea typeface="Times New Roman" panose="02020603050405020304" pitchFamily="18" charset="0"/>
-                <a:cs typeface="Times New Roman" panose="02020603050405020304" pitchFamily="18" charset="0"/>
-              </a:rPr>
-              <a:t>], geometries[</a:t>
-            </a:r>
-            <a:r>
-              <a:rPr lang="en-US" sz="2000" dirty="0" err="1">
-                <a:solidFill>
-                  <a:srgbClr val="000000"/>
-                </a:solidFill>
-                <a:latin typeface="Consolas" panose="020B0609020204030204" pitchFamily="49" charset="0"/>
-                <a:ea typeface="Times New Roman" panose="02020603050405020304" pitchFamily="18" charset="0"/>
-                <a:cs typeface="Times New Roman" panose="02020603050405020304" pitchFamily="18" charset="0"/>
-              </a:rPr>
-              <a:t>i</a:t>
-            </a:r>
-            <a:r>
-              <a:rPr lang="en-US" sz="2000" dirty="0">
-                <a:solidFill>
-                  <a:srgbClr val="000000"/>
-                </a:solidFill>
-                <a:latin typeface="Consolas" panose="020B0609020204030204" pitchFamily="49" charset="0"/>
-                <a:ea typeface="Times New Roman" panose="02020603050405020304" pitchFamily="18" charset="0"/>
-                <a:cs typeface="Times New Roman" panose="02020603050405020304" pitchFamily="18" charset="0"/>
-              </a:rPr>
-              <a:t>])</a:t>
-            </a:r>
-          </a:p>
-          <a:p>
-            <a:pPr>
-              <a:lnSpc>
-                <a:spcPct val="107000"/>
-              </a:lnSpc>
-              <a:tabLst>
-                <a:tab pos="581660" algn="l"/>
-                <a:tab pos="1163320" algn="l"/>
-                <a:tab pos="1744980" algn="l"/>
-                <a:tab pos="2326640" algn="l"/>
-                <a:tab pos="2908300" algn="l"/>
-                <a:tab pos="3489960" algn="l"/>
-                <a:tab pos="4071620" algn="l"/>
-                <a:tab pos="4653280" algn="l"/>
-                <a:tab pos="5234940" algn="l"/>
-                <a:tab pos="5816600" algn="l"/>
-                <a:tab pos="6398260" algn="l"/>
-                <a:tab pos="6979920" algn="l"/>
-                <a:tab pos="7561580" algn="l"/>
-                <a:tab pos="8143240" algn="l"/>
-                <a:tab pos="8724900" algn="l"/>
-                <a:tab pos="9306560" algn="l"/>
-              </a:tabLst>
-            </a:pPr>
-            <a:r>
-              <a:rPr lang="en-US" sz="2000" dirty="0">
-                <a:solidFill>
-                  <a:srgbClr val="000000"/>
-                </a:solidFill>
-                <a:latin typeface="Consolas" panose="020B0609020204030204" pitchFamily="49" charset="0"/>
-                <a:ea typeface="Times New Roman" panose="02020603050405020304" pitchFamily="18" charset="0"/>
-                <a:cs typeface="Times New Roman" panose="02020603050405020304" pitchFamily="18" charset="0"/>
-              </a:rPr>
-              <a:t>    }</a:t>
-            </a:r>
-          </a:p>
-          <a:p>
-            <a:pPr>
-              <a:lnSpc>
-                <a:spcPct val="107000"/>
-              </a:lnSpc>
-              <a:tabLst>
-                <a:tab pos="581660" algn="l"/>
-                <a:tab pos="1163320" algn="l"/>
-                <a:tab pos="1744980" algn="l"/>
-                <a:tab pos="2326640" algn="l"/>
-                <a:tab pos="2908300" algn="l"/>
-                <a:tab pos="3489960" algn="l"/>
-                <a:tab pos="4071620" algn="l"/>
-                <a:tab pos="4653280" algn="l"/>
-                <a:tab pos="5234940" algn="l"/>
-                <a:tab pos="5816600" algn="l"/>
-                <a:tab pos="6398260" algn="l"/>
-                <a:tab pos="6979920" algn="l"/>
-                <a:tab pos="7561580" algn="l"/>
-                <a:tab pos="8143240" algn="l"/>
-                <a:tab pos="8724900" algn="l"/>
-                <a:tab pos="9306560" algn="l"/>
-              </a:tabLst>
-            </a:pPr>
-            <a:r>
-              <a:rPr lang="en-US" sz="2000" dirty="0">
-                <a:solidFill>
-                  <a:srgbClr val="000000"/>
-                </a:solidFill>
-                <a:latin typeface="Consolas" panose="020B0609020204030204" pitchFamily="49" charset="0"/>
-                <a:ea typeface="Times New Roman" panose="02020603050405020304" pitchFamily="18" charset="0"/>
-                <a:cs typeface="Times New Roman" panose="02020603050405020304" pitchFamily="18" charset="0"/>
-              </a:rPr>
-              <a:t>    </a:t>
-            </a:r>
-            <a:r>
-              <a:rPr lang="en-US" sz="2000" dirty="0" err="1">
-                <a:solidFill>
-                  <a:srgbClr val="000000"/>
-                </a:solidFill>
-                <a:latin typeface="Consolas" panose="020B0609020204030204" pitchFamily="49" charset="0"/>
-                <a:ea typeface="Times New Roman" panose="02020603050405020304" pitchFamily="18" charset="0"/>
-                <a:cs typeface="Times New Roman" panose="02020603050405020304" pitchFamily="18" charset="0"/>
-              </a:rPr>
-              <a:t>addComponentsAndGatherUniforms</a:t>
-            </a:r>
-            <a:r>
-              <a:rPr lang="en-US" sz="2000" dirty="0">
-                <a:solidFill>
-                  <a:srgbClr val="000000"/>
-                </a:solidFill>
-                <a:latin typeface="Consolas" panose="020B0609020204030204" pitchFamily="49" charset="0"/>
-                <a:ea typeface="Times New Roman" panose="02020603050405020304" pitchFamily="18" charset="0"/>
-                <a:cs typeface="Times New Roman" panose="02020603050405020304" pitchFamily="18" charset="0"/>
-              </a:rPr>
-              <a:t>(</a:t>
-            </a:r>
-            <a:r>
-              <a:rPr lang="en-US" sz="2000" dirty="0">
-                <a:solidFill>
-                  <a:srgbClr val="C70040"/>
-                </a:solidFill>
-                <a:latin typeface="Consolas" panose="020B0609020204030204" pitchFamily="49" charset="0"/>
-                <a:cs typeface="Times New Roman" panose="02020603050405020304" pitchFamily="18" charset="0"/>
-              </a:rPr>
-              <a:t>*</a:t>
-            </a:r>
-            <a:r>
-              <a:rPr lang="en-US" sz="2000" dirty="0" err="1">
-                <a:solidFill>
-                  <a:srgbClr val="000000"/>
-                </a:solidFill>
-                <a:latin typeface="Consolas" panose="020B0609020204030204" pitchFamily="49" charset="0"/>
-                <a:ea typeface="Times New Roman" panose="02020603050405020304" pitchFamily="18" charset="0"/>
-                <a:cs typeface="Times New Roman" panose="02020603050405020304" pitchFamily="18" charset="0"/>
-              </a:rPr>
-              <a:t>submeshes</a:t>
-            </a:r>
-            <a:r>
-              <a:rPr lang="en-US" sz="2000" dirty="0">
-                <a:solidFill>
-                  <a:srgbClr val="000000"/>
-                </a:solidFill>
-                <a:latin typeface="Consolas" panose="020B0609020204030204" pitchFamily="49" charset="0"/>
-                <a:ea typeface="Times New Roman" panose="02020603050405020304" pitchFamily="18" charset="0"/>
-                <a:cs typeface="Times New Roman" panose="02020603050405020304" pitchFamily="18" charset="0"/>
-              </a:rPr>
-              <a:t>)    </a:t>
-            </a:r>
-          </a:p>
-          <a:p>
-            <a:pPr>
-              <a:lnSpc>
-                <a:spcPct val="107000"/>
-              </a:lnSpc>
-              <a:tabLst>
-                <a:tab pos="581660" algn="l"/>
-                <a:tab pos="1163320" algn="l"/>
-                <a:tab pos="1744980" algn="l"/>
-                <a:tab pos="2326640" algn="l"/>
-                <a:tab pos="2908300" algn="l"/>
-                <a:tab pos="3489960" algn="l"/>
-                <a:tab pos="4071620" algn="l"/>
-                <a:tab pos="4653280" algn="l"/>
-                <a:tab pos="5234940" algn="l"/>
-                <a:tab pos="5816600" algn="l"/>
-                <a:tab pos="6398260" algn="l"/>
-                <a:tab pos="6979920" algn="l"/>
-                <a:tab pos="7561580" algn="l"/>
-                <a:tab pos="8143240" algn="l"/>
-                <a:tab pos="8724900" algn="l"/>
-                <a:tab pos="9306560" algn="l"/>
-              </a:tabLst>
-            </a:pPr>
-            <a:r>
-              <a:rPr lang="en-US" sz="2000" dirty="0">
-                <a:solidFill>
-                  <a:srgbClr val="000000"/>
-                </a:solidFill>
-                <a:latin typeface="Consolas" panose="020B0609020204030204" pitchFamily="49" charset="0"/>
-                <a:ea typeface="Times New Roman" panose="02020603050405020304" pitchFamily="18" charset="0"/>
-                <a:cs typeface="Times New Roman" panose="02020603050405020304" pitchFamily="18" charset="0"/>
-              </a:rPr>
-              <a:t>  }</a:t>
-            </a:r>
-            <a:endParaRPr lang="en-US" sz="2000" dirty="0">
-              <a:latin typeface="Calibri" panose="020F0502020204030204" pitchFamily="34" charset="0"/>
-              <a:ea typeface="Calibri" panose="020F0502020204030204" pitchFamily="34" charset="0"/>
-              <a:cs typeface="Times New Roman" panose="02020603050405020304" pitchFamily="18" charset="0"/>
-            </a:endParaRPr>
-          </a:p>
-          <a:p>
-            <a:pPr>
-              <a:lnSpc>
-                <a:spcPct val="107000"/>
-              </a:lnSpc>
-              <a:tabLst>
-                <a:tab pos="581660" algn="l"/>
-                <a:tab pos="1163320" algn="l"/>
-                <a:tab pos="1744980" algn="l"/>
-                <a:tab pos="2326640" algn="l"/>
-                <a:tab pos="2908300" algn="l"/>
-                <a:tab pos="3489960" algn="l"/>
-                <a:tab pos="4071620" algn="l"/>
-                <a:tab pos="4653280" algn="l"/>
-                <a:tab pos="5234940" algn="l"/>
-                <a:tab pos="5816600" algn="l"/>
-                <a:tab pos="6398260" algn="l"/>
-                <a:tab pos="6979920" algn="l"/>
-                <a:tab pos="7561580" algn="l"/>
-                <a:tab pos="8143240" algn="l"/>
-                <a:tab pos="8724900" algn="l"/>
-                <a:tab pos="9306560" algn="l"/>
-              </a:tabLst>
-            </a:pPr>
-            <a:r>
-              <a:rPr lang="en-US" sz="2000" dirty="0">
-                <a:solidFill>
-                  <a:srgbClr val="000000"/>
-                </a:solidFill>
-                <a:latin typeface="Consolas" panose="020B0609020204030204" pitchFamily="49" charset="0"/>
-                <a:ea typeface="Times New Roman" panose="02020603050405020304" pitchFamily="18" charset="0"/>
-                <a:cs typeface="Times New Roman" panose="02020603050405020304" pitchFamily="18" charset="0"/>
-              </a:rPr>
-              <a:t>}</a:t>
-            </a:r>
-            <a:endParaRPr lang="en-US" sz="2000" dirty="0">
-              <a:latin typeface="Calibri" panose="020F0502020204030204" pitchFamily="34" charset="0"/>
-              <a:ea typeface="Calibri" panose="020F0502020204030204" pitchFamily="34" charset="0"/>
-              <a:cs typeface="Times New Roman" panose="02020603050405020304" pitchFamily="18" charset="0"/>
-            </a:endParaRPr>
-          </a:p>
-          <a:p>
-            <a:pPr>
-              <a:lnSpc>
-                <a:spcPct val="107000"/>
-              </a:lnSpc>
-              <a:spcAft>
-                <a:spcPts val="800"/>
-              </a:spcAft>
-            </a:pPr>
-            <a:endParaRPr lang="en-US" sz="2000" dirty="0">
-              <a:latin typeface="Calibri" panose="020F0502020204030204" pitchFamily="34" charset="0"/>
-              <a:ea typeface="Calibri" panose="020F0502020204030204" pitchFamily="34" charset="0"/>
-              <a:cs typeface="Times New Roman" panose="02020603050405020304" pitchFamily="18" charset="0"/>
-            </a:endParaRPr>
-          </a:p>
-        </p:txBody>
-      </p:sp>
-      <p:cxnSp>
-        <p:nvCxnSpPr>
-          <p:cNvPr id="4" name="Straight Arrow Connector 3"/>
-          <p:cNvCxnSpPr>
-            <a:cxnSpLocks/>
-            <a:stCxn id="5" idx="1"/>
-          </p:cNvCxnSpPr>
-          <p:nvPr/>
-        </p:nvCxnSpPr>
-        <p:spPr>
-          <a:xfrm flipH="1">
-            <a:off x="5000628" y="1497929"/>
-            <a:ext cx="2230666" cy="641359"/>
-          </a:xfrm>
-          <a:prstGeom prst="straightConnector1">
-            <a:avLst/>
-          </a:prstGeom>
-          <a:ln>
-            <a:solidFill>
-              <a:srgbClr val="FF0000"/>
-            </a:solidFill>
-            <a:tailEnd type="triangle"/>
-          </a:ln>
-        </p:spPr>
-        <p:style>
-          <a:lnRef idx="1">
-            <a:schemeClr val="accent1"/>
-          </a:lnRef>
-          <a:fillRef idx="0">
-            <a:schemeClr val="accent1"/>
-          </a:fillRef>
-          <a:effectRef idx="0">
-            <a:schemeClr val="accent1"/>
-          </a:effectRef>
-          <a:fontRef idx="minor">
-            <a:schemeClr val="tx1"/>
-          </a:fontRef>
-        </p:style>
-      </p:cxnSp>
-      <p:sp>
-        <p:nvSpPr>
-          <p:cNvPr id="5" name="TextBox 4"/>
-          <p:cNvSpPr txBox="1"/>
-          <p:nvPr/>
-        </p:nvSpPr>
-        <p:spPr>
-          <a:xfrm>
-            <a:off x="7231294" y="1174763"/>
-            <a:ext cx="2986132" cy="646331"/>
-          </a:xfrm>
-          <a:prstGeom prst="rect">
-            <a:avLst/>
-          </a:prstGeom>
-          <a:noFill/>
-        </p:spPr>
-        <p:txBody>
-          <a:bodyPr wrap="square" rtlCol="0">
-            <a:spAutoFit/>
-          </a:bodyPr>
-          <a:lstStyle/>
-          <a:p>
-            <a:r>
-              <a:rPr lang="hu-HU" dirty="0" err="1">
-                <a:solidFill>
-                  <a:srgbClr val="FF0000"/>
-                </a:solidFill>
-                <a:latin typeface="Whipsmart" panose="020B0502030203050204" pitchFamily="34" charset="0"/>
-              </a:rPr>
-              <a:t>the</a:t>
-            </a:r>
-            <a:r>
-              <a:rPr lang="hu-HU" dirty="0">
-                <a:solidFill>
-                  <a:srgbClr val="FF0000"/>
-                </a:solidFill>
-                <a:latin typeface="Whipsmart" panose="020B0502030203050204" pitchFamily="34" charset="0"/>
-              </a:rPr>
-              <a:t> </a:t>
-            </a:r>
-            <a:r>
-              <a:rPr lang="hu-HU" dirty="0" err="1">
-                <a:solidFill>
-                  <a:srgbClr val="FF0000"/>
-                </a:solidFill>
-                <a:latin typeface="Whipsmart" panose="020B0502030203050204" pitchFamily="34" charset="0"/>
-              </a:rPr>
-              <a:t>same</a:t>
-            </a:r>
-            <a:r>
-              <a:rPr lang="hu-HU" dirty="0">
-                <a:solidFill>
-                  <a:srgbClr val="FF0000"/>
-                </a:solidFill>
-                <a:latin typeface="Whipsmart" panose="020B0502030203050204" pitchFamily="34" charset="0"/>
-              </a:rPr>
-              <a:t> </a:t>
-            </a:r>
-            <a:r>
-              <a:rPr lang="hu-HU" dirty="0" err="1">
-                <a:solidFill>
-                  <a:srgbClr val="FF0000"/>
-                </a:solidFill>
-                <a:latin typeface="Whipsmart" panose="020B0502030203050204" pitchFamily="34" charset="0"/>
-              </a:rPr>
-              <a:t>number</a:t>
-            </a:r>
-            <a:r>
-              <a:rPr lang="hu-HU" dirty="0">
-                <a:solidFill>
-                  <a:srgbClr val="FF0000"/>
-                </a:solidFill>
-                <a:latin typeface="Whipsmart" panose="020B0502030203050204" pitchFamily="34" charset="0"/>
-              </a:rPr>
-              <a:t> of </a:t>
-            </a:r>
-            <a:r>
-              <a:rPr lang="hu-HU" dirty="0" err="1">
-                <a:solidFill>
-                  <a:srgbClr val="FF0000"/>
-                </a:solidFill>
-                <a:latin typeface="Whipsmart" panose="020B0502030203050204" pitchFamily="34" charset="0"/>
-              </a:rPr>
-              <a:t>materials</a:t>
-            </a:r>
-            <a:r>
-              <a:rPr lang="hu-HU" dirty="0">
-                <a:solidFill>
-                  <a:srgbClr val="FF0000"/>
-                </a:solidFill>
-                <a:latin typeface="Whipsmart" panose="020B0502030203050204" pitchFamily="34" charset="0"/>
-              </a:rPr>
-              <a:t> and </a:t>
-            </a:r>
-            <a:r>
-              <a:rPr lang="hu-HU" dirty="0" err="1">
-                <a:solidFill>
-                  <a:srgbClr val="FF0000"/>
-                </a:solidFill>
-                <a:latin typeface="Whipsmart" panose="020B0502030203050204" pitchFamily="34" charset="0"/>
-              </a:rPr>
-              <a:t>geometries</a:t>
-            </a:r>
-            <a:endParaRPr lang="en-US" dirty="0">
-              <a:solidFill>
-                <a:srgbClr val="FF0000"/>
-              </a:solidFill>
-              <a:latin typeface="Whipsmart" panose="020B0502030203050204" pitchFamily="34" charset="0"/>
-            </a:endParaRPr>
-          </a:p>
-        </p:txBody>
-      </p:sp>
-      <p:cxnSp>
-        <p:nvCxnSpPr>
-          <p:cNvPr id="9" name="Straight Arrow Connector 8">
-            <a:extLst>
-              <a:ext uri="{FF2B5EF4-FFF2-40B4-BE49-F238E27FC236}">
-                <a16:creationId xmlns:a16="http://schemas.microsoft.com/office/drawing/2014/main" id="{2CA99EA4-0C97-4380-83C5-015E16882F89}"/>
-              </a:ext>
-            </a:extLst>
-          </p:cNvPr>
-          <p:cNvCxnSpPr>
-            <a:cxnSpLocks/>
-            <a:stCxn id="5" idx="2"/>
-          </p:cNvCxnSpPr>
-          <p:nvPr/>
-        </p:nvCxnSpPr>
-        <p:spPr>
-          <a:xfrm flipH="1">
-            <a:off x="5850908" y="1821094"/>
-            <a:ext cx="2873452" cy="2284375"/>
-          </a:xfrm>
-          <a:prstGeom prst="straightConnector1">
-            <a:avLst/>
-          </a:prstGeom>
-          <a:ln>
-            <a:solidFill>
-              <a:srgbClr val="FF0000"/>
-            </a:solidFill>
-            <a:tailEnd type="triangle"/>
-          </a:ln>
-        </p:spPr>
-        <p:style>
-          <a:lnRef idx="1">
-            <a:schemeClr val="accent1"/>
-          </a:lnRef>
-          <a:fillRef idx="0">
-            <a:schemeClr val="accent1"/>
-          </a:fillRef>
-          <a:effectRef idx="0">
-            <a:schemeClr val="accent1"/>
-          </a:effectRef>
-          <a:fontRef idx="minor">
-            <a:schemeClr val="tx1"/>
-          </a:fontRef>
-        </p:style>
-      </p:cxnSp>
-      <p:sp>
-        <p:nvSpPr>
-          <p:cNvPr id="12" name="TextBox 11">
-            <a:extLst>
-              <a:ext uri="{FF2B5EF4-FFF2-40B4-BE49-F238E27FC236}">
-                <a16:creationId xmlns:a16="http://schemas.microsoft.com/office/drawing/2014/main" id="{8FE314B8-CB88-41F1-BB29-830A3424CAB7}"/>
-              </a:ext>
-            </a:extLst>
-          </p:cNvPr>
-          <p:cNvSpPr txBox="1"/>
-          <p:nvPr/>
-        </p:nvSpPr>
-        <p:spPr>
-          <a:xfrm>
-            <a:off x="7231294" y="6123542"/>
-            <a:ext cx="2986132" cy="369332"/>
-          </a:xfrm>
-          <a:prstGeom prst="rect">
-            <a:avLst/>
-          </a:prstGeom>
-          <a:noFill/>
-        </p:spPr>
-        <p:txBody>
-          <a:bodyPr wrap="square" rtlCol="0">
-            <a:spAutoFit/>
-          </a:bodyPr>
-          <a:lstStyle/>
-          <a:p>
-            <a:r>
-              <a:rPr lang="hu-HU" dirty="0" err="1">
-                <a:solidFill>
-                  <a:srgbClr val="FF0000"/>
-                </a:solidFill>
-                <a:latin typeface="Whipsmart" panose="020B0502030203050204" pitchFamily="34" charset="0"/>
-              </a:rPr>
-              <a:t>our</a:t>
-            </a:r>
-            <a:r>
-              <a:rPr lang="hu-HU" dirty="0">
-                <a:solidFill>
-                  <a:srgbClr val="FF0000"/>
-                </a:solidFill>
-                <a:latin typeface="Whipsmart" panose="020B0502030203050204" pitchFamily="34" charset="0"/>
-              </a:rPr>
-              <a:t> </a:t>
-            </a:r>
-            <a:r>
-              <a:rPr lang="hu-HU" dirty="0" err="1">
-                <a:solidFill>
-                  <a:srgbClr val="FF0000"/>
-                </a:solidFill>
-                <a:latin typeface="Whipsmart" panose="020B0502030203050204" pitchFamily="34" charset="0"/>
-              </a:rPr>
-              <a:t>compnents</a:t>
-            </a:r>
-            <a:r>
-              <a:rPr lang="hu-HU" dirty="0">
-                <a:solidFill>
-                  <a:srgbClr val="FF0000"/>
-                </a:solidFill>
-                <a:latin typeface="Whipsmart" panose="020B0502030203050204" pitchFamily="34" charset="0"/>
-              </a:rPr>
-              <a:t> </a:t>
-            </a:r>
-            <a:r>
-              <a:rPr lang="hu-HU" dirty="0" err="1">
-                <a:solidFill>
-                  <a:srgbClr val="FF0000"/>
-                </a:solidFill>
-                <a:latin typeface="Whipsmart" panose="020B0502030203050204" pitchFamily="34" charset="0"/>
-              </a:rPr>
-              <a:t>are</a:t>
-            </a:r>
-            <a:r>
-              <a:rPr lang="hu-HU" dirty="0">
-                <a:solidFill>
-                  <a:srgbClr val="FF0000"/>
-                </a:solidFill>
-                <a:latin typeface="Whipsmart" panose="020B0502030203050204" pitchFamily="34" charset="0"/>
-              </a:rPr>
-              <a:t> </a:t>
-            </a:r>
-            <a:r>
-              <a:rPr lang="hu-HU" dirty="0" err="1">
-                <a:solidFill>
-                  <a:srgbClr val="FF0000"/>
-                </a:solidFill>
-                <a:latin typeface="Whipsmart" panose="020B0502030203050204" pitchFamily="34" charset="0"/>
-              </a:rPr>
-              <a:t>the</a:t>
-            </a:r>
-            <a:r>
-              <a:rPr lang="hu-HU" dirty="0">
-                <a:solidFill>
-                  <a:srgbClr val="FF0000"/>
-                </a:solidFill>
-                <a:latin typeface="Whipsmart" panose="020B0502030203050204" pitchFamily="34" charset="0"/>
-              </a:rPr>
-              <a:t> </a:t>
-            </a:r>
-            <a:r>
-              <a:rPr lang="hu-HU" dirty="0" err="1">
-                <a:solidFill>
-                  <a:srgbClr val="FF0000"/>
-                </a:solidFill>
-                <a:latin typeface="Whipsmart" panose="020B0502030203050204" pitchFamily="34" charset="0"/>
-              </a:rPr>
-              <a:t>meshes</a:t>
-            </a:r>
-            <a:endParaRPr lang="en-US" dirty="0">
-              <a:solidFill>
-                <a:srgbClr val="FF0000"/>
-              </a:solidFill>
-              <a:latin typeface="Whipsmart" panose="020B0502030203050204" pitchFamily="34" charset="0"/>
-            </a:endParaRPr>
-          </a:p>
-        </p:txBody>
-      </p:sp>
-      <p:cxnSp>
-        <p:nvCxnSpPr>
-          <p:cNvPr id="13" name="Straight Arrow Connector 12">
-            <a:extLst>
-              <a:ext uri="{FF2B5EF4-FFF2-40B4-BE49-F238E27FC236}">
-                <a16:creationId xmlns:a16="http://schemas.microsoft.com/office/drawing/2014/main" id="{3E821D50-F66D-4839-AF96-DE5520D4B787}"/>
-              </a:ext>
-            </a:extLst>
-          </p:cNvPr>
-          <p:cNvCxnSpPr>
-            <a:cxnSpLocks/>
-            <a:stCxn id="12" idx="1"/>
-          </p:cNvCxnSpPr>
-          <p:nvPr/>
-        </p:nvCxnSpPr>
-        <p:spPr>
-          <a:xfrm flipH="1" flipV="1">
-            <a:off x="6996286" y="5837704"/>
-            <a:ext cx="235008" cy="470504"/>
-          </a:xfrm>
-          <a:prstGeom prst="straightConnector1">
-            <a:avLst/>
-          </a:prstGeom>
-          <a:ln>
-            <a:solidFill>
-              <a:srgbClr val="FF0000"/>
-            </a:solidFill>
-            <a:tailEnd type="triangle"/>
-          </a:ln>
-        </p:spPr>
-        <p:style>
-          <a:lnRef idx="1">
-            <a:schemeClr val="accent1"/>
-          </a:lnRef>
-          <a:fillRef idx="0">
-            <a:schemeClr val="accent1"/>
-          </a:fillRef>
-          <a:effectRef idx="0">
-            <a:schemeClr val="accent1"/>
-          </a:effectRef>
-          <a:fontRef idx="minor">
-            <a:schemeClr val="tx1"/>
-          </a:fontRef>
-        </p:style>
-      </p:cxnSp>
-    </p:spTree>
-    <p:extLst>
-      <p:ext uri="{BB962C8B-B14F-4D97-AF65-F5344CB8AC3E}">
-        <p14:creationId xmlns:p14="http://schemas.microsoft.com/office/powerpoint/2010/main" val="3567805890"/>
-      </p:ext>
-    </p:extLst>
-  </p:cSld>
-  <p:clrMapOvr>
-    <a:masterClrMapping/>
-  </p:clrMapOvr>
-</p:sld>
-</file>
-
-<file path=ppt/slides/slide11.xml><?xml version="1.0" encoding="utf-8"?>
-<p:sld xmlns:a="http://schemas.openxmlformats.org/drawingml/2006/main" xmlns:r="http://schemas.openxmlformats.org/officeDocument/2006/relationships" xmlns:p="http://schemas.openxmlformats.org/presentationml/2006/main">
-  <p:cSld>
-    <p:spTree>
-      <p:nvGrpSpPr>
-        <p:cNvPr id="1" name=""/>
-        <p:cNvGrpSpPr/>
-        <p:nvPr/>
-      </p:nvGrpSpPr>
-      <p:grpSpPr>
-        <a:xfrm>
-          <a:off x="0" y="0"/>
-          <a:ext cx="0" cy="0"/>
-          <a:chOff x="0" y="0"/>
-          <a:chExt cx="0" cy="0"/>
-        </a:xfrm>
-      </p:grpSpPr>
-      <p:sp>
-        <p:nvSpPr>
-          <p:cNvPr id="2" name="Title 1"/>
-          <p:cNvSpPr>
-            <a:spLocks noGrp="1"/>
-          </p:cNvSpPr>
-          <p:nvPr>
-            <p:ph type="title"/>
-          </p:nvPr>
-        </p:nvSpPr>
-        <p:spPr/>
-        <p:txBody>
-          <a:bodyPr>
-            <a:normAutofit/>
-          </a:bodyPr>
-          <a:lstStyle/>
-          <a:p>
-            <a:r>
-              <a:rPr lang="en-US" dirty="0" err="1">
-                <a:latin typeface="Consolas" panose="020B0609020204030204" pitchFamily="49" charset="0"/>
-                <a:cs typeface="Consolas" panose="020B0609020204030204" pitchFamily="49" charset="0"/>
-              </a:rPr>
-              <a:t>JsonLoader</a:t>
-            </a:r>
-            <a:r>
-              <a:rPr lang="hu-HU" dirty="0">
-                <a:latin typeface="Consolas" panose="020B0609020204030204" pitchFamily="49" charset="0"/>
-                <a:cs typeface="Consolas" panose="020B0609020204030204" pitchFamily="49" charset="0"/>
-              </a:rPr>
-              <a:t>.</a:t>
-            </a:r>
-            <a:r>
-              <a:rPr lang="hu-HU" dirty="0" err="1">
-                <a:latin typeface="Consolas" panose="020B0609020204030204" pitchFamily="49" charset="0"/>
-                <a:cs typeface="Consolas" panose="020B0609020204030204" pitchFamily="49" charset="0"/>
-              </a:rPr>
-              <a:t>kt</a:t>
-            </a:r>
-            <a:endParaRPr lang="en-US" dirty="0"/>
-          </a:p>
-        </p:txBody>
-      </p:sp>
-      <p:sp>
-        <p:nvSpPr>
-          <p:cNvPr id="3" name="Rectangle 2"/>
-          <p:cNvSpPr/>
-          <p:nvPr/>
-        </p:nvSpPr>
-        <p:spPr>
-          <a:xfrm>
-            <a:off x="1524000" y="1905000"/>
-            <a:ext cx="9144000" cy="4953000"/>
-          </a:xfrm>
-          <a:prstGeom prst="rect">
-            <a:avLst/>
-          </a:prstGeom>
-          <a:solidFill>
-            <a:schemeClr val="accent4">
-              <a:lumMod val="20000"/>
-              <a:lumOff val="80000"/>
-            </a:schemeClr>
-          </a:solidFill>
-        </p:spPr>
-        <p:style>
-          <a:lnRef idx="2">
-            <a:schemeClr val="accent1">
-              <a:shade val="50000"/>
-            </a:schemeClr>
-          </a:lnRef>
-          <a:fillRef idx="1">
-            <a:schemeClr val="accent1"/>
-          </a:fillRef>
-          <a:effectRef idx="0">
-            <a:schemeClr val="accent1"/>
-          </a:effectRef>
-          <a:fontRef idx="minor">
-            <a:schemeClr val="lt1"/>
-          </a:fontRef>
-        </p:style>
-        <p:txBody>
-          <a:bodyPr rtlCol="0" anchor="ctr"/>
-          <a:lstStyle/>
-          <a:p>
-            <a:pPr>
-              <a:lnSpc>
-                <a:spcPct val="107000"/>
-              </a:lnSpc>
-              <a:tabLst>
-                <a:tab pos="581660" algn="l"/>
-                <a:tab pos="1163320" algn="l"/>
-                <a:tab pos="1744980" algn="l"/>
-                <a:tab pos="2326640" algn="l"/>
-                <a:tab pos="2908300" algn="l"/>
-                <a:tab pos="3489960" algn="l"/>
-                <a:tab pos="4071620" algn="l"/>
-                <a:tab pos="4653280" algn="l"/>
-                <a:tab pos="5234940" algn="l"/>
-                <a:tab pos="5816600" algn="l"/>
-                <a:tab pos="6398260" algn="l"/>
-                <a:tab pos="6979920" algn="l"/>
-                <a:tab pos="7561580" algn="l"/>
-                <a:tab pos="8143240" algn="l"/>
-                <a:tab pos="8724900" algn="l"/>
-                <a:tab pos="9306560" algn="l"/>
-              </a:tabLst>
-            </a:pPr>
-            <a:r>
-              <a:rPr lang="en-US" sz="1100" dirty="0">
-                <a:solidFill>
-                  <a:srgbClr val="C70040"/>
-                </a:solidFill>
-                <a:latin typeface="Consolas" panose="020B0609020204030204" pitchFamily="49" charset="0"/>
-                <a:ea typeface="Times New Roman" panose="02020603050405020304" pitchFamily="18" charset="0"/>
-                <a:cs typeface="Times New Roman" panose="02020603050405020304" pitchFamily="18" charset="0"/>
-              </a:rPr>
-              <a:t>import </a:t>
-            </a:r>
-            <a:r>
-              <a:rPr lang="en-US" sz="1100" dirty="0">
-                <a:solidFill>
-                  <a:srgbClr val="000000"/>
-                </a:solidFill>
-                <a:latin typeface="Consolas" panose="020B0609020204030204" pitchFamily="49" charset="0"/>
-                <a:ea typeface="Times New Roman" panose="02020603050405020304" pitchFamily="18" charset="0"/>
-                <a:cs typeface="Times New Roman" panose="02020603050405020304" pitchFamily="18" charset="0"/>
-              </a:rPr>
-              <a:t>org.w3c.xhr.XMLHttpRequest</a:t>
-            </a:r>
-            <a:endParaRPr lang="en-US" sz="1100" dirty="0">
-              <a:latin typeface="Calibri" panose="020F0502020204030204" pitchFamily="34" charset="0"/>
-              <a:ea typeface="Calibri" panose="020F0502020204030204" pitchFamily="34" charset="0"/>
-              <a:cs typeface="Times New Roman" panose="02020603050405020304" pitchFamily="18" charset="0"/>
-            </a:endParaRPr>
-          </a:p>
-          <a:p>
-            <a:pPr>
-              <a:lnSpc>
-                <a:spcPct val="107000"/>
-              </a:lnSpc>
-              <a:tabLst>
-                <a:tab pos="581660" algn="l"/>
-                <a:tab pos="1163320" algn="l"/>
-                <a:tab pos="1744980" algn="l"/>
-                <a:tab pos="2326640" algn="l"/>
-                <a:tab pos="2908300" algn="l"/>
-                <a:tab pos="3489960" algn="l"/>
-                <a:tab pos="4071620" algn="l"/>
-                <a:tab pos="4653280" algn="l"/>
-                <a:tab pos="5234940" algn="l"/>
-                <a:tab pos="5816600" algn="l"/>
-                <a:tab pos="6398260" algn="l"/>
-                <a:tab pos="6979920" algn="l"/>
-                <a:tab pos="7561580" algn="l"/>
-                <a:tab pos="8143240" algn="l"/>
-                <a:tab pos="8724900" algn="l"/>
-                <a:tab pos="9306560" algn="l"/>
-              </a:tabLst>
-            </a:pPr>
-            <a:r>
-              <a:rPr lang="en-US" sz="1100" dirty="0">
-                <a:solidFill>
-                  <a:srgbClr val="C70040"/>
-                </a:solidFill>
-                <a:latin typeface="Consolas" panose="020B0609020204030204" pitchFamily="49" charset="0"/>
-                <a:ea typeface="Times New Roman" panose="02020603050405020304" pitchFamily="18" charset="0"/>
-                <a:cs typeface="Times New Roman" panose="02020603050405020304" pitchFamily="18" charset="0"/>
-              </a:rPr>
-              <a:t>import </a:t>
-            </a:r>
-            <a:r>
-              <a:rPr lang="en-US" sz="1100" dirty="0">
-                <a:solidFill>
-                  <a:srgbClr val="000000"/>
-                </a:solidFill>
-                <a:latin typeface="Consolas" panose="020B0609020204030204" pitchFamily="49" charset="0"/>
-                <a:ea typeface="Times New Roman" panose="02020603050405020304" pitchFamily="18" charset="0"/>
-                <a:cs typeface="Times New Roman" panose="02020603050405020304" pitchFamily="18" charset="0"/>
-              </a:rPr>
-              <a:t>org.w3c.dom.events.*</a:t>
-            </a:r>
-            <a:endParaRPr lang="en-US" sz="1100" dirty="0">
-              <a:latin typeface="Calibri" panose="020F0502020204030204" pitchFamily="34" charset="0"/>
-              <a:ea typeface="Calibri" panose="020F0502020204030204" pitchFamily="34" charset="0"/>
-              <a:cs typeface="Times New Roman" panose="02020603050405020304" pitchFamily="18" charset="0"/>
-            </a:endParaRPr>
-          </a:p>
-          <a:p>
-            <a:pPr>
-              <a:lnSpc>
-                <a:spcPct val="107000"/>
-              </a:lnSpc>
-              <a:tabLst>
-                <a:tab pos="581660" algn="l"/>
-                <a:tab pos="1163320" algn="l"/>
-                <a:tab pos="1744980" algn="l"/>
-                <a:tab pos="2326640" algn="l"/>
-                <a:tab pos="2908300" algn="l"/>
-                <a:tab pos="3489960" algn="l"/>
-                <a:tab pos="4071620" algn="l"/>
-                <a:tab pos="4653280" algn="l"/>
-                <a:tab pos="5234940" algn="l"/>
-                <a:tab pos="5816600" algn="l"/>
-                <a:tab pos="6398260" algn="l"/>
-                <a:tab pos="6979920" algn="l"/>
-                <a:tab pos="7561580" algn="l"/>
-                <a:tab pos="8143240" algn="l"/>
-                <a:tab pos="8724900" algn="l"/>
-                <a:tab pos="9306560" algn="l"/>
-              </a:tabLst>
-            </a:pPr>
-            <a:r>
-              <a:rPr lang="en-US" sz="2000" dirty="0">
-                <a:solidFill>
-                  <a:srgbClr val="C70040"/>
-                </a:solidFill>
-                <a:latin typeface="Consolas" panose="020B0609020204030204" pitchFamily="49" charset="0"/>
-                <a:ea typeface="Times New Roman" panose="02020603050405020304" pitchFamily="18" charset="0"/>
-                <a:cs typeface="Times New Roman" panose="02020603050405020304" pitchFamily="18" charset="0"/>
-              </a:rPr>
-              <a:t>import </a:t>
-            </a:r>
-            <a:r>
-              <a:rPr lang="en-US" sz="2000" dirty="0">
-                <a:solidFill>
-                  <a:srgbClr val="000000"/>
-                </a:solidFill>
-                <a:latin typeface="Consolas" panose="020B0609020204030204" pitchFamily="49" charset="0"/>
-                <a:ea typeface="Times New Roman" panose="02020603050405020304" pitchFamily="18" charset="0"/>
-                <a:cs typeface="Times New Roman" panose="02020603050405020304" pitchFamily="18" charset="0"/>
-              </a:rPr>
-              <a:t>kotlinx.serialization.*</a:t>
-            </a:r>
-            <a:endParaRPr lang="en-US" sz="2000" dirty="0">
-              <a:latin typeface="Calibri" panose="020F0502020204030204" pitchFamily="34" charset="0"/>
-              <a:ea typeface="Calibri" panose="020F0502020204030204" pitchFamily="34" charset="0"/>
-              <a:cs typeface="Times New Roman" panose="02020603050405020304" pitchFamily="18" charset="0"/>
-            </a:endParaRPr>
-          </a:p>
-          <a:p>
-            <a:pPr>
-              <a:lnSpc>
-                <a:spcPct val="107000"/>
-              </a:lnSpc>
-              <a:tabLst>
-                <a:tab pos="581660" algn="l"/>
-                <a:tab pos="1163320" algn="l"/>
-                <a:tab pos="1744980" algn="l"/>
-                <a:tab pos="2326640" algn="l"/>
-                <a:tab pos="2908300" algn="l"/>
-                <a:tab pos="3489960" algn="l"/>
-                <a:tab pos="4071620" algn="l"/>
-                <a:tab pos="4653280" algn="l"/>
-                <a:tab pos="5234940" algn="l"/>
-                <a:tab pos="5816600" algn="l"/>
-                <a:tab pos="6398260" algn="l"/>
-                <a:tab pos="6979920" algn="l"/>
-                <a:tab pos="7561580" algn="l"/>
-                <a:tab pos="8143240" algn="l"/>
-                <a:tab pos="8724900" algn="l"/>
-                <a:tab pos="9306560" algn="l"/>
-              </a:tabLst>
-            </a:pPr>
-            <a:r>
-              <a:rPr lang="en-US" sz="2000" dirty="0">
-                <a:solidFill>
-                  <a:srgbClr val="C70040"/>
-                </a:solidFill>
-                <a:latin typeface="Consolas" panose="020B0609020204030204" pitchFamily="49" charset="0"/>
-                <a:ea typeface="Times New Roman" panose="02020603050405020304" pitchFamily="18" charset="0"/>
-                <a:cs typeface="Times New Roman" panose="02020603050405020304" pitchFamily="18" charset="0"/>
-              </a:rPr>
-              <a:t>import </a:t>
-            </a:r>
-            <a:r>
-              <a:rPr lang="en-US" sz="2000" dirty="0">
-                <a:solidFill>
-                  <a:srgbClr val="000000"/>
-                </a:solidFill>
-                <a:latin typeface="Consolas" panose="020B0609020204030204" pitchFamily="49" charset="0"/>
-                <a:ea typeface="Times New Roman" panose="02020603050405020304" pitchFamily="18" charset="0"/>
-                <a:cs typeface="Times New Roman" panose="02020603050405020304" pitchFamily="18" charset="0"/>
-              </a:rPr>
-              <a:t>kotlinx.serialization.json.*</a:t>
-            </a:r>
-            <a:endParaRPr lang="en-US" sz="2000" dirty="0">
-              <a:latin typeface="Calibri" panose="020F0502020204030204" pitchFamily="34" charset="0"/>
-              <a:ea typeface="Calibri" panose="020F0502020204030204" pitchFamily="34" charset="0"/>
-              <a:cs typeface="Times New Roman" panose="02020603050405020304" pitchFamily="18" charset="0"/>
-            </a:endParaRPr>
-          </a:p>
-          <a:p>
-            <a:pPr>
-              <a:lnSpc>
-                <a:spcPct val="107000"/>
-              </a:lnSpc>
-              <a:tabLst>
-                <a:tab pos="581660" algn="l"/>
-                <a:tab pos="1163320" algn="l"/>
-                <a:tab pos="1744980" algn="l"/>
-                <a:tab pos="2326640" algn="l"/>
-                <a:tab pos="2908300" algn="l"/>
-                <a:tab pos="3489960" algn="l"/>
-                <a:tab pos="4071620" algn="l"/>
-                <a:tab pos="4653280" algn="l"/>
-                <a:tab pos="5234940" algn="l"/>
-                <a:tab pos="5816600" algn="l"/>
-                <a:tab pos="6398260" algn="l"/>
-                <a:tab pos="6979920" algn="l"/>
-                <a:tab pos="7561580" algn="l"/>
-                <a:tab pos="8143240" algn="l"/>
-                <a:tab pos="8724900" algn="l"/>
-                <a:tab pos="9306560" algn="l"/>
-              </a:tabLst>
-            </a:pPr>
-            <a:endParaRPr lang="en-US" sz="2000" dirty="0">
-              <a:latin typeface="Calibri" panose="020F0502020204030204" pitchFamily="34" charset="0"/>
-              <a:ea typeface="Calibri" panose="020F0502020204030204" pitchFamily="34" charset="0"/>
-              <a:cs typeface="Times New Roman" panose="02020603050405020304" pitchFamily="18" charset="0"/>
-            </a:endParaRPr>
-          </a:p>
-          <a:p>
-            <a:pPr>
-              <a:lnSpc>
-                <a:spcPct val="107000"/>
-              </a:lnSpc>
-              <a:tabLst>
-                <a:tab pos="581660" algn="l"/>
-                <a:tab pos="1163320" algn="l"/>
-                <a:tab pos="1744980" algn="l"/>
-                <a:tab pos="2326640" algn="l"/>
-                <a:tab pos="2908300" algn="l"/>
-                <a:tab pos="3489960" algn="l"/>
-                <a:tab pos="4071620" algn="l"/>
-                <a:tab pos="4653280" algn="l"/>
-                <a:tab pos="5234940" algn="l"/>
-                <a:tab pos="5816600" algn="l"/>
-                <a:tab pos="6398260" algn="l"/>
-                <a:tab pos="6979920" algn="l"/>
-                <a:tab pos="7561580" algn="l"/>
-                <a:tab pos="8143240" algn="l"/>
-                <a:tab pos="8724900" algn="l"/>
-                <a:tab pos="9306560" algn="l"/>
-              </a:tabLst>
-            </a:pPr>
-            <a:r>
-              <a:rPr lang="en-US" sz="2000" dirty="0">
-                <a:solidFill>
-                  <a:srgbClr val="000000"/>
-                </a:solidFill>
-                <a:latin typeface="Consolas" panose="020B0609020204030204" pitchFamily="49" charset="0"/>
-                <a:ea typeface="Times New Roman" panose="02020603050405020304" pitchFamily="18" charset="0"/>
-                <a:cs typeface="Times New Roman" panose="02020603050405020304" pitchFamily="18" charset="0"/>
-              </a:rPr>
-              <a:t>@Serializable</a:t>
-            </a:r>
-            <a:endParaRPr lang="en-US" sz="2000" dirty="0">
-              <a:latin typeface="Calibri" panose="020F0502020204030204" pitchFamily="34" charset="0"/>
-              <a:ea typeface="Calibri" panose="020F0502020204030204" pitchFamily="34" charset="0"/>
-              <a:cs typeface="Times New Roman" panose="02020603050405020304" pitchFamily="18" charset="0"/>
-            </a:endParaRPr>
-          </a:p>
-          <a:p>
-            <a:pPr>
-              <a:lnSpc>
-                <a:spcPct val="107000"/>
-              </a:lnSpc>
-              <a:tabLst>
-                <a:tab pos="581660" algn="l"/>
-                <a:tab pos="1163320" algn="l"/>
-                <a:tab pos="1744980" algn="l"/>
-                <a:tab pos="2326640" algn="l"/>
-                <a:tab pos="2908300" algn="l"/>
-                <a:tab pos="3489960" algn="l"/>
-                <a:tab pos="4071620" algn="l"/>
-                <a:tab pos="4653280" algn="l"/>
-                <a:tab pos="5234940" algn="l"/>
-                <a:tab pos="5816600" algn="l"/>
-                <a:tab pos="6398260" algn="l"/>
-                <a:tab pos="6979920" algn="l"/>
-                <a:tab pos="7561580" algn="l"/>
-                <a:tab pos="8143240" algn="l"/>
-                <a:tab pos="8724900" algn="l"/>
-                <a:tab pos="9306560" algn="l"/>
-              </a:tabLst>
-            </a:pPr>
-            <a:r>
-              <a:rPr lang="en-US" sz="2000" dirty="0">
-                <a:solidFill>
-                  <a:srgbClr val="C70040"/>
-                </a:solidFill>
-                <a:latin typeface="Consolas" panose="020B0609020204030204" pitchFamily="49" charset="0"/>
-                <a:ea typeface="Times New Roman" panose="02020603050405020304" pitchFamily="18" charset="0"/>
-                <a:cs typeface="Times New Roman" panose="02020603050405020304" pitchFamily="18" charset="0"/>
-              </a:rPr>
-              <a:t>data class </a:t>
-            </a:r>
-            <a:r>
-              <a:rPr lang="en-US" sz="2000" dirty="0" err="1">
-                <a:solidFill>
-                  <a:srgbClr val="000000"/>
-                </a:solidFill>
-                <a:latin typeface="Consolas" panose="020B0609020204030204" pitchFamily="49" charset="0"/>
-                <a:ea typeface="Times New Roman" panose="02020603050405020304" pitchFamily="18" charset="0"/>
-                <a:cs typeface="Times New Roman" panose="02020603050405020304" pitchFamily="18" charset="0"/>
-              </a:rPr>
-              <a:t>JsonMesh</a:t>
-            </a:r>
-            <a:r>
-              <a:rPr lang="en-US" sz="2000" dirty="0">
-                <a:solidFill>
-                  <a:srgbClr val="000000"/>
-                </a:solidFill>
-                <a:latin typeface="Consolas" panose="020B0609020204030204" pitchFamily="49" charset="0"/>
-                <a:ea typeface="Times New Roman" panose="02020603050405020304" pitchFamily="18" charset="0"/>
-                <a:cs typeface="Times New Roman" panose="02020603050405020304" pitchFamily="18" charset="0"/>
-              </a:rPr>
-              <a:t>(</a:t>
-            </a:r>
-            <a:endParaRPr lang="en-US" sz="2000" dirty="0">
-              <a:latin typeface="Calibri" panose="020F0502020204030204" pitchFamily="34" charset="0"/>
-              <a:ea typeface="Calibri" panose="020F0502020204030204" pitchFamily="34" charset="0"/>
-              <a:cs typeface="Times New Roman" panose="02020603050405020304" pitchFamily="18" charset="0"/>
-            </a:endParaRPr>
-          </a:p>
-          <a:p>
-            <a:pPr>
-              <a:lnSpc>
-                <a:spcPct val="107000"/>
-              </a:lnSpc>
-              <a:tabLst>
-                <a:tab pos="581660" algn="l"/>
-                <a:tab pos="1163320" algn="l"/>
-                <a:tab pos="1744980" algn="l"/>
-                <a:tab pos="2326640" algn="l"/>
-                <a:tab pos="2908300" algn="l"/>
-                <a:tab pos="3489960" algn="l"/>
-                <a:tab pos="4071620" algn="l"/>
-                <a:tab pos="4653280" algn="l"/>
-                <a:tab pos="5234940" algn="l"/>
-                <a:tab pos="5816600" algn="l"/>
-                <a:tab pos="6398260" algn="l"/>
-                <a:tab pos="6979920" algn="l"/>
-                <a:tab pos="7561580" algn="l"/>
-                <a:tab pos="8143240" algn="l"/>
-                <a:tab pos="8724900" algn="l"/>
-                <a:tab pos="9306560" algn="l"/>
-              </a:tabLst>
-            </a:pPr>
-            <a:r>
-              <a:rPr lang="en-US" sz="2000" dirty="0">
-                <a:solidFill>
-                  <a:srgbClr val="000000"/>
-                </a:solidFill>
-                <a:latin typeface="Consolas" panose="020B0609020204030204" pitchFamily="49" charset="0"/>
-                <a:ea typeface="Times New Roman" panose="02020603050405020304" pitchFamily="18" charset="0"/>
-                <a:cs typeface="Times New Roman" panose="02020603050405020304" pitchFamily="18" charset="0"/>
-              </a:rPr>
-              <a:t>	</a:t>
-            </a:r>
-            <a:r>
-              <a:rPr lang="en-US" sz="2000" dirty="0" err="1">
-                <a:solidFill>
-                  <a:srgbClr val="C70040"/>
-                </a:solidFill>
-                <a:latin typeface="Consolas" panose="020B0609020204030204" pitchFamily="49" charset="0"/>
-                <a:ea typeface="Times New Roman" panose="02020603050405020304" pitchFamily="18" charset="0"/>
-                <a:cs typeface="Times New Roman" panose="02020603050405020304" pitchFamily="18" charset="0"/>
-              </a:rPr>
-              <a:t>val</a:t>
-            </a:r>
-            <a:r>
-              <a:rPr lang="en-US" sz="2000" dirty="0">
-                <a:solidFill>
-                  <a:srgbClr val="C70040"/>
-                </a:solidFill>
-                <a:latin typeface="Consolas" panose="020B0609020204030204" pitchFamily="49" charset="0"/>
-                <a:ea typeface="Times New Roman" panose="02020603050405020304" pitchFamily="18" charset="0"/>
-                <a:cs typeface="Times New Roman" panose="02020603050405020304" pitchFamily="18" charset="0"/>
-              </a:rPr>
-              <a:t> </a:t>
-            </a:r>
-            <a:r>
-              <a:rPr lang="en-US" sz="2000" i="1" dirty="0">
-                <a:solidFill>
-                  <a:srgbClr val="CB6500"/>
-                </a:solidFill>
-                <a:latin typeface="Consolas" panose="020B0609020204030204" pitchFamily="49" charset="0"/>
-                <a:ea typeface="Times New Roman" panose="02020603050405020304" pitchFamily="18" charset="0"/>
-                <a:cs typeface="Times New Roman" panose="02020603050405020304" pitchFamily="18" charset="0"/>
-              </a:rPr>
-              <a:t>vertices </a:t>
-            </a:r>
-            <a:r>
-              <a:rPr lang="en-US" sz="2000" dirty="0">
-                <a:solidFill>
-                  <a:srgbClr val="C70040"/>
-                </a:solidFill>
-                <a:latin typeface="Consolas" panose="020B0609020204030204" pitchFamily="49" charset="0"/>
-                <a:ea typeface="Times New Roman" panose="02020603050405020304" pitchFamily="18" charset="0"/>
-                <a:cs typeface="Times New Roman" panose="02020603050405020304" pitchFamily="18" charset="0"/>
-              </a:rPr>
-              <a:t>: </a:t>
-            </a:r>
-            <a:r>
-              <a:rPr lang="en-US" sz="2000" i="1" dirty="0">
-                <a:solidFill>
-                  <a:srgbClr val="34A7BD"/>
-                </a:solidFill>
-                <a:latin typeface="Consolas" panose="020B0609020204030204" pitchFamily="49" charset="0"/>
-                <a:ea typeface="Times New Roman" panose="02020603050405020304" pitchFamily="18" charset="0"/>
-                <a:cs typeface="Times New Roman" panose="02020603050405020304" pitchFamily="18" charset="0"/>
-              </a:rPr>
-              <a:t>Array</a:t>
-            </a:r>
-            <a:r>
-              <a:rPr lang="en-US" sz="2000" dirty="0">
-                <a:solidFill>
-                  <a:srgbClr val="000000"/>
-                </a:solidFill>
-                <a:latin typeface="Consolas" panose="020B0609020204030204" pitchFamily="49" charset="0"/>
-                <a:ea typeface="Times New Roman" panose="02020603050405020304" pitchFamily="18" charset="0"/>
-                <a:cs typeface="Times New Roman" panose="02020603050405020304" pitchFamily="18" charset="0"/>
-              </a:rPr>
-              <a:t>&lt;</a:t>
-            </a:r>
-            <a:r>
-              <a:rPr lang="en-US" sz="2000" i="1" dirty="0">
-                <a:solidFill>
-                  <a:srgbClr val="34A7BD"/>
-                </a:solidFill>
-                <a:latin typeface="Consolas" panose="020B0609020204030204" pitchFamily="49" charset="0"/>
-                <a:ea typeface="Times New Roman" panose="02020603050405020304" pitchFamily="18" charset="0"/>
-                <a:cs typeface="Times New Roman" panose="02020603050405020304" pitchFamily="18" charset="0"/>
-              </a:rPr>
-              <a:t>Float</a:t>
-            </a:r>
-            <a:r>
-              <a:rPr lang="en-US" sz="2000" dirty="0">
-                <a:solidFill>
-                  <a:srgbClr val="000000"/>
-                </a:solidFill>
-                <a:latin typeface="Consolas" panose="020B0609020204030204" pitchFamily="49" charset="0"/>
-                <a:ea typeface="Times New Roman" panose="02020603050405020304" pitchFamily="18" charset="0"/>
-                <a:cs typeface="Times New Roman" panose="02020603050405020304" pitchFamily="18" charset="0"/>
-              </a:rPr>
-              <a:t>&gt;,</a:t>
-            </a:r>
-            <a:endParaRPr lang="en-US" sz="2000" dirty="0">
-              <a:latin typeface="Calibri" panose="020F0502020204030204" pitchFamily="34" charset="0"/>
-              <a:ea typeface="Calibri" panose="020F0502020204030204" pitchFamily="34" charset="0"/>
-              <a:cs typeface="Times New Roman" panose="02020603050405020304" pitchFamily="18" charset="0"/>
-            </a:endParaRPr>
-          </a:p>
-          <a:p>
-            <a:pPr>
-              <a:lnSpc>
-                <a:spcPct val="107000"/>
-              </a:lnSpc>
-              <a:tabLst>
-                <a:tab pos="581660" algn="l"/>
-                <a:tab pos="1163320" algn="l"/>
-                <a:tab pos="1744980" algn="l"/>
-                <a:tab pos="2326640" algn="l"/>
-                <a:tab pos="2908300" algn="l"/>
-                <a:tab pos="3489960" algn="l"/>
-                <a:tab pos="4071620" algn="l"/>
-                <a:tab pos="4653280" algn="l"/>
-                <a:tab pos="5234940" algn="l"/>
-                <a:tab pos="5816600" algn="l"/>
-                <a:tab pos="6398260" algn="l"/>
-                <a:tab pos="6979920" algn="l"/>
-                <a:tab pos="7561580" algn="l"/>
-                <a:tab pos="8143240" algn="l"/>
-                <a:tab pos="8724900" algn="l"/>
-                <a:tab pos="9306560" algn="l"/>
-              </a:tabLst>
-            </a:pPr>
-            <a:r>
-              <a:rPr lang="en-US" sz="2000" dirty="0">
-                <a:solidFill>
-                  <a:srgbClr val="000000"/>
-                </a:solidFill>
-                <a:latin typeface="Consolas" panose="020B0609020204030204" pitchFamily="49" charset="0"/>
-                <a:ea typeface="Times New Roman" panose="02020603050405020304" pitchFamily="18" charset="0"/>
-                <a:cs typeface="Times New Roman" panose="02020603050405020304" pitchFamily="18" charset="0"/>
-              </a:rPr>
-              <a:t>	</a:t>
-            </a:r>
-            <a:r>
-              <a:rPr lang="en-US" sz="2000" dirty="0" err="1">
-                <a:solidFill>
-                  <a:srgbClr val="C70040"/>
-                </a:solidFill>
-                <a:latin typeface="Consolas" panose="020B0609020204030204" pitchFamily="49" charset="0"/>
-                <a:ea typeface="Times New Roman" panose="02020603050405020304" pitchFamily="18" charset="0"/>
-                <a:cs typeface="Times New Roman" panose="02020603050405020304" pitchFamily="18" charset="0"/>
-              </a:rPr>
-              <a:t>val</a:t>
-            </a:r>
-            <a:r>
-              <a:rPr lang="en-US" sz="2000" dirty="0">
-                <a:solidFill>
-                  <a:srgbClr val="C70040"/>
-                </a:solidFill>
-                <a:latin typeface="Consolas" panose="020B0609020204030204" pitchFamily="49" charset="0"/>
-                <a:ea typeface="Times New Roman" panose="02020603050405020304" pitchFamily="18" charset="0"/>
-                <a:cs typeface="Times New Roman" panose="02020603050405020304" pitchFamily="18" charset="0"/>
-              </a:rPr>
-              <a:t> </a:t>
-            </a:r>
-            <a:r>
-              <a:rPr lang="en-US" sz="2000" i="1" dirty="0" err="1">
-                <a:solidFill>
-                  <a:srgbClr val="CB6500"/>
-                </a:solidFill>
-                <a:latin typeface="Consolas" panose="020B0609020204030204" pitchFamily="49" charset="0"/>
-                <a:ea typeface="Times New Roman" panose="02020603050405020304" pitchFamily="18" charset="0"/>
-                <a:cs typeface="Times New Roman" panose="02020603050405020304" pitchFamily="18" charset="0"/>
-              </a:rPr>
-              <a:t>normals</a:t>
-            </a:r>
-            <a:r>
-              <a:rPr lang="en-US" sz="2000" i="1" dirty="0">
-                <a:solidFill>
-                  <a:srgbClr val="CB6500"/>
-                </a:solidFill>
-                <a:latin typeface="Consolas" panose="020B0609020204030204" pitchFamily="49" charset="0"/>
-                <a:ea typeface="Times New Roman" panose="02020603050405020304" pitchFamily="18" charset="0"/>
-                <a:cs typeface="Times New Roman" panose="02020603050405020304" pitchFamily="18" charset="0"/>
-              </a:rPr>
-              <a:t> </a:t>
-            </a:r>
-            <a:r>
-              <a:rPr lang="en-US" sz="2000" dirty="0">
-                <a:solidFill>
-                  <a:srgbClr val="C70040"/>
-                </a:solidFill>
-                <a:latin typeface="Consolas" panose="020B0609020204030204" pitchFamily="49" charset="0"/>
-                <a:ea typeface="Times New Roman" panose="02020603050405020304" pitchFamily="18" charset="0"/>
-                <a:cs typeface="Times New Roman" panose="02020603050405020304" pitchFamily="18" charset="0"/>
-              </a:rPr>
-              <a:t>: </a:t>
-            </a:r>
-            <a:r>
-              <a:rPr lang="en-US" sz="2000" i="1" dirty="0">
-                <a:solidFill>
-                  <a:srgbClr val="34A7BD"/>
-                </a:solidFill>
-                <a:latin typeface="Consolas" panose="020B0609020204030204" pitchFamily="49" charset="0"/>
-                <a:ea typeface="Times New Roman" panose="02020603050405020304" pitchFamily="18" charset="0"/>
-                <a:cs typeface="Times New Roman" panose="02020603050405020304" pitchFamily="18" charset="0"/>
-              </a:rPr>
-              <a:t>Array</a:t>
-            </a:r>
-            <a:r>
-              <a:rPr lang="en-US" sz="2000" dirty="0">
-                <a:solidFill>
-                  <a:srgbClr val="000000"/>
-                </a:solidFill>
-                <a:latin typeface="Consolas" panose="020B0609020204030204" pitchFamily="49" charset="0"/>
-                <a:ea typeface="Times New Roman" panose="02020603050405020304" pitchFamily="18" charset="0"/>
-                <a:cs typeface="Times New Roman" panose="02020603050405020304" pitchFamily="18" charset="0"/>
-              </a:rPr>
-              <a:t>&lt;</a:t>
-            </a:r>
-            <a:r>
-              <a:rPr lang="en-US" sz="2000" i="1" dirty="0">
-                <a:solidFill>
-                  <a:srgbClr val="34A7BD"/>
-                </a:solidFill>
-                <a:latin typeface="Consolas" panose="020B0609020204030204" pitchFamily="49" charset="0"/>
-                <a:ea typeface="Times New Roman" panose="02020603050405020304" pitchFamily="18" charset="0"/>
-                <a:cs typeface="Times New Roman" panose="02020603050405020304" pitchFamily="18" charset="0"/>
-              </a:rPr>
-              <a:t>Float</a:t>
-            </a:r>
-            <a:r>
-              <a:rPr lang="en-US" sz="2000" dirty="0">
-                <a:solidFill>
-                  <a:srgbClr val="000000"/>
-                </a:solidFill>
-                <a:latin typeface="Consolas" panose="020B0609020204030204" pitchFamily="49" charset="0"/>
-                <a:ea typeface="Times New Roman" panose="02020603050405020304" pitchFamily="18" charset="0"/>
-                <a:cs typeface="Times New Roman" panose="02020603050405020304" pitchFamily="18" charset="0"/>
-              </a:rPr>
-              <a:t>&gt;,</a:t>
-            </a:r>
-            <a:endParaRPr lang="en-US" sz="2000" dirty="0">
-              <a:latin typeface="Calibri" panose="020F0502020204030204" pitchFamily="34" charset="0"/>
-              <a:ea typeface="Calibri" panose="020F0502020204030204" pitchFamily="34" charset="0"/>
-              <a:cs typeface="Times New Roman" panose="02020603050405020304" pitchFamily="18" charset="0"/>
-            </a:endParaRPr>
-          </a:p>
-          <a:p>
-            <a:pPr>
-              <a:lnSpc>
-                <a:spcPct val="107000"/>
-              </a:lnSpc>
-              <a:tabLst>
-                <a:tab pos="581660" algn="l"/>
-                <a:tab pos="1163320" algn="l"/>
-                <a:tab pos="1744980" algn="l"/>
-                <a:tab pos="2326640" algn="l"/>
-                <a:tab pos="2908300" algn="l"/>
-                <a:tab pos="3489960" algn="l"/>
-                <a:tab pos="4071620" algn="l"/>
-                <a:tab pos="4653280" algn="l"/>
-                <a:tab pos="5234940" algn="l"/>
-                <a:tab pos="5816600" algn="l"/>
-                <a:tab pos="6398260" algn="l"/>
-                <a:tab pos="6979920" algn="l"/>
-                <a:tab pos="7561580" algn="l"/>
-                <a:tab pos="8143240" algn="l"/>
-                <a:tab pos="8724900" algn="l"/>
-                <a:tab pos="9306560" algn="l"/>
-              </a:tabLst>
-            </a:pPr>
-            <a:r>
-              <a:rPr lang="en-US" sz="2000" dirty="0">
-                <a:solidFill>
-                  <a:srgbClr val="000000"/>
-                </a:solidFill>
-                <a:latin typeface="Consolas" panose="020B0609020204030204" pitchFamily="49" charset="0"/>
-                <a:ea typeface="Times New Roman" panose="02020603050405020304" pitchFamily="18" charset="0"/>
-                <a:cs typeface="Times New Roman" panose="02020603050405020304" pitchFamily="18" charset="0"/>
-              </a:rPr>
-              <a:t>	</a:t>
-            </a:r>
-            <a:r>
-              <a:rPr lang="en-US" sz="2000" dirty="0" err="1">
-                <a:solidFill>
-                  <a:srgbClr val="C70040"/>
-                </a:solidFill>
-                <a:latin typeface="Consolas" panose="020B0609020204030204" pitchFamily="49" charset="0"/>
-                <a:ea typeface="Times New Roman" panose="02020603050405020304" pitchFamily="18" charset="0"/>
-                <a:cs typeface="Times New Roman" panose="02020603050405020304" pitchFamily="18" charset="0"/>
-              </a:rPr>
-              <a:t>val</a:t>
-            </a:r>
-            <a:r>
-              <a:rPr lang="en-US" sz="2000" dirty="0">
-                <a:solidFill>
-                  <a:srgbClr val="C70040"/>
-                </a:solidFill>
-                <a:latin typeface="Consolas" panose="020B0609020204030204" pitchFamily="49" charset="0"/>
-                <a:ea typeface="Times New Roman" panose="02020603050405020304" pitchFamily="18" charset="0"/>
-                <a:cs typeface="Times New Roman" panose="02020603050405020304" pitchFamily="18" charset="0"/>
-              </a:rPr>
-              <a:t> </a:t>
-            </a:r>
-            <a:r>
-              <a:rPr lang="en-US" sz="2000" i="1" dirty="0" err="1">
-                <a:solidFill>
-                  <a:srgbClr val="CB6500"/>
-                </a:solidFill>
-                <a:latin typeface="Consolas" panose="020B0609020204030204" pitchFamily="49" charset="0"/>
-                <a:ea typeface="Times New Roman" panose="02020603050405020304" pitchFamily="18" charset="0"/>
-                <a:cs typeface="Times New Roman" panose="02020603050405020304" pitchFamily="18" charset="0"/>
-              </a:rPr>
-              <a:t>texturecoords</a:t>
-            </a:r>
-            <a:r>
-              <a:rPr lang="en-US" sz="2000" i="1" dirty="0">
-                <a:solidFill>
-                  <a:srgbClr val="CB6500"/>
-                </a:solidFill>
-                <a:latin typeface="Consolas" panose="020B0609020204030204" pitchFamily="49" charset="0"/>
-                <a:ea typeface="Times New Roman" panose="02020603050405020304" pitchFamily="18" charset="0"/>
-                <a:cs typeface="Times New Roman" panose="02020603050405020304" pitchFamily="18" charset="0"/>
-              </a:rPr>
-              <a:t> </a:t>
-            </a:r>
-            <a:r>
-              <a:rPr lang="en-US" sz="2000" dirty="0">
-                <a:solidFill>
-                  <a:srgbClr val="C70040"/>
-                </a:solidFill>
-                <a:latin typeface="Consolas" panose="020B0609020204030204" pitchFamily="49" charset="0"/>
-                <a:ea typeface="Times New Roman" panose="02020603050405020304" pitchFamily="18" charset="0"/>
-                <a:cs typeface="Times New Roman" panose="02020603050405020304" pitchFamily="18" charset="0"/>
-              </a:rPr>
-              <a:t>: </a:t>
-            </a:r>
-            <a:r>
-              <a:rPr lang="en-US" sz="2000" i="1" dirty="0">
-                <a:solidFill>
-                  <a:srgbClr val="34A7BD"/>
-                </a:solidFill>
-                <a:latin typeface="Consolas" panose="020B0609020204030204" pitchFamily="49" charset="0"/>
-                <a:ea typeface="Times New Roman" panose="02020603050405020304" pitchFamily="18" charset="0"/>
-                <a:cs typeface="Times New Roman" panose="02020603050405020304" pitchFamily="18" charset="0"/>
-              </a:rPr>
-              <a:t>Array</a:t>
-            </a:r>
-            <a:r>
-              <a:rPr lang="en-US" sz="2000" dirty="0">
-                <a:solidFill>
-                  <a:srgbClr val="000000"/>
-                </a:solidFill>
-                <a:latin typeface="Consolas" panose="020B0609020204030204" pitchFamily="49" charset="0"/>
-                <a:ea typeface="Times New Roman" panose="02020603050405020304" pitchFamily="18" charset="0"/>
-                <a:cs typeface="Times New Roman" panose="02020603050405020304" pitchFamily="18" charset="0"/>
-              </a:rPr>
-              <a:t>&lt;</a:t>
-            </a:r>
-            <a:r>
-              <a:rPr lang="en-US" sz="2000" i="1" dirty="0">
-                <a:solidFill>
-                  <a:srgbClr val="34A7BD"/>
-                </a:solidFill>
-                <a:latin typeface="Consolas" panose="020B0609020204030204" pitchFamily="49" charset="0"/>
-                <a:ea typeface="Times New Roman" panose="02020603050405020304" pitchFamily="18" charset="0"/>
-                <a:cs typeface="Times New Roman" panose="02020603050405020304" pitchFamily="18" charset="0"/>
-              </a:rPr>
-              <a:t>Array</a:t>
-            </a:r>
-            <a:r>
-              <a:rPr lang="en-US" sz="2000" dirty="0">
-                <a:solidFill>
-                  <a:srgbClr val="000000"/>
-                </a:solidFill>
-                <a:latin typeface="Consolas" panose="020B0609020204030204" pitchFamily="49" charset="0"/>
-                <a:ea typeface="Times New Roman" panose="02020603050405020304" pitchFamily="18" charset="0"/>
-                <a:cs typeface="Times New Roman" panose="02020603050405020304" pitchFamily="18" charset="0"/>
-              </a:rPr>
-              <a:t>&lt;</a:t>
-            </a:r>
-            <a:r>
-              <a:rPr lang="en-US" sz="2000" i="1" dirty="0">
-                <a:solidFill>
-                  <a:srgbClr val="34A7BD"/>
-                </a:solidFill>
-                <a:latin typeface="Consolas" panose="020B0609020204030204" pitchFamily="49" charset="0"/>
-                <a:ea typeface="Times New Roman" panose="02020603050405020304" pitchFamily="18" charset="0"/>
-                <a:cs typeface="Times New Roman" panose="02020603050405020304" pitchFamily="18" charset="0"/>
-              </a:rPr>
-              <a:t>Float</a:t>
-            </a:r>
-            <a:r>
-              <a:rPr lang="en-US" sz="2000" dirty="0">
-                <a:solidFill>
-                  <a:srgbClr val="000000"/>
-                </a:solidFill>
-                <a:latin typeface="Consolas" panose="020B0609020204030204" pitchFamily="49" charset="0"/>
-                <a:ea typeface="Times New Roman" panose="02020603050405020304" pitchFamily="18" charset="0"/>
-                <a:cs typeface="Times New Roman" panose="02020603050405020304" pitchFamily="18" charset="0"/>
-              </a:rPr>
-              <a:t>&gt;&gt;,</a:t>
-            </a:r>
-            <a:endParaRPr lang="en-US" sz="2000" dirty="0">
-              <a:latin typeface="Calibri" panose="020F0502020204030204" pitchFamily="34" charset="0"/>
-              <a:ea typeface="Calibri" panose="020F0502020204030204" pitchFamily="34" charset="0"/>
-              <a:cs typeface="Times New Roman" panose="02020603050405020304" pitchFamily="18" charset="0"/>
-            </a:endParaRPr>
-          </a:p>
-          <a:p>
-            <a:pPr>
-              <a:lnSpc>
-                <a:spcPct val="107000"/>
-              </a:lnSpc>
-              <a:tabLst>
-                <a:tab pos="581660" algn="l"/>
-                <a:tab pos="1163320" algn="l"/>
-                <a:tab pos="1744980" algn="l"/>
-                <a:tab pos="2326640" algn="l"/>
-                <a:tab pos="2908300" algn="l"/>
-                <a:tab pos="3489960" algn="l"/>
-                <a:tab pos="4071620" algn="l"/>
-                <a:tab pos="4653280" algn="l"/>
-                <a:tab pos="5234940" algn="l"/>
-                <a:tab pos="5816600" algn="l"/>
-                <a:tab pos="6398260" algn="l"/>
-                <a:tab pos="6979920" algn="l"/>
-                <a:tab pos="7561580" algn="l"/>
-                <a:tab pos="8143240" algn="l"/>
-                <a:tab pos="8724900" algn="l"/>
-                <a:tab pos="9306560" algn="l"/>
-              </a:tabLst>
-            </a:pPr>
-            <a:r>
-              <a:rPr lang="en-US" sz="2000" dirty="0">
-                <a:solidFill>
-                  <a:srgbClr val="000000"/>
-                </a:solidFill>
-                <a:latin typeface="Consolas" panose="020B0609020204030204" pitchFamily="49" charset="0"/>
-                <a:ea typeface="Times New Roman" panose="02020603050405020304" pitchFamily="18" charset="0"/>
-                <a:cs typeface="Times New Roman" panose="02020603050405020304" pitchFamily="18" charset="0"/>
-              </a:rPr>
-              <a:t>	</a:t>
-            </a:r>
-            <a:r>
-              <a:rPr lang="en-US" sz="2000" dirty="0" err="1">
-                <a:solidFill>
-                  <a:srgbClr val="C70040"/>
-                </a:solidFill>
-                <a:latin typeface="Consolas" panose="020B0609020204030204" pitchFamily="49" charset="0"/>
-                <a:ea typeface="Times New Roman" panose="02020603050405020304" pitchFamily="18" charset="0"/>
-                <a:cs typeface="Times New Roman" panose="02020603050405020304" pitchFamily="18" charset="0"/>
-              </a:rPr>
-              <a:t>val</a:t>
-            </a:r>
-            <a:r>
-              <a:rPr lang="en-US" sz="2000" dirty="0">
-                <a:solidFill>
-                  <a:srgbClr val="C70040"/>
-                </a:solidFill>
-                <a:latin typeface="Consolas" panose="020B0609020204030204" pitchFamily="49" charset="0"/>
-                <a:ea typeface="Times New Roman" panose="02020603050405020304" pitchFamily="18" charset="0"/>
-                <a:cs typeface="Times New Roman" panose="02020603050405020304" pitchFamily="18" charset="0"/>
-              </a:rPr>
-              <a:t> </a:t>
-            </a:r>
-            <a:r>
-              <a:rPr lang="en-US" sz="2000" i="1" dirty="0">
-                <a:solidFill>
-                  <a:srgbClr val="CB6500"/>
-                </a:solidFill>
-                <a:latin typeface="Consolas" panose="020B0609020204030204" pitchFamily="49" charset="0"/>
-                <a:ea typeface="Times New Roman" panose="02020603050405020304" pitchFamily="18" charset="0"/>
-                <a:cs typeface="Times New Roman" panose="02020603050405020304" pitchFamily="18" charset="0"/>
-              </a:rPr>
-              <a:t>faces </a:t>
-            </a:r>
-            <a:r>
-              <a:rPr lang="en-US" sz="2000" dirty="0">
-                <a:solidFill>
-                  <a:srgbClr val="C70040"/>
-                </a:solidFill>
-                <a:latin typeface="Consolas" panose="020B0609020204030204" pitchFamily="49" charset="0"/>
-                <a:ea typeface="Times New Roman" panose="02020603050405020304" pitchFamily="18" charset="0"/>
-                <a:cs typeface="Times New Roman" panose="02020603050405020304" pitchFamily="18" charset="0"/>
-              </a:rPr>
-              <a:t>: </a:t>
-            </a:r>
-            <a:r>
-              <a:rPr lang="en-US" sz="2000" i="1" dirty="0">
-                <a:solidFill>
-                  <a:srgbClr val="34A7BD"/>
-                </a:solidFill>
-                <a:latin typeface="Consolas" panose="020B0609020204030204" pitchFamily="49" charset="0"/>
-                <a:ea typeface="Times New Roman" panose="02020603050405020304" pitchFamily="18" charset="0"/>
-                <a:cs typeface="Times New Roman" panose="02020603050405020304" pitchFamily="18" charset="0"/>
-              </a:rPr>
-              <a:t>Array</a:t>
-            </a:r>
-            <a:r>
-              <a:rPr lang="en-US" sz="2000" dirty="0">
-                <a:solidFill>
-                  <a:srgbClr val="000000"/>
-                </a:solidFill>
-                <a:latin typeface="Consolas" panose="020B0609020204030204" pitchFamily="49" charset="0"/>
-                <a:ea typeface="Times New Roman" panose="02020603050405020304" pitchFamily="18" charset="0"/>
-                <a:cs typeface="Times New Roman" panose="02020603050405020304" pitchFamily="18" charset="0"/>
-              </a:rPr>
-              <a:t>&lt;</a:t>
-            </a:r>
-            <a:r>
-              <a:rPr lang="en-US" sz="2000" i="1" dirty="0">
-                <a:solidFill>
-                  <a:srgbClr val="34A7BD"/>
-                </a:solidFill>
-                <a:latin typeface="Consolas" panose="020B0609020204030204" pitchFamily="49" charset="0"/>
-                <a:ea typeface="Times New Roman" panose="02020603050405020304" pitchFamily="18" charset="0"/>
-                <a:cs typeface="Times New Roman" panose="02020603050405020304" pitchFamily="18" charset="0"/>
-              </a:rPr>
-              <a:t>Array</a:t>
-            </a:r>
-            <a:r>
-              <a:rPr lang="en-US" sz="2000" dirty="0">
-                <a:solidFill>
-                  <a:srgbClr val="000000"/>
-                </a:solidFill>
-                <a:latin typeface="Consolas" panose="020B0609020204030204" pitchFamily="49" charset="0"/>
-                <a:ea typeface="Times New Roman" panose="02020603050405020304" pitchFamily="18" charset="0"/>
-                <a:cs typeface="Times New Roman" panose="02020603050405020304" pitchFamily="18" charset="0"/>
-              </a:rPr>
-              <a:t>&lt;</a:t>
-            </a:r>
-            <a:r>
-              <a:rPr lang="en-US" sz="2000" i="1" dirty="0">
-                <a:solidFill>
-                  <a:srgbClr val="34A7BD"/>
-                </a:solidFill>
-                <a:latin typeface="Consolas" panose="020B0609020204030204" pitchFamily="49" charset="0"/>
-                <a:ea typeface="Times New Roman" panose="02020603050405020304" pitchFamily="18" charset="0"/>
-                <a:cs typeface="Times New Roman" panose="02020603050405020304" pitchFamily="18" charset="0"/>
-              </a:rPr>
-              <a:t>Short</a:t>
-            </a:r>
-            <a:r>
-              <a:rPr lang="en-US" sz="2000" dirty="0">
-                <a:solidFill>
-                  <a:srgbClr val="000000"/>
-                </a:solidFill>
-                <a:latin typeface="Consolas" panose="020B0609020204030204" pitchFamily="49" charset="0"/>
-                <a:ea typeface="Times New Roman" panose="02020603050405020304" pitchFamily="18" charset="0"/>
-                <a:cs typeface="Times New Roman" panose="02020603050405020304" pitchFamily="18" charset="0"/>
-              </a:rPr>
-              <a:t>&gt;&gt;)</a:t>
-            </a:r>
-            <a:endParaRPr lang="en-US" sz="2000" dirty="0">
-              <a:latin typeface="Calibri" panose="020F0502020204030204" pitchFamily="34" charset="0"/>
-              <a:ea typeface="Calibri" panose="020F0502020204030204" pitchFamily="34" charset="0"/>
-              <a:cs typeface="Times New Roman" panose="02020603050405020304" pitchFamily="18" charset="0"/>
-            </a:endParaRPr>
-          </a:p>
-          <a:p>
-            <a:pPr>
-              <a:lnSpc>
-                <a:spcPct val="107000"/>
-              </a:lnSpc>
-              <a:tabLst>
-                <a:tab pos="581660" algn="l"/>
-                <a:tab pos="1163320" algn="l"/>
-                <a:tab pos="1744980" algn="l"/>
-                <a:tab pos="2326640" algn="l"/>
-                <a:tab pos="2908300" algn="l"/>
-                <a:tab pos="3489960" algn="l"/>
-                <a:tab pos="4071620" algn="l"/>
-                <a:tab pos="4653280" algn="l"/>
-                <a:tab pos="5234940" algn="l"/>
-                <a:tab pos="5816600" algn="l"/>
-                <a:tab pos="6398260" algn="l"/>
-                <a:tab pos="6979920" algn="l"/>
-                <a:tab pos="7561580" algn="l"/>
-                <a:tab pos="8143240" algn="l"/>
-                <a:tab pos="8724900" algn="l"/>
-                <a:tab pos="9306560" algn="l"/>
-              </a:tabLst>
-            </a:pPr>
-            <a:endParaRPr lang="en-US" sz="2000" dirty="0">
-              <a:latin typeface="Calibri" panose="020F0502020204030204" pitchFamily="34" charset="0"/>
-              <a:ea typeface="Calibri" panose="020F0502020204030204" pitchFamily="34" charset="0"/>
-              <a:cs typeface="Times New Roman" panose="02020603050405020304" pitchFamily="18" charset="0"/>
-            </a:endParaRPr>
-          </a:p>
-          <a:p>
-            <a:pPr>
-              <a:lnSpc>
-                <a:spcPct val="107000"/>
-              </a:lnSpc>
-              <a:tabLst>
-                <a:tab pos="581660" algn="l"/>
-                <a:tab pos="1163320" algn="l"/>
-                <a:tab pos="1744980" algn="l"/>
-                <a:tab pos="2326640" algn="l"/>
-                <a:tab pos="2908300" algn="l"/>
-                <a:tab pos="3489960" algn="l"/>
-                <a:tab pos="4071620" algn="l"/>
-                <a:tab pos="4653280" algn="l"/>
-                <a:tab pos="5234940" algn="l"/>
-                <a:tab pos="5816600" algn="l"/>
-                <a:tab pos="6398260" algn="l"/>
-                <a:tab pos="6979920" algn="l"/>
-                <a:tab pos="7561580" algn="l"/>
-                <a:tab pos="8143240" algn="l"/>
-                <a:tab pos="8724900" algn="l"/>
-                <a:tab pos="9306560" algn="l"/>
-              </a:tabLst>
-            </a:pPr>
-            <a:r>
-              <a:rPr lang="en-US" sz="2000" dirty="0">
-                <a:solidFill>
-                  <a:srgbClr val="000000"/>
-                </a:solidFill>
-                <a:latin typeface="Consolas" panose="020B0609020204030204" pitchFamily="49" charset="0"/>
-                <a:ea typeface="Times New Roman" panose="02020603050405020304" pitchFamily="18" charset="0"/>
-                <a:cs typeface="Times New Roman" panose="02020603050405020304" pitchFamily="18" charset="0"/>
-              </a:rPr>
-              <a:t>@Serializable</a:t>
-            </a:r>
-            <a:endParaRPr lang="en-US" sz="2000" dirty="0">
-              <a:latin typeface="Calibri" panose="020F0502020204030204" pitchFamily="34" charset="0"/>
-              <a:ea typeface="Calibri" panose="020F0502020204030204" pitchFamily="34" charset="0"/>
-              <a:cs typeface="Times New Roman" panose="02020603050405020304" pitchFamily="18" charset="0"/>
-            </a:endParaRPr>
-          </a:p>
-          <a:p>
-            <a:pPr>
-              <a:lnSpc>
-                <a:spcPct val="107000"/>
-              </a:lnSpc>
-              <a:tabLst>
-                <a:tab pos="581660" algn="l"/>
-                <a:tab pos="1163320" algn="l"/>
-                <a:tab pos="1744980" algn="l"/>
-                <a:tab pos="2326640" algn="l"/>
-                <a:tab pos="2908300" algn="l"/>
-                <a:tab pos="3489960" algn="l"/>
-                <a:tab pos="4071620" algn="l"/>
-                <a:tab pos="4653280" algn="l"/>
-                <a:tab pos="5234940" algn="l"/>
-                <a:tab pos="5816600" algn="l"/>
-                <a:tab pos="6398260" algn="l"/>
-                <a:tab pos="6979920" algn="l"/>
-                <a:tab pos="7561580" algn="l"/>
-                <a:tab pos="8143240" algn="l"/>
-                <a:tab pos="8724900" algn="l"/>
-                <a:tab pos="9306560" algn="l"/>
-              </a:tabLst>
-            </a:pPr>
-            <a:r>
-              <a:rPr lang="en-US" sz="2000" dirty="0">
-                <a:solidFill>
-                  <a:srgbClr val="C70040"/>
-                </a:solidFill>
-                <a:latin typeface="Consolas" panose="020B0609020204030204" pitchFamily="49" charset="0"/>
-                <a:ea typeface="Times New Roman" panose="02020603050405020304" pitchFamily="18" charset="0"/>
-                <a:cs typeface="Times New Roman" panose="02020603050405020304" pitchFamily="18" charset="0"/>
-              </a:rPr>
-              <a:t>data class </a:t>
-            </a:r>
-            <a:r>
-              <a:rPr lang="en-US" sz="2000" dirty="0" err="1">
-                <a:solidFill>
-                  <a:srgbClr val="000000"/>
-                </a:solidFill>
-                <a:latin typeface="Consolas" panose="020B0609020204030204" pitchFamily="49" charset="0"/>
-                <a:ea typeface="Times New Roman" panose="02020603050405020304" pitchFamily="18" charset="0"/>
-                <a:cs typeface="Times New Roman" panose="02020603050405020304" pitchFamily="18" charset="0"/>
-              </a:rPr>
-              <a:t>JsonModel</a:t>
-            </a:r>
-            <a:r>
-              <a:rPr lang="en-US" sz="2000" dirty="0">
-                <a:solidFill>
-                  <a:srgbClr val="000000"/>
-                </a:solidFill>
-                <a:latin typeface="Consolas" panose="020B0609020204030204" pitchFamily="49" charset="0"/>
-                <a:ea typeface="Times New Roman" panose="02020603050405020304" pitchFamily="18" charset="0"/>
-                <a:cs typeface="Times New Roman" panose="02020603050405020304" pitchFamily="18" charset="0"/>
-              </a:rPr>
-              <a:t>(</a:t>
-            </a:r>
-            <a:endParaRPr lang="en-US" sz="2000" dirty="0">
-              <a:latin typeface="Calibri" panose="020F0502020204030204" pitchFamily="34" charset="0"/>
-              <a:ea typeface="Calibri" panose="020F0502020204030204" pitchFamily="34" charset="0"/>
-              <a:cs typeface="Times New Roman" panose="02020603050405020304" pitchFamily="18" charset="0"/>
-            </a:endParaRPr>
-          </a:p>
-          <a:p>
-            <a:pPr>
-              <a:lnSpc>
-                <a:spcPct val="107000"/>
-              </a:lnSpc>
-              <a:tabLst>
-                <a:tab pos="581660" algn="l"/>
-                <a:tab pos="1163320" algn="l"/>
-                <a:tab pos="1744980" algn="l"/>
-                <a:tab pos="2326640" algn="l"/>
-                <a:tab pos="2908300" algn="l"/>
-                <a:tab pos="3489960" algn="l"/>
-                <a:tab pos="4071620" algn="l"/>
-                <a:tab pos="4653280" algn="l"/>
-                <a:tab pos="5234940" algn="l"/>
-                <a:tab pos="5816600" algn="l"/>
-                <a:tab pos="6398260" algn="l"/>
-                <a:tab pos="6979920" algn="l"/>
-                <a:tab pos="7561580" algn="l"/>
-                <a:tab pos="8143240" algn="l"/>
-                <a:tab pos="8724900" algn="l"/>
-                <a:tab pos="9306560" algn="l"/>
-              </a:tabLst>
-            </a:pPr>
-            <a:r>
-              <a:rPr lang="en-US" sz="2000" dirty="0">
-                <a:solidFill>
-                  <a:srgbClr val="000000"/>
-                </a:solidFill>
-                <a:latin typeface="Consolas" panose="020B0609020204030204" pitchFamily="49" charset="0"/>
-                <a:ea typeface="Times New Roman" panose="02020603050405020304" pitchFamily="18" charset="0"/>
-                <a:cs typeface="Times New Roman" panose="02020603050405020304" pitchFamily="18" charset="0"/>
-              </a:rPr>
-              <a:t>	</a:t>
-            </a:r>
-            <a:r>
-              <a:rPr lang="en-US" sz="2000" dirty="0" err="1">
-                <a:solidFill>
-                  <a:srgbClr val="C70040"/>
-                </a:solidFill>
-                <a:latin typeface="Consolas" panose="020B0609020204030204" pitchFamily="49" charset="0"/>
-                <a:ea typeface="Times New Roman" panose="02020603050405020304" pitchFamily="18" charset="0"/>
-                <a:cs typeface="Times New Roman" panose="02020603050405020304" pitchFamily="18" charset="0"/>
-              </a:rPr>
-              <a:t>val</a:t>
-            </a:r>
-            <a:r>
-              <a:rPr lang="en-US" sz="2000" dirty="0">
-                <a:solidFill>
-                  <a:srgbClr val="C70040"/>
-                </a:solidFill>
-                <a:latin typeface="Consolas" panose="020B0609020204030204" pitchFamily="49" charset="0"/>
-                <a:ea typeface="Times New Roman" panose="02020603050405020304" pitchFamily="18" charset="0"/>
-                <a:cs typeface="Times New Roman" panose="02020603050405020304" pitchFamily="18" charset="0"/>
-              </a:rPr>
-              <a:t> </a:t>
-            </a:r>
-            <a:r>
-              <a:rPr lang="en-US" sz="2000" i="1" dirty="0">
-                <a:solidFill>
-                  <a:srgbClr val="CB6500"/>
-                </a:solidFill>
-                <a:latin typeface="Consolas" panose="020B0609020204030204" pitchFamily="49" charset="0"/>
-                <a:ea typeface="Times New Roman" panose="02020603050405020304" pitchFamily="18" charset="0"/>
-                <a:cs typeface="Times New Roman" panose="02020603050405020304" pitchFamily="18" charset="0"/>
-              </a:rPr>
-              <a:t>meshes </a:t>
-            </a:r>
-            <a:r>
-              <a:rPr lang="en-US" sz="2000" dirty="0">
-                <a:solidFill>
-                  <a:srgbClr val="C70040"/>
-                </a:solidFill>
-                <a:latin typeface="Consolas" panose="020B0609020204030204" pitchFamily="49" charset="0"/>
-                <a:ea typeface="Times New Roman" panose="02020603050405020304" pitchFamily="18" charset="0"/>
-                <a:cs typeface="Times New Roman" panose="02020603050405020304" pitchFamily="18" charset="0"/>
-              </a:rPr>
-              <a:t>: </a:t>
-            </a:r>
-            <a:r>
-              <a:rPr lang="en-US" sz="2000" i="1" dirty="0">
-                <a:solidFill>
-                  <a:srgbClr val="34A7BD"/>
-                </a:solidFill>
-                <a:latin typeface="Consolas" panose="020B0609020204030204" pitchFamily="49" charset="0"/>
-                <a:ea typeface="Times New Roman" panose="02020603050405020304" pitchFamily="18" charset="0"/>
-                <a:cs typeface="Times New Roman" panose="02020603050405020304" pitchFamily="18" charset="0"/>
-              </a:rPr>
-              <a:t>Array</a:t>
-            </a:r>
-            <a:r>
-              <a:rPr lang="en-US" sz="2000" dirty="0">
-                <a:solidFill>
-                  <a:srgbClr val="000000"/>
-                </a:solidFill>
-                <a:latin typeface="Consolas" panose="020B0609020204030204" pitchFamily="49" charset="0"/>
-                <a:ea typeface="Times New Roman" panose="02020603050405020304" pitchFamily="18" charset="0"/>
-                <a:cs typeface="Times New Roman" panose="02020603050405020304" pitchFamily="18" charset="0"/>
-              </a:rPr>
-              <a:t>&lt;</a:t>
-            </a:r>
-            <a:r>
-              <a:rPr lang="en-US" sz="2000" dirty="0" err="1">
-                <a:solidFill>
-                  <a:srgbClr val="000000"/>
-                </a:solidFill>
-                <a:latin typeface="Consolas" panose="020B0609020204030204" pitchFamily="49" charset="0"/>
-                <a:ea typeface="Times New Roman" panose="02020603050405020304" pitchFamily="18" charset="0"/>
-                <a:cs typeface="Times New Roman" panose="02020603050405020304" pitchFamily="18" charset="0"/>
-              </a:rPr>
-              <a:t>JsonMesh</a:t>
-            </a:r>
-            <a:r>
-              <a:rPr lang="en-US" sz="2000" dirty="0">
-                <a:solidFill>
-                  <a:srgbClr val="000000"/>
-                </a:solidFill>
-                <a:latin typeface="Consolas" panose="020B0609020204030204" pitchFamily="49" charset="0"/>
-                <a:ea typeface="Times New Roman" panose="02020603050405020304" pitchFamily="18" charset="0"/>
-                <a:cs typeface="Times New Roman" panose="02020603050405020304" pitchFamily="18" charset="0"/>
-              </a:rPr>
-              <a:t>&gt;)</a:t>
-            </a:r>
-            <a:endParaRPr lang="en-US" sz="2000" dirty="0">
-              <a:latin typeface="Calibri" panose="020F0502020204030204" pitchFamily="34" charset="0"/>
-              <a:ea typeface="Calibri" panose="020F0502020204030204" pitchFamily="34" charset="0"/>
-              <a:cs typeface="Times New Roman" panose="02020603050405020304" pitchFamily="18" charset="0"/>
-            </a:endParaRPr>
-          </a:p>
-        </p:txBody>
-      </p:sp>
-    </p:spTree>
-    <p:extLst>
-      <p:ext uri="{BB962C8B-B14F-4D97-AF65-F5344CB8AC3E}">
-        <p14:creationId xmlns:p14="http://schemas.microsoft.com/office/powerpoint/2010/main" val="909757724"/>
-      </p:ext>
-    </p:extLst>
-  </p:cSld>
-  <p:clrMapOvr>
-    <a:masterClrMapping/>
-  </p:clrMapOvr>
-</p:sld>
-</file>
-
-<file path=ppt/slides/slide12.xml><?xml version="1.0" encoding="utf-8"?>
 <p:sld xmlns:a="http://schemas.openxmlformats.org/drawingml/2006/main" xmlns:r="http://schemas.openxmlformats.org/officeDocument/2006/relationships" xmlns:p="http://schemas.openxmlformats.org/presentationml/2006/main">
   <p:cSld>
     <p:spTree>
@@ -8956,7 +6041,7 @@
 </p:sld>
 </file>
 
-<file path=ppt/slides/slide13.xml><?xml version="1.0" encoding="utf-8"?>
+<file path=ppt/slides/slide11.xml><?xml version="1.0" encoding="utf-8"?>
 <p:sld xmlns:a="http://schemas.openxmlformats.org/drawingml/2006/main" xmlns:r="http://schemas.openxmlformats.org/officeDocument/2006/relationships" xmlns:p="http://schemas.openxmlformats.org/presentationml/2006/main">
   <p:cSld>
     <p:spTree>
@@ -8991,89 +6076,39 @@
           <a:lstStyle/>
           <a:p>
             <a:r>
-              <a:rPr lang="hu-HU" sz="3200" dirty="0" err="1">
+              <a:rPr lang="hu-HU" sz="3200" dirty="0">
                 <a:latin typeface="Consolas" panose="020B0609020204030204" pitchFamily="49" charset="0"/>
                 <a:cs typeface="Consolas" panose="020B0609020204030204" pitchFamily="49" charset="0"/>
               </a:rPr>
               <a:t>GameObject.kt</a:t>
-            </a:r>
-            <a:r>
-              <a:rPr lang="hu-HU" sz="3200" dirty="0"/>
-              <a:t> – </a:t>
-            </a:r>
-            <a:r>
-              <a:rPr lang="hu-HU" sz="3200" dirty="0" err="1">
-                <a:latin typeface="Consolas" panose="020B0609020204030204" pitchFamily="49" charset="0"/>
-                <a:cs typeface="Consolas" panose="020B0609020204030204" pitchFamily="49" charset="0"/>
-              </a:rPr>
-              <a:t>MultiMesh</a:t>
-            </a:r>
-            <a:r>
-              <a:rPr lang="hu-HU" sz="3200" dirty="0"/>
-              <a:t> is </a:t>
-            </a:r>
-            <a:r>
-              <a:rPr lang="hu-HU" sz="3200" dirty="0" err="1"/>
-              <a:t>allowed</a:t>
             </a:r>
             <a:r>
               <a:rPr lang="hu-HU" sz="3200" dirty="0"/>
               <a:t> </a:t>
             </a:r>
             <a:r>
-              <a:rPr lang="hu-HU" sz="3200" dirty="0" err="1"/>
-              <a:t>as</a:t>
+              <a:rPr lang="hu-HU" sz="3200" dirty="0" smtClean="0"/>
+              <a:t>–</a:t>
+            </a:r>
+            <a:r>
+              <a:rPr lang="en-US" sz="3200" dirty="0" smtClean="0"/>
+              <a:t> multiple meshes are</a:t>
+            </a:r>
+            <a:r>
+              <a:rPr lang="hu-HU" sz="3200" dirty="0" smtClean="0"/>
+              <a:t> </a:t>
             </a:r>
             <a:r>
               <a:rPr lang="hu-HU" sz="3200" dirty="0"/>
-              <a:t> </a:t>
-            </a:r>
-            <a:r>
-              <a:rPr lang="hu-HU" sz="3200" dirty="0" err="1"/>
-              <a:t>the</a:t>
-            </a:r>
-            <a:r>
-              <a:rPr lang="hu-HU" sz="3200" dirty="0"/>
-              <a:t> </a:t>
-            </a:r>
-            <a:r>
-              <a:rPr lang="hu-HU" sz="3200" dirty="0" err="1"/>
-              <a:t>child</a:t>
-            </a:r>
-            <a:r>
-              <a:rPr lang="hu-HU" sz="3200" dirty="0"/>
-              <a:t> </a:t>
-            </a:r>
-            <a:r>
-              <a:rPr lang="hu-HU" sz="3200" dirty="0" err="1"/>
-              <a:t>component</a:t>
-            </a:r>
-            <a:r>
-              <a:rPr lang="hu-HU" sz="3200" dirty="0"/>
-              <a:t>, </a:t>
-            </a:r>
-            <a:r>
-              <a:rPr lang="hu-HU" sz="3200" dirty="0" err="1"/>
-              <a:t>not</a:t>
-            </a:r>
-            <a:r>
-              <a:rPr lang="hu-HU" sz="3200" dirty="0"/>
-              <a:t> </a:t>
-            </a:r>
-            <a:r>
-              <a:rPr lang="hu-HU" sz="3200" dirty="0" err="1"/>
-              <a:t>only</a:t>
-            </a:r>
-            <a:r>
-              <a:rPr lang="hu-HU" sz="3200" dirty="0"/>
-              <a:t> </a:t>
-            </a:r>
-            <a:r>
-              <a:rPr lang="hu-HU" sz="3200" dirty="0" err="1">
-                <a:latin typeface="Consolas" panose="020B0609020204030204" pitchFamily="49" charset="0"/>
-                <a:cs typeface="Consolas" panose="020B0609020204030204" pitchFamily="49" charset="0"/>
-              </a:rPr>
-              <a:t>Mesh</a:t>
+              <a:t>allowed as </a:t>
+            </a:r>
+            <a:r>
+              <a:rPr lang="hu-HU" sz="3200" dirty="0" smtClean="0"/>
+              <a:t>child component</a:t>
+            </a:r>
+            <a:r>
+              <a:rPr lang="en-US" sz="3200" dirty="0" smtClean="0"/>
+              <a:t>s</a:t>
             </a:r>
             <a:endParaRPr lang="en-US" sz="3200" dirty="0">
               <a:latin typeface="Consolas" panose="020B0609020204030204" pitchFamily="49" charset="0"/>
@@ -9185,16 +6220,6 @@
               </a:rPr>
               <a:t>(</a:t>
             </a:r>
-            <a:endParaRPr lang="en-US" sz="1100" dirty="0">
-              <a:solidFill>
-                <a:schemeClr val="bg1">
-                  <a:lumMod val="50000"/>
-                </a:schemeClr>
-              </a:solidFill>
-              <a:latin typeface="Calibri" panose="020F0502020204030204" pitchFamily="34" charset="0"/>
-              <a:ea typeface="Calibri" panose="020F0502020204030204" pitchFamily="34" charset="0"/>
-              <a:cs typeface="Times New Roman" panose="02020603050405020304" pitchFamily="18" charset="0"/>
-            </a:endParaRPr>
           </a:p>
           <a:p>
             <a:pPr>
@@ -9234,65 +6259,49 @@
               <a:t>  </a:t>
             </a:r>
             <a:r>
-              <a:rPr lang="en-US" sz="2800" i="1" dirty="0">
-                <a:solidFill>
-                  <a:schemeClr val="bg1">
-                    <a:lumMod val="50000"/>
-                  </a:schemeClr>
-                </a:solidFill>
-                <a:latin typeface="Consolas" panose="020B0609020204030204" pitchFamily="49" charset="0"/>
-                <a:ea typeface="Times New Roman" panose="02020603050405020304" pitchFamily="18" charset="0"/>
-                <a:cs typeface="Times New Roman" panose="02020603050405020304" pitchFamily="18" charset="0"/>
-              </a:rPr>
-              <a:t>mesh </a:t>
+              <a:rPr lang="en-US" sz="2800" dirty="0" err="1">
+                <a:solidFill>
+                  <a:srgbClr val="FF0000"/>
+                </a:solidFill>
+                <a:latin typeface="Consolas" panose="020B0609020204030204" pitchFamily="49" charset="0"/>
+                <a:ea typeface="Times New Roman" panose="02020603050405020304" pitchFamily="18" charset="0"/>
+                <a:cs typeface="Times New Roman" panose="02020603050405020304" pitchFamily="18" charset="0"/>
+              </a:rPr>
+              <a:t>vararg</a:t>
             </a:r>
             <a:r>
               <a:rPr lang="en-US" sz="2800" dirty="0">
                 <a:solidFill>
-                  <a:schemeClr val="bg1">
-                    <a:lumMod val="50000"/>
-                  </a:schemeClr>
-                </a:solidFill>
-                <a:latin typeface="Consolas" panose="020B0609020204030204" pitchFamily="49" charset="0"/>
-                <a:ea typeface="Times New Roman" panose="02020603050405020304" pitchFamily="18" charset="0"/>
-                <a:cs typeface="Times New Roman" panose="02020603050405020304" pitchFamily="18" charset="0"/>
-              </a:rPr>
-              <a:t>: </a:t>
+                  <a:srgbClr val="FF0000"/>
+                </a:solidFill>
+                <a:latin typeface="Consolas" panose="020B0609020204030204" pitchFamily="49" charset="0"/>
+                <a:ea typeface="Times New Roman" panose="02020603050405020304" pitchFamily="18" charset="0"/>
+                <a:cs typeface="Times New Roman" panose="02020603050405020304" pitchFamily="18" charset="0"/>
+              </a:rPr>
+              <a:t> </a:t>
             </a:r>
             <a:r>
               <a:rPr lang="en-US" sz="2800" dirty="0" err="1">
                 <a:solidFill>
-                  <a:schemeClr val="tx1"/>
-                </a:solidFill>
-                <a:latin typeface="Consolas" panose="020B0609020204030204" pitchFamily="49" charset="0"/>
-                <a:ea typeface="Times New Roman" panose="02020603050405020304" pitchFamily="18" charset="0"/>
-                <a:cs typeface="Times New Roman" panose="02020603050405020304" pitchFamily="18" charset="0"/>
-              </a:rPr>
-              <a:t>UniformProvider</a:t>
+                  <a:srgbClr val="FF0000"/>
+                </a:solidFill>
+                <a:latin typeface="Consolas" panose="020B0609020204030204" pitchFamily="49" charset="0"/>
+                <a:ea typeface="Times New Roman" panose="02020603050405020304" pitchFamily="18" charset="0"/>
+                <a:cs typeface="Times New Roman" panose="02020603050405020304" pitchFamily="18" charset="0"/>
+              </a:rPr>
+              <a:t>val</a:t>
             </a:r>
             <a:r>
               <a:rPr lang="en-US" sz="2800" dirty="0">
                 <a:solidFill>
-                  <a:schemeClr val="bg1">
-                    <a:lumMod val="50000"/>
-                  </a:schemeClr>
-                </a:solidFill>
-                <a:latin typeface="Consolas" panose="020B0609020204030204" pitchFamily="49" charset="0"/>
-                <a:ea typeface="Times New Roman" panose="02020603050405020304" pitchFamily="18" charset="0"/>
-                <a:cs typeface="Times New Roman" panose="02020603050405020304" pitchFamily="18" charset="0"/>
-              </a:rPr>
-              <a:t>,</a:t>
-            </a:r>
-            <a:endParaRPr lang="en-US" sz="1100" dirty="0">
-              <a:solidFill>
-                <a:schemeClr val="bg1">
-                  <a:lumMod val="50000"/>
-                </a:schemeClr>
-              </a:solidFill>
-              <a:latin typeface="Calibri" panose="020F0502020204030204" pitchFamily="34" charset="0"/>
-              <a:ea typeface="Calibri" panose="020F0502020204030204" pitchFamily="34" charset="0"/>
-              <a:cs typeface="Times New Roman" panose="02020603050405020304" pitchFamily="18" charset="0"/>
-            </a:endParaRPr>
+                  <a:srgbClr val="FF0000"/>
+                </a:solidFill>
+                <a:latin typeface="Consolas" panose="020B0609020204030204" pitchFamily="49" charset="0"/>
+                <a:ea typeface="Times New Roman" panose="02020603050405020304" pitchFamily="18" charset="0"/>
+                <a:cs typeface="Times New Roman" panose="02020603050405020304" pitchFamily="18" charset="0"/>
+              </a:rPr>
+              <a:t> meshes : Mesh</a:t>
+            </a:r>
           </a:p>
           <a:p>
             <a:pPr>
@@ -9329,7 +6338,7 @@
                 <a:ea typeface="Times New Roman" panose="02020603050405020304" pitchFamily="18" charset="0"/>
                 <a:cs typeface="Times New Roman" panose="02020603050405020304" pitchFamily="18" charset="0"/>
               </a:rPr>
-              <a:t>  </a:t>
+              <a:t>   ) : </a:t>
             </a:r>
             <a:r>
               <a:rPr lang="en-US" sz="2800" dirty="0" err="1">
@@ -9342,7 +6351,7 @@
                 <a:ea typeface="Times New Roman" panose="02020603050405020304" pitchFamily="18" charset="0"/>
                 <a:cs typeface="Times New Roman" panose="02020603050405020304" pitchFamily="18" charset="0"/>
               </a:rPr>
-              <a:t>val</a:t>
+              <a:t>UniformProvider</a:t>
             </a:r>
             <a:r>
               <a:rPr lang="en-US" sz="2800" dirty="0">
@@ -9355,10 +6364,10 @@
                 <a:ea typeface="Times New Roman" panose="02020603050405020304" pitchFamily="18" charset="0"/>
                 <a:cs typeface="Times New Roman" panose="02020603050405020304" pitchFamily="18" charset="0"/>
               </a:rPr>
-              <a:t> </a:t>
-            </a:r>
-            <a:r>
-              <a:rPr lang="en-US" sz="2800" i="1" dirty="0">
+              <a:t>("</a:t>
+            </a:r>
+            <a:r>
+              <a:rPr lang="en-US" sz="2800" dirty="0" err="1">
                 <a:solidFill>
                   <a:schemeClr val="bg1">
                     <a:lumMod val="50000"/>
@@ -9368,7 +6377,7 @@
                 <a:ea typeface="Times New Roman" panose="02020603050405020304" pitchFamily="18" charset="0"/>
                 <a:cs typeface="Times New Roman" panose="02020603050405020304" pitchFamily="18" charset="0"/>
               </a:rPr>
-              <a:t>position </a:t>
+              <a:t>gameObject</a:t>
             </a:r>
             <a:r>
               <a:rPr lang="en-US" sz="2800" dirty="0">
@@ -9381,18 +6390,8 @@
                 <a:ea typeface="Times New Roman" panose="02020603050405020304" pitchFamily="18" charset="0"/>
                 <a:cs typeface="Times New Roman" panose="02020603050405020304" pitchFamily="18" charset="0"/>
               </a:rPr>
-              <a:t>: Vec3 = Vec3.zeros.clone(),</a:t>
-            </a:r>
-            <a:endParaRPr lang="en-US" sz="1100" dirty="0">
-              <a:solidFill>
-                <a:schemeClr val="bg1">
-                  <a:lumMod val="50000"/>
-                </a:schemeClr>
-              </a:solidFill>
-              <a:latin typeface="Calibri" panose="020F0502020204030204" pitchFamily="34" charset="0"/>
-              <a:ea typeface="Calibri" panose="020F0502020204030204" pitchFamily="34" charset="0"/>
-              <a:cs typeface="Times New Roman" panose="02020603050405020304" pitchFamily="18" charset="0"/>
-            </a:endParaRPr>
+              <a:t>") {</a:t>
+            </a:r>
           </a:p>
           <a:p>
             <a:pPr>
@@ -9418,422 +6417,19 @@
                 <a:tab pos="9306560" algn="l"/>
               </a:tabLst>
             </a:pPr>
-            <a:r>
-              <a:rPr lang="en-US" sz="2800" dirty="0">
-                <a:solidFill>
-                  <a:schemeClr val="bg1">
-                    <a:lumMod val="50000"/>
-                  </a:schemeClr>
-                </a:solidFill>
-                <a:latin typeface="Consolas" panose="020B0609020204030204" pitchFamily="49" charset="0"/>
-                <a:ea typeface="Times New Roman" panose="02020603050405020304" pitchFamily="18" charset="0"/>
-                <a:cs typeface="Times New Roman" panose="02020603050405020304" pitchFamily="18" charset="0"/>
-              </a:rPr>
-              <a:t>  </a:t>
-            </a:r>
-            <a:r>
-              <a:rPr lang="en-US" sz="2800" dirty="0" err="1">
-                <a:solidFill>
-                  <a:schemeClr val="bg1">
-                    <a:lumMod val="50000"/>
-                  </a:schemeClr>
-                </a:solidFill>
-                <a:latin typeface="Consolas" panose="020B0609020204030204" pitchFamily="49" charset="0"/>
-                <a:ea typeface="Times New Roman" panose="02020603050405020304" pitchFamily="18" charset="0"/>
-                <a:cs typeface="Times New Roman" panose="02020603050405020304" pitchFamily="18" charset="0"/>
-              </a:rPr>
-              <a:t>var</a:t>
-            </a:r>
-            <a:r>
-              <a:rPr lang="en-US" sz="2800" dirty="0">
-                <a:solidFill>
-                  <a:schemeClr val="bg1">
-                    <a:lumMod val="50000"/>
-                  </a:schemeClr>
-                </a:solidFill>
-                <a:latin typeface="Consolas" panose="020B0609020204030204" pitchFamily="49" charset="0"/>
-                <a:ea typeface="Times New Roman" panose="02020603050405020304" pitchFamily="18" charset="0"/>
-                <a:cs typeface="Times New Roman" panose="02020603050405020304" pitchFamily="18" charset="0"/>
-              </a:rPr>
-              <a:t> </a:t>
-            </a:r>
-            <a:r>
-              <a:rPr lang="en-US" sz="2800" i="1" dirty="0">
-                <a:solidFill>
-                  <a:schemeClr val="bg1">
-                    <a:lumMod val="50000"/>
-                  </a:schemeClr>
-                </a:solidFill>
-                <a:latin typeface="Consolas" panose="020B0609020204030204" pitchFamily="49" charset="0"/>
-                <a:ea typeface="Times New Roman" panose="02020603050405020304" pitchFamily="18" charset="0"/>
-                <a:cs typeface="Times New Roman" panose="02020603050405020304" pitchFamily="18" charset="0"/>
-              </a:rPr>
-              <a:t>roll </a:t>
-            </a:r>
-            <a:r>
-              <a:rPr lang="en-US" sz="2800" dirty="0">
-                <a:solidFill>
-                  <a:schemeClr val="bg1">
-                    <a:lumMod val="50000"/>
-                  </a:schemeClr>
-                </a:solidFill>
-                <a:latin typeface="Consolas" panose="020B0609020204030204" pitchFamily="49" charset="0"/>
-                <a:ea typeface="Times New Roman" panose="02020603050405020304" pitchFamily="18" charset="0"/>
-                <a:cs typeface="Times New Roman" panose="02020603050405020304" pitchFamily="18" charset="0"/>
-              </a:rPr>
-              <a:t>: </a:t>
-            </a:r>
-            <a:r>
-              <a:rPr lang="en-US" sz="2800" i="1" dirty="0">
-                <a:solidFill>
-                  <a:schemeClr val="bg1">
-                    <a:lumMod val="50000"/>
-                  </a:schemeClr>
-                </a:solidFill>
-                <a:latin typeface="Consolas" panose="020B0609020204030204" pitchFamily="49" charset="0"/>
-                <a:ea typeface="Times New Roman" panose="02020603050405020304" pitchFamily="18" charset="0"/>
-                <a:cs typeface="Times New Roman" panose="02020603050405020304" pitchFamily="18" charset="0"/>
-              </a:rPr>
-              <a:t>Float </a:t>
-            </a:r>
-            <a:r>
-              <a:rPr lang="en-US" sz="2800" dirty="0">
-                <a:solidFill>
-                  <a:schemeClr val="bg1">
-                    <a:lumMod val="50000"/>
-                  </a:schemeClr>
-                </a:solidFill>
-                <a:latin typeface="Consolas" panose="020B0609020204030204" pitchFamily="49" charset="0"/>
-                <a:ea typeface="Times New Roman" panose="02020603050405020304" pitchFamily="18" charset="0"/>
-                <a:cs typeface="Times New Roman" panose="02020603050405020304" pitchFamily="18" charset="0"/>
-              </a:rPr>
-              <a:t>= 0.0f,</a:t>
-            </a:r>
-            <a:endParaRPr lang="en-US" sz="1100" dirty="0">
+            <a:endParaRPr lang="en-US" sz="2800" dirty="0">
               <a:solidFill>
                 <a:schemeClr val="bg1">
                   <a:lumMod val="50000"/>
                 </a:schemeClr>
               </a:solidFill>
-              <a:latin typeface="Calibri" panose="020F0502020204030204" pitchFamily="34" charset="0"/>
-              <a:ea typeface="Calibri" panose="020F0502020204030204" pitchFamily="34" charset="0"/>
+              <a:latin typeface="Consolas" panose="020B0609020204030204" pitchFamily="49" charset="0"/>
+              <a:ea typeface="Times New Roman" panose="02020603050405020304" pitchFamily="18" charset="0"/>
               <a:cs typeface="Times New Roman" panose="02020603050405020304" pitchFamily="18" charset="0"/>
             </a:endParaRPr>
           </a:p>
-          <a:p>
-            <a:pPr>
-              <a:lnSpc>
-                <a:spcPct val="107000"/>
-              </a:lnSpc>
-              <a:tabLst>
-                <a:tab pos="581660" algn="l"/>
-                <a:tab pos="1163320" algn="l"/>
-                <a:tab pos="1744980" algn="l"/>
-                <a:tab pos="2326640" algn="l"/>
-                <a:tab pos="2908300" algn="l"/>
-                <a:tab pos="3489960" algn="l"/>
-                <a:tab pos="4071620" algn="l"/>
-                <a:tab pos="4653280" algn="l"/>
-                <a:tab pos="5234940" algn="l"/>
-                <a:tab pos="5816600" algn="l"/>
-                <a:tab pos="6398260" algn="l"/>
-                <a:tab pos="6979920" algn="l"/>
-                <a:tab pos="7561580" algn="l"/>
-                <a:tab pos="8143240" algn="l"/>
-                <a:tab pos="8724900" algn="l"/>
-                <a:tab pos="9306560" algn="l"/>
-              </a:tabLst>
-            </a:pPr>
-            <a:r>
-              <a:rPr lang="en-US" sz="2800" dirty="0">
-                <a:solidFill>
-                  <a:schemeClr val="bg1">
-                    <a:lumMod val="50000"/>
-                  </a:schemeClr>
-                </a:solidFill>
-                <a:latin typeface="Consolas" panose="020B0609020204030204" pitchFamily="49" charset="0"/>
-                <a:ea typeface="Times New Roman" panose="02020603050405020304" pitchFamily="18" charset="0"/>
-                <a:cs typeface="Times New Roman" panose="02020603050405020304" pitchFamily="18" charset="0"/>
-              </a:rPr>
-              <a:t>  </a:t>
-            </a:r>
-            <a:r>
-              <a:rPr lang="en-US" sz="2800" dirty="0" err="1">
-                <a:solidFill>
-                  <a:schemeClr val="bg1">
-                    <a:lumMod val="50000"/>
-                  </a:schemeClr>
-                </a:solidFill>
-                <a:latin typeface="Consolas" panose="020B0609020204030204" pitchFamily="49" charset="0"/>
-                <a:ea typeface="Times New Roman" panose="02020603050405020304" pitchFamily="18" charset="0"/>
-                <a:cs typeface="Times New Roman" panose="02020603050405020304" pitchFamily="18" charset="0"/>
-              </a:rPr>
-              <a:t>val</a:t>
-            </a:r>
-            <a:r>
-              <a:rPr lang="en-US" sz="2800" dirty="0">
-                <a:solidFill>
-                  <a:schemeClr val="bg1">
-                    <a:lumMod val="50000"/>
-                  </a:schemeClr>
-                </a:solidFill>
-                <a:latin typeface="Consolas" panose="020B0609020204030204" pitchFamily="49" charset="0"/>
-                <a:ea typeface="Times New Roman" panose="02020603050405020304" pitchFamily="18" charset="0"/>
-                <a:cs typeface="Times New Roman" panose="02020603050405020304" pitchFamily="18" charset="0"/>
-              </a:rPr>
-              <a:t> </a:t>
-            </a:r>
-            <a:r>
-              <a:rPr lang="en-US" sz="2800" i="1" dirty="0">
-                <a:solidFill>
-                  <a:schemeClr val="bg1">
-                    <a:lumMod val="50000"/>
-                  </a:schemeClr>
-                </a:solidFill>
-                <a:latin typeface="Consolas" panose="020B0609020204030204" pitchFamily="49" charset="0"/>
-                <a:ea typeface="Times New Roman" panose="02020603050405020304" pitchFamily="18" charset="0"/>
-                <a:cs typeface="Times New Roman" panose="02020603050405020304" pitchFamily="18" charset="0"/>
-              </a:rPr>
-              <a:t>scale </a:t>
-            </a:r>
-            <a:r>
-              <a:rPr lang="en-US" sz="2800" dirty="0">
-                <a:solidFill>
-                  <a:schemeClr val="bg1">
-                    <a:lumMod val="50000"/>
-                  </a:schemeClr>
-                </a:solidFill>
-                <a:latin typeface="Consolas" panose="020B0609020204030204" pitchFamily="49" charset="0"/>
-                <a:ea typeface="Times New Roman" panose="02020603050405020304" pitchFamily="18" charset="0"/>
-                <a:cs typeface="Times New Roman" panose="02020603050405020304" pitchFamily="18" charset="0"/>
-              </a:rPr>
-              <a:t>: Vec3 = Vec3.ones.clone()</a:t>
-            </a:r>
-            <a:endParaRPr lang="en-US" sz="1100" dirty="0">
-              <a:solidFill>
-                <a:schemeClr val="bg1">
-                  <a:lumMod val="50000"/>
-                </a:schemeClr>
-              </a:solidFill>
-              <a:latin typeface="Calibri" panose="020F0502020204030204" pitchFamily="34" charset="0"/>
-              <a:ea typeface="Calibri" panose="020F0502020204030204" pitchFamily="34" charset="0"/>
-              <a:cs typeface="Times New Roman" panose="02020603050405020304" pitchFamily="18" charset="0"/>
-            </a:endParaRPr>
-          </a:p>
-          <a:p>
-            <a:pPr>
-              <a:lnSpc>
-                <a:spcPct val="107000"/>
-              </a:lnSpc>
-              <a:tabLst>
-                <a:tab pos="581660" algn="l"/>
-                <a:tab pos="1163320" algn="l"/>
-                <a:tab pos="1744980" algn="l"/>
-                <a:tab pos="2326640" algn="l"/>
-                <a:tab pos="2908300" algn="l"/>
-                <a:tab pos="3489960" algn="l"/>
-                <a:tab pos="4071620" algn="l"/>
-                <a:tab pos="4653280" algn="l"/>
-                <a:tab pos="5234940" algn="l"/>
-                <a:tab pos="5816600" algn="l"/>
-                <a:tab pos="6398260" algn="l"/>
-                <a:tab pos="6979920" algn="l"/>
-                <a:tab pos="7561580" algn="l"/>
-                <a:tab pos="8143240" algn="l"/>
-                <a:tab pos="8724900" algn="l"/>
-                <a:tab pos="9306560" algn="l"/>
-              </a:tabLst>
-            </a:pPr>
-            <a:r>
-              <a:rPr lang="en-US" sz="2800" dirty="0">
-                <a:solidFill>
-                  <a:schemeClr val="bg1">
-                    <a:lumMod val="50000"/>
-                  </a:schemeClr>
-                </a:solidFill>
-                <a:latin typeface="Consolas" panose="020B0609020204030204" pitchFamily="49" charset="0"/>
-                <a:ea typeface="Times New Roman" panose="02020603050405020304" pitchFamily="18" charset="0"/>
-                <a:cs typeface="Times New Roman" panose="02020603050405020304" pitchFamily="18" charset="0"/>
-              </a:rPr>
-              <a:t>   ) : </a:t>
-            </a:r>
-            <a:r>
-              <a:rPr lang="en-US" sz="2800" i="1" dirty="0" err="1">
-                <a:solidFill>
-                  <a:schemeClr val="bg1">
-                    <a:lumMod val="50000"/>
-                  </a:schemeClr>
-                </a:solidFill>
-                <a:latin typeface="Consolas" panose="020B0609020204030204" pitchFamily="49" charset="0"/>
-                <a:ea typeface="Times New Roman" panose="02020603050405020304" pitchFamily="18" charset="0"/>
-                <a:cs typeface="Times New Roman" panose="02020603050405020304" pitchFamily="18" charset="0"/>
-              </a:rPr>
-              <a:t>UniformProvider</a:t>
-            </a:r>
-            <a:r>
-              <a:rPr lang="en-US" sz="2800" dirty="0">
-                <a:solidFill>
-                  <a:schemeClr val="bg1">
-                    <a:lumMod val="50000"/>
-                  </a:schemeClr>
-                </a:solidFill>
-                <a:latin typeface="Consolas" panose="020B0609020204030204" pitchFamily="49" charset="0"/>
-                <a:ea typeface="Times New Roman" panose="02020603050405020304" pitchFamily="18" charset="0"/>
-                <a:cs typeface="Times New Roman" panose="02020603050405020304" pitchFamily="18" charset="0"/>
-              </a:rPr>
-              <a:t>("</a:t>
-            </a:r>
-            <a:r>
-              <a:rPr lang="en-US" sz="2800" dirty="0" err="1">
-                <a:solidFill>
-                  <a:schemeClr val="bg1">
-                    <a:lumMod val="50000"/>
-                  </a:schemeClr>
-                </a:solidFill>
-                <a:latin typeface="Consolas" panose="020B0609020204030204" pitchFamily="49" charset="0"/>
-                <a:ea typeface="Times New Roman" panose="02020603050405020304" pitchFamily="18" charset="0"/>
-                <a:cs typeface="Times New Roman" panose="02020603050405020304" pitchFamily="18" charset="0"/>
-              </a:rPr>
-              <a:t>gameObject</a:t>
-            </a:r>
-            <a:r>
-              <a:rPr lang="en-US" sz="2800" dirty="0">
-                <a:solidFill>
-                  <a:schemeClr val="bg1">
-                    <a:lumMod val="50000"/>
-                  </a:schemeClr>
-                </a:solidFill>
-                <a:latin typeface="Consolas" panose="020B0609020204030204" pitchFamily="49" charset="0"/>
-                <a:ea typeface="Times New Roman" panose="02020603050405020304" pitchFamily="18" charset="0"/>
-                <a:cs typeface="Times New Roman" panose="02020603050405020304" pitchFamily="18" charset="0"/>
-              </a:rPr>
-              <a:t>") {</a:t>
-            </a:r>
-            <a:endParaRPr lang="en-US" sz="1100" dirty="0">
-              <a:solidFill>
-                <a:schemeClr val="bg1">
-                  <a:lumMod val="50000"/>
-                </a:schemeClr>
-              </a:solidFill>
-              <a:latin typeface="Calibri" panose="020F0502020204030204" pitchFamily="34" charset="0"/>
-              <a:ea typeface="Calibri" panose="020F0502020204030204" pitchFamily="34" charset="0"/>
-              <a:cs typeface="Times New Roman" panose="02020603050405020304" pitchFamily="18" charset="0"/>
-            </a:endParaRPr>
-          </a:p>
         </p:txBody>
       </p:sp>
-      <p:sp>
-        <p:nvSpPr>
-          <p:cNvPr id="9" name="TextBox 8"/>
-          <p:cNvSpPr txBox="1"/>
-          <p:nvPr/>
-        </p:nvSpPr>
-        <p:spPr>
-          <a:xfrm>
-            <a:off x="7538302" y="2439233"/>
-            <a:ext cx="2401036" cy="369332"/>
-          </a:xfrm>
-          <a:prstGeom prst="rect">
-            <a:avLst/>
-          </a:prstGeom>
-          <a:noFill/>
-        </p:spPr>
-        <p:txBody>
-          <a:bodyPr wrap="square" rtlCol="0">
-            <a:spAutoFit/>
-          </a:bodyPr>
-          <a:lstStyle/>
-          <a:p>
-            <a:r>
-              <a:rPr lang="hu-HU" dirty="0" err="1">
-                <a:solidFill>
-                  <a:srgbClr val="FF0000"/>
-                </a:solidFill>
-                <a:latin typeface="Whipsmart" panose="020B0502030203050204" pitchFamily="34" charset="0"/>
-              </a:rPr>
-              <a:t>this</a:t>
-            </a:r>
-            <a:r>
-              <a:rPr lang="hu-HU" dirty="0">
-                <a:solidFill>
-                  <a:srgbClr val="FF0000"/>
-                </a:solidFill>
-                <a:latin typeface="Whipsmart" panose="020B0502030203050204" pitchFamily="34" charset="0"/>
-              </a:rPr>
-              <a:t> </a:t>
-            </a:r>
-            <a:r>
-              <a:rPr lang="hu-HU" dirty="0" err="1">
-                <a:solidFill>
-                  <a:srgbClr val="FF0000"/>
-                </a:solidFill>
-                <a:latin typeface="Whipsmart" panose="020B0502030203050204" pitchFamily="34" charset="0"/>
-              </a:rPr>
-              <a:t>could</a:t>
-            </a:r>
-            <a:r>
-              <a:rPr lang="hu-HU" dirty="0">
-                <a:solidFill>
-                  <a:srgbClr val="FF0000"/>
-                </a:solidFill>
-                <a:latin typeface="Whipsmart" panose="020B0502030203050204" pitchFamily="34" charset="0"/>
-              </a:rPr>
-              <a:t> be </a:t>
-            </a:r>
-            <a:r>
-              <a:rPr lang="hu-HU" dirty="0" err="1">
-                <a:solidFill>
-                  <a:srgbClr val="FF0000"/>
-                </a:solidFill>
-                <a:latin typeface="Whipsmart" panose="020B0502030203050204" pitchFamily="34" charset="0"/>
-              </a:rPr>
-              <a:t>anything</a:t>
-            </a:r>
-            <a:endParaRPr lang="en-US" dirty="0">
-              <a:solidFill>
-                <a:srgbClr val="FF0000"/>
-              </a:solidFill>
-              <a:latin typeface="Whipsmart" panose="020B0502030203050204" pitchFamily="34" charset="0"/>
-            </a:endParaRPr>
-          </a:p>
-        </p:txBody>
-      </p:sp>
-      <p:cxnSp>
-        <p:nvCxnSpPr>
-          <p:cNvPr id="10" name="Straight Arrow Connector 9"/>
-          <p:cNvCxnSpPr/>
-          <p:nvPr/>
-        </p:nvCxnSpPr>
-        <p:spPr>
-          <a:xfrm flipH="1">
-            <a:off x="5760244" y="2623899"/>
-            <a:ext cx="1778058" cy="853264"/>
-          </a:xfrm>
-          <a:prstGeom prst="straightConnector1">
-            <a:avLst/>
-          </a:prstGeom>
-          <a:ln>
-            <a:solidFill>
-              <a:srgbClr val="FF0000"/>
-            </a:solidFill>
-            <a:tailEnd type="triangle"/>
-          </a:ln>
-        </p:spPr>
-        <p:style>
-          <a:lnRef idx="1">
-            <a:schemeClr val="accent1"/>
-          </a:lnRef>
-          <a:fillRef idx="0">
-            <a:schemeClr val="accent1"/>
-          </a:fillRef>
-          <a:effectRef idx="0">
-            <a:schemeClr val="accent1"/>
-          </a:effectRef>
-          <a:fontRef idx="minor">
-            <a:schemeClr val="tx1"/>
-          </a:fontRef>
-        </p:style>
-      </p:cxnSp>
     </p:spTree>
     <p:extLst>
       <p:ext uri="{BB962C8B-B14F-4D97-AF65-F5344CB8AC3E}">
@@ -9847,7 +6443,7 @@
 </p:sld>
 </file>
 
-<file path=ppt/slides/slide14.xml><?xml version="1.0" encoding="utf-8"?>
+<file path=ppt/slides/slide12.xml><?xml version="1.0" encoding="utf-8"?>
 <p:sld xmlns:a="http://schemas.openxmlformats.org/drawingml/2006/main" xmlns:r="http://schemas.openxmlformats.org/officeDocument/2006/relationships" xmlns:p="http://schemas.openxmlformats.org/presentationml/2006/main">
   <p:cSld>
     <p:spTree>
@@ -9884,12 +6480,12 @@
               <a:t>Use </a:t>
             </a:r>
             <a:r>
-              <a:rPr lang="en-US" dirty="0" err="1"/>
-              <a:t>MultiMesh</a:t>
+              <a:rPr lang="en-US" dirty="0" smtClean="0"/>
+              <a:t>this </a:t>
             </a:r>
             <a:r>
               <a:rPr lang="en-US" dirty="0"/>
-              <a:t> to display 3D object</a:t>
+              <a:t>to display 3D object</a:t>
             </a:r>
           </a:p>
         </p:txBody>
@@ -9901,7 +6497,7 @@
             <a:spLocks noGrp="1"/>
           </p:cNvSpPr>
           <p:nvPr>
-            <p:ph idx="1"/>
+            <p:ph sz="half" idx="1"/>
           </p:nvPr>
         </p:nvSpPr>
         <p:spPr/>
@@ -9923,35 +6519,936 @@
             <a:pPr lvl="1"/>
             <a:r>
               <a:rPr lang="en-US" dirty="0"/>
-              <a:t>same program, different texture</a:t>
-            </a:r>
+              <a:t>same program, different </a:t>
+            </a:r>
+            <a:r>
+              <a:rPr lang="en-US" dirty="0" smtClean="0"/>
+              <a:t>texture</a:t>
+            </a:r>
+            <a:endParaRPr lang="en-US" dirty="0"/>
           </a:p>
           <a:p>
             <a:r>
               <a:rPr lang="en-US" dirty="0"/>
-              <a:t>create </a:t>
-            </a:r>
-            <a:r>
-              <a:rPr lang="en-US" dirty="0" err="1"/>
-              <a:t>MultiMesh</a:t>
-            </a:r>
-            <a:r>
-              <a:rPr lang="en-US" dirty="0"/>
-              <a:t>, pass array of materials</a:t>
-            </a:r>
-          </a:p>
-          <a:p>
-            <a:r>
-              <a:rPr lang="en-US" dirty="0"/>
-              <a:t>create game object using the multi mesh</a:t>
-            </a:r>
+              <a:t>create game object using </a:t>
+            </a:r>
+            <a:r>
+              <a:rPr lang="en-US" dirty="0" smtClean="0"/>
+              <a:t>multiple meshes</a:t>
+            </a:r>
+            <a:endParaRPr lang="en-US" dirty="0"/>
+          </a:p>
+        </p:txBody>
+      </p:sp>
+      <p:sp>
+        <p:nvSpPr>
+          <p:cNvPr id="2" name="Content Placeholder 1"/>
+          <p:cNvSpPr>
+            <a:spLocks noGrp="1"/>
+          </p:cNvSpPr>
+          <p:nvPr>
+            <p:ph sz="half" idx="2"/>
+          </p:nvPr>
+        </p:nvSpPr>
+        <p:spPr/>
+        <p:txBody>
+          <a:bodyPr/>
+          <a:lstStyle/>
+          <a:p>
+            <a:endParaRPr lang="en-US"/>
+          </a:p>
+        </p:txBody>
+      </p:sp>
+      <p:sp>
+        <p:nvSpPr>
+          <p:cNvPr id="5" name="Rectangle 4"/>
+          <p:cNvSpPr/>
+          <p:nvPr/>
+        </p:nvSpPr>
+        <p:spPr>
+          <a:xfrm>
+            <a:off x="5598160" y="1690688"/>
+            <a:ext cx="6593840" cy="5167312"/>
+          </a:xfrm>
+          <a:prstGeom prst="rect">
+            <a:avLst/>
+          </a:prstGeom>
+          <a:solidFill>
+            <a:schemeClr val="accent4">
+              <a:lumMod val="20000"/>
+              <a:lumOff val="80000"/>
+            </a:schemeClr>
+          </a:solidFill>
+        </p:spPr>
+        <p:style>
+          <a:lnRef idx="2">
+            <a:schemeClr val="accent1">
+              <a:shade val="50000"/>
+            </a:schemeClr>
+          </a:lnRef>
+          <a:fillRef idx="1">
+            <a:schemeClr val="accent1"/>
+          </a:fillRef>
+          <a:effectRef idx="0">
+            <a:schemeClr val="accent1"/>
+          </a:effectRef>
+          <a:fontRef idx="minor">
+            <a:schemeClr val="lt1"/>
+          </a:fontRef>
+        </p:style>
+        <p:txBody>
+          <a:bodyPr rtlCol="0" anchor="ctr"/>
+          <a:lstStyle/>
+          <a:p>
+            <a:pPr>
+              <a:lnSpc>
+                <a:spcPct val="107000"/>
+              </a:lnSpc>
+              <a:tabLst>
+                <a:tab pos="581660" algn="l"/>
+                <a:tab pos="1163320" algn="l"/>
+                <a:tab pos="1744980" algn="l"/>
+                <a:tab pos="2326640" algn="l"/>
+                <a:tab pos="2908300" algn="l"/>
+                <a:tab pos="3489960" algn="l"/>
+                <a:tab pos="4071620" algn="l"/>
+                <a:tab pos="4653280" algn="l"/>
+                <a:tab pos="5234940" algn="l"/>
+                <a:tab pos="5816600" algn="l"/>
+                <a:tab pos="6398260" algn="l"/>
+                <a:tab pos="6979920" algn="l"/>
+                <a:tab pos="7561580" algn="l"/>
+                <a:tab pos="8143240" algn="l"/>
+                <a:tab pos="8724900" algn="l"/>
+                <a:tab pos="9306560" algn="l"/>
+              </a:tabLst>
+            </a:pPr>
+            <a:r>
+              <a:rPr lang="en-US" dirty="0" err="1" smtClean="0">
+                <a:solidFill>
+                  <a:schemeClr val="tx1"/>
+                </a:solidFill>
+                <a:latin typeface="Consolas" panose="020B0609020204030204" pitchFamily="49" charset="0"/>
+                <a:ea typeface="Times New Roman" panose="02020603050405020304" pitchFamily="18" charset="0"/>
+                <a:cs typeface="Times New Roman" panose="02020603050405020304" pitchFamily="18" charset="0"/>
+              </a:rPr>
+              <a:t>val</a:t>
+            </a:r>
+            <a:r>
+              <a:rPr lang="en-US" dirty="0" smtClean="0">
+                <a:solidFill>
+                  <a:schemeClr val="tx1"/>
+                </a:solidFill>
+                <a:latin typeface="Consolas" panose="020B0609020204030204" pitchFamily="49" charset="0"/>
+                <a:ea typeface="Times New Roman" panose="02020603050405020304" pitchFamily="18" charset="0"/>
+                <a:cs typeface="Times New Roman" panose="02020603050405020304" pitchFamily="18" charset="0"/>
+              </a:rPr>
+              <a:t> </a:t>
+            </a:r>
+            <a:r>
+              <a:rPr lang="en-US" dirty="0" err="1" smtClean="0">
+                <a:solidFill>
+                  <a:schemeClr val="tx1"/>
+                </a:solidFill>
+                <a:latin typeface="Consolas" panose="020B0609020204030204" pitchFamily="49" charset="0"/>
+                <a:ea typeface="Times New Roman" panose="02020603050405020304" pitchFamily="18" charset="0"/>
+                <a:cs typeface="Times New Roman" panose="02020603050405020304" pitchFamily="18" charset="0"/>
+              </a:rPr>
+              <a:t>slowpokeMeshes</a:t>
+            </a:r>
+            <a:r>
+              <a:rPr lang="en-US" dirty="0" smtClean="0">
+                <a:solidFill>
+                  <a:schemeClr val="tx1"/>
+                </a:solidFill>
+                <a:latin typeface="Consolas" panose="020B0609020204030204" pitchFamily="49" charset="0"/>
+                <a:ea typeface="Times New Roman" panose="02020603050405020304" pitchFamily="18" charset="0"/>
+                <a:cs typeface="Times New Roman" panose="02020603050405020304" pitchFamily="18" charset="0"/>
+              </a:rPr>
+              <a:t> = </a:t>
+            </a:r>
+            <a:r>
+              <a:rPr lang="en-US" dirty="0" err="1" smtClean="0">
+                <a:solidFill>
+                  <a:schemeClr val="tx1"/>
+                </a:solidFill>
+                <a:latin typeface="Consolas" panose="020B0609020204030204" pitchFamily="49" charset="0"/>
+                <a:ea typeface="Times New Roman" panose="02020603050405020304" pitchFamily="18" charset="0"/>
+                <a:cs typeface="Times New Roman" panose="02020603050405020304" pitchFamily="18" charset="0"/>
+              </a:rPr>
+              <a:t>JsonLoader.meshesFrom</a:t>
+            </a:r>
+            <a:r>
+              <a:rPr lang="en-US" dirty="0" smtClean="0">
+                <a:solidFill>
+                  <a:schemeClr val="tx1"/>
+                </a:solidFill>
+                <a:latin typeface="Consolas" panose="020B0609020204030204" pitchFamily="49" charset="0"/>
+                <a:ea typeface="Times New Roman" panose="02020603050405020304" pitchFamily="18" charset="0"/>
+                <a:cs typeface="Times New Roman" panose="02020603050405020304" pitchFamily="18" charset="0"/>
+              </a:rPr>
+              <a:t>(</a:t>
+            </a:r>
+            <a:r>
+              <a:rPr lang="en-US" dirty="0" err="1" smtClean="0">
+                <a:solidFill>
+                  <a:schemeClr val="tx1"/>
+                </a:solidFill>
+                <a:latin typeface="Consolas" panose="020B0609020204030204" pitchFamily="49" charset="0"/>
+                <a:ea typeface="Times New Roman" panose="02020603050405020304" pitchFamily="18" charset="0"/>
+                <a:cs typeface="Times New Roman" panose="02020603050405020304" pitchFamily="18" charset="0"/>
+              </a:rPr>
+              <a:t>gl</a:t>
+            </a:r>
+            <a:r>
+              <a:rPr lang="en-US" dirty="0" smtClean="0">
+                <a:solidFill>
+                  <a:schemeClr val="tx1"/>
+                </a:solidFill>
+                <a:latin typeface="Consolas" panose="020B0609020204030204" pitchFamily="49" charset="0"/>
+                <a:ea typeface="Times New Roman" panose="02020603050405020304" pitchFamily="18" charset="0"/>
+                <a:cs typeface="Times New Roman" panose="02020603050405020304" pitchFamily="18" charset="0"/>
+              </a:rPr>
+              <a:t>,</a:t>
+            </a:r>
+          </a:p>
+          <a:p>
+            <a:pPr>
+              <a:lnSpc>
+                <a:spcPct val="107000"/>
+              </a:lnSpc>
+              <a:tabLst>
+                <a:tab pos="581660" algn="l"/>
+                <a:tab pos="1163320" algn="l"/>
+                <a:tab pos="1744980" algn="l"/>
+                <a:tab pos="2326640" algn="l"/>
+                <a:tab pos="2908300" algn="l"/>
+                <a:tab pos="3489960" algn="l"/>
+                <a:tab pos="4071620" algn="l"/>
+                <a:tab pos="4653280" algn="l"/>
+                <a:tab pos="5234940" algn="l"/>
+                <a:tab pos="5816600" algn="l"/>
+                <a:tab pos="6398260" algn="l"/>
+                <a:tab pos="6979920" algn="l"/>
+                <a:tab pos="7561580" algn="l"/>
+                <a:tab pos="8143240" algn="l"/>
+                <a:tab pos="8724900" algn="l"/>
+                <a:tab pos="9306560" algn="l"/>
+              </a:tabLst>
+            </a:pPr>
+            <a:r>
+              <a:rPr lang="en-US" dirty="0">
+                <a:solidFill>
+                  <a:schemeClr val="tx1"/>
+                </a:solidFill>
+                <a:latin typeface="Consolas" panose="020B0609020204030204" pitchFamily="49" charset="0"/>
+                <a:ea typeface="Times New Roman" panose="02020603050405020304" pitchFamily="18" charset="0"/>
+                <a:cs typeface="Times New Roman" panose="02020603050405020304" pitchFamily="18" charset="0"/>
+              </a:rPr>
+              <a:t> </a:t>
+            </a:r>
+            <a:r>
+              <a:rPr lang="en-US" dirty="0" smtClean="0">
+                <a:solidFill>
+                  <a:schemeClr val="tx1"/>
+                </a:solidFill>
+                <a:latin typeface="Consolas" panose="020B0609020204030204" pitchFamily="49" charset="0"/>
+                <a:ea typeface="Times New Roman" panose="02020603050405020304" pitchFamily="18" charset="0"/>
+                <a:cs typeface="Times New Roman" panose="02020603050405020304" pitchFamily="18" charset="0"/>
+              </a:rPr>
+              <a:t> "media/slowpoke/</a:t>
+            </a:r>
+            <a:r>
+              <a:rPr lang="en-US" dirty="0" err="1" smtClean="0">
+                <a:solidFill>
+                  <a:schemeClr val="tx1"/>
+                </a:solidFill>
+                <a:latin typeface="Consolas" panose="020B0609020204030204" pitchFamily="49" charset="0"/>
+                <a:ea typeface="Times New Roman" panose="02020603050405020304" pitchFamily="18" charset="0"/>
+                <a:cs typeface="Times New Roman" panose="02020603050405020304" pitchFamily="18" charset="0"/>
+              </a:rPr>
+              <a:t>slowpoke.json</a:t>
+            </a:r>
+            <a:r>
+              <a:rPr lang="en-US" dirty="0" smtClean="0">
+                <a:solidFill>
+                  <a:schemeClr val="tx1"/>
+                </a:solidFill>
+                <a:latin typeface="Consolas" panose="020B0609020204030204" pitchFamily="49" charset="0"/>
+                <a:ea typeface="Times New Roman" panose="02020603050405020304" pitchFamily="18" charset="0"/>
+                <a:cs typeface="Times New Roman" panose="02020603050405020304" pitchFamily="18" charset="0"/>
+              </a:rPr>
+              <a:t>",</a:t>
+            </a:r>
+            <a:endParaRPr lang="en-US" dirty="0">
+              <a:solidFill>
+                <a:schemeClr val="tx1"/>
+              </a:solidFill>
+              <a:latin typeface="Consolas" panose="020B0609020204030204" pitchFamily="49" charset="0"/>
+              <a:ea typeface="Times New Roman" panose="02020603050405020304" pitchFamily="18" charset="0"/>
+              <a:cs typeface="Times New Roman" panose="02020603050405020304" pitchFamily="18" charset="0"/>
+            </a:endParaRPr>
+          </a:p>
+          <a:p>
+            <a:pPr>
+              <a:lnSpc>
+                <a:spcPct val="107000"/>
+              </a:lnSpc>
+              <a:tabLst>
+                <a:tab pos="581660" algn="l"/>
+                <a:tab pos="1163320" algn="l"/>
+                <a:tab pos="1744980" algn="l"/>
+                <a:tab pos="2326640" algn="l"/>
+                <a:tab pos="2908300" algn="l"/>
+                <a:tab pos="3489960" algn="l"/>
+                <a:tab pos="4071620" algn="l"/>
+                <a:tab pos="4653280" algn="l"/>
+                <a:tab pos="5234940" algn="l"/>
+                <a:tab pos="5816600" algn="l"/>
+                <a:tab pos="6398260" algn="l"/>
+                <a:tab pos="6979920" algn="l"/>
+                <a:tab pos="7561580" algn="l"/>
+                <a:tab pos="8143240" algn="l"/>
+                <a:tab pos="8724900" algn="l"/>
+                <a:tab pos="9306560" algn="l"/>
+              </a:tabLst>
+            </a:pPr>
+            <a:r>
+              <a:rPr lang="en-US" dirty="0">
+                <a:solidFill>
+                  <a:schemeClr val="tx1"/>
+                </a:solidFill>
+                <a:latin typeface="Consolas" panose="020B0609020204030204" pitchFamily="49" charset="0"/>
+                <a:ea typeface="Times New Roman" panose="02020603050405020304" pitchFamily="18" charset="0"/>
+                <a:cs typeface="Times New Roman" panose="02020603050405020304" pitchFamily="18" charset="0"/>
+              </a:rPr>
+              <a:t>  Material(</a:t>
+            </a:r>
+            <a:r>
+              <a:rPr lang="en-US" dirty="0" err="1">
+                <a:solidFill>
+                  <a:schemeClr val="tx1"/>
+                </a:solidFill>
+                <a:latin typeface="Consolas" panose="020B0609020204030204" pitchFamily="49" charset="0"/>
+                <a:ea typeface="Times New Roman" panose="02020603050405020304" pitchFamily="18" charset="0"/>
+                <a:cs typeface="Times New Roman" panose="02020603050405020304" pitchFamily="18" charset="0"/>
+              </a:rPr>
+              <a:t>texturedProgram</a:t>
+            </a:r>
+            <a:r>
+              <a:rPr lang="en-US" dirty="0">
+                <a:solidFill>
+                  <a:schemeClr val="tx1"/>
+                </a:solidFill>
+                <a:latin typeface="Consolas" panose="020B0609020204030204" pitchFamily="49" charset="0"/>
+                <a:ea typeface="Times New Roman" panose="02020603050405020304" pitchFamily="18" charset="0"/>
+                <a:cs typeface="Times New Roman" panose="02020603050405020304" pitchFamily="18" charset="0"/>
+              </a:rPr>
+              <a:t>).apply{</a:t>
+            </a:r>
+          </a:p>
+          <a:p>
+            <a:pPr>
+              <a:lnSpc>
+                <a:spcPct val="107000"/>
+              </a:lnSpc>
+              <a:tabLst>
+                <a:tab pos="581660" algn="l"/>
+                <a:tab pos="1163320" algn="l"/>
+                <a:tab pos="1744980" algn="l"/>
+                <a:tab pos="2326640" algn="l"/>
+                <a:tab pos="2908300" algn="l"/>
+                <a:tab pos="3489960" algn="l"/>
+                <a:tab pos="4071620" algn="l"/>
+                <a:tab pos="4653280" algn="l"/>
+                <a:tab pos="5234940" algn="l"/>
+                <a:tab pos="5816600" algn="l"/>
+                <a:tab pos="6398260" algn="l"/>
+                <a:tab pos="6979920" algn="l"/>
+                <a:tab pos="7561580" algn="l"/>
+                <a:tab pos="8143240" algn="l"/>
+                <a:tab pos="8724900" algn="l"/>
+                <a:tab pos="9306560" algn="l"/>
+              </a:tabLst>
+            </a:pPr>
+            <a:r>
+              <a:rPr lang="en-US" dirty="0">
+                <a:solidFill>
+                  <a:schemeClr val="tx1"/>
+                </a:solidFill>
+                <a:latin typeface="Consolas" panose="020B0609020204030204" pitchFamily="49" charset="0"/>
+                <a:ea typeface="Times New Roman" panose="02020603050405020304" pitchFamily="18" charset="0"/>
+                <a:cs typeface="Times New Roman" panose="02020603050405020304" pitchFamily="18" charset="0"/>
+              </a:rPr>
+              <a:t>    this["</a:t>
+            </a:r>
+            <a:r>
+              <a:rPr lang="en-US" dirty="0" err="1">
+                <a:solidFill>
+                  <a:schemeClr val="tx1"/>
+                </a:solidFill>
+                <a:latin typeface="Consolas" panose="020B0609020204030204" pitchFamily="49" charset="0"/>
+                <a:ea typeface="Times New Roman" panose="02020603050405020304" pitchFamily="18" charset="0"/>
+                <a:cs typeface="Times New Roman" panose="02020603050405020304" pitchFamily="18" charset="0"/>
+              </a:rPr>
+              <a:t>colorTexture</a:t>
+            </a:r>
+            <a:r>
+              <a:rPr lang="en-US" dirty="0">
+                <a:solidFill>
+                  <a:schemeClr val="tx1"/>
+                </a:solidFill>
+                <a:latin typeface="Consolas" panose="020B0609020204030204" pitchFamily="49" charset="0"/>
+                <a:ea typeface="Times New Roman" panose="02020603050405020304" pitchFamily="18" charset="0"/>
+                <a:cs typeface="Times New Roman" panose="02020603050405020304" pitchFamily="18" charset="0"/>
+              </a:rPr>
+              <a:t>"].set(Texture2D(</a:t>
+            </a:r>
+            <a:r>
+              <a:rPr lang="en-US" dirty="0" err="1">
+                <a:solidFill>
+                  <a:schemeClr val="tx1"/>
+                </a:solidFill>
+                <a:latin typeface="Consolas" panose="020B0609020204030204" pitchFamily="49" charset="0"/>
+                <a:ea typeface="Times New Roman" panose="02020603050405020304" pitchFamily="18" charset="0"/>
+                <a:cs typeface="Times New Roman" panose="02020603050405020304" pitchFamily="18" charset="0"/>
+              </a:rPr>
+              <a:t>gl</a:t>
+            </a:r>
+            <a:r>
+              <a:rPr lang="en-US" dirty="0">
+                <a:solidFill>
+                  <a:schemeClr val="tx1"/>
+                </a:solidFill>
+                <a:latin typeface="Consolas" panose="020B0609020204030204" pitchFamily="49" charset="0"/>
+                <a:ea typeface="Times New Roman" panose="02020603050405020304" pitchFamily="18" charset="0"/>
+                <a:cs typeface="Times New Roman" panose="02020603050405020304" pitchFamily="18" charset="0"/>
+              </a:rPr>
+              <a:t>, "media/Yadon.png"))</a:t>
+            </a:r>
+          </a:p>
+          <a:p>
+            <a:pPr>
+              <a:lnSpc>
+                <a:spcPct val="107000"/>
+              </a:lnSpc>
+              <a:tabLst>
+                <a:tab pos="581660" algn="l"/>
+                <a:tab pos="1163320" algn="l"/>
+                <a:tab pos="1744980" algn="l"/>
+                <a:tab pos="2326640" algn="l"/>
+                <a:tab pos="2908300" algn="l"/>
+                <a:tab pos="3489960" algn="l"/>
+                <a:tab pos="4071620" algn="l"/>
+                <a:tab pos="4653280" algn="l"/>
+                <a:tab pos="5234940" algn="l"/>
+                <a:tab pos="5816600" algn="l"/>
+                <a:tab pos="6398260" algn="l"/>
+                <a:tab pos="6979920" algn="l"/>
+                <a:tab pos="7561580" algn="l"/>
+                <a:tab pos="8143240" algn="l"/>
+                <a:tab pos="8724900" algn="l"/>
+                <a:tab pos="9306560" algn="l"/>
+              </a:tabLst>
+            </a:pPr>
+            <a:r>
+              <a:rPr lang="en-US" dirty="0">
+                <a:solidFill>
+                  <a:schemeClr val="tx1"/>
+                </a:solidFill>
+                <a:latin typeface="Consolas" panose="020B0609020204030204" pitchFamily="49" charset="0"/>
+                <a:ea typeface="Times New Roman" panose="02020603050405020304" pitchFamily="18" charset="0"/>
+                <a:cs typeface="Times New Roman" panose="02020603050405020304" pitchFamily="18" charset="0"/>
+              </a:rPr>
+              <a:t>  },</a:t>
+            </a:r>
+          </a:p>
+          <a:p>
+            <a:pPr>
+              <a:lnSpc>
+                <a:spcPct val="107000"/>
+              </a:lnSpc>
+              <a:tabLst>
+                <a:tab pos="581660" algn="l"/>
+                <a:tab pos="1163320" algn="l"/>
+                <a:tab pos="1744980" algn="l"/>
+                <a:tab pos="2326640" algn="l"/>
+                <a:tab pos="2908300" algn="l"/>
+                <a:tab pos="3489960" algn="l"/>
+                <a:tab pos="4071620" algn="l"/>
+                <a:tab pos="4653280" algn="l"/>
+                <a:tab pos="5234940" algn="l"/>
+                <a:tab pos="5816600" algn="l"/>
+                <a:tab pos="6398260" algn="l"/>
+                <a:tab pos="6979920" algn="l"/>
+                <a:tab pos="7561580" algn="l"/>
+                <a:tab pos="8143240" algn="l"/>
+                <a:tab pos="8724900" algn="l"/>
+                <a:tab pos="9306560" algn="l"/>
+              </a:tabLst>
+            </a:pPr>
+            <a:r>
+              <a:rPr lang="en-US" dirty="0">
+                <a:solidFill>
+                  <a:schemeClr val="tx1"/>
+                </a:solidFill>
+                <a:latin typeface="Consolas" panose="020B0609020204030204" pitchFamily="49" charset="0"/>
+                <a:ea typeface="Times New Roman" panose="02020603050405020304" pitchFamily="18" charset="0"/>
+                <a:cs typeface="Times New Roman" panose="02020603050405020304" pitchFamily="18" charset="0"/>
+              </a:rPr>
+              <a:t> </a:t>
+            </a:r>
+            <a:r>
+              <a:rPr lang="en-US" dirty="0" smtClean="0">
+                <a:solidFill>
+                  <a:schemeClr val="tx1"/>
+                </a:solidFill>
+                <a:latin typeface="Consolas" panose="020B0609020204030204" pitchFamily="49" charset="0"/>
+                <a:ea typeface="Times New Roman" panose="02020603050405020304" pitchFamily="18" charset="0"/>
+                <a:cs typeface="Times New Roman" panose="02020603050405020304" pitchFamily="18" charset="0"/>
+              </a:rPr>
+              <a:t> Material(</a:t>
+            </a:r>
+            <a:r>
+              <a:rPr lang="en-US" dirty="0" err="1" smtClean="0">
+                <a:solidFill>
+                  <a:schemeClr val="tx1"/>
+                </a:solidFill>
+                <a:latin typeface="Consolas" panose="020B0609020204030204" pitchFamily="49" charset="0"/>
+                <a:ea typeface="Times New Roman" panose="02020603050405020304" pitchFamily="18" charset="0"/>
+                <a:cs typeface="Times New Roman" panose="02020603050405020304" pitchFamily="18" charset="0"/>
+              </a:rPr>
+              <a:t>texturedProgram</a:t>
+            </a:r>
+            <a:r>
+              <a:rPr lang="en-US" dirty="0">
+                <a:solidFill>
+                  <a:schemeClr val="tx1"/>
+                </a:solidFill>
+                <a:latin typeface="Consolas" panose="020B0609020204030204" pitchFamily="49" charset="0"/>
+                <a:ea typeface="Times New Roman" panose="02020603050405020304" pitchFamily="18" charset="0"/>
+                <a:cs typeface="Times New Roman" panose="02020603050405020304" pitchFamily="18" charset="0"/>
+              </a:rPr>
+              <a:t>).apply{</a:t>
+            </a:r>
+          </a:p>
+          <a:p>
+            <a:pPr>
+              <a:lnSpc>
+                <a:spcPct val="107000"/>
+              </a:lnSpc>
+              <a:tabLst>
+                <a:tab pos="581660" algn="l"/>
+                <a:tab pos="1163320" algn="l"/>
+                <a:tab pos="1744980" algn="l"/>
+                <a:tab pos="2326640" algn="l"/>
+                <a:tab pos="2908300" algn="l"/>
+                <a:tab pos="3489960" algn="l"/>
+                <a:tab pos="4071620" algn="l"/>
+                <a:tab pos="4653280" algn="l"/>
+                <a:tab pos="5234940" algn="l"/>
+                <a:tab pos="5816600" algn="l"/>
+                <a:tab pos="6398260" algn="l"/>
+                <a:tab pos="6979920" algn="l"/>
+                <a:tab pos="7561580" algn="l"/>
+                <a:tab pos="8143240" algn="l"/>
+                <a:tab pos="8724900" algn="l"/>
+                <a:tab pos="9306560" algn="l"/>
+              </a:tabLst>
+            </a:pPr>
+            <a:r>
+              <a:rPr lang="en-US" dirty="0">
+                <a:solidFill>
+                  <a:schemeClr val="tx1"/>
+                </a:solidFill>
+                <a:latin typeface="Consolas" panose="020B0609020204030204" pitchFamily="49" charset="0"/>
+                <a:ea typeface="Times New Roman" panose="02020603050405020304" pitchFamily="18" charset="0"/>
+                <a:cs typeface="Times New Roman" panose="02020603050405020304" pitchFamily="18" charset="0"/>
+              </a:rPr>
+              <a:t>    this["</a:t>
+            </a:r>
+            <a:r>
+              <a:rPr lang="en-US" dirty="0" err="1">
+                <a:solidFill>
+                  <a:schemeClr val="tx1"/>
+                </a:solidFill>
+                <a:latin typeface="Consolas" panose="020B0609020204030204" pitchFamily="49" charset="0"/>
+                <a:ea typeface="Times New Roman" panose="02020603050405020304" pitchFamily="18" charset="0"/>
+                <a:cs typeface="Times New Roman" panose="02020603050405020304" pitchFamily="18" charset="0"/>
+              </a:rPr>
+              <a:t>colorTexture</a:t>
+            </a:r>
+            <a:r>
+              <a:rPr lang="en-US" dirty="0">
+                <a:solidFill>
+                  <a:schemeClr val="tx1"/>
+                </a:solidFill>
+                <a:latin typeface="Consolas" panose="020B0609020204030204" pitchFamily="49" charset="0"/>
+                <a:ea typeface="Times New Roman" panose="02020603050405020304" pitchFamily="18" charset="0"/>
+                <a:cs typeface="Times New Roman" panose="02020603050405020304" pitchFamily="18" charset="0"/>
+              </a:rPr>
+              <a:t>"].set(Texture2D(</a:t>
+            </a:r>
+            <a:r>
+              <a:rPr lang="en-US" dirty="0" err="1">
+                <a:solidFill>
+                  <a:schemeClr val="tx1"/>
+                </a:solidFill>
+                <a:latin typeface="Consolas" panose="020B0609020204030204" pitchFamily="49" charset="0"/>
+                <a:ea typeface="Times New Roman" panose="02020603050405020304" pitchFamily="18" charset="0"/>
+                <a:cs typeface="Times New Roman" panose="02020603050405020304" pitchFamily="18" charset="0"/>
+              </a:rPr>
+              <a:t>gl</a:t>
+            </a:r>
+            <a:r>
+              <a:rPr lang="en-US" dirty="0">
+                <a:solidFill>
+                  <a:schemeClr val="tx1"/>
+                </a:solidFill>
+                <a:latin typeface="Consolas" panose="020B0609020204030204" pitchFamily="49" charset="0"/>
+                <a:ea typeface="Times New Roman" panose="02020603050405020304" pitchFamily="18" charset="0"/>
+                <a:cs typeface="Times New Roman" panose="02020603050405020304" pitchFamily="18" charset="0"/>
+              </a:rPr>
+              <a:t>, "media/YadonEye.png"))</a:t>
+            </a:r>
+          </a:p>
+          <a:p>
+            <a:pPr>
+              <a:lnSpc>
+                <a:spcPct val="107000"/>
+              </a:lnSpc>
+              <a:tabLst>
+                <a:tab pos="581660" algn="l"/>
+                <a:tab pos="1163320" algn="l"/>
+                <a:tab pos="1744980" algn="l"/>
+                <a:tab pos="2326640" algn="l"/>
+                <a:tab pos="2908300" algn="l"/>
+                <a:tab pos="3489960" algn="l"/>
+                <a:tab pos="4071620" algn="l"/>
+                <a:tab pos="4653280" algn="l"/>
+                <a:tab pos="5234940" algn="l"/>
+                <a:tab pos="5816600" algn="l"/>
+                <a:tab pos="6398260" algn="l"/>
+                <a:tab pos="6979920" algn="l"/>
+                <a:tab pos="7561580" algn="l"/>
+                <a:tab pos="8143240" algn="l"/>
+                <a:tab pos="8724900" algn="l"/>
+                <a:tab pos="9306560" algn="l"/>
+              </a:tabLst>
+            </a:pPr>
+            <a:r>
+              <a:rPr lang="en-US" dirty="0">
+                <a:solidFill>
+                  <a:schemeClr val="tx1"/>
+                </a:solidFill>
+                <a:latin typeface="Consolas" panose="020B0609020204030204" pitchFamily="49" charset="0"/>
+                <a:ea typeface="Times New Roman" panose="02020603050405020304" pitchFamily="18" charset="0"/>
+                <a:cs typeface="Times New Roman" panose="02020603050405020304" pitchFamily="18" charset="0"/>
+              </a:rPr>
+              <a:t>  }</a:t>
+            </a:r>
+          </a:p>
+          <a:p>
+            <a:pPr>
+              <a:lnSpc>
+                <a:spcPct val="107000"/>
+              </a:lnSpc>
+              <a:tabLst>
+                <a:tab pos="581660" algn="l"/>
+                <a:tab pos="1163320" algn="l"/>
+                <a:tab pos="1744980" algn="l"/>
+                <a:tab pos="2326640" algn="l"/>
+                <a:tab pos="2908300" algn="l"/>
+                <a:tab pos="3489960" algn="l"/>
+                <a:tab pos="4071620" algn="l"/>
+                <a:tab pos="4653280" algn="l"/>
+                <a:tab pos="5234940" algn="l"/>
+                <a:tab pos="5816600" algn="l"/>
+                <a:tab pos="6398260" algn="l"/>
+                <a:tab pos="6979920" algn="l"/>
+                <a:tab pos="7561580" algn="l"/>
+                <a:tab pos="8143240" algn="l"/>
+                <a:tab pos="8724900" algn="l"/>
+                <a:tab pos="9306560" algn="l"/>
+              </a:tabLst>
+            </a:pPr>
+            <a:r>
+              <a:rPr lang="en-US" dirty="0" smtClean="0">
+                <a:solidFill>
+                  <a:schemeClr val="tx1"/>
+                </a:solidFill>
+                <a:latin typeface="Consolas" panose="020B0609020204030204" pitchFamily="49" charset="0"/>
+                <a:ea typeface="Times New Roman" panose="02020603050405020304" pitchFamily="18" charset="0"/>
+                <a:cs typeface="Times New Roman" panose="02020603050405020304" pitchFamily="18" charset="0"/>
+              </a:rPr>
+              <a:t>)</a:t>
+            </a:r>
+          </a:p>
+          <a:p>
+            <a:pPr>
+              <a:lnSpc>
+                <a:spcPct val="107000"/>
+              </a:lnSpc>
+              <a:tabLst>
+                <a:tab pos="581660" algn="l"/>
+                <a:tab pos="1163320" algn="l"/>
+                <a:tab pos="1744980" algn="l"/>
+                <a:tab pos="2326640" algn="l"/>
+                <a:tab pos="2908300" algn="l"/>
+                <a:tab pos="3489960" algn="l"/>
+                <a:tab pos="4071620" algn="l"/>
+                <a:tab pos="4653280" algn="l"/>
+                <a:tab pos="5234940" algn="l"/>
+                <a:tab pos="5816600" algn="l"/>
+                <a:tab pos="6398260" algn="l"/>
+                <a:tab pos="6979920" algn="l"/>
+                <a:tab pos="7561580" algn="l"/>
+                <a:tab pos="8143240" algn="l"/>
+                <a:tab pos="8724900" algn="l"/>
+                <a:tab pos="9306560" algn="l"/>
+              </a:tabLst>
+            </a:pPr>
+            <a:endParaRPr lang="en-US" dirty="0" smtClean="0">
+              <a:solidFill>
+                <a:schemeClr val="tx1"/>
+              </a:solidFill>
+              <a:latin typeface="Consolas" panose="020B0609020204030204" pitchFamily="49" charset="0"/>
+              <a:ea typeface="Times New Roman" panose="02020603050405020304" pitchFamily="18" charset="0"/>
+              <a:cs typeface="Times New Roman" panose="02020603050405020304" pitchFamily="18" charset="0"/>
+            </a:endParaRPr>
+          </a:p>
+          <a:p>
+            <a:pPr>
+              <a:lnSpc>
+                <a:spcPct val="107000"/>
+              </a:lnSpc>
+              <a:tabLst>
+                <a:tab pos="581660" algn="l"/>
+                <a:tab pos="1163320" algn="l"/>
+                <a:tab pos="1744980" algn="l"/>
+                <a:tab pos="2326640" algn="l"/>
+                <a:tab pos="2908300" algn="l"/>
+                <a:tab pos="3489960" algn="l"/>
+                <a:tab pos="4071620" algn="l"/>
+                <a:tab pos="4653280" algn="l"/>
+                <a:tab pos="5234940" algn="l"/>
+                <a:tab pos="5816600" algn="l"/>
+                <a:tab pos="6398260" algn="l"/>
+                <a:tab pos="6979920" algn="l"/>
+                <a:tab pos="7561580" algn="l"/>
+                <a:tab pos="8143240" algn="l"/>
+                <a:tab pos="8724900" algn="l"/>
+                <a:tab pos="9306560" algn="l"/>
+              </a:tabLst>
+            </a:pPr>
+            <a:r>
+              <a:rPr lang="en-US" dirty="0" err="1" smtClean="0">
+                <a:solidFill>
+                  <a:schemeClr val="tx1"/>
+                </a:solidFill>
+                <a:latin typeface="Consolas" panose="020B0609020204030204" pitchFamily="49" charset="0"/>
+                <a:ea typeface="Times New Roman" panose="02020603050405020304" pitchFamily="18" charset="0"/>
+                <a:cs typeface="Times New Roman" panose="02020603050405020304" pitchFamily="18" charset="0"/>
+              </a:rPr>
+              <a:t>init</a:t>
+            </a:r>
+            <a:r>
+              <a:rPr lang="en-US" dirty="0" smtClean="0">
+                <a:solidFill>
+                  <a:schemeClr val="tx1"/>
+                </a:solidFill>
+                <a:latin typeface="Consolas" panose="020B0609020204030204" pitchFamily="49" charset="0"/>
+                <a:ea typeface="Times New Roman" panose="02020603050405020304" pitchFamily="18" charset="0"/>
+                <a:cs typeface="Times New Roman" panose="02020603050405020304" pitchFamily="18" charset="0"/>
+              </a:rPr>
+              <a:t>{</a:t>
+            </a:r>
+          </a:p>
+          <a:p>
+            <a:pPr>
+              <a:lnSpc>
+                <a:spcPct val="107000"/>
+              </a:lnSpc>
+              <a:tabLst>
+                <a:tab pos="581660" algn="l"/>
+                <a:tab pos="1163320" algn="l"/>
+                <a:tab pos="1744980" algn="l"/>
+                <a:tab pos="2326640" algn="l"/>
+                <a:tab pos="2908300" algn="l"/>
+                <a:tab pos="3489960" algn="l"/>
+                <a:tab pos="4071620" algn="l"/>
+                <a:tab pos="4653280" algn="l"/>
+                <a:tab pos="5234940" algn="l"/>
+                <a:tab pos="5816600" algn="l"/>
+                <a:tab pos="6398260" algn="l"/>
+                <a:tab pos="6979920" algn="l"/>
+                <a:tab pos="7561580" algn="l"/>
+                <a:tab pos="8143240" algn="l"/>
+                <a:tab pos="8724900" algn="l"/>
+                <a:tab pos="9306560" algn="l"/>
+              </a:tabLst>
+            </a:pPr>
+            <a:r>
+              <a:rPr lang="en-US" dirty="0" smtClean="0">
+                <a:solidFill>
+                  <a:schemeClr val="tx1"/>
+                </a:solidFill>
+                <a:latin typeface="Consolas" panose="020B0609020204030204" pitchFamily="49" charset="0"/>
+                <a:ea typeface="Times New Roman" panose="02020603050405020304" pitchFamily="18" charset="0"/>
+                <a:cs typeface="Times New Roman" panose="02020603050405020304" pitchFamily="18" charset="0"/>
+              </a:rPr>
+              <a:t>  </a:t>
+            </a:r>
+            <a:r>
+              <a:rPr lang="en-US" dirty="0" err="1" smtClean="0">
+                <a:solidFill>
+                  <a:schemeClr val="tx1"/>
+                </a:solidFill>
+                <a:latin typeface="Consolas" panose="020B0609020204030204" pitchFamily="49" charset="0"/>
+                <a:ea typeface="Times New Roman" panose="02020603050405020304" pitchFamily="18" charset="0"/>
+                <a:cs typeface="Times New Roman" panose="02020603050405020304" pitchFamily="18" charset="0"/>
+              </a:rPr>
+              <a:t>gameObjects</a:t>
+            </a:r>
+            <a:r>
+              <a:rPr lang="en-US" dirty="0" smtClean="0">
+                <a:solidFill>
+                  <a:schemeClr val="tx1"/>
+                </a:solidFill>
+                <a:latin typeface="Consolas" panose="020B0609020204030204" pitchFamily="49" charset="0"/>
+                <a:ea typeface="Times New Roman" panose="02020603050405020304" pitchFamily="18" charset="0"/>
+                <a:cs typeface="Times New Roman" panose="02020603050405020304" pitchFamily="18" charset="0"/>
+              </a:rPr>
+              <a:t> += </a:t>
+            </a:r>
+            <a:r>
+              <a:rPr lang="en-US" dirty="0" err="1" smtClean="0">
+                <a:solidFill>
+                  <a:schemeClr val="tx1"/>
+                </a:solidFill>
+                <a:latin typeface="Consolas" panose="020B0609020204030204" pitchFamily="49" charset="0"/>
+                <a:ea typeface="Times New Roman" panose="02020603050405020304" pitchFamily="18" charset="0"/>
+                <a:cs typeface="Times New Roman" panose="02020603050405020304" pitchFamily="18" charset="0"/>
+              </a:rPr>
+              <a:t>GameObject</a:t>
+            </a:r>
+            <a:r>
+              <a:rPr lang="en-US" dirty="0" smtClean="0">
+                <a:solidFill>
+                  <a:schemeClr val="tx1"/>
+                </a:solidFill>
+                <a:latin typeface="Consolas" panose="020B0609020204030204" pitchFamily="49" charset="0"/>
+                <a:ea typeface="Times New Roman" panose="02020603050405020304" pitchFamily="18" charset="0"/>
+                <a:cs typeface="Times New Roman" panose="02020603050405020304" pitchFamily="18" charset="0"/>
+              </a:rPr>
+              <a:t>(*</a:t>
+            </a:r>
+            <a:r>
+              <a:rPr lang="en-US" dirty="0" err="1" smtClean="0">
+                <a:solidFill>
+                  <a:schemeClr val="tx1"/>
+                </a:solidFill>
+                <a:latin typeface="Consolas" panose="020B0609020204030204" pitchFamily="49" charset="0"/>
+                <a:ea typeface="Times New Roman" panose="02020603050405020304" pitchFamily="18" charset="0"/>
+                <a:cs typeface="Times New Roman" panose="02020603050405020304" pitchFamily="18" charset="0"/>
+              </a:rPr>
+              <a:t>slowpokeMeshes</a:t>
+            </a:r>
+            <a:r>
+              <a:rPr lang="en-US" dirty="0" smtClean="0">
+                <a:solidFill>
+                  <a:schemeClr val="tx1"/>
+                </a:solidFill>
+                <a:latin typeface="Consolas" panose="020B0609020204030204" pitchFamily="49" charset="0"/>
+                <a:ea typeface="Times New Roman" panose="02020603050405020304" pitchFamily="18" charset="0"/>
+                <a:cs typeface="Times New Roman" panose="02020603050405020304" pitchFamily="18" charset="0"/>
+              </a:rPr>
+              <a:t>)</a:t>
+            </a:r>
+          </a:p>
+          <a:p>
+            <a:pPr>
+              <a:lnSpc>
+                <a:spcPct val="107000"/>
+              </a:lnSpc>
+              <a:tabLst>
+                <a:tab pos="581660" algn="l"/>
+                <a:tab pos="1163320" algn="l"/>
+                <a:tab pos="1744980" algn="l"/>
+                <a:tab pos="2326640" algn="l"/>
+                <a:tab pos="2908300" algn="l"/>
+                <a:tab pos="3489960" algn="l"/>
+                <a:tab pos="4071620" algn="l"/>
+                <a:tab pos="4653280" algn="l"/>
+                <a:tab pos="5234940" algn="l"/>
+                <a:tab pos="5816600" algn="l"/>
+                <a:tab pos="6398260" algn="l"/>
+                <a:tab pos="6979920" algn="l"/>
+                <a:tab pos="7561580" algn="l"/>
+                <a:tab pos="8143240" algn="l"/>
+                <a:tab pos="8724900" algn="l"/>
+                <a:tab pos="9306560" algn="l"/>
+              </a:tabLst>
+            </a:pPr>
+            <a:r>
+              <a:rPr lang="en-US" dirty="0">
+                <a:solidFill>
+                  <a:schemeClr val="tx1"/>
+                </a:solidFill>
+                <a:latin typeface="Consolas" panose="020B0609020204030204" pitchFamily="49" charset="0"/>
+                <a:ea typeface="Times New Roman" panose="02020603050405020304" pitchFamily="18" charset="0"/>
+                <a:cs typeface="Times New Roman" panose="02020603050405020304" pitchFamily="18" charset="0"/>
+              </a:rPr>
+              <a:t>}</a:t>
+            </a:r>
+            <a:endParaRPr lang="en-US" dirty="0" smtClean="0">
+              <a:solidFill>
+                <a:schemeClr val="tx1"/>
+              </a:solidFill>
+              <a:latin typeface="Consolas" panose="020B0609020204030204" pitchFamily="49" charset="0"/>
+              <a:ea typeface="Times New Roman" panose="02020603050405020304" pitchFamily="18" charset="0"/>
+              <a:cs typeface="Times New Roman" panose="02020603050405020304" pitchFamily="18" charset="0"/>
+            </a:endParaRPr>
+          </a:p>
+          <a:p>
+            <a:pPr>
+              <a:lnSpc>
+                <a:spcPct val="107000"/>
+              </a:lnSpc>
+              <a:tabLst>
+                <a:tab pos="581660" algn="l"/>
+                <a:tab pos="1163320" algn="l"/>
+                <a:tab pos="1744980" algn="l"/>
+                <a:tab pos="2326640" algn="l"/>
+                <a:tab pos="2908300" algn="l"/>
+                <a:tab pos="3489960" algn="l"/>
+                <a:tab pos="4071620" algn="l"/>
+                <a:tab pos="4653280" algn="l"/>
+                <a:tab pos="5234940" algn="l"/>
+                <a:tab pos="5816600" algn="l"/>
+                <a:tab pos="6398260" algn="l"/>
+                <a:tab pos="6979920" algn="l"/>
+                <a:tab pos="7561580" algn="l"/>
+                <a:tab pos="8143240" algn="l"/>
+                <a:tab pos="8724900" algn="l"/>
+                <a:tab pos="9306560" algn="l"/>
+              </a:tabLst>
+            </a:pPr>
+            <a:endParaRPr lang="en-US" dirty="0" smtClean="0">
+              <a:solidFill>
+                <a:schemeClr val="tx1"/>
+              </a:solidFill>
+              <a:latin typeface="Consolas" panose="020B0609020204030204" pitchFamily="49" charset="0"/>
+              <a:ea typeface="Times New Roman" panose="02020603050405020304" pitchFamily="18" charset="0"/>
+              <a:cs typeface="Times New Roman" panose="02020603050405020304" pitchFamily="18" charset="0"/>
+            </a:endParaRPr>
           </a:p>
         </p:txBody>
       </p:sp>
     </p:spTree>
     <p:extLst>
       <p:ext uri="{BB962C8B-B14F-4D97-AF65-F5344CB8AC3E}">
-        <p14:creationId xmlns:p14="http://schemas.microsoft.com/office/powerpoint/2010/main" val="1342499244"/>
+        <p14:creationId xmlns:p14="http://schemas.microsoft.com/office/powerpoint/2010/main" val="625914757"/>
       </p:ext>
     </p:extLst>
   </p:cSld>
@@ -9961,7 +7458,7 @@
 </p:sld>
 </file>
 
-<file path=ppt/slides/slide15.xml><?xml version="1.0" encoding="utf-8"?>
+<file path=ppt/slides/slide13.xml><?xml version="1.0" encoding="utf-8"?>
 <p:sld xmlns:a="http://schemas.openxmlformats.org/drawingml/2006/main" xmlns:r="http://schemas.openxmlformats.org/officeDocument/2006/relationships" xmlns:p="http://schemas.openxmlformats.org/presentationml/2006/main">
   <p:cSld>
     <p:spTree>
@@ -10037,7 +7534,7 @@
 </p:sld>
 </file>
 
-<file path=ppt/slides/slide16.xml><?xml version="1.0" encoding="utf-8"?>
+<file path=ppt/slides/slide14.xml><?xml version="1.0" encoding="utf-8"?>
 <p:sld xmlns:a="http://schemas.openxmlformats.org/drawingml/2006/main" xmlns:r="http://schemas.openxmlformats.org/officeDocument/2006/relationships" xmlns:p="http://schemas.openxmlformats.org/presentationml/2006/main">
   <p:cSld>
     <p:spTree>
@@ -10552,7 +8049,7 @@
 </p:sld>
 </file>
 
-<file path=ppt/slides/slide17.xml><?xml version="1.0" encoding="utf-8"?>
+<file path=ppt/slides/slide15.xml><?xml version="1.0" encoding="utf-8"?>
 <p:sld xmlns:a="http://schemas.openxmlformats.org/drawingml/2006/main" xmlns:r="http://schemas.openxmlformats.org/officeDocument/2006/relationships" xmlns:p="http://schemas.openxmlformats.org/presentationml/2006/main">
   <p:cSld>
     <p:spTree>
@@ -10877,7 +8374,7 @@
 </p:sld>
 </file>
 
-<file path=ppt/slides/slide18.xml><?xml version="1.0" encoding="utf-8"?>
+<file path=ppt/slides/slide16.xml><?xml version="1.0" encoding="utf-8"?>
 <p:sld xmlns:a="http://schemas.openxmlformats.org/drawingml/2006/main" xmlns:r="http://schemas.openxmlformats.org/officeDocument/2006/relationships" xmlns:p="http://schemas.openxmlformats.org/presentationml/2006/main">
   <p:cSld>
     <p:spTree>
@@ -14622,57 +12119,6 @@
       </p:cxnSp>
       <p:sp>
         <p:nvSpPr>
-          <p:cNvPr id="26" name="Rectangle 25"/>
-          <p:cNvSpPr/>
-          <p:nvPr/>
-        </p:nvSpPr>
-        <p:spPr>
-          <a:xfrm>
-            <a:off x="3866870" y="1603801"/>
-            <a:ext cx="1687606" cy="1069041"/>
-          </a:xfrm>
-          <a:prstGeom prst="rect">
-            <a:avLst/>
-          </a:prstGeom>
-        </p:spPr>
-        <p:style>
-          <a:lnRef idx="2">
-            <a:schemeClr val="accent1">
-              <a:shade val="50000"/>
-            </a:schemeClr>
-          </a:lnRef>
-          <a:fillRef idx="1">
-            <a:schemeClr val="accent1"/>
-          </a:fillRef>
-          <a:effectRef idx="0">
-            <a:schemeClr val="accent1"/>
-          </a:effectRef>
-          <a:fontRef idx="minor">
-            <a:schemeClr val="lt1"/>
-          </a:fontRef>
-        </p:style>
-        <p:txBody>
-          <a:bodyPr rtlCol="0" anchor="ctr"/>
-          <a:lstStyle/>
-          <a:p>
-            <a:pPr algn="ctr"/>
-            <a:r>
-              <a:rPr lang="hu-HU" sz="2400" dirty="0">
-                <a:latin typeface="Whipsmart" panose="020B0502030203050204" pitchFamily="34" charset="0"/>
-              </a:rPr>
-              <a:t>Multi</a:t>
-            </a:r>
-            <a:r>
-              <a:rPr lang="en-US" sz="2400" dirty="0">
-                <a:latin typeface="Whipsmart" panose="020B0502030203050204" pitchFamily="34" charset="0"/>
-              </a:rPr>
-              <a:t>Mesh</a:t>
-            </a:r>
-          </a:p>
-        </p:txBody>
-      </p:sp>
-      <p:sp>
-        <p:nvSpPr>
           <p:cNvPr id="27" name="Rectangle 26"/>
           <p:cNvSpPr/>
           <p:nvPr/>
@@ -14764,96 +12210,6 @@
           </a:fontRef>
         </p:style>
       </p:cxnSp>
-      <p:cxnSp>
-        <p:nvCxnSpPr>
-          <p:cNvPr id="55" name="Straight Arrow Connector 54"/>
-          <p:cNvCxnSpPr>
-            <a:stCxn id="4" idx="3"/>
-            <a:endCxn id="26" idx="1"/>
-          </p:cNvCxnSpPr>
-          <p:nvPr/>
-        </p:nvCxnSpPr>
-        <p:spPr>
-          <a:xfrm flipV="1">
-            <a:off x="3372972" y="2138322"/>
-            <a:ext cx="493899" cy="1895517"/>
-          </a:xfrm>
-          <a:prstGeom prst="straightConnector1">
-            <a:avLst/>
-          </a:prstGeom>
-          <a:solidFill>
-            <a:schemeClr val="bg1"/>
-          </a:solidFill>
-          <a:ln w="38100">
-            <a:solidFill>
-              <a:schemeClr val="tx1"/>
-            </a:solidFill>
-            <a:headEnd type="none" w="med" len="med"/>
-            <a:tailEnd type="arrow" w="med" len="med"/>
-          </a:ln>
-        </p:spPr>
-        <p:style>
-          <a:lnRef idx="2">
-            <a:schemeClr val="accent1">
-              <a:shade val="50000"/>
-            </a:schemeClr>
-          </a:lnRef>
-          <a:fillRef idx="1">
-            <a:schemeClr val="accent1"/>
-          </a:fillRef>
-          <a:effectRef idx="0">
-            <a:schemeClr val="accent1"/>
-          </a:effectRef>
-          <a:fontRef idx="minor">
-            <a:schemeClr val="lt1"/>
-          </a:fontRef>
-        </p:style>
-      </p:cxnSp>
-      <p:cxnSp>
-        <p:nvCxnSpPr>
-          <p:cNvPr id="60" name="Straight Arrow Connector 59"/>
-          <p:cNvCxnSpPr>
-            <a:stCxn id="26" idx="2"/>
-            <a:endCxn id="9" idx="0"/>
-          </p:cNvCxnSpPr>
-          <p:nvPr/>
-        </p:nvCxnSpPr>
-        <p:spPr>
-          <a:xfrm flipH="1">
-            <a:off x="4694145" y="2672841"/>
-            <a:ext cx="16529" cy="826476"/>
-          </a:xfrm>
-          <a:prstGeom prst="straightConnector1">
-            <a:avLst/>
-          </a:prstGeom>
-          <a:solidFill>
-            <a:schemeClr val="bg1"/>
-          </a:solidFill>
-          <a:ln w="38100">
-            <a:solidFill>
-              <a:schemeClr val="tx1"/>
-            </a:solidFill>
-            <a:headEnd type="none" w="med" len="med"/>
-            <a:tailEnd type="arrow" w="med" len="med"/>
-          </a:ln>
-        </p:spPr>
-        <p:style>
-          <a:lnRef idx="2">
-            <a:schemeClr val="accent1">
-              <a:shade val="50000"/>
-            </a:schemeClr>
-          </a:lnRef>
-          <a:fillRef idx="1">
-            <a:schemeClr val="accent1"/>
-          </a:fillRef>
-          <a:effectRef idx="0">
-            <a:schemeClr val="accent1"/>
-          </a:effectRef>
-          <a:fontRef idx="minor">
-            <a:schemeClr val="lt1"/>
-          </a:fontRef>
-        </p:style>
-      </p:cxnSp>
       <p:sp>
         <p:nvSpPr>
           <p:cNvPr id="17" name="Rectangle 16"/>
@@ -14861,8 +12217,8 @@
           <p:nvPr/>
         </p:nvSpPr>
         <p:spPr>
-          <a:xfrm rot="19213288">
-            <a:off x="4592801" y="2711732"/>
+          <a:xfrm rot="18990293">
+            <a:off x="3405889" y="3907143"/>
             <a:ext cx="235744" cy="250031"/>
           </a:xfrm>
           <a:prstGeom prst="rect">
@@ -15086,114 +12442,15 @@
                                   </p:childTnLst>
                                 </p:cTn>
                               </p:par>
-                            </p:childTnLst>
-                          </p:cTn>
-                        </p:par>
-                      </p:childTnLst>
-                    </p:cTn>
-                  </p:par>
-                  <p:par>
-                    <p:cTn id="14" fill="hold">
-                      <p:stCondLst>
-                        <p:cond delay="indefinite"/>
-                      </p:stCondLst>
-                      <p:childTnLst>
-                        <p:par>
-                          <p:cTn id="15" fill="hold">
-                            <p:stCondLst>
-                              <p:cond delay="0"/>
-                            </p:stCondLst>
-                            <p:childTnLst>
                               <p:par>
-                                <p:cTn id="16" presetID="1" presetClass="entr" presetSubtype="0" fill="hold" nodeType="clickEffect">
-                                  <p:stCondLst>
-                                    <p:cond delay="0"/>
-                                  </p:stCondLst>
-                                  <p:childTnLst>
-                                    <p:set>
-                                      <p:cBhvr>
-                                        <p:cTn id="17" dur="1" fill="hold">
-                                          <p:stCondLst>
-                                            <p:cond delay="0"/>
-                                          </p:stCondLst>
-                                        </p:cTn>
-                                        <p:tgtEl>
-                                          <p:spTgt spid="55"/>
-                                        </p:tgtEl>
-                                        <p:attrNameLst>
-                                          <p:attrName>style.visibility</p:attrName>
-                                        </p:attrNameLst>
-                                      </p:cBhvr>
-                                      <p:to>
-                                        <p:strVal val="visible"/>
-                                      </p:to>
-                                    </p:set>
-                                  </p:childTnLst>
-                                </p:cTn>
-                              </p:par>
-                              <p:par>
-                                <p:cTn id="18" presetID="1" presetClass="entr" presetSubtype="0" fill="hold" grpId="0" nodeType="withEffect">
-                                  <p:stCondLst>
-                                    <p:cond delay="0"/>
-                                  </p:stCondLst>
-                                  <p:childTnLst>
-                                    <p:set>
-                                      <p:cBhvr>
-                                        <p:cTn id="19" dur="1" fill="hold">
-                                          <p:stCondLst>
-                                            <p:cond delay="0"/>
-                                          </p:stCondLst>
-                                        </p:cTn>
-                                        <p:tgtEl>
-                                          <p:spTgt spid="26"/>
-                                        </p:tgtEl>
-                                        <p:attrNameLst>
-                                          <p:attrName>style.visibility</p:attrName>
-                                        </p:attrNameLst>
-                                      </p:cBhvr>
-                                      <p:to>
-                                        <p:strVal val="visible"/>
-                                      </p:to>
-                                    </p:set>
-                                  </p:childTnLst>
-                                </p:cTn>
-                              </p:par>
-                              <p:par>
-                                <p:cTn id="20" presetID="1" presetClass="entr" presetSubtype="0" fill="hold" nodeType="withEffect">
-                                  <p:stCondLst>
-                                    <p:cond delay="0"/>
-                                  </p:stCondLst>
-                                  <p:childTnLst>
-                                    <p:set>
-                                      <p:cBhvr>
-                                        <p:cTn id="21" dur="1" fill="hold">
-                                          <p:stCondLst>
-                                            <p:cond delay="0"/>
-                                          </p:stCondLst>
-                                        </p:cTn>
-                                        <p:tgtEl>
-                                          <p:spTgt spid="60"/>
-                                        </p:tgtEl>
-                                        <p:attrNameLst>
-                                          <p:attrName>style.visibility</p:attrName>
-                                        </p:attrNameLst>
-                                      </p:cBhvr>
-                                      <p:to>
-                                        <p:strVal val="visible"/>
-                                      </p:to>
-                                    </p:set>
-                                  </p:childTnLst>
-                                </p:cTn>
-                              </p:par>
-                              <p:par>
-                                <p:cTn id="22" presetID="10" presetClass="exit" presetSubtype="0" fill="hold" nodeType="withEffect">
+                                <p:cTn id="14" presetID="10" presetClass="exit" presetSubtype="0" fill="hold" nodeType="withEffect">
                                   <p:stCondLst>
                                     <p:cond delay="0"/>
                                   </p:stCondLst>
                                   <p:childTnLst>
                                     <p:animEffect transition="out" filter="fade">
                                       <p:cBhvr>
-                                        <p:cTn id="23" dur="500"/>
+                                        <p:cTn id="15" dur="500"/>
                                         <p:tgtEl>
                                           <p:spTgt spid="10"/>
                                         </p:tgtEl>
@@ -15201,7 +12458,7 @@
                                     </p:animEffect>
                                     <p:set>
                                       <p:cBhvr>
-                                        <p:cTn id="24" dur="1" fill="hold">
+                                        <p:cTn id="16" dur="1" fill="hold">
                                           <p:stCondLst>
                                             <p:cond delay="499"/>
                                           </p:stCondLst>
@@ -15221,14 +12478,14 @@
                                 </p:cTn>
                               </p:par>
                               <p:par>
-                                <p:cTn id="25" presetID="10" presetClass="entr" presetSubtype="0" fill="hold" grpId="0" nodeType="withEffect">
+                                <p:cTn id="17" presetID="10" presetClass="entr" presetSubtype="0" fill="hold" grpId="0" nodeType="withEffect">
                                   <p:stCondLst>
                                     <p:cond delay="0"/>
                                   </p:stCondLst>
                                   <p:childTnLst>
                                     <p:set>
                                       <p:cBhvr>
-                                        <p:cTn id="26" dur="1" fill="hold">
+                                        <p:cTn id="18" dur="1" fill="hold">
                                           <p:stCondLst>
                                             <p:cond delay="0"/>
                                           </p:stCondLst>
@@ -15246,7 +12503,7 @@
                                     </p:set>
                                     <p:animEffect transition="in" filter="fade">
                                       <p:cBhvr>
-                                        <p:cTn id="27" dur="500"/>
+                                        <p:cTn id="19" dur="500"/>
                                         <p:tgtEl>
                                           <p:spTgt spid="17"/>
                                         </p:tgtEl>
@@ -15284,7 +12541,6 @@
     </p:tnLst>
     <p:bldLst>
       <p:bldP spid="15" grpId="0" animBg="1"/>
-      <p:bldP spid="26" grpId="0" animBg="1"/>
       <p:bldP spid="27" grpId="0" animBg="1"/>
       <p:bldP spid="17" grpId="0" animBg="1"/>
     </p:bldLst>
@@ -19452,12 +16708,31 @@
         </p:nvSpPr>
         <p:spPr/>
         <p:txBody>
-          <a:bodyPr/>
+          <a:bodyPr>
+            <a:normAutofit/>
+          </a:bodyPr>
           <a:lstStyle/>
           <a:p>
             <a:r>
-              <a:rPr lang="hu-HU" dirty="0"/>
-              <a:t>MultiMesh concept</a:t>
+              <a:rPr lang="en-US" dirty="0" err="1">
+                <a:latin typeface="Consolas" panose="020B0609020204030204" pitchFamily="49" charset="0"/>
+                <a:cs typeface="Consolas" panose="020B0609020204030204" pitchFamily="49" charset="0"/>
+              </a:rPr>
+              <a:t>JsonLoader</a:t>
+            </a:r>
+            <a:r>
+              <a:rPr lang="hu-HU" dirty="0">
+                <a:latin typeface="Consolas" panose="020B0609020204030204" pitchFamily="49" charset="0"/>
+                <a:cs typeface="Consolas" panose="020B0609020204030204" pitchFamily="49" charset="0"/>
+              </a:rPr>
+              <a:t>.</a:t>
+            </a:r>
+            <a:r>
+              <a:rPr lang="hu-HU" dirty="0" err="1">
+                <a:latin typeface="Consolas" panose="020B0609020204030204" pitchFamily="49" charset="0"/>
+                <a:cs typeface="Consolas" panose="020B0609020204030204" pitchFamily="49" charset="0"/>
+              </a:rPr>
+              <a:t>kt</a:t>
             </a:r>
             <a:endParaRPr lang="en-US" dirty="0"/>
           </a:p>
@@ -19465,184 +16740,1237 @@
       </p:sp>
       <p:sp>
         <p:nvSpPr>
-          <p:cNvPr id="3" name="Content Placeholder 2"/>
-          <p:cNvSpPr>
-            <a:spLocks noGrp="1"/>
-          </p:cNvSpPr>
-          <p:nvPr>
-            <p:ph idx="1"/>
-          </p:nvPr>
+          <p:cNvPr id="3" name="Rectangle 2"/>
+          <p:cNvSpPr/>
+          <p:nvPr/>
         </p:nvSpPr>
-        <p:spPr/>
+        <p:spPr>
+          <a:xfrm>
+            <a:off x="1524000" y="1905000"/>
+            <a:ext cx="9144000" cy="4953000"/>
+          </a:xfrm>
+          <a:prstGeom prst="rect">
+            <a:avLst/>
+          </a:prstGeom>
+          <a:solidFill>
+            <a:schemeClr val="accent4">
+              <a:lumMod val="20000"/>
+              <a:lumOff val="80000"/>
+            </a:schemeClr>
+          </a:solidFill>
+        </p:spPr>
+        <p:style>
+          <a:lnRef idx="2">
+            <a:schemeClr val="accent1">
+              <a:shade val="50000"/>
+            </a:schemeClr>
+          </a:lnRef>
+          <a:fillRef idx="1">
+            <a:schemeClr val="accent1"/>
+          </a:fillRef>
+          <a:effectRef idx="0">
+            <a:schemeClr val="accent1"/>
+          </a:effectRef>
+          <a:fontRef idx="minor">
+            <a:schemeClr val="lt1"/>
+          </a:fontRef>
+        </p:style>
         <p:txBody>
-          <a:bodyPr>
-            <a:normAutofit/>
-          </a:bodyPr>
+          <a:bodyPr rtlCol="0" anchor="ctr"/>
           <a:lstStyle/>
           <a:p>
-            <a:r>
-              <a:rPr lang="en-US" dirty="0"/>
-              <a:t>a </a:t>
-            </a:r>
-            <a:r>
-              <a:rPr lang="en-US" dirty="0" err="1">
-                <a:latin typeface="Consolas" panose="020B0609020204030204" pitchFamily="49" charset="0"/>
-              </a:rPr>
-              <a:t>UniformProvider</a:t>
-            </a:r>
-            <a:r>
-              <a:rPr lang="en-US" dirty="0"/>
-              <a:t> component</a:t>
-            </a:r>
-          </a:p>
-          <a:p>
-            <a:r>
-              <a:rPr lang="hu-HU" dirty="0"/>
-              <a:t>a collection of meshes</a:t>
-            </a:r>
-            <a:r>
-              <a:rPr lang="en-US" dirty="0"/>
-              <a:t> (called </a:t>
-            </a:r>
-            <a:r>
-              <a:rPr lang="en-US" dirty="0" err="1"/>
-              <a:t>submeshes</a:t>
-            </a:r>
-            <a:r>
-              <a:rPr lang="en-US" dirty="0"/>
-              <a:t>)</a:t>
-            </a:r>
-            <a:endParaRPr lang="hu-HU" dirty="0"/>
-          </a:p>
-          <a:p>
-            <a:r>
-              <a:rPr lang="en-US" dirty="0" err="1">
-                <a:latin typeface="Consolas" panose="020B0609020204030204" pitchFamily="49" charset="0"/>
-              </a:rPr>
-              <a:t>MultiMesh#draw</a:t>
-            </a:r>
-            <a:r>
-              <a:rPr lang="en-US" dirty="0"/>
-              <a:t> is </a:t>
-            </a:r>
-            <a:r>
-              <a:rPr lang="en-US" dirty="0" err="1">
-                <a:latin typeface="Consolas" panose="020B0609020204030204" pitchFamily="49" charset="0"/>
-              </a:rPr>
-              <a:t>UniformProvider#draw</a:t>
-            </a:r>
-            <a:endParaRPr lang="en-US" dirty="0"/>
-          </a:p>
-          <a:p>
-            <a:pPr lvl="1"/>
-            <a:r>
-              <a:rPr lang="en-US" dirty="0"/>
-              <a:t>which just calls draw for all </a:t>
-            </a:r>
-            <a:r>
-              <a:rPr lang="en-US" dirty="0" err="1"/>
-              <a:t>submeshes</a:t>
-            </a:r>
-            <a:endParaRPr lang="en-US" dirty="0"/>
-          </a:p>
-          <a:p>
-            <a:r>
-              <a:rPr lang="hu-HU" dirty="0" err="1"/>
-              <a:t>constructor</a:t>
-            </a:r>
-            <a:r>
-              <a:rPr lang="hu-HU" dirty="0"/>
+            <a:pPr>
+              <a:lnSpc>
+                <a:spcPct val="107000"/>
+              </a:lnSpc>
+              <a:tabLst>
+                <a:tab pos="581660" algn="l"/>
+                <a:tab pos="1163320" algn="l"/>
+                <a:tab pos="1744980" algn="l"/>
+                <a:tab pos="2326640" algn="l"/>
+                <a:tab pos="2908300" algn="l"/>
+                <a:tab pos="3489960" algn="l"/>
+                <a:tab pos="4071620" algn="l"/>
+                <a:tab pos="4653280" algn="l"/>
+                <a:tab pos="5234940" algn="l"/>
+                <a:tab pos="5816600" algn="l"/>
+                <a:tab pos="6398260" algn="l"/>
+                <a:tab pos="6979920" algn="l"/>
+                <a:tab pos="7561580" algn="l"/>
+                <a:tab pos="8143240" algn="l"/>
+                <a:tab pos="8724900" algn="l"/>
+                <a:tab pos="9306560" algn="l"/>
+              </a:tabLst>
+            </a:pPr>
+            <a:r>
+              <a:rPr lang="en-US" sz="1100" dirty="0">
+                <a:solidFill>
+                  <a:srgbClr val="C70040"/>
+                </a:solidFill>
+                <a:latin typeface="Consolas" panose="020B0609020204030204" pitchFamily="49" charset="0"/>
+                <a:ea typeface="Times New Roman" panose="02020603050405020304" pitchFamily="18" charset="0"/>
+                <a:cs typeface="Times New Roman" panose="02020603050405020304" pitchFamily="18" charset="0"/>
+              </a:rPr>
+              <a:t>import </a:t>
+            </a:r>
+            <a:r>
+              <a:rPr lang="en-US" sz="1100" dirty="0">
+                <a:solidFill>
+                  <a:srgbClr val="000000"/>
+                </a:solidFill>
+                <a:latin typeface="Consolas" panose="020B0609020204030204" pitchFamily="49" charset="0"/>
+                <a:ea typeface="Times New Roman" panose="02020603050405020304" pitchFamily="18" charset="0"/>
+                <a:cs typeface="Times New Roman" panose="02020603050405020304" pitchFamily="18" charset="0"/>
+              </a:rPr>
+              <a:t>org.w3c.xhr.XMLHttpRequest</a:t>
+            </a:r>
+            <a:endParaRPr lang="en-US" sz="1100" dirty="0">
+              <a:latin typeface="Calibri" panose="020F0502020204030204" pitchFamily="34" charset="0"/>
+              <a:ea typeface="Calibri" panose="020F0502020204030204" pitchFamily="34" charset="0"/>
+              <a:cs typeface="Times New Roman" panose="02020603050405020304" pitchFamily="18" charset="0"/>
+            </a:endParaRPr>
+          </a:p>
+          <a:p>
+            <a:pPr>
+              <a:lnSpc>
+                <a:spcPct val="107000"/>
+              </a:lnSpc>
+              <a:tabLst>
+                <a:tab pos="581660" algn="l"/>
+                <a:tab pos="1163320" algn="l"/>
+                <a:tab pos="1744980" algn="l"/>
+                <a:tab pos="2326640" algn="l"/>
+                <a:tab pos="2908300" algn="l"/>
+                <a:tab pos="3489960" algn="l"/>
+                <a:tab pos="4071620" algn="l"/>
+                <a:tab pos="4653280" algn="l"/>
+                <a:tab pos="5234940" algn="l"/>
+                <a:tab pos="5816600" algn="l"/>
+                <a:tab pos="6398260" algn="l"/>
+                <a:tab pos="6979920" algn="l"/>
+                <a:tab pos="7561580" algn="l"/>
+                <a:tab pos="8143240" algn="l"/>
+                <a:tab pos="8724900" algn="l"/>
+                <a:tab pos="9306560" algn="l"/>
+              </a:tabLst>
+            </a:pPr>
+            <a:r>
+              <a:rPr lang="en-US" sz="1100" dirty="0">
+                <a:solidFill>
+                  <a:srgbClr val="C70040"/>
+                </a:solidFill>
+                <a:latin typeface="Consolas" panose="020B0609020204030204" pitchFamily="49" charset="0"/>
+                <a:ea typeface="Times New Roman" panose="02020603050405020304" pitchFamily="18" charset="0"/>
+                <a:cs typeface="Times New Roman" panose="02020603050405020304" pitchFamily="18" charset="0"/>
+              </a:rPr>
+              <a:t>import </a:t>
+            </a:r>
+            <a:r>
+              <a:rPr lang="en-US" sz="1100" dirty="0">
+                <a:solidFill>
+                  <a:srgbClr val="000000"/>
+                </a:solidFill>
+                <a:latin typeface="Consolas" panose="020B0609020204030204" pitchFamily="49" charset="0"/>
+                <a:ea typeface="Times New Roman" panose="02020603050405020304" pitchFamily="18" charset="0"/>
+                <a:cs typeface="Times New Roman" panose="02020603050405020304" pitchFamily="18" charset="0"/>
+              </a:rPr>
+              <a:t>org.w3c.dom.events.*</a:t>
+            </a:r>
+            <a:endParaRPr lang="en-US" sz="1100" dirty="0">
+              <a:latin typeface="Calibri" panose="020F0502020204030204" pitchFamily="34" charset="0"/>
+              <a:ea typeface="Calibri" panose="020F0502020204030204" pitchFamily="34" charset="0"/>
+              <a:cs typeface="Times New Roman" panose="02020603050405020304" pitchFamily="18" charset="0"/>
+            </a:endParaRPr>
+          </a:p>
+          <a:p>
+            <a:pPr>
+              <a:lnSpc>
+                <a:spcPct val="107000"/>
+              </a:lnSpc>
+              <a:tabLst>
+                <a:tab pos="581660" algn="l"/>
+                <a:tab pos="1163320" algn="l"/>
+                <a:tab pos="1744980" algn="l"/>
+                <a:tab pos="2326640" algn="l"/>
+                <a:tab pos="2908300" algn="l"/>
+                <a:tab pos="3489960" algn="l"/>
+                <a:tab pos="4071620" algn="l"/>
+                <a:tab pos="4653280" algn="l"/>
+                <a:tab pos="5234940" algn="l"/>
+                <a:tab pos="5816600" algn="l"/>
+                <a:tab pos="6398260" algn="l"/>
+                <a:tab pos="6979920" algn="l"/>
+                <a:tab pos="7561580" algn="l"/>
+                <a:tab pos="8143240" algn="l"/>
+                <a:tab pos="8724900" algn="l"/>
+                <a:tab pos="9306560" algn="l"/>
+              </a:tabLst>
+            </a:pPr>
+            <a:r>
+              <a:rPr lang="en-US" sz="2000" dirty="0">
+                <a:solidFill>
+                  <a:srgbClr val="C70040"/>
+                </a:solidFill>
+                <a:latin typeface="Consolas" panose="020B0609020204030204" pitchFamily="49" charset="0"/>
+                <a:ea typeface="Times New Roman" panose="02020603050405020304" pitchFamily="18" charset="0"/>
+                <a:cs typeface="Times New Roman" panose="02020603050405020304" pitchFamily="18" charset="0"/>
+              </a:rPr>
+              <a:t>import </a:t>
+            </a:r>
+            <a:r>
+              <a:rPr lang="en-US" sz="2000" dirty="0">
+                <a:solidFill>
+                  <a:srgbClr val="000000"/>
+                </a:solidFill>
+                <a:latin typeface="Consolas" panose="020B0609020204030204" pitchFamily="49" charset="0"/>
+                <a:ea typeface="Times New Roman" panose="02020603050405020304" pitchFamily="18" charset="0"/>
+                <a:cs typeface="Times New Roman" panose="02020603050405020304" pitchFamily="18" charset="0"/>
+              </a:rPr>
+              <a:t>kotlinx.serialization.*</a:t>
+            </a:r>
+            <a:endParaRPr lang="en-US" sz="2000" dirty="0">
+              <a:latin typeface="Calibri" panose="020F0502020204030204" pitchFamily="34" charset="0"/>
+              <a:ea typeface="Calibri" panose="020F0502020204030204" pitchFamily="34" charset="0"/>
+              <a:cs typeface="Times New Roman" panose="02020603050405020304" pitchFamily="18" charset="0"/>
+            </a:endParaRPr>
+          </a:p>
+          <a:p>
+            <a:pPr>
+              <a:lnSpc>
+                <a:spcPct val="107000"/>
+              </a:lnSpc>
+              <a:tabLst>
+                <a:tab pos="581660" algn="l"/>
+                <a:tab pos="1163320" algn="l"/>
+                <a:tab pos="1744980" algn="l"/>
+                <a:tab pos="2326640" algn="l"/>
+                <a:tab pos="2908300" algn="l"/>
+                <a:tab pos="3489960" algn="l"/>
+                <a:tab pos="4071620" algn="l"/>
+                <a:tab pos="4653280" algn="l"/>
+                <a:tab pos="5234940" algn="l"/>
+                <a:tab pos="5816600" algn="l"/>
+                <a:tab pos="6398260" algn="l"/>
+                <a:tab pos="6979920" algn="l"/>
+                <a:tab pos="7561580" algn="l"/>
+                <a:tab pos="8143240" algn="l"/>
+                <a:tab pos="8724900" algn="l"/>
+                <a:tab pos="9306560" algn="l"/>
+              </a:tabLst>
+            </a:pPr>
+            <a:r>
+              <a:rPr lang="en-US" sz="2000" dirty="0">
+                <a:solidFill>
+                  <a:srgbClr val="C70040"/>
+                </a:solidFill>
+                <a:latin typeface="Consolas" panose="020B0609020204030204" pitchFamily="49" charset="0"/>
+                <a:ea typeface="Times New Roman" panose="02020603050405020304" pitchFamily="18" charset="0"/>
+                <a:cs typeface="Times New Roman" panose="02020603050405020304" pitchFamily="18" charset="0"/>
+              </a:rPr>
+              <a:t>import </a:t>
+            </a:r>
+            <a:r>
+              <a:rPr lang="en-US" sz="2000" dirty="0">
+                <a:solidFill>
+                  <a:srgbClr val="000000"/>
+                </a:solidFill>
+                <a:latin typeface="Consolas" panose="020B0609020204030204" pitchFamily="49" charset="0"/>
+                <a:ea typeface="Times New Roman" panose="02020603050405020304" pitchFamily="18" charset="0"/>
+                <a:cs typeface="Times New Roman" panose="02020603050405020304" pitchFamily="18" charset="0"/>
+              </a:rPr>
+              <a:t>kotlinx.serialization.json.*</a:t>
+            </a:r>
+            <a:endParaRPr lang="en-US" sz="2000" dirty="0">
+              <a:latin typeface="Calibri" panose="020F0502020204030204" pitchFamily="34" charset="0"/>
+              <a:ea typeface="Calibri" panose="020F0502020204030204" pitchFamily="34" charset="0"/>
+              <a:cs typeface="Times New Roman" panose="02020603050405020304" pitchFamily="18" charset="0"/>
+            </a:endParaRPr>
+          </a:p>
+          <a:p>
+            <a:pPr>
+              <a:lnSpc>
+                <a:spcPct val="107000"/>
+              </a:lnSpc>
+              <a:tabLst>
+                <a:tab pos="581660" algn="l"/>
+                <a:tab pos="1163320" algn="l"/>
+                <a:tab pos="1744980" algn="l"/>
+                <a:tab pos="2326640" algn="l"/>
+                <a:tab pos="2908300" algn="l"/>
+                <a:tab pos="3489960" algn="l"/>
+                <a:tab pos="4071620" algn="l"/>
+                <a:tab pos="4653280" algn="l"/>
+                <a:tab pos="5234940" algn="l"/>
+                <a:tab pos="5816600" algn="l"/>
+                <a:tab pos="6398260" algn="l"/>
+                <a:tab pos="6979920" algn="l"/>
+                <a:tab pos="7561580" algn="l"/>
+                <a:tab pos="8143240" algn="l"/>
+                <a:tab pos="8724900" algn="l"/>
+                <a:tab pos="9306560" algn="l"/>
+              </a:tabLst>
+            </a:pPr>
+            <a:endParaRPr lang="en-US" sz="2000" dirty="0">
+              <a:latin typeface="Calibri" panose="020F0502020204030204" pitchFamily="34" charset="0"/>
+              <a:ea typeface="Calibri" panose="020F0502020204030204" pitchFamily="34" charset="0"/>
+              <a:cs typeface="Times New Roman" panose="02020603050405020304" pitchFamily="18" charset="0"/>
+            </a:endParaRPr>
+          </a:p>
+          <a:p>
+            <a:pPr>
+              <a:lnSpc>
+                <a:spcPct val="107000"/>
+              </a:lnSpc>
+              <a:tabLst>
+                <a:tab pos="581660" algn="l"/>
+                <a:tab pos="1163320" algn="l"/>
+                <a:tab pos="1744980" algn="l"/>
+                <a:tab pos="2326640" algn="l"/>
+                <a:tab pos="2908300" algn="l"/>
+                <a:tab pos="3489960" algn="l"/>
+                <a:tab pos="4071620" algn="l"/>
+                <a:tab pos="4653280" algn="l"/>
+                <a:tab pos="5234940" algn="l"/>
+                <a:tab pos="5816600" algn="l"/>
+                <a:tab pos="6398260" algn="l"/>
+                <a:tab pos="6979920" algn="l"/>
+                <a:tab pos="7561580" algn="l"/>
+                <a:tab pos="8143240" algn="l"/>
+                <a:tab pos="8724900" algn="l"/>
+                <a:tab pos="9306560" algn="l"/>
+              </a:tabLst>
+            </a:pPr>
+            <a:r>
+              <a:rPr lang="en-US" sz="2000" dirty="0">
+                <a:solidFill>
+                  <a:srgbClr val="000000"/>
+                </a:solidFill>
+                <a:latin typeface="Consolas" panose="020B0609020204030204" pitchFamily="49" charset="0"/>
+                <a:ea typeface="Times New Roman" panose="02020603050405020304" pitchFamily="18" charset="0"/>
+                <a:cs typeface="Times New Roman" panose="02020603050405020304" pitchFamily="18" charset="0"/>
+              </a:rPr>
+              <a:t>@Serializable</a:t>
+            </a:r>
+            <a:endParaRPr lang="en-US" sz="2000" dirty="0">
+              <a:latin typeface="Calibri" panose="020F0502020204030204" pitchFamily="34" charset="0"/>
+              <a:ea typeface="Calibri" panose="020F0502020204030204" pitchFamily="34" charset="0"/>
+              <a:cs typeface="Times New Roman" panose="02020603050405020304" pitchFamily="18" charset="0"/>
+            </a:endParaRPr>
+          </a:p>
+          <a:p>
+            <a:pPr>
+              <a:lnSpc>
+                <a:spcPct val="107000"/>
+              </a:lnSpc>
+              <a:tabLst>
+                <a:tab pos="581660" algn="l"/>
+                <a:tab pos="1163320" algn="l"/>
+                <a:tab pos="1744980" algn="l"/>
+                <a:tab pos="2326640" algn="l"/>
+                <a:tab pos="2908300" algn="l"/>
+                <a:tab pos="3489960" algn="l"/>
+                <a:tab pos="4071620" algn="l"/>
+                <a:tab pos="4653280" algn="l"/>
+                <a:tab pos="5234940" algn="l"/>
+                <a:tab pos="5816600" algn="l"/>
+                <a:tab pos="6398260" algn="l"/>
+                <a:tab pos="6979920" algn="l"/>
+                <a:tab pos="7561580" algn="l"/>
+                <a:tab pos="8143240" algn="l"/>
+                <a:tab pos="8724900" algn="l"/>
+                <a:tab pos="9306560" algn="l"/>
+              </a:tabLst>
+            </a:pPr>
+            <a:r>
+              <a:rPr lang="en-US" sz="2000" dirty="0">
+                <a:solidFill>
+                  <a:srgbClr val="C70040"/>
+                </a:solidFill>
+                <a:latin typeface="Consolas" panose="020B0609020204030204" pitchFamily="49" charset="0"/>
+                <a:ea typeface="Times New Roman" panose="02020603050405020304" pitchFamily="18" charset="0"/>
+                <a:cs typeface="Times New Roman" panose="02020603050405020304" pitchFamily="18" charset="0"/>
+              </a:rPr>
+              <a:t>data class </a:t>
+            </a:r>
+            <a:r>
+              <a:rPr lang="en-US" sz="2000" dirty="0" err="1">
+                <a:solidFill>
+                  <a:srgbClr val="000000"/>
+                </a:solidFill>
+                <a:latin typeface="Consolas" panose="020B0609020204030204" pitchFamily="49" charset="0"/>
+                <a:ea typeface="Times New Roman" panose="02020603050405020304" pitchFamily="18" charset="0"/>
+                <a:cs typeface="Times New Roman" panose="02020603050405020304" pitchFamily="18" charset="0"/>
+              </a:rPr>
+              <a:t>JsonMesh</a:t>
+            </a:r>
+            <a:r>
+              <a:rPr lang="en-US" sz="2000" dirty="0">
+                <a:solidFill>
+                  <a:srgbClr val="000000"/>
+                </a:solidFill>
+                <a:latin typeface="Consolas" panose="020B0609020204030204" pitchFamily="49" charset="0"/>
+                <a:ea typeface="Times New Roman" panose="02020603050405020304" pitchFamily="18" charset="0"/>
+                <a:cs typeface="Times New Roman" panose="02020603050405020304" pitchFamily="18" charset="0"/>
+              </a:rPr>
+              <a:t>(</a:t>
+            </a:r>
+            <a:endParaRPr lang="en-US" sz="2000" dirty="0">
+              <a:latin typeface="Calibri" panose="020F0502020204030204" pitchFamily="34" charset="0"/>
+              <a:ea typeface="Calibri" panose="020F0502020204030204" pitchFamily="34" charset="0"/>
+              <a:cs typeface="Times New Roman" panose="02020603050405020304" pitchFamily="18" charset="0"/>
+            </a:endParaRPr>
+          </a:p>
+          <a:p>
+            <a:pPr>
+              <a:lnSpc>
+                <a:spcPct val="107000"/>
+              </a:lnSpc>
+              <a:tabLst>
+                <a:tab pos="581660" algn="l"/>
+                <a:tab pos="1163320" algn="l"/>
+                <a:tab pos="1744980" algn="l"/>
+                <a:tab pos="2326640" algn="l"/>
+                <a:tab pos="2908300" algn="l"/>
+                <a:tab pos="3489960" algn="l"/>
+                <a:tab pos="4071620" algn="l"/>
+                <a:tab pos="4653280" algn="l"/>
+                <a:tab pos="5234940" algn="l"/>
+                <a:tab pos="5816600" algn="l"/>
+                <a:tab pos="6398260" algn="l"/>
+                <a:tab pos="6979920" algn="l"/>
+                <a:tab pos="7561580" algn="l"/>
+                <a:tab pos="8143240" algn="l"/>
+                <a:tab pos="8724900" algn="l"/>
+                <a:tab pos="9306560" algn="l"/>
+              </a:tabLst>
+            </a:pPr>
+            <a:r>
+              <a:rPr lang="en-US" sz="2000" dirty="0">
+                <a:solidFill>
+                  <a:srgbClr val="000000"/>
+                </a:solidFill>
+                <a:latin typeface="Consolas" panose="020B0609020204030204" pitchFamily="49" charset="0"/>
+                <a:ea typeface="Times New Roman" panose="02020603050405020304" pitchFamily="18" charset="0"/>
+                <a:cs typeface="Times New Roman" panose="02020603050405020304" pitchFamily="18" charset="0"/>
+              </a:rPr>
+              <a:t>	</a:t>
+            </a:r>
+            <a:r>
+              <a:rPr lang="en-US" sz="2000" dirty="0" err="1">
+                <a:solidFill>
+                  <a:srgbClr val="C70040"/>
+                </a:solidFill>
+                <a:latin typeface="Consolas" panose="020B0609020204030204" pitchFamily="49" charset="0"/>
+                <a:ea typeface="Times New Roman" panose="02020603050405020304" pitchFamily="18" charset="0"/>
+                <a:cs typeface="Times New Roman" panose="02020603050405020304" pitchFamily="18" charset="0"/>
+              </a:rPr>
+              <a:t>val</a:t>
+            </a:r>
+            <a:r>
+              <a:rPr lang="en-US" sz="2000" dirty="0">
+                <a:solidFill>
+                  <a:srgbClr val="C70040"/>
+                </a:solidFill>
+                <a:latin typeface="Consolas" panose="020B0609020204030204" pitchFamily="49" charset="0"/>
+                <a:ea typeface="Times New Roman" panose="02020603050405020304" pitchFamily="18" charset="0"/>
+                <a:cs typeface="Times New Roman" panose="02020603050405020304" pitchFamily="18" charset="0"/>
+              </a:rPr>
               <a:t> </a:t>
             </a:r>
             <a:r>
-              <a:rPr lang="hu-HU" dirty="0" err="1"/>
-              <a:t>takes</a:t>
-            </a:r>
-            <a:r>
-              <a:rPr lang="hu-HU" dirty="0"/>
+              <a:rPr lang="en-US" sz="2000" i="1" dirty="0">
+                <a:solidFill>
+                  <a:srgbClr val="CB6500"/>
+                </a:solidFill>
+                <a:latin typeface="Consolas" panose="020B0609020204030204" pitchFamily="49" charset="0"/>
+                <a:ea typeface="Times New Roman" panose="02020603050405020304" pitchFamily="18" charset="0"/>
+                <a:cs typeface="Times New Roman" panose="02020603050405020304" pitchFamily="18" charset="0"/>
+              </a:rPr>
+              <a:t>vertices </a:t>
+            </a:r>
+            <a:r>
+              <a:rPr lang="en-US" sz="2000" dirty="0">
+                <a:solidFill>
+                  <a:srgbClr val="C70040"/>
+                </a:solidFill>
+                <a:latin typeface="Consolas" panose="020B0609020204030204" pitchFamily="49" charset="0"/>
+                <a:ea typeface="Times New Roman" panose="02020603050405020304" pitchFamily="18" charset="0"/>
+                <a:cs typeface="Times New Roman" panose="02020603050405020304" pitchFamily="18" charset="0"/>
+              </a:rPr>
+              <a:t>: </a:t>
+            </a:r>
+            <a:r>
+              <a:rPr lang="en-US" sz="2000" i="1" dirty="0">
+                <a:solidFill>
+                  <a:srgbClr val="34A7BD"/>
+                </a:solidFill>
+                <a:latin typeface="Consolas" panose="020B0609020204030204" pitchFamily="49" charset="0"/>
+                <a:ea typeface="Times New Roman" panose="02020603050405020304" pitchFamily="18" charset="0"/>
+                <a:cs typeface="Times New Roman" panose="02020603050405020304" pitchFamily="18" charset="0"/>
+              </a:rPr>
+              <a:t>Array</a:t>
+            </a:r>
+            <a:r>
+              <a:rPr lang="en-US" sz="2000" dirty="0">
+                <a:solidFill>
+                  <a:srgbClr val="000000"/>
+                </a:solidFill>
+                <a:latin typeface="Consolas" panose="020B0609020204030204" pitchFamily="49" charset="0"/>
+                <a:ea typeface="Times New Roman" panose="02020603050405020304" pitchFamily="18" charset="0"/>
+                <a:cs typeface="Times New Roman" panose="02020603050405020304" pitchFamily="18" charset="0"/>
+              </a:rPr>
+              <a:t>&lt;</a:t>
+            </a:r>
+            <a:r>
+              <a:rPr lang="en-US" sz="2000" i="1" dirty="0">
+                <a:solidFill>
+                  <a:srgbClr val="34A7BD"/>
+                </a:solidFill>
+                <a:latin typeface="Consolas" panose="020B0609020204030204" pitchFamily="49" charset="0"/>
+                <a:ea typeface="Times New Roman" panose="02020603050405020304" pitchFamily="18" charset="0"/>
+                <a:cs typeface="Times New Roman" panose="02020603050405020304" pitchFamily="18" charset="0"/>
+              </a:rPr>
+              <a:t>Float</a:t>
+            </a:r>
+            <a:r>
+              <a:rPr lang="en-US" sz="2000" dirty="0">
+                <a:solidFill>
+                  <a:srgbClr val="000000"/>
+                </a:solidFill>
+                <a:latin typeface="Consolas" panose="020B0609020204030204" pitchFamily="49" charset="0"/>
+                <a:ea typeface="Times New Roman" panose="02020603050405020304" pitchFamily="18" charset="0"/>
+                <a:cs typeface="Times New Roman" panose="02020603050405020304" pitchFamily="18" charset="0"/>
+              </a:rPr>
+              <a:t>&gt;,</a:t>
+            </a:r>
+            <a:endParaRPr lang="en-US" sz="2000" dirty="0">
+              <a:latin typeface="Calibri" panose="020F0502020204030204" pitchFamily="34" charset="0"/>
+              <a:ea typeface="Calibri" panose="020F0502020204030204" pitchFamily="34" charset="0"/>
+              <a:cs typeface="Times New Roman" panose="02020603050405020304" pitchFamily="18" charset="0"/>
+            </a:endParaRPr>
+          </a:p>
+          <a:p>
+            <a:pPr>
+              <a:lnSpc>
+                <a:spcPct val="107000"/>
+              </a:lnSpc>
+              <a:tabLst>
+                <a:tab pos="581660" algn="l"/>
+                <a:tab pos="1163320" algn="l"/>
+                <a:tab pos="1744980" algn="l"/>
+                <a:tab pos="2326640" algn="l"/>
+                <a:tab pos="2908300" algn="l"/>
+                <a:tab pos="3489960" algn="l"/>
+                <a:tab pos="4071620" algn="l"/>
+                <a:tab pos="4653280" algn="l"/>
+                <a:tab pos="5234940" algn="l"/>
+                <a:tab pos="5816600" algn="l"/>
+                <a:tab pos="6398260" algn="l"/>
+                <a:tab pos="6979920" algn="l"/>
+                <a:tab pos="7561580" algn="l"/>
+                <a:tab pos="8143240" algn="l"/>
+                <a:tab pos="8724900" algn="l"/>
+                <a:tab pos="9306560" algn="l"/>
+              </a:tabLst>
+            </a:pPr>
+            <a:r>
+              <a:rPr lang="en-US" sz="2000" dirty="0">
+                <a:solidFill>
+                  <a:srgbClr val="000000"/>
+                </a:solidFill>
+                <a:latin typeface="Consolas" panose="020B0609020204030204" pitchFamily="49" charset="0"/>
+                <a:ea typeface="Times New Roman" panose="02020603050405020304" pitchFamily="18" charset="0"/>
+                <a:cs typeface="Times New Roman" panose="02020603050405020304" pitchFamily="18" charset="0"/>
+              </a:rPr>
+              <a:t>	</a:t>
+            </a:r>
+            <a:r>
+              <a:rPr lang="en-US" sz="2000" dirty="0" err="1">
+                <a:solidFill>
+                  <a:srgbClr val="C70040"/>
+                </a:solidFill>
+                <a:latin typeface="Consolas" panose="020B0609020204030204" pitchFamily="49" charset="0"/>
+                <a:ea typeface="Times New Roman" panose="02020603050405020304" pitchFamily="18" charset="0"/>
+                <a:cs typeface="Times New Roman" panose="02020603050405020304" pitchFamily="18" charset="0"/>
+              </a:rPr>
+              <a:t>val</a:t>
+            </a:r>
+            <a:r>
+              <a:rPr lang="en-US" sz="2000" dirty="0">
+                <a:solidFill>
+                  <a:srgbClr val="C70040"/>
+                </a:solidFill>
+                <a:latin typeface="Consolas" panose="020B0609020204030204" pitchFamily="49" charset="0"/>
+                <a:ea typeface="Times New Roman" panose="02020603050405020304" pitchFamily="18" charset="0"/>
+                <a:cs typeface="Times New Roman" panose="02020603050405020304" pitchFamily="18" charset="0"/>
+              </a:rPr>
               <a:t> </a:t>
             </a:r>
             <a:r>
-              <a:rPr lang="hu-HU" dirty="0" err="1"/>
-              <a:t>arrays</a:t>
-            </a:r>
-            <a:r>
-              <a:rPr lang="hu-HU" dirty="0"/>
-              <a:t> of </a:t>
-            </a:r>
-            <a:r>
-              <a:rPr lang="hu-HU" dirty="0" err="1"/>
-              <a:t>materials</a:t>
-            </a:r>
-            <a:r>
-              <a:rPr lang="hu-HU" dirty="0"/>
-              <a:t> and </a:t>
-            </a:r>
-            <a:r>
-              <a:rPr lang="hu-HU" dirty="0" err="1"/>
-              <a:t>geoemetires</a:t>
-            </a:r>
-            <a:endParaRPr lang="en-US" dirty="0"/>
-          </a:p>
-          <a:p>
-            <a:pPr lvl="1"/>
-            <a:r>
-              <a:rPr lang="hu-HU" dirty="0" err="1"/>
-              <a:t>creates</a:t>
-            </a:r>
-            <a:r>
-              <a:rPr lang="hu-HU" dirty="0"/>
+              <a:rPr lang="en-US" sz="2000" i="1" dirty="0" err="1">
+                <a:solidFill>
+                  <a:srgbClr val="CB6500"/>
+                </a:solidFill>
+                <a:latin typeface="Consolas" panose="020B0609020204030204" pitchFamily="49" charset="0"/>
+                <a:ea typeface="Times New Roman" panose="02020603050405020304" pitchFamily="18" charset="0"/>
+                <a:cs typeface="Times New Roman" panose="02020603050405020304" pitchFamily="18" charset="0"/>
+              </a:rPr>
+              <a:t>normals</a:t>
+            </a:r>
+            <a:r>
+              <a:rPr lang="en-US" sz="2000" i="1" dirty="0">
+                <a:solidFill>
+                  <a:srgbClr val="CB6500"/>
+                </a:solidFill>
+                <a:latin typeface="Consolas" panose="020B0609020204030204" pitchFamily="49" charset="0"/>
+                <a:ea typeface="Times New Roman" panose="02020603050405020304" pitchFamily="18" charset="0"/>
+                <a:cs typeface="Times New Roman" panose="02020603050405020304" pitchFamily="18" charset="0"/>
+              </a:rPr>
               <a:t> </a:t>
             </a:r>
             <a:r>
-              <a:rPr lang="hu-HU" dirty="0" err="1"/>
-              <a:t>the</a:t>
-            </a:r>
-            <a:r>
-              <a:rPr lang="hu-HU" dirty="0"/>
+              <a:rPr lang="en-US" sz="2000" dirty="0">
+                <a:solidFill>
+                  <a:srgbClr val="C70040"/>
+                </a:solidFill>
+                <a:latin typeface="Consolas" panose="020B0609020204030204" pitchFamily="49" charset="0"/>
+                <a:ea typeface="Times New Roman" panose="02020603050405020304" pitchFamily="18" charset="0"/>
+                <a:cs typeface="Times New Roman" panose="02020603050405020304" pitchFamily="18" charset="0"/>
+              </a:rPr>
+              <a:t>: </a:t>
+            </a:r>
+            <a:r>
+              <a:rPr lang="en-US" sz="2000" i="1" dirty="0">
+                <a:solidFill>
+                  <a:srgbClr val="34A7BD"/>
+                </a:solidFill>
+                <a:latin typeface="Consolas" panose="020B0609020204030204" pitchFamily="49" charset="0"/>
+                <a:ea typeface="Times New Roman" panose="02020603050405020304" pitchFamily="18" charset="0"/>
+                <a:cs typeface="Times New Roman" panose="02020603050405020304" pitchFamily="18" charset="0"/>
+              </a:rPr>
+              <a:t>Array</a:t>
+            </a:r>
+            <a:r>
+              <a:rPr lang="en-US" sz="2000" dirty="0">
+                <a:solidFill>
+                  <a:srgbClr val="000000"/>
+                </a:solidFill>
+                <a:latin typeface="Consolas" panose="020B0609020204030204" pitchFamily="49" charset="0"/>
+                <a:ea typeface="Times New Roman" panose="02020603050405020304" pitchFamily="18" charset="0"/>
+                <a:cs typeface="Times New Roman" panose="02020603050405020304" pitchFamily="18" charset="0"/>
+              </a:rPr>
+              <a:t>&lt;</a:t>
+            </a:r>
+            <a:r>
+              <a:rPr lang="en-US" sz="2000" i="1" dirty="0">
+                <a:solidFill>
+                  <a:srgbClr val="34A7BD"/>
+                </a:solidFill>
+                <a:latin typeface="Consolas" panose="020B0609020204030204" pitchFamily="49" charset="0"/>
+                <a:ea typeface="Times New Roman" panose="02020603050405020304" pitchFamily="18" charset="0"/>
+                <a:cs typeface="Times New Roman" panose="02020603050405020304" pitchFamily="18" charset="0"/>
+              </a:rPr>
+              <a:t>Float</a:t>
+            </a:r>
+            <a:r>
+              <a:rPr lang="en-US" sz="2000" dirty="0">
+                <a:solidFill>
+                  <a:srgbClr val="000000"/>
+                </a:solidFill>
+                <a:latin typeface="Consolas" panose="020B0609020204030204" pitchFamily="49" charset="0"/>
+                <a:ea typeface="Times New Roman" panose="02020603050405020304" pitchFamily="18" charset="0"/>
+                <a:cs typeface="Times New Roman" panose="02020603050405020304" pitchFamily="18" charset="0"/>
+              </a:rPr>
+              <a:t>&gt;,</a:t>
+            </a:r>
+            <a:endParaRPr lang="en-US" sz="2000" dirty="0">
+              <a:latin typeface="Calibri" panose="020F0502020204030204" pitchFamily="34" charset="0"/>
+              <a:ea typeface="Calibri" panose="020F0502020204030204" pitchFamily="34" charset="0"/>
+              <a:cs typeface="Times New Roman" panose="02020603050405020304" pitchFamily="18" charset="0"/>
+            </a:endParaRPr>
+          </a:p>
+          <a:p>
+            <a:pPr>
+              <a:lnSpc>
+                <a:spcPct val="107000"/>
+              </a:lnSpc>
+              <a:tabLst>
+                <a:tab pos="581660" algn="l"/>
+                <a:tab pos="1163320" algn="l"/>
+                <a:tab pos="1744980" algn="l"/>
+                <a:tab pos="2326640" algn="l"/>
+                <a:tab pos="2908300" algn="l"/>
+                <a:tab pos="3489960" algn="l"/>
+                <a:tab pos="4071620" algn="l"/>
+                <a:tab pos="4653280" algn="l"/>
+                <a:tab pos="5234940" algn="l"/>
+                <a:tab pos="5816600" algn="l"/>
+                <a:tab pos="6398260" algn="l"/>
+                <a:tab pos="6979920" algn="l"/>
+                <a:tab pos="7561580" algn="l"/>
+                <a:tab pos="8143240" algn="l"/>
+                <a:tab pos="8724900" algn="l"/>
+                <a:tab pos="9306560" algn="l"/>
+              </a:tabLst>
+            </a:pPr>
+            <a:r>
+              <a:rPr lang="en-US" sz="2000" dirty="0">
+                <a:solidFill>
+                  <a:srgbClr val="000000"/>
+                </a:solidFill>
+                <a:latin typeface="Consolas" panose="020B0609020204030204" pitchFamily="49" charset="0"/>
+                <a:ea typeface="Times New Roman" panose="02020603050405020304" pitchFamily="18" charset="0"/>
+                <a:cs typeface="Times New Roman" panose="02020603050405020304" pitchFamily="18" charset="0"/>
+              </a:rPr>
+              <a:t>	</a:t>
+            </a:r>
+            <a:r>
+              <a:rPr lang="en-US" sz="2000" dirty="0" err="1">
+                <a:solidFill>
+                  <a:srgbClr val="C70040"/>
+                </a:solidFill>
+                <a:latin typeface="Consolas" panose="020B0609020204030204" pitchFamily="49" charset="0"/>
+                <a:ea typeface="Times New Roman" panose="02020603050405020304" pitchFamily="18" charset="0"/>
+                <a:cs typeface="Times New Roman" panose="02020603050405020304" pitchFamily="18" charset="0"/>
+              </a:rPr>
+              <a:t>val</a:t>
+            </a:r>
+            <a:r>
+              <a:rPr lang="en-US" sz="2000" dirty="0">
+                <a:solidFill>
+                  <a:srgbClr val="C70040"/>
+                </a:solidFill>
+                <a:latin typeface="Consolas" panose="020B0609020204030204" pitchFamily="49" charset="0"/>
+                <a:ea typeface="Times New Roman" panose="02020603050405020304" pitchFamily="18" charset="0"/>
+                <a:cs typeface="Times New Roman" panose="02020603050405020304" pitchFamily="18" charset="0"/>
+              </a:rPr>
               <a:t> </a:t>
             </a:r>
             <a:r>
-              <a:rPr lang="hu-HU" dirty="0" err="1"/>
-              <a:t>submeshes</a:t>
-            </a:r>
-            <a:r>
-              <a:rPr lang="hu-HU" dirty="0"/>
+              <a:rPr lang="en-US" sz="2000" i="1" dirty="0" err="1">
+                <a:solidFill>
+                  <a:srgbClr val="CB6500"/>
+                </a:solidFill>
+                <a:latin typeface="Consolas" panose="020B0609020204030204" pitchFamily="49" charset="0"/>
+                <a:ea typeface="Times New Roman" panose="02020603050405020304" pitchFamily="18" charset="0"/>
+                <a:cs typeface="Times New Roman" panose="02020603050405020304" pitchFamily="18" charset="0"/>
+              </a:rPr>
+              <a:t>texturecoords</a:t>
+            </a:r>
+            <a:r>
+              <a:rPr lang="en-US" sz="2000" i="1" dirty="0">
+                <a:solidFill>
+                  <a:srgbClr val="CB6500"/>
+                </a:solidFill>
+                <a:latin typeface="Consolas" panose="020B0609020204030204" pitchFamily="49" charset="0"/>
+                <a:ea typeface="Times New Roman" panose="02020603050405020304" pitchFamily="18" charset="0"/>
+                <a:cs typeface="Times New Roman" panose="02020603050405020304" pitchFamily="18" charset="0"/>
+              </a:rPr>
               <a:t> </a:t>
             </a:r>
-          </a:p>
-          <a:p>
-            <a:pPr lvl="1"/>
-            <a:r>
-              <a:rPr lang="en-US" dirty="0"/>
-              <a:t>using the </a:t>
-            </a:r>
-            <a:r>
-              <a:rPr lang="en-US" dirty="0" err="1">
-                <a:latin typeface="Consolas" panose="020B0609020204030204" pitchFamily="49" charset="0"/>
-              </a:rPr>
-              <a:t>SubmeshGeometry</a:t>
-            </a:r>
-            <a:r>
-              <a:rPr lang="en-US" dirty="0">
-                <a:latin typeface="Consolas" panose="020B0609020204030204" pitchFamily="49" charset="0"/>
+            <a:r>
+              <a:rPr lang="en-US" sz="2000" dirty="0">
+                <a:solidFill>
+                  <a:srgbClr val="C70040"/>
+                </a:solidFill>
+                <a:latin typeface="Consolas" panose="020B0609020204030204" pitchFamily="49" charset="0"/>
+                <a:ea typeface="Times New Roman" panose="02020603050405020304" pitchFamily="18" charset="0"/>
+                <a:cs typeface="Times New Roman" panose="02020603050405020304" pitchFamily="18" charset="0"/>
+              </a:rPr>
+              <a:t>: </a:t>
+            </a:r>
+            <a:r>
+              <a:rPr lang="en-US" sz="2000" i="1" dirty="0">
+                <a:solidFill>
+                  <a:srgbClr val="34A7BD"/>
+                </a:solidFill>
+                <a:latin typeface="Consolas" panose="020B0609020204030204" pitchFamily="49" charset="0"/>
+                <a:ea typeface="Times New Roman" panose="02020603050405020304" pitchFamily="18" charset="0"/>
+                <a:cs typeface="Times New Roman" panose="02020603050405020304" pitchFamily="18" charset="0"/>
+              </a:rPr>
+              <a:t>Array</a:t>
+            </a:r>
+            <a:r>
+              <a:rPr lang="en-US" sz="2000" dirty="0">
+                <a:solidFill>
+                  <a:srgbClr val="000000"/>
+                </a:solidFill>
+                <a:latin typeface="Consolas" panose="020B0609020204030204" pitchFamily="49" charset="0"/>
+                <a:ea typeface="Times New Roman" panose="02020603050405020304" pitchFamily="18" charset="0"/>
+                <a:cs typeface="Times New Roman" panose="02020603050405020304" pitchFamily="18" charset="0"/>
+              </a:rPr>
+              <a:t>&lt;</a:t>
+            </a:r>
+            <a:r>
+              <a:rPr lang="en-US" sz="2000" i="1" dirty="0">
+                <a:solidFill>
+                  <a:srgbClr val="34A7BD"/>
+                </a:solidFill>
+                <a:latin typeface="Consolas" panose="020B0609020204030204" pitchFamily="49" charset="0"/>
+                <a:ea typeface="Times New Roman" panose="02020603050405020304" pitchFamily="18" charset="0"/>
+                <a:cs typeface="Times New Roman" panose="02020603050405020304" pitchFamily="18" charset="0"/>
+              </a:rPr>
+              <a:t>Array</a:t>
+            </a:r>
+            <a:r>
+              <a:rPr lang="en-US" sz="2000" dirty="0">
+                <a:solidFill>
+                  <a:srgbClr val="000000"/>
+                </a:solidFill>
+                <a:latin typeface="Consolas" panose="020B0609020204030204" pitchFamily="49" charset="0"/>
+                <a:ea typeface="Times New Roman" panose="02020603050405020304" pitchFamily="18" charset="0"/>
+                <a:cs typeface="Times New Roman" panose="02020603050405020304" pitchFamily="18" charset="0"/>
+              </a:rPr>
+              <a:t>&lt;</a:t>
+            </a:r>
+            <a:r>
+              <a:rPr lang="en-US" sz="2000" i="1" dirty="0">
+                <a:solidFill>
+                  <a:srgbClr val="34A7BD"/>
+                </a:solidFill>
+                <a:latin typeface="Consolas" panose="020B0609020204030204" pitchFamily="49" charset="0"/>
+                <a:ea typeface="Times New Roman" panose="02020603050405020304" pitchFamily="18" charset="0"/>
+                <a:cs typeface="Times New Roman" panose="02020603050405020304" pitchFamily="18" charset="0"/>
+              </a:rPr>
+              <a:t>Float</a:t>
+            </a:r>
+            <a:r>
+              <a:rPr lang="en-US" sz="2000" dirty="0">
+                <a:solidFill>
+                  <a:srgbClr val="000000"/>
+                </a:solidFill>
+                <a:latin typeface="Consolas" panose="020B0609020204030204" pitchFamily="49" charset="0"/>
+                <a:ea typeface="Times New Roman" panose="02020603050405020304" pitchFamily="18" charset="0"/>
+                <a:cs typeface="Times New Roman" panose="02020603050405020304" pitchFamily="18" charset="0"/>
+              </a:rPr>
+              <a:t>&gt;&gt;,</a:t>
+            </a:r>
+            <a:endParaRPr lang="en-US" sz="2000" dirty="0">
+              <a:latin typeface="Calibri" panose="020F0502020204030204" pitchFamily="34" charset="0"/>
+              <a:ea typeface="Calibri" panose="020F0502020204030204" pitchFamily="34" charset="0"/>
+              <a:cs typeface="Times New Roman" panose="02020603050405020304" pitchFamily="18" charset="0"/>
+            </a:endParaRPr>
+          </a:p>
+          <a:p>
+            <a:pPr>
+              <a:lnSpc>
+                <a:spcPct val="107000"/>
+              </a:lnSpc>
+              <a:tabLst>
+                <a:tab pos="581660" algn="l"/>
+                <a:tab pos="1163320" algn="l"/>
+                <a:tab pos="1744980" algn="l"/>
+                <a:tab pos="2326640" algn="l"/>
+                <a:tab pos="2908300" algn="l"/>
+                <a:tab pos="3489960" algn="l"/>
+                <a:tab pos="4071620" algn="l"/>
+                <a:tab pos="4653280" algn="l"/>
+                <a:tab pos="5234940" algn="l"/>
+                <a:tab pos="5816600" algn="l"/>
+                <a:tab pos="6398260" algn="l"/>
+                <a:tab pos="6979920" algn="l"/>
+                <a:tab pos="7561580" algn="l"/>
+                <a:tab pos="8143240" algn="l"/>
+                <a:tab pos="8724900" algn="l"/>
+                <a:tab pos="9306560" algn="l"/>
+              </a:tabLst>
+            </a:pPr>
+            <a:r>
+              <a:rPr lang="en-US" sz="2000" dirty="0">
+                <a:solidFill>
+                  <a:srgbClr val="000000"/>
+                </a:solidFill>
+                <a:latin typeface="Consolas" panose="020B0609020204030204" pitchFamily="49" charset="0"/>
+                <a:ea typeface="Times New Roman" panose="02020603050405020304" pitchFamily="18" charset="0"/>
+                <a:cs typeface="Times New Roman" panose="02020603050405020304" pitchFamily="18" charset="0"/>
+              </a:rPr>
+              <a:t>	</a:t>
+            </a:r>
+            <a:r>
+              <a:rPr lang="en-US" sz="2000" dirty="0" err="1">
+                <a:solidFill>
+                  <a:srgbClr val="C70040"/>
+                </a:solidFill>
+                <a:latin typeface="Consolas" panose="020B0609020204030204" pitchFamily="49" charset="0"/>
+                <a:ea typeface="Times New Roman" panose="02020603050405020304" pitchFamily="18" charset="0"/>
+                <a:cs typeface="Times New Roman" panose="02020603050405020304" pitchFamily="18" charset="0"/>
+              </a:rPr>
+              <a:t>val</a:t>
+            </a:r>
+            <a:r>
+              <a:rPr lang="en-US" sz="2000" dirty="0">
+                <a:solidFill>
+                  <a:srgbClr val="C70040"/>
+                </a:solidFill>
+                <a:latin typeface="Consolas" panose="020B0609020204030204" pitchFamily="49" charset="0"/>
+                <a:ea typeface="Times New Roman" panose="02020603050405020304" pitchFamily="18" charset="0"/>
+                <a:cs typeface="Times New Roman" panose="02020603050405020304" pitchFamily="18" charset="0"/>
               </a:rPr>
               <a:t> </a:t>
             </a:r>
             <a:r>
-              <a:rPr lang="en-US" dirty="0"/>
-              <a:t>constructor </a:t>
-            </a:r>
-          </a:p>
-          <a:p>
-            <a:endParaRPr lang="en-US" dirty="0"/>
+              <a:rPr lang="en-US" sz="2000" i="1" dirty="0">
+                <a:solidFill>
+                  <a:srgbClr val="CB6500"/>
+                </a:solidFill>
+                <a:latin typeface="Consolas" panose="020B0609020204030204" pitchFamily="49" charset="0"/>
+                <a:ea typeface="Times New Roman" panose="02020603050405020304" pitchFamily="18" charset="0"/>
+                <a:cs typeface="Times New Roman" panose="02020603050405020304" pitchFamily="18" charset="0"/>
+              </a:rPr>
+              <a:t>faces </a:t>
+            </a:r>
+            <a:r>
+              <a:rPr lang="en-US" sz="2000" dirty="0">
+                <a:solidFill>
+                  <a:srgbClr val="C70040"/>
+                </a:solidFill>
+                <a:latin typeface="Consolas" panose="020B0609020204030204" pitchFamily="49" charset="0"/>
+                <a:ea typeface="Times New Roman" panose="02020603050405020304" pitchFamily="18" charset="0"/>
+                <a:cs typeface="Times New Roman" panose="02020603050405020304" pitchFamily="18" charset="0"/>
+              </a:rPr>
+              <a:t>: </a:t>
+            </a:r>
+            <a:r>
+              <a:rPr lang="en-US" sz="2000" i="1" dirty="0">
+                <a:solidFill>
+                  <a:srgbClr val="34A7BD"/>
+                </a:solidFill>
+                <a:latin typeface="Consolas" panose="020B0609020204030204" pitchFamily="49" charset="0"/>
+                <a:ea typeface="Times New Roman" panose="02020603050405020304" pitchFamily="18" charset="0"/>
+                <a:cs typeface="Times New Roman" panose="02020603050405020304" pitchFamily="18" charset="0"/>
+              </a:rPr>
+              <a:t>Array</a:t>
+            </a:r>
+            <a:r>
+              <a:rPr lang="en-US" sz="2000" dirty="0">
+                <a:solidFill>
+                  <a:srgbClr val="000000"/>
+                </a:solidFill>
+                <a:latin typeface="Consolas" panose="020B0609020204030204" pitchFamily="49" charset="0"/>
+                <a:ea typeface="Times New Roman" panose="02020603050405020304" pitchFamily="18" charset="0"/>
+                <a:cs typeface="Times New Roman" panose="02020603050405020304" pitchFamily="18" charset="0"/>
+              </a:rPr>
+              <a:t>&lt;</a:t>
+            </a:r>
+            <a:r>
+              <a:rPr lang="en-US" sz="2000" i="1" dirty="0">
+                <a:solidFill>
+                  <a:srgbClr val="34A7BD"/>
+                </a:solidFill>
+                <a:latin typeface="Consolas" panose="020B0609020204030204" pitchFamily="49" charset="0"/>
+                <a:ea typeface="Times New Roman" panose="02020603050405020304" pitchFamily="18" charset="0"/>
+                <a:cs typeface="Times New Roman" panose="02020603050405020304" pitchFamily="18" charset="0"/>
+              </a:rPr>
+              <a:t>Array</a:t>
+            </a:r>
+            <a:r>
+              <a:rPr lang="en-US" sz="2000" dirty="0">
+                <a:solidFill>
+                  <a:srgbClr val="000000"/>
+                </a:solidFill>
+                <a:latin typeface="Consolas" panose="020B0609020204030204" pitchFamily="49" charset="0"/>
+                <a:ea typeface="Times New Roman" panose="02020603050405020304" pitchFamily="18" charset="0"/>
+                <a:cs typeface="Times New Roman" panose="02020603050405020304" pitchFamily="18" charset="0"/>
+              </a:rPr>
+              <a:t>&lt;</a:t>
+            </a:r>
+            <a:r>
+              <a:rPr lang="en-US" sz="2000" i="1" dirty="0">
+                <a:solidFill>
+                  <a:srgbClr val="34A7BD"/>
+                </a:solidFill>
+                <a:latin typeface="Consolas" panose="020B0609020204030204" pitchFamily="49" charset="0"/>
+                <a:ea typeface="Times New Roman" panose="02020603050405020304" pitchFamily="18" charset="0"/>
+                <a:cs typeface="Times New Roman" panose="02020603050405020304" pitchFamily="18" charset="0"/>
+              </a:rPr>
+              <a:t>Short</a:t>
+            </a:r>
+            <a:r>
+              <a:rPr lang="en-US" sz="2000" dirty="0">
+                <a:solidFill>
+                  <a:srgbClr val="000000"/>
+                </a:solidFill>
+                <a:latin typeface="Consolas" panose="020B0609020204030204" pitchFamily="49" charset="0"/>
+                <a:ea typeface="Times New Roman" panose="02020603050405020304" pitchFamily="18" charset="0"/>
+                <a:cs typeface="Times New Roman" panose="02020603050405020304" pitchFamily="18" charset="0"/>
+              </a:rPr>
+              <a:t>&gt;&gt;)</a:t>
+            </a:r>
+            <a:endParaRPr lang="en-US" sz="2000" dirty="0">
+              <a:latin typeface="Calibri" panose="020F0502020204030204" pitchFamily="34" charset="0"/>
+              <a:ea typeface="Calibri" panose="020F0502020204030204" pitchFamily="34" charset="0"/>
+              <a:cs typeface="Times New Roman" panose="02020603050405020304" pitchFamily="18" charset="0"/>
+            </a:endParaRPr>
+          </a:p>
+          <a:p>
+            <a:pPr>
+              <a:lnSpc>
+                <a:spcPct val="107000"/>
+              </a:lnSpc>
+              <a:tabLst>
+                <a:tab pos="581660" algn="l"/>
+                <a:tab pos="1163320" algn="l"/>
+                <a:tab pos="1744980" algn="l"/>
+                <a:tab pos="2326640" algn="l"/>
+                <a:tab pos="2908300" algn="l"/>
+                <a:tab pos="3489960" algn="l"/>
+                <a:tab pos="4071620" algn="l"/>
+                <a:tab pos="4653280" algn="l"/>
+                <a:tab pos="5234940" algn="l"/>
+                <a:tab pos="5816600" algn="l"/>
+                <a:tab pos="6398260" algn="l"/>
+                <a:tab pos="6979920" algn="l"/>
+                <a:tab pos="7561580" algn="l"/>
+                <a:tab pos="8143240" algn="l"/>
+                <a:tab pos="8724900" algn="l"/>
+                <a:tab pos="9306560" algn="l"/>
+              </a:tabLst>
+            </a:pPr>
+            <a:endParaRPr lang="en-US" sz="2000" dirty="0">
+              <a:latin typeface="Calibri" panose="020F0502020204030204" pitchFamily="34" charset="0"/>
+              <a:ea typeface="Calibri" panose="020F0502020204030204" pitchFamily="34" charset="0"/>
+              <a:cs typeface="Times New Roman" panose="02020603050405020304" pitchFamily="18" charset="0"/>
+            </a:endParaRPr>
+          </a:p>
+          <a:p>
+            <a:pPr>
+              <a:lnSpc>
+                <a:spcPct val="107000"/>
+              </a:lnSpc>
+              <a:tabLst>
+                <a:tab pos="581660" algn="l"/>
+                <a:tab pos="1163320" algn="l"/>
+                <a:tab pos="1744980" algn="l"/>
+                <a:tab pos="2326640" algn="l"/>
+                <a:tab pos="2908300" algn="l"/>
+                <a:tab pos="3489960" algn="l"/>
+                <a:tab pos="4071620" algn="l"/>
+                <a:tab pos="4653280" algn="l"/>
+                <a:tab pos="5234940" algn="l"/>
+                <a:tab pos="5816600" algn="l"/>
+                <a:tab pos="6398260" algn="l"/>
+                <a:tab pos="6979920" algn="l"/>
+                <a:tab pos="7561580" algn="l"/>
+                <a:tab pos="8143240" algn="l"/>
+                <a:tab pos="8724900" algn="l"/>
+                <a:tab pos="9306560" algn="l"/>
+              </a:tabLst>
+            </a:pPr>
+            <a:r>
+              <a:rPr lang="en-US" sz="2000" dirty="0">
+                <a:solidFill>
+                  <a:srgbClr val="000000"/>
+                </a:solidFill>
+                <a:latin typeface="Consolas" panose="020B0609020204030204" pitchFamily="49" charset="0"/>
+                <a:ea typeface="Times New Roman" panose="02020603050405020304" pitchFamily="18" charset="0"/>
+                <a:cs typeface="Times New Roman" panose="02020603050405020304" pitchFamily="18" charset="0"/>
+              </a:rPr>
+              <a:t>@Serializable</a:t>
+            </a:r>
+            <a:endParaRPr lang="en-US" sz="2000" dirty="0">
+              <a:latin typeface="Calibri" panose="020F0502020204030204" pitchFamily="34" charset="0"/>
+              <a:ea typeface="Calibri" panose="020F0502020204030204" pitchFamily="34" charset="0"/>
+              <a:cs typeface="Times New Roman" panose="02020603050405020304" pitchFamily="18" charset="0"/>
+            </a:endParaRPr>
+          </a:p>
+          <a:p>
+            <a:pPr>
+              <a:lnSpc>
+                <a:spcPct val="107000"/>
+              </a:lnSpc>
+              <a:tabLst>
+                <a:tab pos="581660" algn="l"/>
+                <a:tab pos="1163320" algn="l"/>
+                <a:tab pos="1744980" algn="l"/>
+                <a:tab pos="2326640" algn="l"/>
+                <a:tab pos="2908300" algn="l"/>
+                <a:tab pos="3489960" algn="l"/>
+                <a:tab pos="4071620" algn="l"/>
+                <a:tab pos="4653280" algn="l"/>
+                <a:tab pos="5234940" algn="l"/>
+                <a:tab pos="5816600" algn="l"/>
+                <a:tab pos="6398260" algn="l"/>
+                <a:tab pos="6979920" algn="l"/>
+                <a:tab pos="7561580" algn="l"/>
+                <a:tab pos="8143240" algn="l"/>
+                <a:tab pos="8724900" algn="l"/>
+                <a:tab pos="9306560" algn="l"/>
+              </a:tabLst>
+            </a:pPr>
+            <a:r>
+              <a:rPr lang="en-US" sz="2000" dirty="0">
+                <a:solidFill>
+                  <a:srgbClr val="C70040"/>
+                </a:solidFill>
+                <a:latin typeface="Consolas" panose="020B0609020204030204" pitchFamily="49" charset="0"/>
+                <a:ea typeface="Times New Roman" panose="02020603050405020304" pitchFamily="18" charset="0"/>
+                <a:cs typeface="Times New Roman" panose="02020603050405020304" pitchFamily="18" charset="0"/>
+              </a:rPr>
+              <a:t>data class </a:t>
+            </a:r>
+            <a:r>
+              <a:rPr lang="en-US" sz="2000" dirty="0" err="1">
+                <a:solidFill>
+                  <a:srgbClr val="000000"/>
+                </a:solidFill>
+                <a:latin typeface="Consolas" panose="020B0609020204030204" pitchFamily="49" charset="0"/>
+                <a:ea typeface="Times New Roman" panose="02020603050405020304" pitchFamily="18" charset="0"/>
+                <a:cs typeface="Times New Roman" panose="02020603050405020304" pitchFamily="18" charset="0"/>
+              </a:rPr>
+              <a:t>JsonModel</a:t>
+            </a:r>
+            <a:r>
+              <a:rPr lang="en-US" sz="2000" dirty="0">
+                <a:solidFill>
+                  <a:srgbClr val="000000"/>
+                </a:solidFill>
+                <a:latin typeface="Consolas" panose="020B0609020204030204" pitchFamily="49" charset="0"/>
+                <a:ea typeface="Times New Roman" panose="02020603050405020304" pitchFamily="18" charset="0"/>
+                <a:cs typeface="Times New Roman" panose="02020603050405020304" pitchFamily="18" charset="0"/>
+              </a:rPr>
+              <a:t>(</a:t>
+            </a:r>
+            <a:endParaRPr lang="en-US" sz="2000" dirty="0">
+              <a:latin typeface="Calibri" panose="020F0502020204030204" pitchFamily="34" charset="0"/>
+              <a:ea typeface="Calibri" panose="020F0502020204030204" pitchFamily="34" charset="0"/>
+              <a:cs typeface="Times New Roman" panose="02020603050405020304" pitchFamily="18" charset="0"/>
+            </a:endParaRPr>
+          </a:p>
+          <a:p>
+            <a:pPr>
+              <a:lnSpc>
+                <a:spcPct val="107000"/>
+              </a:lnSpc>
+              <a:tabLst>
+                <a:tab pos="581660" algn="l"/>
+                <a:tab pos="1163320" algn="l"/>
+                <a:tab pos="1744980" algn="l"/>
+                <a:tab pos="2326640" algn="l"/>
+                <a:tab pos="2908300" algn="l"/>
+                <a:tab pos="3489960" algn="l"/>
+                <a:tab pos="4071620" algn="l"/>
+                <a:tab pos="4653280" algn="l"/>
+                <a:tab pos="5234940" algn="l"/>
+                <a:tab pos="5816600" algn="l"/>
+                <a:tab pos="6398260" algn="l"/>
+                <a:tab pos="6979920" algn="l"/>
+                <a:tab pos="7561580" algn="l"/>
+                <a:tab pos="8143240" algn="l"/>
+                <a:tab pos="8724900" algn="l"/>
+                <a:tab pos="9306560" algn="l"/>
+              </a:tabLst>
+            </a:pPr>
+            <a:r>
+              <a:rPr lang="en-US" sz="2000" dirty="0">
+                <a:solidFill>
+                  <a:srgbClr val="000000"/>
+                </a:solidFill>
+                <a:latin typeface="Consolas" panose="020B0609020204030204" pitchFamily="49" charset="0"/>
+                <a:ea typeface="Times New Roman" panose="02020603050405020304" pitchFamily="18" charset="0"/>
+                <a:cs typeface="Times New Roman" panose="02020603050405020304" pitchFamily="18" charset="0"/>
+              </a:rPr>
+              <a:t>	</a:t>
+            </a:r>
+            <a:r>
+              <a:rPr lang="en-US" sz="2000" dirty="0" err="1">
+                <a:solidFill>
+                  <a:srgbClr val="C70040"/>
+                </a:solidFill>
+                <a:latin typeface="Consolas" panose="020B0609020204030204" pitchFamily="49" charset="0"/>
+                <a:ea typeface="Times New Roman" panose="02020603050405020304" pitchFamily="18" charset="0"/>
+                <a:cs typeface="Times New Roman" panose="02020603050405020304" pitchFamily="18" charset="0"/>
+              </a:rPr>
+              <a:t>val</a:t>
+            </a:r>
+            <a:r>
+              <a:rPr lang="en-US" sz="2000" dirty="0">
+                <a:solidFill>
+                  <a:srgbClr val="C70040"/>
+                </a:solidFill>
+                <a:latin typeface="Consolas" panose="020B0609020204030204" pitchFamily="49" charset="0"/>
+                <a:ea typeface="Times New Roman" panose="02020603050405020304" pitchFamily="18" charset="0"/>
+                <a:cs typeface="Times New Roman" panose="02020603050405020304" pitchFamily="18" charset="0"/>
+              </a:rPr>
+              <a:t> </a:t>
+            </a:r>
+            <a:r>
+              <a:rPr lang="en-US" sz="2000" i="1" dirty="0">
+                <a:solidFill>
+                  <a:srgbClr val="CB6500"/>
+                </a:solidFill>
+                <a:latin typeface="Consolas" panose="020B0609020204030204" pitchFamily="49" charset="0"/>
+                <a:ea typeface="Times New Roman" panose="02020603050405020304" pitchFamily="18" charset="0"/>
+                <a:cs typeface="Times New Roman" panose="02020603050405020304" pitchFamily="18" charset="0"/>
+              </a:rPr>
+              <a:t>meshes </a:t>
+            </a:r>
+            <a:r>
+              <a:rPr lang="en-US" sz="2000" dirty="0">
+                <a:solidFill>
+                  <a:srgbClr val="C70040"/>
+                </a:solidFill>
+                <a:latin typeface="Consolas" panose="020B0609020204030204" pitchFamily="49" charset="0"/>
+                <a:ea typeface="Times New Roman" panose="02020603050405020304" pitchFamily="18" charset="0"/>
+                <a:cs typeface="Times New Roman" panose="02020603050405020304" pitchFamily="18" charset="0"/>
+              </a:rPr>
+              <a:t>: </a:t>
+            </a:r>
+            <a:r>
+              <a:rPr lang="en-US" sz="2000" i="1" dirty="0">
+                <a:solidFill>
+                  <a:srgbClr val="34A7BD"/>
+                </a:solidFill>
+                <a:latin typeface="Consolas" panose="020B0609020204030204" pitchFamily="49" charset="0"/>
+                <a:ea typeface="Times New Roman" panose="02020603050405020304" pitchFamily="18" charset="0"/>
+                <a:cs typeface="Times New Roman" panose="02020603050405020304" pitchFamily="18" charset="0"/>
+              </a:rPr>
+              <a:t>Array</a:t>
+            </a:r>
+            <a:r>
+              <a:rPr lang="en-US" sz="2000" dirty="0">
+                <a:solidFill>
+                  <a:srgbClr val="000000"/>
+                </a:solidFill>
+                <a:latin typeface="Consolas" panose="020B0609020204030204" pitchFamily="49" charset="0"/>
+                <a:ea typeface="Times New Roman" panose="02020603050405020304" pitchFamily="18" charset="0"/>
+                <a:cs typeface="Times New Roman" panose="02020603050405020304" pitchFamily="18" charset="0"/>
+              </a:rPr>
+              <a:t>&lt;</a:t>
+            </a:r>
+            <a:r>
+              <a:rPr lang="en-US" sz="2000" dirty="0" err="1">
+                <a:solidFill>
+                  <a:srgbClr val="000000"/>
+                </a:solidFill>
+                <a:latin typeface="Consolas" panose="020B0609020204030204" pitchFamily="49" charset="0"/>
+                <a:ea typeface="Times New Roman" panose="02020603050405020304" pitchFamily="18" charset="0"/>
+                <a:cs typeface="Times New Roman" panose="02020603050405020304" pitchFamily="18" charset="0"/>
+              </a:rPr>
+              <a:t>JsonMesh</a:t>
+            </a:r>
+            <a:r>
+              <a:rPr lang="en-US" sz="2000" dirty="0">
+                <a:solidFill>
+                  <a:srgbClr val="000000"/>
+                </a:solidFill>
+                <a:latin typeface="Consolas" panose="020B0609020204030204" pitchFamily="49" charset="0"/>
+                <a:ea typeface="Times New Roman" panose="02020603050405020304" pitchFamily="18" charset="0"/>
+                <a:cs typeface="Times New Roman" panose="02020603050405020304" pitchFamily="18" charset="0"/>
+              </a:rPr>
+              <a:t>&gt;)</a:t>
+            </a:r>
+            <a:endParaRPr lang="en-US" sz="2000" dirty="0">
+              <a:latin typeface="Calibri" panose="020F0502020204030204" pitchFamily="34" charset="0"/>
+              <a:ea typeface="Calibri" panose="020F0502020204030204" pitchFamily="34" charset="0"/>
+              <a:cs typeface="Times New Roman" panose="02020603050405020304" pitchFamily="18" charset="0"/>
+            </a:endParaRPr>
           </a:p>
         </p:txBody>
       </p:sp>
     </p:spTree>
     <p:extLst>
       <p:ext uri="{BB962C8B-B14F-4D97-AF65-F5344CB8AC3E}">
-        <p14:creationId xmlns:p14="http://schemas.microsoft.com/office/powerpoint/2010/main" val="1208883155"/>
+        <p14:creationId xmlns:p14="http://schemas.microsoft.com/office/powerpoint/2010/main" val="909757724"/>
       </p:ext>
     </p:extLst>
   </p:cSld>

--- a/projects/kog.040.010-models/aitcg310 - Modeling.pptx
+++ b/projects/kog.040.010-models/aitcg310 - Modeling.pptx
@@ -5,7 +5,7 @@
     <p:sldMasterId id="2147483648" r:id="rId1"/>
   </p:sldMasterIdLst>
   <p:notesMasterIdLst>
-    <p:notesMasterId r:id="rId18"/>
+    <p:notesMasterId r:id="rId19"/>
   </p:notesMasterIdLst>
   <p:sldIdLst>
     <p:sldId id="437" r:id="rId2"/>
@@ -18,12 +18,13 @@
     <p:sldId id="335" r:id="rId9"/>
     <p:sldId id="336" r:id="rId10"/>
     <p:sldId id="338" r:id="rId11"/>
-    <p:sldId id="339" r:id="rId12"/>
-    <p:sldId id="589" r:id="rId13"/>
-    <p:sldId id="452" r:id="rId14"/>
-    <p:sldId id="454" r:id="rId15"/>
-    <p:sldId id="453" r:id="rId16"/>
-    <p:sldId id="455" r:id="rId17"/>
+    <p:sldId id="590" r:id="rId12"/>
+    <p:sldId id="339" r:id="rId13"/>
+    <p:sldId id="589" r:id="rId14"/>
+    <p:sldId id="452" r:id="rId15"/>
+    <p:sldId id="454" r:id="rId16"/>
+    <p:sldId id="453" r:id="rId17"/>
+    <p:sldId id="455" r:id="rId18"/>
   </p:sldIdLst>
   <p:sldSz cx="12192000" cy="6858000"/>
   <p:notesSz cx="6858000" cy="9144000"/>
@@ -212,7 +213,7 @@
           <a:p>
             <a:fld id="{5B0DAFD6-FAC2-42B7-869F-67A360C20BEA}" type="datetimeFigureOut">
               <a:rPr lang="en-US" smtClean="0"/>
-              <a:t>11/2/2021</a:t>
+              <a:t>11/3/2021</a:t>
             </a:fld>
             <a:endParaRPr lang="en-US"/>
           </a:p>
@@ -610,7 +611,7 @@
           <a:p>
             <a:fld id="{338A3FAA-9C6C-4F9E-8590-40D8D97A52B8}" type="datetimeFigureOut">
               <a:rPr lang="en-US" smtClean="0"/>
-              <a:t>11/2/2021</a:t>
+              <a:t>11/3/2021</a:t>
             </a:fld>
             <a:endParaRPr lang="en-US"/>
           </a:p>
@@ -778,7 +779,7 @@
           <a:p>
             <a:fld id="{338A3FAA-9C6C-4F9E-8590-40D8D97A52B8}" type="datetimeFigureOut">
               <a:rPr lang="en-US" smtClean="0"/>
-              <a:t>11/2/2021</a:t>
+              <a:t>11/3/2021</a:t>
             </a:fld>
             <a:endParaRPr lang="en-US"/>
           </a:p>
@@ -956,7 +957,7 @@
           <a:p>
             <a:fld id="{338A3FAA-9C6C-4F9E-8590-40D8D97A52B8}" type="datetimeFigureOut">
               <a:rPr lang="en-US" smtClean="0"/>
-              <a:t>11/2/2021</a:t>
+              <a:t>11/3/2021</a:t>
             </a:fld>
             <a:endParaRPr lang="en-US"/>
           </a:p>
@@ -1124,7 +1125,7 @@
           <a:p>
             <a:fld id="{338A3FAA-9C6C-4F9E-8590-40D8D97A52B8}" type="datetimeFigureOut">
               <a:rPr lang="en-US" smtClean="0"/>
-              <a:t>11/2/2021</a:t>
+              <a:t>11/3/2021</a:t>
             </a:fld>
             <a:endParaRPr lang="en-US"/>
           </a:p>
@@ -1369,7 +1370,7 @@
           <a:p>
             <a:fld id="{338A3FAA-9C6C-4F9E-8590-40D8D97A52B8}" type="datetimeFigureOut">
               <a:rPr lang="en-US" smtClean="0"/>
-              <a:t>11/2/2021</a:t>
+              <a:t>11/3/2021</a:t>
             </a:fld>
             <a:endParaRPr lang="en-US"/>
           </a:p>
@@ -1598,7 +1599,7 @@
           <a:p>
             <a:fld id="{338A3FAA-9C6C-4F9E-8590-40D8D97A52B8}" type="datetimeFigureOut">
               <a:rPr lang="en-US" smtClean="0"/>
-              <a:t>11/2/2021</a:t>
+              <a:t>11/3/2021</a:t>
             </a:fld>
             <a:endParaRPr lang="en-US"/>
           </a:p>
@@ -1962,7 +1963,7 @@
           <a:p>
             <a:fld id="{338A3FAA-9C6C-4F9E-8590-40D8D97A52B8}" type="datetimeFigureOut">
               <a:rPr lang="en-US" smtClean="0"/>
-              <a:t>11/2/2021</a:t>
+              <a:t>11/3/2021</a:t>
             </a:fld>
             <a:endParaRPr lang="en-US"/>
           </a:p>
@@ -2079,7 +2080,7 @@
           <a:p>
             <a:fld id="{338A3FAA-9C6C-4F9E-8590-40D8D97A52B8}" type="datetimeFigureOut">
               <a:rPr lang="en-US" smtClean="0"/>
-              <a:t>11/2/2021</a:t>
+              <a:t>11/3/2021</a:t>
             </a:fld>
             <a:endParaRPr lang="en-US"/>
           </a:p>
@@ -2174,7 +2175,7 @@
           <a:p>
             <a:fld id="{338A3FAA-9C6C-4F9E-8590-40D8D97A52B8}" type="datetimeFigureOut">
               <a:rPr lang="en-US" smtClean="0"/>
-              <a:t>11/2/2021</a:t>
+              <a:t>11/3/2021</a:t>
             </a:fld>
             <a:endParaRPr lang="en-US"/>
           </a:p>
@@ -2449,7 +2450,7 @@
           <a:p>
             <a:fld id="{338A3FAA-9C6C-4F9E-8590-40D8D97A52B8}" type="datetimeFigureOut">
               <a:rPr lang="en-US" smtClean="0"/>
-              <a:t>11/2/2021</a:t>
+              <a:t>11/3/2021</a:t>
             </a:fld>
             <a:endParaRPr lang="en-US"/>
           </a:p>
@@ -2701,7 +2702,7 @@
           <a:p>
             <a:fld id="{338A3FAA-9C6C-4F9E-8590-40D8D97A52B8}" type="datetimeFigureOut">
               <a:rPr lang="en-US" smtClean="0"/>
-              <a:t>11/2/2021</a:t>
+              <a:t>11/3/2021</a:t>
             </a:fld>
             <a:endParaRPr lang="en-US"/>
           </a:p>
@@ -2912,7 +2913,7 @@
           <a:p>
             <a:fld id="{338A3FAA-9C6C-4F9E-8590-40D8D97A52B8}" type="datetimeFigureOut">
               <a:rPr lang="en-US" smtClean="0"/>
-              <a:t>11/2/2021</a:t>
+              <a:t>11/3/2021</a:t>
             </a:fld>
             <a:endParaRPr lang="en-US"/>
           </a:p>
@@ -3342,10 +3343,6 @@
               </a:rPr>
               <a:t>Computer Graphics</a:t>
             </a:r>
-            <a:r>
-              <a:rPr lang="en-US" dirty="0"/>
-              <a:t/>
-            </a:r>
             <a:br>
               <a:rPr lang="en-US" dirty="0"/>
             </a:br>
@@ -3584,6 +3581,17 @@
               <a:t>load</a:t>
             </a:r>
             <a:r>
+              <a:rPr lang="en-US" sz="1600" dirty="0">
+                <a:solidFill>
+                  <a:schemeClr val="tx1"/>
+                </a:solidFill>
+                <a:latin typeface="Consolas" panose="020B0609020204030204" pitchFamily="49" charset="0"/>
+                <a:ea typeface="Times New Roman" panose="02020603050405020304" pitchFamily="18" charset="0"/>
+                <a:cs typeface="Times New Roman" panose="02020603050405020304" pitchFamily="18" charset="0"/>
+              </a:rPr>
+              <a:t>Geometries</a:t>
+            </a:r>
+            <a:r>
               <a:rPr lang="hu-HU" sz="1600" dirty="0">
                 <a:solidFill>
                   <a:schemeClr val="tx1"/>
@@ -4974,14 +4982,57 @@
               <a:t> </a:t>
             </a:r>
             <a:r>
-              <a:rPr lang="hu-HU" sz="1600" i="1" dirty="0" err="1">
-                <a:solidFill>
-                  <a:srgbClr val="34A7BD"/>
-                </a:solidFill>
-                <a:latin typeface="Consolas" panose="020B0609020204030204" pitchFamily="49" charset="0"/>
-                <a:cs typeface="Times New Roman" panose="02020603050405020304" pitchFamily="18" charset="0"/>
-              </a:rPr>
-              <a:t>Array</a:t>
+              <a:rPr lang="hu-HU" sz="1600" dirty="0" err="1">
+                <a:solidFill>
+                  <a:schemeClr val="tx1"/>
+                </a:solidFill>
+                <a:latin typeface="Consolas" panose="020B0609020204030204" pitchFamily="49" charset="0"/>
+                <a:ea typeface="Times New Roman" panose="02020603050405020304" pitchFamily="18" charset="0"/>
+                <a:cs typeface="Times New Roman" panose="02020603050405020304" pitchFamily="18" charset="0"/>
+              </a:rPr>
+              <a:t>jsonModel</a:t>
+            </a:r>
+            <a:r>
+              <a:rPr lang="hu-HU" sz="1600" dirty="0" err="1">
+                <a:solidFill>
+                  <a:srgbClr val="C70040"/>
+                </a:solidFill>
+                <a:latin typeface="Consolas" panose="020B0609020204030204" pitchFamily="49" charset="0"/>
+                <a:cs typeface="Times New Roman" panose="02020603050405020304" pitchFamily="18" charset="0"/>
+              </a:rPr>
+              <a:t>.</a:t>
+            </a:r>
+            <a:r>
+              <a:rPr lang="hu-HU" sz="1600" dirty="0" err="1">
+                <a:solidFill>
+                  <a:schemeClr val="tx1"/>
+                </a:solidFill>
+                <a:latin typeface="Consolas" panose="020B0609020204030204" pitchFamily="49" charset="0"/>
+                <a:ea typeface="Times New Roman" panose="02020603050405020304" pitchFamily="18" charset="0"/>
+                <a:cs typeface="Times New Roman" panose="02020603050405020304" pitchFamily="18" charset="0"/>
+              </a:rPr>
+              <a:t>meshes</a:t>
+            </a:r>
+            <a:r>
+              <a:rPr lang="hu-HU" sz="1600" dirty="0" err="1">
+                <a:solidFill>
+                  <a:srgbClr val="C70040"/>
+                </a:solidFill>
+                <a:latin typeface="Consolas" panose="020B0609020204030204" pitchFamily="49" charset="0"/>
+                <a:cs typeface="Times New Roman" panose="02020603050405020304" pitchFamily="18" charset="0"/>
+              </a:rPr>
+              <a:t>.</a:t>
+            </a:r>
+            <a:r>
+              <a:rPr lang="hu-HU" sz="1600" dirty="0" err="1">
+                <a:solidFill>
+                  <a:schemeClr val="tx1"/>
+                </a:solidFill>
+                <a:latin typeface="Consolas" panose="020B0609020204030204" pitchFamily="49" charset="0"/>
+                <a:ea typeface="Times New Roman" panose="02020603050405020304" pitchFamily="18" charset="0"/>
+                <a:cs typeface="Times New Roman" panose="02020603050405020304" pitchFamily="18" charset="0"/>
+              </a:rPr>
+              <a:t>map</a:t>
             </a:r>
             <a:r>
               <a:rPr lang="hu-HU" sz="1600" dirty="0">
@@ -4992,7 +5043,7 @@
                 <a:ea typeface="Times New Roman" panose="02020603050405020304" pitchFamily="18" charset="0"/>
                 <a:cs typeface="Times New Roman" panose="02020603050405020304" pitchFamily="18" charset="0"/>
               </a:rPr>
-              <a:t>&lt;</a:t>
+              <a:t>{ </a:t>
             </a:r>
             <a:r>
               <a:rPr lang="hu-HU" sz="1600" dirty="0" err="1">
@@ -5003,7 +5054,7 @@
                 <a:ea typeface="Times New Roman" panose="02020603050405020304" pitchFamily="18" charset="0"/>
                 <a:cs typeface="Times New Roman" panose="02020603050405020304" pitchFamily="18" charset="0"/>
               </a:rPr>
-              <a:t>Geometry</a:t>
+              <a:t>SubmeshGeometry</a:t>
             </a:r>
             <a:r>
               <a:rPr lang="hu-HU" sz="1600" dirty="0">
@@ -5014,7 +5065,7 @@
                 <a:ea typeface="Times New Roman" panose="02020603050405020304" pitchFamily="18" charset="0"/>
                 <a:cs typeface="Times New Roman" panose="02020603050405020304" pitchFamily="18" charset="0"/>
               </a:rPr>
-              <a:t>&gt;(</a:t>
+              <a:t>(</a:t>
             </a:r>
             <a:r>
               <a:rPr lang="hu-HU" sz="1600" dirty="0" err="1">
@@ -5025,49 +5076,29 @@
                 <a:ea typeface="Times New Roman" panose="02020603050405020304" pitchFamily="18" charset="0"/>
                 <a:cs typeface="Times New Roman" panose="02020603050405020304" pitchFamily="18" charset="0"/>
               </a:rPr>
-              <a:t>jsonModel</a:t>
+              <a:t>gl</a:t>
+            </a:r>
+            <a:r>
+              <a:rPr lang="hu-HU" sz="1600" dirty="0">
+                <a:solidFill>
+                  <a:schemeClr val="tx1"/>
+                </a:solidFill>
+                <a:latin typeface="Consolas" panose="020B0609020204030204" pitchFamily="49" charset="0"/>
+                <a:ea typeface="Times New Roman" panose="02020603050405020304" pitchFamily="18" charset="0"/>
+                <a:cs typeface="Times New Roman" panose="02020603050405020304" pitchFamily="18" charset="0"/>
+              </a:rPr>
+              <a:t>, </a:t>
             </a:r>
             <a:r>
               <a:rPr lang="hu-HU" sz="1600" dirty="0" err="1">
                 <a:solidFill>
-                  <a:srgbClr val="C70040"/>
-                </a:solidFill>
-                <a:latin typeface="Consolas" panose="020B0609020204030204" pitchFamily="49" charset="0"/>
-                <a:cs typeface="Times New Roman" panose="02020603050405020304" pitchFamily="18" charset="0"/>
-              </a:rPr>
-              <a:t>.</a:t>
-            </a:r>
-            <a:r>
-              <a:rPr lang="hu-HU" sz="1600" dirty="0" err="1">
-                <a:solidFill>
-                  <a:schemeClr val="tx1"/>
-                </a:solidFill>
-                <a:latin typeface="Consolas" panose="020B0609020204030204" pitchFamily="49" charset="0"/>
-                <a:ea typeface="Times New Roman" panose="02020603050405020304" pitchFamily="18" charset="0"/>
-                <a:cs typeface="Times New Roman" panose="02020603050405020304" pitchFamily="18" charset="0"/>
-              </a:rPr>
-              <a:t>meshes</a:t>
-            </a:r>
-            <a:r>
-              <a:rPr lang="hu-HU" sz="1600" dirty="0" err="1">
-                <a:solidFill>
-                  <a:srgbClr val="C70040"/>
-                </a:solidFill>
-                <a:latin typeface="Consolas" panose="020B0609020204030204" pitchFamily="49" charset="0"/>
-                <a:cs typeface="Times New Roman" panose="02020603050405020304" pitchFamily="18" charset="0"/>
-              </a:rPr>
-              <a:t>.</a:t>
-            </a:r>
-            <a:r>
-              <a:rPr lang="hu-HU" sz="1600" dirty="0" err="1">
-                <a:solidFill>
-                  <a:schemeClr val="tx1"/>
-                </a:solidFill>
-                <a:latin typeface="Consolas" panose="020B0609020204030204" pitchFamily="49" charset="0"/>
-                <a:ea typeface="Times New Roman" panose="02020603050405020304" pitchFamily="18" charset="0"/>
-                <a:cs typeface="Times New Roman" panose="02020603050405020304" pitchFamily="18" charset="0"/>
-              </a:rPr>
-              <a:t>size</a:t>
+                  <a:schemeClr val="tx1"/>
+                </a:solidFill>
+                <a:latin typeface="Consolas" panose="020B0609020204030204" pitchFamily="49" charset="0"/>
+                <a:ea typeface="Times New Roman" panose="02020603050405020304" pitchFamily="18" charset="0"/>
+                <a:cs typeface="Times New Roman" panose="02020603050405020304" pitchFamily="18" charset="0"/>
+              </a:rPr>
+              <a:t>it</a:t>
             </a:r>
             <a:r>
               <a:rPr lang="hu-HU" sz="1600" dirty="0">
@@ -5078,7 +5109,7 @@
                 <a:ea typeface="Times New Roman" panose="02020603050405020304" pitchFamily="18" charset="0"/>
                 <a:cs typeface="Times New Roman" panose="02020603050405020304" pitchFamily="18" charset="0"/>
               </a:rPr>
-              <a:t>) {</a:t>
+              <a:t>) }</a:t>
             </a:r>
           </a:p>
           <a:p>
@@ -5114,94 +5145,17 @@
                 <a:ea typeface="Times New Roman" panose="02020603050405020304" pitchFamily="18" charset="0"/>
                 <a:cs typeface="Times New Roman" panose="02020603050405020304" pitchFamily="18" charset="0"/>
               </a:rPr>
-              <a:t>        i </a:t>
-            </a:r>
-            <a:r>
-              <a:rPr lang="hu-HU" sz="1600" dirty="0">
-                <a:solidFill>
-                  <a:srgbClr val="C70040"/>
-                </a:solidFill>
-                <a:latin typeface="Consolas" panose="020B0609020204030204" pitchFamily="49" charset="0"/>
-                <a:cs typeface="Times New Roman" panose="02020603050405020304" pitchFamily="18" charset="0"/>
-              </a:rPr>
-              <a:t>-&gt;</a:t>
-            </a:r>
-            <a:r>
-              <a:rPr lang="hu-HU" sz="1600" dirty="0">
-                <a:solidFill>
-                  <a:schemeClr val="tx1"/>
-                </a:solidFill>
-                <a:latin typeface="Consolas" panose="020B0609020204030204" pitchFamily="49" charset="0"/>
-                <a:ea typeface="Times New Roman" panose="02020603050405020304" pitchFamily="18" charset="0"/>
-                <a:cs typeface="Times New Roman" panose="02020603050405020304" pitchFamily="18" charset="0"/>
-              </a:rPr>
-              <a:t> </a:t>
-            </a:r>
-            <a:r>
-              <a:rPr lang="hu-HU" sz="1600" dirty="0" err="1">
-                <a:solidFill>
-                  <a:schemeClr val="tx1"/>
-                </a:solidFill>
-                <a:latin typeface="Consolas" panose="020B0609020204030204" pitchFamily="49" charset="0"/>
-                <a:ea typeface="Times New Roman" panose="02020603050405020304" pitchFamily="18" charset="0"/>
-                <a:cs typeface="Times New Roman" panose="02020603050405020304" pitchFamily="18" charset="0"/>
-              </a:rPr>
-              <a:t>SubmeshGeometry</a:t>
-            </a:r>
-            <a:r>
-              <a:rPr lang="hu-HU" sz="1600" dirty="0">
-                <a:solidFill>
-                  <a:schemeClr val="tx1"/>
-                </a:solidFill>
-                <a:latin typeface="Consolas" panose="020B0609020204030204" pitchFamily="49" charset="0"/>
-                <a:ea typeface="Times New Roman" panose="02020603050405020304" pitchFamily="18" charset="0"/>
-                <a:cs typeface="Times New Roman" panose="02020603050405020304" pitchFamily="18" charset="0"/>
-              </a:rPr>
-              <a:t>(</a:t>
-            </a:r>
-            <a:r>
-              <a:rPr lang="hu-HU" sz="1600" dirty="0" err="1">
-                <a:solidFill>
-                  <a:schemeClr val="tx1"/>
-                </a:solidFill>
-                <a:latin typeface="Consolas" panose="020B0609020204030204" pitchFamily="49" charset="0"/>
-                <a:ea typeface="Times New Roman" panose="02020603050405020304" pitchFamily="18" charset="0"/>
-                <a:cs typeface="Times New Roman" panose="02020603050405020304" pitchFamily="18" charset="0"/>
-              </a:rPr>
-              <a:t>gl</a:t>
-            </a:r>
-            <a:r>
-              <a:rPr lang="hu-HU" sz="1600" dirty="0">
-                <a:solidFill>
-                  <a:schemeClr val="tx1"/>
-                </a:solidFill>
-                <a:latin typeface="Consolas" panose="020B0609020204030204" pitchFamily="49" charset="0"/>
-                <a:ea typeface="Times New Roman" panose="02020603050405020304" pitchFamily="18" charset="0"/>
-                <a:cs typeface="Times New Roman" panose="02020603050405020304" pitchFamily="18" charset="0"/>
-              </a:rPr>
-              <a:t>, </a:t>
-            </a:r>
-            <a:r>
-              <a:rPr lang="hu-HU" sz="1600" dirty="0" err="1">
-                <a:solidFill>
-                  <a:schemeClr val="tx1"/>
-                </a:solidFill>
-                <a:latin typeface="Consolas" panose="020B0609020204030204" pitchFamily="49" charset="0"/>
-                <a:ea typeface="Times New Roman" panose="02020603050405020304" pitchFamily="18" charset="0"/>
-                <a:cs typeface="Times New Roman" panose="02020603050405020304" pitchFamily="18" charset="0"/>
-              </a:rPr>
-              <a:t>jsonModel.meshes</a:t>
-            </a:r>
-            <a:r>
-              <a:rPr lang="hu-HU" sz="1600" dirty="0">
-                <a:solidFill>
-                  <a:schemeClr val="tx1"/>
-                </a:solidFill>
-                <a:latin typeface="Consolas" panose="020B0609020204030204" pitchFamily="49" charset="0"/>
-                <a:ea typeface="Times New Roman" panose="02020603050405020304" pitchFamily="18" charset="0"/>
-                <a:cs typeface="Times New Roman" panose="02020603050405020304" pitchFamily="18" charset="0"/>
-              </a:rPr>
-              <a:t>[i])</a:t>
+              <a:t>      </a:t>
+            </a:r>
+            <a:r>
+              <a:rPr lang="hu-HU" sz="1600" i="1" dirty="0">
+                <a:solidFill>
+                  <a:srgbClr val="34A7BD"/>
+                </a:solidFill>
+                <a:latin typeface="Consolas" panose="020B0609020204030204" pitchFamily="49" charset="0"/>
+                <a:cs typeface="Times New Roman" panose="02020603050405020304" pitchFamily="18" charset="0"/>
+              </a:rPr>
+              <a:t>Unit</a:t>
             </a:r>
           </a:p>
           <a:p>
@@ -5237,7 +5191,7 @@
                 <a:ea typeface="Times New Roman" panose="02020603050405020304" pitchFamily="18" charset="0"/>
                 <a:cs typeface="Times New Roman" panose="02020603050405020304" pitchFamily="18" charset="0"/>
               </a:rPr>
-              <a:t>      }</a:t>
+              <a:t>    }</a:t>
             </a:r>
           </a:p>
           <a:p>
@@ -5273,17 +5227,50 @@
                 <a:ea typeface="Times New Roman" panose="02020603050405020304" pitchFamily="18" charset="0"/>
                 <a:cs typeface="Times New Roman" panose="02020603050405020304" pitchFamily="18" charset="0"/>
               </a:rPr>
-              <a:t>      </a:t>
-            </a:r>
-            <a:r>
-              <a:rPr lang="hu-HU" sz="1600" i="1" dirty="0">
-                <a:solidFill>
-                  <a:srgbClr val="34A7BD"/>
-                </a:solidFill>
-                <a:latin typeface="Consolas" panose="020B0609020204030204" pitchFamily="49" charset="0"/>
-                <a:cs typeface="Times New Roman" panose="02020603050405020304" pitchFamily="18" charset="0"/>
-              </a:rPr>
-              <a:t>Unit</a:t>
+              <a:t>    </a:t>
+            </a:r>
+            <a:r>
+              <a:rPr lang="hu-HU" sz="1600" dirty="0" err="1">
+                <a:solidFill>
+                  <a:schemeClr val="tx1"/>
+                </a:solidFill>
+                <a:latin typeface="Consolas" panose="020B0609020204030204" pitchFamily="49" charset="0"/>
+                <a:ea typeface="Times New Roman" panose="02020603050405020304" pitchFamily="18" charset="0"/>
+                <a:cs typeface="Times New Roman" panose="02020603050405020304" pitchFamily="18" charset="0"/>
+              </a:rPr>
+              <a:t>request</a:t>
+            </a:r>
+            <a:r>
+              <a:rPr lang="hu-HU" sz="1600" dirty="0" err="1">
+                <a:solidFill>
+                  <a:srgbClr val="C70040"/>
+                </a:solidFill>
+                <a:latin typeface="Consolas" panose="020B0609020204030204" pitchFamily="49" charset="0"/>
+                <a:cs typeface="Times New Roman" panose="02020603050405020304" pitchFamily="18" charset="0"/>
+              </a:rPr>
+              <a:t>.</a:t>
+            </a:r>
+            <a:r>
+              <a:rPr lang="hu-HU" sz="1600" dirty="0" err="1">
+                <a:solidFill>
+                  <a:schemeClr val="tx1"/>
+                </a:solidFill>
+                <a:latin typeface="Consolas" panose="020B0609020204030204" pitchFamily="49" charset="0"/>
+                <a:ea typeface="Times New Roman" panose="02020603050405020304" pitchFamily="18" charset="0"/>
+                <a:cs typeface="Times New Roman" panose="02020603050405020304" pitchFamily="18" charset="0"/>
+              </a:rPr>
+              <a:t>send</a:t>
+            </a:r>
+            <a:r>
+              <a:rPr lang="hu-HU" sz="1600" dirty="0">
+                <a:solidFill>
+                  <a:schemeClr val="tx1"/>
+                </a:solidFill>
+                <a:latin typeface="Consolas" panose="020B0609020204030204" pitchFamily="49" charset="0"/>
+                <a:ea typeface="Times New Roman" panose="02020603050405020304" pitchFamily="18" charset="0"/>
+                <a:cs typeface="Times New Roman" panose="02020603050405020304" pitchFamily="18" charset="0"/>
+              </a:rPr>
+              <a:t>()</a:t>
             </a:r>
           </a:p>
           <a:p>
@@ -5319,8 +5306,58 @@
                 <a:ea typeface="Times New Roman" panose="02020603050405020304" pitchFamily="18" charset="0"/>
                 <a:cs typeface="Times New Roman" panose="02020603050405020304" pitchFamily="18" charset="0"/>
               </a:rPr>
-              <a:t>    }</a:t>
-            </a:r>
+              <a:t>    </a:t>
+            </a:r>
+            <a:r>
+              <a:rPr lang="hu-HU" sz="1600" dirty="0" err="1">
+                <a:solidFill>
+                  <a:schemeClr val="tx1"/>
+                </a:solidFill>
+                <a:latin typeface="Consolas" panose="020B0609020204030204" pitchFamily="49" charset="0"/>
+                <a:ea typeface="Times New Roman" panose="02020603050405020304" pitchFamily="18" charset="0"/>
+                <a:cs typeface="Times New Roman" panose="02020603050405020304" pitchFamily="18" charset="0"/>
+              </a:rPr>
+              <a:t>return</a:t>
+            </a:r>
+            <a:r>
+              <a:rPr lang="hu-HU" sz="1600" dirty="0">
+                <a:solidFill>
+                  <a:schemeClr val="tx1"/>
+                </a:solidFill>
+                <a:latin typeface="Consolas" panose="020B0609020204030204" pitchFamily="49" charset="0"/>
+                <a:ea typeface="Times New Roman" panose="02020603050405020304" pitchFamily="18" charset="0"/>
+                <a:cs typeface="Times New Roman" panose="02020603050405020304" pitchFamily="18" charset="0"/>
+              </a:rPr>
+              <a:t> </a:t>
+            </a:r>
+            <a:r>
+              <a:rPr lang="hu-HU" sz="1600" dirty="0" err="1">
+                <a:solidFill>
+                  <a:schemeClr val="tx1"/>
+                </a:solidFill>
+                <a:latin typeface="Consolas" panose="020B0609020204030204" pitchFamily="49" charset="0"/>
+                <a:ea typeface="Times New Roman" panose="02020603050405020304" pitchFamily="18" charset="0"/>
+                <a:cs typeface="Times New Roman" panose="02020603050405020304" pitchFamily="18" charset="0"/>
+              </a:rPr>
+              <a:t>geometries</a:t>
+            </a:r>
+            <a:r>
+              <a:rPr lang="hu-HU" sz="1600" dirty="0">
+                <a:solidFill>
+                  <a:srgbClr val="C70040"/>
+                </a:solidFill>
+                <a:latin typeface="Consolas" panose="020B0609020204030204" pitchFamily="49" charset="0"/>
+                <a:cs typeface="Times New Roman" panose="02020603050405020304" pitchFamily="18" charset="0"/>
+              </a:rPr>
+              <a:t>!!</a:t>
+            </a:r>
+            <a:endParaRPr lang="hu-HU" sz="2000" dirty="0">
+              <a:solidFill>
+                <a:srgbClr val="C70040"/>
+              </a:solidFill>
+              <a:latin typeface="Consolas" panose="020B0609020204030204" pitchFamily="49" charset="0"/>
+              <a:cs typeface="Times New Roman" panose="02020603050405020304" pitchFamily="18" charset="0"/>
+            </a:endParaRPr>
           </a:p>
           <a:p>
             <a:pPr>
@@ -5355,171 +5392,6 @@
                 <a:ea typeface="Times New Roman" panose="02020603050405020304" pitchFamily="18" charset="0"/>
                 <a:cs typeface="Times New Roman" panose="02020603050405020304" pitchFamily="18" charset="0"/>
               </a:rPr>
-              <a:t>    </a:t>
-            </a:r>
-            <a:r>
-              <a:rPr lang="hu-HU" sz="1600" dirty="0" err="1">
-                <a:solidFill>
-                  <a:schemeClr val="tx1"/>
-                </a:solidFill>
-                <a:latin typeface="Consolas" panose="020B0609020204030204" pitchFamily="49" charset="0"/>
-                <a:ea typeface="Times New Roman" panose="02020603050405020304" pitchFamily="18" charset="0"/>
-                <a:cs typeface="Times New Roman" panose="02020603050405020304" pitchFamily="18" charset="0"/>
-              </a:rPr>
-              <a:t>request</a:t>
-            </a:r>
-            <a:r>
-              <a:rPr lang="hu-HU" sz="1600" dirty="0" err="1">
-                <a:solidFill>
-                  <a:srgbClr val="C70040"/>
-                </a:solidFill>
-                <a:latin typeface="Consolas" panose="020B0609020204030204" pitchFamily="49" charset="0"/>
-                <a:cs typeface="Times New Roman" panose="02020603050405020304" pitchFamily="18" charset="0"/>
-              </a:rPr>
-              <a:t>.</a:t>
-            </a:r>
-            <a:r>
-              <a:rPr lang="hu-HU" sz="1600" dirty="0" err="1">
-                <a:solidFill>
-                  <a:schemeClr val="tx1"/>
-                </a:solidFill>
-                <a:latin typeface="Consolas" panose="020B0609020204030204" pitchFamily="49" charset="0"/>
-                <a:ea typeface="Times New Roman" panose="02020603050405020304" pitchFamily="18" charset="0"/>
-                <a:cs typeface="Times New Roman" panose="02020603050405020304" pitchFamily="18" charset="0"/>
-              </a:rPr>
-              <a:t>send</a:t>
-            </a:r>
-            <a:r>
-              <a:rPr lang="hu-HU" sz="1600" dirty="0">
-                <a:solidFill>
-                  <a:schemeClr val="tx1"/>
-                </a:solidFill>
-                <a:latin typeface="Consolas" panose="020B0609020204030204" pitchFamily="49" charset="0"/>
-                <a:ea typeface="Times New Roman" panose="02020603050405020304" pitchFamily="18" charset="0"/>
-                <a:cs typeface="Times New Roman" panose="02020603050405020304" pitchFamily="18" charset="0"/>
-              </a:rPr>
-              <a:t>()</a:t>
-            </a:r>
-          </a:p>
-          <a:p>
-            <a:pPr>
-              <a:lnSpc>
-                <a:spcPct val="107000"/>
-              </a:lnSpc>
-              <a:tabLst>
-                <a:tab pos="581660" algn="l"/>
-                <a:tab pos="1163320" algn="l"/>
-                <a:tab pos="1744980" algn="l"/>
-                <a:tab pos="2326640" algn="l"/>
-                <a:tab pos="2908300" algn="l"/>
-                <a:tab pos="3489960" algn="l"/>
-                <a:tab pos="4071620" algn="l"/>
-                <a:tab pos="4653280" algn="l"/>
-                <a:tab pos="5234940" algn="l"/>
-                <a:tab pos="5816600" algn="l"/>
-                <a:tab pos="6398260" algn="l"/>
-                <a:tab pos="6979920" algn="l"/>
-                <a:tab pos="7561580" algn="l"/>
-                <a:tab pos="8143240" algn="l"/>
-                <a:tab pos="8724900" algn="l"/>
-                <a:tab pos="9306560" algn="l"/>
-              </a:tabLst>
-            </a:pPr>
-            <a:r>
-              <a:rPr lang="hu-HU" sz="1600" dirty="0">
-                <a:solidFill>
-                  <a:schemeClr val="tx1"/>
-                </a:solidFill>
-                <a:latin typeface="Consolas" panose="020B0609020204030204" pitchFamily="49" charset="0"/>
-                <a:ea typeface="Times New Roman" panose="02020603050405020304" pitchFamily="18" charset="0"/>
-                <a:cs typeface="Times New Roman" panose="02020603050405020304" pitchFamily="18" charset="0"/>
-              </a:rPr>
-              <a:t>    </a:t>
-            </a:r>
-            <a:r>
-              <a:rPr lang="hu-HU" sz="1600" dirty="0" err="1">
-                <a:solidFill>
-                  <a:schemeClr val="tx1"/>
-                </a:solidFill>
-                <a:latin typeface="Consolas" panose="020B0609020204030204" pitchFamily="49" charset="0"/>
-                <a:ea typeface="Times New Roman" panose="02020603050405020304" pitchFamily="18" charset="0"/>
-                <a:cs typeface="Times New Roman" panose="02020603050405020304" pitchFamily="18" charset="0"/>
-              </a:rPr>
-              <a:t>return</a:t>
-            </a:r>
-            <a:r>
-              <a:rPr lang="hu-HU" sz="1600" dirty="0">
-                <a:solidFill>
-                  <a:schemeClr val="tx1"/>
-                </a:solidFill>
-                <a:latin typeface="Consolas" panose="020B0609020204030204" pitchFamily="49" charset="0"/>
-                <a:ea typeface="Times New Roman" panose="02020603050405020304" pitchFamily="18" charset="0"/>
-                <a:cs typeface="Times New Roman" panose="02020603050405020304" pitchFamily="18" charset="0"/>
-              </a:rPr>
-              <a:t> </a:t>
-            </a:r>
-            <a:r>
-              <a:rPr lang="hu-HU" sz="1600" dirty="0" err="1">
-                <a:solidFill>
-                  <a:schemeClr val="tx1"/>
-                </a:solidFill>
-                <a:latin typeface="Consolas" panose="020B0609020204030204" pitchFamily="49" charset="0"/>
-                <a:ea typeface="Times New Roman" panose="02020603050405020304" pitchFamily="18" charset="0"/>
-                <a:cs typeface="Times New Roman" panose="02020603050405020304" pitchFamily="18" charset="0"/>
-              </a:rPr>
-              <a:t>geometries</a:t>
-            </a:r>
-            <a:r>
-              <a:rPr lang="hu-HU" sz="1600" dirty="0">
-                <a:solidFill>
-                  <a:srgbClr val="C70040"/>
-                </a:solidFill>
-                <a:latin typeface="Consolas" panose="020B0609020204030204" pitchFamily="49" charset="0"/>
-                <a:cs typeface="Times New Roman" panose="02020603050405020304" pitchFamily="18" charset="0"/>
-              </a:rPr>
-              <a:t>!!</a:t>
-            </a:r>
-            <a:endParaRPr lang="hu-HU" sz="2000" dirty="0">
-              <a:solidFill>
-                <a:srgbClr val="C70040"/>
-              </a:solidFill>
-              <a:latin typeface="Consolas" panose="020B0609020204030204" pitchFamily="49" charset="0"/>
-              <a:cs typeface="Times New Roman" panose="02020603050405020304" pitchFamily="18" charset="0"/>
-            </a:endParaRPr>
-          </a:p>
-          <a:p>
-            <a:pPr>
-              <a:lnSpc>
-                <a:spcPct val="107000"/>
-              </a:lnSpc>
-              <a:tabLst>
-                <a:tab pos="581660" algn="l"/>
-                <a:tab pos="1163320" algn="l"/>
-                <a:tab pos="1744980" algn="l"/>
-                <a:tab pos="2326640" algn="l"/>
-                <a:tab pos="2908300" algn="l"/>
-                <a:tab pos="3489960" algn="l"/>
-                <a:tab pos="4071620" algn="l"/>
-                <a:tab pos="4653280" algn="l"/>
-                <a:tab pos="5234940" algn="l"/>
-                <a:tab pos="5816600" algn="l"/>
-                <a:tab pos="6398260" algn="l"/>
-                <a:tab pos="6979920" algn="l"/>
-                <a:tab pos="7561580" algn="l"/>
-                <a:tab pos="8143240" algn="l"/>
-                <a:tab pos="8724900" algn="l"/>
-                <a:tab pos="9306560" algn="l"/>
-              </a:tabLst>
-            </a:pPr>
-            <a:r>
-              <a:rPr lang="hu-HU" sz="1600" dirty="0">
-                <a:solidFill>
-                  <a:schemeClr val="tx1"/>
-                </a:solidFill>
-                <a:latin typeface="Consolas" panose="020B0609020204030204" pitchFamily="49" charset="0"/>
-                <a:ea typeface="Times New Roman" panose="02020603050405020304" pitchFamily="18" charset="0"/>
-                <a:cs typeface="Times New Roman" panose="02020603050405020304" pitchFamily="18" charset="0"/>
-              </a:rPr>
               <a:t>  }</a:t>
             </a:r>
             <a:endParaRPr lang="en-US" sz="1600" dirty="0">
@@ -5544,7 +5416,7 @@
         </p:nvCxnSpPr>
         <p:spPr>
           <a:xfrm flipH="1">
-            <a:off x="4220547" y="1813412"/>
+            <a:off x="4094964" y="1935266"/>
             <a:ext cx="2856338" cy="659200"/>
           </a:xfrm>
           <a:prstGeom prst="straightConnector1">
@@ -5580,7 +5452,7 @@
         </p:nvSpPr>
         <p:spPr>
           <a:xfrm>
-            <a:off x="6111007" y="1444080"/>
+            <a:off x="5985424" y="1565934"/>
             <a:ext cx="1931757" cy="369332"/>
           </a:xfrm>
           <a:prstGeom prst="rect">
@@ -5656,7 +5528,7 @@
         </p:nvSpPr>
         <p:spPr>
           <a:xfrm>
-            <a:off x="7480288" y="2011432"/>
+            <a:off x="8042764" y="2141314"/>
             <a:ext cx="2293144" cy="369332"/>
           </a:xfrm>
           <a:prstGeom prst="rect">
@@ -5717,7 +5589,7 @@
         </p:nvCxnSpPr>
         <p:spPr>
           <a:xfrm flipH="1">
-            <a:off x="6450564" y="2196098"/>
+            <a:off x="7013040" y="2325980"/>
             <a:ext cx="1029725" cy="276254"/>
           </a:xfrm>
           <a:prstGeom prst="straightConnector1">
@@ -5753,8 +5625,8 @@
         </p:nvSpPr>
         <p:spPr>
           <a:xfrm>
-            <a:off x="3137490" y="5132960"/>
-            <a:ext cx="2293144" cy="369332"/>
+            <a:off x="4884420" y="5444191"/>
+            <a:ext cx="1421364" cy="369332"/>
           </a:xfrm>
           <a:prstGeom prst="rect">
             <a:avLst/>
@@ -5768,56 +5640,14 @@
           <a:lstStyle/>
           <a:p>
             <a:r>
-              <a:rPr lang="hu-HU" dirty="0" err="1">
+              <a:rPr lang="en-US" dirty="0">
                 <a:solidFill>
                   <a:srgbClr val="FF0000"/>
                 </a:solidFill>
                 <a:latin typeface="Whipsmart" panose="020B0502030203050204" pitchFamily="34" charset="0"/>
               </a:rPr>
-              <a:t>fill</a:t>
-            </a:r>
-            <a:r>
-              <a:rPr lang="hu-HU" dirty="0">
-                <a:solidFill>
-                  <a:srgbClr val="FF0000"/>
-                </a:solidFill>
-                <a:latin typeface="Whipsmart" panose="020B0502030203050204" pitchFamily="34" charset="0"/>
-              </a:rPr>
-              <a:t> </a:t>
-            </a:r>
-            <a:r>
-              <a:rPr lang="hu-HU" dirty="0" err="1">
-                <a:solidFill>
-                  <a:srgbClr val="FF0000"/>
-                </a:solidFill>
-                <a:latin typeface="Whipsmart" panose="020B0502030203050204" pitchFamily="34" charset="0"/>
-              </a:rPr>
-              <a:t>the</a:t>
-            </a:r>
-            <a:r>
-              <a:rPr lang="hu-HU" dirty="0">
-                <a:solidFill>
-                  <a:srgbClr val="FF0000"/>
-                </a:solidFill>
-                <a:latin typeface="Whipsmart" panose="020B0502030203050204" pitchFamily="34" charset="0"/>
-              </a:rPr>
-              <a:t> </a:t>
-            </a:r>
-            <a:r>
-              <a:rPr lang="hu-HU" dirty="0" err="1">
-                <a:solidFill>
-                  <a:srgbClr val="FF0000"/>
-                </a:solidFill>
-                <a:latin typeface="Whipsmart" panose="020B0502030203050204" pitchFamily="34" charset="0"/>
-              </a:rPr>
-              <a:t>array</a:t>
-            </a:r>
-            <a:endParaRPr lang="en-US" dirty="0">
-              <a:solidFill>
-                <a:srgbClr val="FF0000"/>
-              </a:solidFill>
-              <a:latin typeface="Whipsmart" panose="020B0502030203050204" pitchFamily="34" charset="0"/>
-            </a:endParaRPr>
+              <a:t>create a list</a:t>
+            </a:r>
           </a:p>
         </p:txBody>
       </p:sp>
@@ -5825,14 +5655,15 @@
         <p:nvCxnSpPr>
           <p:cNvPr id="14" name="Straight Arrow Connector 13"/>
           <p:cNvCxnSpPr>
-            <a:stCxn id="13" idx="1"/>
+            <a:cxnSpLocks/>
+            <a:stCxn id="13" idx="0"/>
           </p:cNvCxnSpPr>
           <p:nvPr/>
         </p:nvCxnSpPr>
         <p:spPr>
-          <a:xfrm flipH="1" flipV="1">
-            <a:off x="2866028" y="5132960"/>
-            <a:ext cx="271462" cy="184666"/>
+          <a:xfrm flipV="1">
+            <a:off x="5595102" y="5132960"/>
+            <a:ext cx="58939" cy="311231"/>
           </a:xfrm>
           <a:prstGeom prst="straightConnector1">
             <a:avLst/>
@@ -5867,7 +5698,7 @@
         </p:nvSpPr>
         <p:spPr>
           <a:xfrm>
-            <a:off x="6990158" y="5118317"/>
+            <a:off x="6735255" y="5628857"/>
             <a:ext cx="2615018" cy="646331"/>
           </a:xfrm>
           <a:prstGeom prst="rect">
@@ -5994,14 +5825,13 @@
           <p:cNvPr id="18" name="Straight Arrow Connector 17"/>
           <p:cNvCxnSpPr>
             <a:cxnSpLocks/>
-            <a:stCxn id="17" idx="1"/>
           </p:cNvCxnSpPr>
           <p:nvPr/>
         </p:nvCxnSpPr>
         <p:spPr>
-          <a:xfrm flipH="1" flipV="1">
-            <a:off x="6718696" y="5118317"/>
-            <a:ext cx="271462" cy="323166"/>
+          <a:xfrm flipV="1">
+            <a:off x="7917181" y="5132960"/>
+            <a:ext cx="487679" cy="495897"/>
           </a:xfrm>
           <a:prstGeom prst="straightConnector1">
             <a:avLst/>
@@ -6071,49 +5901,32 @@
         <p:spPr/>
         <p:txBody>
           <a:bodyPr>
-            <a:noAutofit/>
+            <a:normAutofit/>
           </a:bodyPr>
           <a:lstStyle/>
           <a:p>
             <a:r>
-              <a:rPr lang="hu-HU" sz="3200" dirty="0">
+              <a:rPr lang="en-US" dirty="0" err="1">
                 <a:latin typeface="Consolas" panose="020B0609020204030204" pitchFamily="49" charset="0"/>
                 <a:cs typeface="Consolas" panose="020B0609020204030204" pitchFamily="49" charset="0"/>
               </a:rPr>
-              <a:t>GameObject.kt</a:t>
-            </a:r>
-            <a:r>
-              <a:rPr lang="hu-HU" sz="3200" dirty="0"/>
-              <a:t> </a:t>
-            </a:r>
-            <a:r>
-              <a:rPr lang="hu-HU" sz="3200" dirty="0" smtClean="0"/>
-              <a:t>–</a:t>
-            </a:r>
-            <a:r>
-              <a:rPr lang="en-US" sz="3200" dirty="0" smtClean="0"/>
-              <a:t> multiple meshes are</a:t>
-            </a:r>
-            <a:r>
-              <a:rPr lang="hu-HU" sz="3200" dirty="0" smtClean="0"/>
-              <a:t> </a:t>
-            </a:r>
-            <a:r>
-              <a:rPr lang="hu-HU" sz="3200" dirty="0"/>
-              <a:t>allowed as </a:t>
-            </a:r>
-            <a:r>
-              <a:rPr lang="hu-HU" sz="3200" dirty="0" smtClean="0"/>
-              <a:t>child component</a:t>
-            </a:r>
-            <a:r>
-              <a:rPr lang="en-US" sz="3200" dirty="0" smtClean="0"/>
-              <a:t>s</a:t>
-            </a:r>
-            <a:endParaRPr lang="en-US" sz="3200" dirty="0">
-              <a:latin typeface="Consolas" panose="020B0609020204030204" pitchFamily="49" charset="0"/>
-              <a:cs typeface="Consolas" panose="020B0609020204030204" pitchFamily="49" charset="0"/>
-            </a:endParaRPr>
+              <a:t>JsonLoader</a:t>
+            </a:r>
+            <a:r>
+              <a:rPr lang="hu-HU" dirty="0">
+                <a:latin typeface="Consolas" panose="020B0609020204030204" pitchFamily="49" charset="0"/>
+                <a:cs typeface="Consolas" panose="020B0609020204030204" pitchFamily="49" charset="0"/>
+              </a:rPr>
+              <a:t>.</a:t>
+            </a:r>
+            <a:r>
+              <a:rPr lang="hu-HU" dirty="0" err="1">
+                <a:latin typeface="Consolas" panose="020B0609020204030204" pitchFamily="49" charset="0"/>
+                <a:cs typeface="Consolas" panose="020B0609020204030204" pitchFamily="49" charset="0"/>
+              </a:rPr>
+              <a:t>kt</a:t>
+            </a:r>
+            <a:endParaRPr lang="en-US" dirty="0"/>
           </a:p>
         </p:txBody>
       </p:sp>
@@ -6182,6 +5995,1301 @@
               </a:tabLst>
             </a:pPr>
             <a:r>
+              <a:rPr lang="hu-HU" sz="1600" dirty="0">
+                <a:solidFill>
+                  <a:schemeClr val="tx1"/>
+                </a:solidFill>
+                <a:latin typeface="Consolas" panose="020B0609020204030204" pitchFamily="49" charset="0"/>
+                <a:ea typeface="Times New Roman" panose="02020603050405020304" pitchFamily="18" charset="0"/>
+                <a:cs typeface="Times New Roman" panose="02020603050405020304" pitchFamily="18" charset="0"/>
+              </a:rPr>
+              <a:t> </a:t>
+            </a:r>
+            <a:r>
+              <a:rPr lang="hu-HU" sz="1600" dirty="0" err="1">
+                <a:solidFill>
+                  <a:srgbClr val="C70040"/>
+                </a:solidFill>
+                <a:latin typeface="Consolas" panose="020B0609020204030204" pitchFamily="49" charset="0"/>
+                <a:cs typeface="Times New Roman" panose="02020603050405020304" pitchFamily="18" charset="0"/>
+              </a:rPr>
+              <a:t>fun</a:t>
+            </a:r>
+            <a:r>
+              <a:rPr lang="hu-HU" sz="1600" dirty="0">
+                <a:solidFill>
+                  <a:schemeClr val="tx1"/>
+                </a:solidFill>
+                <a:latin typeface="Consolas" panose="020B0609020204030204" pitchFamily="49" charset="0"/>
+                <a:ea typeface="Times New Roman" panose="02020603050405020304" pitchFamily="18" charset="0"/>
+                <a:cs typeface="Times New Roman" panose="02020603050405020304" pitchFamily="18" charset="0"/>
+              </a:rPr>
+              <a:t> </a:t>
+            </a:r>
+            <a:r>
+              <a:rPr lang="hu-HU" sz="1600" dirty="0" err="1">
+                <a:solidFill>
+                  <a:schemeClr val="tx1"/>
+                </a:solidFill>
+                <a:latin typeface="Consolas" panose="020B0609020204030204" pitchFamily="49" charset="0"/>
+                <a:ea typeface="Times New Roman" panose="02020603050405020304" pitchFamily="18" charset="0"/>
+                <a:cs typeface="Times New Roman" panose="02020603050405020304" pitchFamily="18" charset="0"/>
+              </a:rPr>
+              <a:t>loadMeshes</a:t>
+            </a:r>
+            <a:r>
+              <a:rPr lang="hu-HU" sz="1600" dirty="0">
+                <a:solidFill>
+                  <a:schemeClr val="tx1"/>
+                </a:solidFill>
+                <a:latin typeface="Consolas" panose="020B0609020204030204" pitchFamily="49" charset="0"/>
+                <a:ea typeface="Times New Roman" panose="02020603050405020304" pitchFamily="18" charset="0"/>
+                <a:cs typeface="Times New Roman" panose="02020603050405020304" pitchFamily="18" charset="0"/>
+              </a:rPr>
+              <a:t>(</a:t>
+            </a:r>
+          </a:p>
+          <a:p>
+            <a:pPr>
+              <a:lnSpc>
+                <a:spcPct val="107000"/>
+              </a:lnSpc>
+              <a:tabLst>
+                <a:tab pos="581660" algn="l"/>
+                <a:tab pos="1163320" algn="l"/>
+                <a:tab pos="1744980" algn="l"/>
+                <a:tab pos="2326640" algn="l"/>
+                <a:tab pos="2908300" algn="l"/>
+                <a:tab pos="3489960" algn="l"/>
+                <a:tab pos="4071620" algn="l"/>
+                <a:tab pos="4653280" algn="l"/>
+                <a:tab pos="5234940" algn="l"/>
+                <a:tab pos="5816600" algn="l"/>
+                <a:tab pos="6398260" algn="l"/>
+                <a:tab pos="6979920" algn="l"/>
+                <a:tab pos="7561580" algn="l"/>
+                <a:tab pos="8143240" algn="l"/>
+                <a:tab pos="8724900" algn="l"/>
+                <a:tab pos="9306560" algn="l"/>
+              </a:tabLst>
+            </a:pPr>
+            <a:r>
+              <a:rPr lang="hu-HU" sz="1600" dirty="0">
+                <a:solidFill>
+                  <a:schemeClr val="tx1"/>
+                </a:solidFill>
+                <a:latin typeface="Consolas" panose="020B0609020204030204" pitchFamily="49" charset="0"/>
+                <a:ea typeface="Times New Roman" panose="02020603050405020304" pitchFamily="18" charset="0"/>
+                <a:cs typeface="Times New Roman" panose="02020603050405020304" pitchFamily="18" charset="0"/>
+              </a:rPr>
+              <a:t>      </a:t>
+            </a:r>
+            <a:r>
+              <a:rPr lang="hu-HU" sz="1600" dirty="0" err="1">
+                <a:solidFill>
+                  <a:schemeClr val="tx1"/>
+                </a:solidFill>
+                <a:latin typeface="Consolas" panose="020B0609020204030204" pitchFamily="49" charset="0"/>
+                <a:ea typeface="Times New Roman" panose="02020603050405020304" pitchFamily="18" charset="0"/>
+                <a:cs typeface="Times New Roman" panose="02020603050405020304" pitchFamily="18" charset="0"/>
+              </a:rPr>
+              <a:t>gl</a:t>
+            </a:r>
+            <a:r>
+              <a:rPr lang="hu-HU" sz="1600" dirty="0">
+                <a:solidFill>
+                  <a:schemeClr val="tx1"/>
+                </a:solidFill>
+                <a:latin typeface="Consolas" panose="020B0609020204030204" pitchFamily="49" charset="0"/>
+                <a:ea typeface="Times New Roman" panose="02020603050405020304" pitchFamily="18" charset="0"/>
+                <a:cs typeface="Times New Roman" panose="02020603050405020304" pitchFamily="18" charset="0"/>
+              </a:rPr>
+              <a:t> </a:t>
+            </a:r>
+            <a:r>
+              <a:rPr lang="hu-HU" sz="1600" dirty="0">
+                <a:solidFill>
+                  <a:srgbClr val="C70040"/>
+                </a:solidFill>
+                <a:latin typeface="Consolas" panose="020B0609020204030204" pitchFamily="49" charset="0"/>
+                <a:cs typeface="Times New Roman" panose="02020603050405020304" pitchFamily="18" charset="0"/>
+              </a:rPr>
+              <a:t>:</a:t>
+            </a:r>
+            <a:r>
+              <a:rPr lang="hu-HU" sz="1600" dirty="0">
+                <a:solidFill>
+                  <a:schemeClr val="tx1"/>
+                </a:solidFill>
+                <a:latin typeface="Consolas" panose="020B0609020204030204" pitchFamily="49" charset="0"/>
+                <a:ea typeface="Times New Roman" panose="02020603050405020304" pitchFamily="18" charset="0"/>
+                <a:cs typeface="Times New Roman" panose="02020603050405020304" pitchFamily="18" charset="0"/>
+              </a:rPr>
+              <a:t> WebGL2RenderingContext,</a:t>
+            </a:r>
+          </a:p>
+          <a:p>
+            <a:pPr>
+              <a:lnSpc>
+                <a:spcPct val="107000"/>
+              </a:lnSpc>
+              <a:tabLst>
+                <a:tab pos="581660" algn="l"/>
+                <a:tab pos="1163320" algn="l"/>
+                <a:tab pos="1744980" algn="l"/>
+                <a:tab pos="2326640" algn="l"/>
+                <a:tab pos="2908300" algn="l"/>
+                <a:tab pos="3489960" algn="l"/>
+                <a:tab pos="4071620" algn="l"/>
+                <a:tab pos="4653280" algn="l"/>
+                <a:tab pos="5234940" algn="l"/>
+                <a:tab pos="5816600" algn="l"/>
+                <a:tab pos="6398260" algn="l"/>
+                <a:tab pos="6979920" algn="l"/>
+                <a:tab pos="7561580" algn="l"/>
+                <a:tab pos="8143240" algn="l"/>
+                <a:tab pos="8724900" algn="l"/>
+                <a:tab pos="9306560" algn="l"/>
+              </a:tabLst>
+            </a:pPr>
+            <a:r>
+              <a:rPr lang="hu-HU" sz="1600" dirty="0">
+                <a:solidFill>
+                  <a:schemeClr val="tx1"/>
+                </a:solidFill>
+                <a:latin typeface="Consolas" panose="020B0609020204030204" pitchFamily="49" charset="0"/>
+                <a:ea typeface="Times New Roman" panose="02020603050405020304" pitchFamily="18" charset="0"/>
+                <a:cs typeface="Times New Roman" panose="02020603050405020304" pitchFamily="18" charset="0"/>
+              </a:rPr>
+              <a:t>      </a:t>
+            </a:r>
+            <a:r>
+              <a:rPr lang="hu-HU" sz="1600" dirty="0" err="1">
+                <a:solidFill>
+                  <a:schemeClr val="tx1"/>
+                </a:solidFill>
+                <a:latin typeface="Consolas" panose="020B0609020204030204" pitchFamily="49" charset="0"/>
+                <a:ea typeface="Times New Roman" panose="02020603050405020304" pitchFamily="18" charset="0"/>
+                <a:cs typeface="Times New Roman" panose="02020603050405020304" pitchFamily="18" charset="0"/>
+              </a:rPr>
+              <a:t>jsonModelFileUrl</a:t>
+            </a:r>
+            <a:r>
+              <a:rPr lang="hu-HU" sz="1600" dirty="0">
+                <a:solidFill>
+                  <a:schemeClr val="tx1"/>
+                </a:solidFill>
+                <a:latin typeface="Consolas" panose="020B0609020204030204" pitchFamily="49" charset="0"/>
+                <a:ea typeface="Times New Roman" panose="02020603050405020304" pitchFamily="18" charset="0"/>
+                <a:cs typeface="Times New Roman" panose="02020603050405020304" pitchFamily="18" charset="0"/>
+              </a:rPr>
+              <a:t> </a:t>
+            </a:r>
+            <a:r>
+              <a:rPr lang="hu-HU" sz="1600" dirty="0">
+                <a:solidFill>
+                  <a:srgbClr val="C70040"/>
+                </a:solidFill>
+                <a:latin typeface="Consolas" panose="020B0609020204030204" pitchFamily="49" charset="0"/>
+                <a:cs typeface="Times New Roman" panose="02020603050405020304" pitchFamily="18" charset="0"/>
+              </a:rPr>
+              <a:t>:</a:t>
+            </a:r>
+            <a:r>
+              <a:rPr lang="hu-HU" sz="1600" dirty="0">
+                <a:solidFill>
+                  <a:schemeClr val="tx1"/>
+                </a:solidFill>
+                <a:latin typeface="Consolas" panose="020B0609020204030204" pitchFamily="49" charset="0"/>
+                <a:ea typeface="Times New Roman" panose="02020603050405020304" pitchFamily="18" charset="0"/>
+                <a:cs typeface="Times New Roman" panose="02020603050405020304" pitchFamily="18" charset="0"/>
+              </a:rPr>
+              <a:t> </a:t>
+            </a:r>
+            <a:r>
+              <a:rPr lang="hu-HU" sz="1600" i="1" dirty="0" err="1">
+                <a:solidFill>
+                  <a:srgbClr val="34A7BD"/>
+                </a:solidFill>
+                <a:latin typeface="Consolas" panose="020B0609020204030204" pitchFamily="49" charset="0"/>
+                <a:cs typeface="Times New Roman" panose="02020603050405020304" pitchFamily="18" charset="0"/>
+              </a:rPr>
+              <a:t>String</a:t>
+            </a:r>
+            <a:r>
+              <a:rPr lang="hu-HU" sz="1600" dirty="0">
+                <a:solidFill>
+                  <a:schemeClr val="tx1"/>
+                </a:solidFill>
+                <a:latin typeface="Consolas" panose="020B0609020204030204" pitchFamily="49" charset="0"/>
+                <a:ea typeface="Times New Roman" panose="02020603050405020304" pitchFamily="18" charset="0"/>
+                <a:cs typeface="Times New Roman" panose="02020603050405020304" pitchFamily="18" charset="0"/>
+              </a:rPr>
+              <a:t>,</a:t>
+            </a:r>
+          </a:p>
+          <a:p>
+            <a:pPr>
+              <a:lnSpc>
+                <a:spcPct val="107000"/>
+              </a:lnSpc>
+              <a:tabLst>
+                <a:tab pos="581660" algn="l"/>
+                <a:tab pos="1163320" algn="l"/>
+                <a:tab pos="1744980" algn="l"/>
+                <a:tab pos="2326640" algn="l"/>
+                <a:tab pos="2908300" algn="l"/>
+                <a:tab pos="3489960" algn="l"/>
+                <a:tab pos="4071620" algn="l"/>
+                <a:tab pos="4653280" algn="l"/>
+                <a:tab pos="5234940" algn="l"/>
+                <a:tab pos="5816600" algn="l"/>
+                <a:tab pos="6398260" algn="l"/>
+                <a:tab pos="6979920" algn="l"/>
+                <a:tab pos="7561580" algn="l"/>
+                <a:tab pos="8143240" algn="l"/>
+                <a:tab pos="8724900" algn="l"/>
+                <a:tab pos="9306560" algn="l"/>
+              </a:tabLst>
+            </a:pPr>
+            <a:r>
+              <a:rPr lang="hu-HU" sz="1600" dirty="0">
+                <a:solidFill>
+                  <a:schemeClr val="tx1"/>
+                </a:solidFill>
+                <a:latin typeface="Consolas" panose="020B0609020204030204" pitchFamily="49" charset="0"/>
+                <a:ea typeface="Times New Roman" panose="02020603050405020304" pitchFamily="18" charset="0"/>
+                <a:cs typeface="Times New Roman" panose="02020603050405020304" pitchFamily="18" charset="0"/>
+              </a:rPr>
+              <a:t>      </a:t>
+            </a:r>
+            <a:r>
+              <a:rPr lang="hu-HU" sz="1600" dirty="0" err="1">
+                <a:solidFill>
+                  <a:srgbClr val="C70040"/>
+                </a:solidFill>
+                <a:latin typeface="Consolas" panose="020B0609020204030204" pitchFamily="49" charset="0"/>
+                <a:cs typeface="Times New Roman" panose="02020603050405020304" pitchFamily="18" charset="0"/>
+              </a:rPr>
+              <a:t>vararg</a:t>
+            </a:r>
+            <a:r>
+              <a:rPr lang="hu-HU" sz="1600" dirty="0">
+                <a:solidFill>
+                  <a:schemeClr val="tx1"/>
+                </a:solidFill>
+                <a:latin typeface="Consolas" panose="020B0609020204030204" pitchFamily="49" charset="0"/>
+                <a:ea typeface="Times New Roman" panose="02020603050405020304" pitchFamily="18" charset="0"/>
+                <a:cs typeface="Times New Roman" panose="02020603050405020304" pitchFamily="18" charset="0"/>
+              </a:rPr>
+              <a:t> </a:t>
+            </a:r>
+            <a:r>
+              <a:rPr lang="hu-HU" sz="1600" dirty="0" err="1">
+                <a:solidFill>
+                  <a:schemeClr val="tx1"/>
+                </a:solidFill>
+                <a:latin typeface="Consolas" panose="020B0609020204030204" pitchFamily="49" charset="0"/>
+                <a:ea typeface="Times New Roman" panose="02020603050405020304" pitchFamily="18" charset="0"/>
+                <a:cs typeface="Times New Roman" panose="02020603050405020304" pitchFamily="18" charset="0"/>
+              </a:rPr>
+              <a:t>materials</a:t>
+            </a:r>
+            <a:r>
+              <a:rPr lang="hu-HU" sz="1600" dirty="0">
+                <a:solidFill>
+                  <a:schemeClr val="tx1"/>
+                </a:solidFill>
+                <a:latin typeface="Consolas" panose="020B0609020204030204" pitchFamily="49" charset="0"/>
+                <a:ea typeface="Times New Roman" panose="02020603050405020304" pitchFamily="18" charset="0"/>
+                <a:cs typeface="Times New Roman" panose="02020603050405020304" pitchFamily="18" charset="0"/>
+              </a:rPr>
+              <a:t> </a:t>
+            </a:r>
+            <a:r>
+              <a:rPr lang="hu-HU" sz="1600" dirty="0">
+                <a:solidFill>
+                  <a:srgbClr val="C70040"/>
+                </a:solidFill>
+                <a:latin typeface="Consolas" panose="020B0609020204030204" pitchFamily="49" charset="0"/>
+                <a:cs typeface="Times New Roman" panose="02020603050405020304" pitchFamily="18" charset="0"/>
+              </a:rPr>
+              <a:t>:</a:t>
+            </a:r>
+            <a:r>
+              <a:rPr lang="hu-HU" sz="1600" dirty="0">
+                <a:solidFill>
+                  <a:schemeClr val="tx1"/>
+                </a:solidFill>
+                <a:latin typeface="Consolas" panose="020B0609020204030204" pitchFamily="49" charset="0"/>
+                <a:ea typeface="Times New Roman" panose="02020603050405020304" pitchFamily="18" charset="0"/>
+                <a:cs typeface="Times New Roman" panose="02020603050405020304" pitchFamily="18" charset="0"/>
+              </a:rPr>
+              <a:t> </a:t>
+            </a:r>
+            <a:r>
+              <a:rPr lang="hu-HU" sz="1600" dirty="0" err="1">
+                <a:solidFill>
+                  <a:schemeClr val="tx1"/>
+                </a:solidFill>
+                <a:latin typeface="Consolas" panose="020B0609020204030204" pitchFamily="49" charset="0"/>
+                <a:ea typeface="Times New Roman" panose="02020603050405020304" pitchFamily="18" charset="0"/>
+                <a:cs typeface="Times New Roman" panose="02020603050405020304" pitchFamily="18" charset="0"/>
+              </a:rPr>
+              <a:t>Material</a:t>
+            </a:r>
+            <a:r>
+              <a:rPr lang="hu-HU" sz="1600" dirty="0">
+                <a:solidFill>
+                  <a:schemeClr val="tx1"/>
+                </a:solidFill>
+                <a:latin typeface="Consolas" panose="020B0609020204030204" pitchFamily="49" charset="0"/>
+                <a:ea typeface="Times New Roman" panose="02020603050405020304" pitchFamily="18" charset="0"/>
+                <a:cs typeface="Times New Roman" panose="02020603050405020304" pitchFamily="18" charset="0"/>
+              </a:rPr>
+              <a:t>) </a:t>
+            </a:r>
+            <a:r>
+              <a:rPr lang="hu-HU" sz="1600" dirty="0">
+                <a:solidFill>
+                  <a:srgbClr val="C70040"/>
+                </a:solidFill>
+                <a:latin typeface="Consolas" panose="020B0609020204030204" pitchFamily="49" charset="0"/>
+                <a:cs typeface="Times New Roman" panose="02020603050405020304" pitchFamily="18" charset="0"/>
+              </a:rPr>
+              <a:t>:</a:t>
+            </a:r>
+            <a:r>
+              <a:rPr lang="hu-HU" sz="1600" dirty="0">
+                <a:solidFill>
+                  <a:schemeClr val="tx1"/>
+                </a:solidFill>
+                <a:latin typeface="Consolas" panose="020B0609020204030204" pitchFamily="49" charset="0"/>
+                <a:ea typeface="Times New Roman" panose="02020603050405020304" pitchFamily="18" charset="0"/>
+                <a:cs typeface="Times New Roman" panose="02020603050405020304" pitchFamily="18" charset="0"/>
+              </a:rPr>
+              <a:t> </a:t>
+            </a:r>
+            <a:r>
+              <a:rPr lang="hu-HU" sz="1600" i="1" dirty="0">
+                <a:solidFill>
+                  <a:srgbClr val="34A7BD"/>
+                </a:solidFill>
+                <a:latin typeface="Consolas" panose="020B0609020204030204" pitchFamily="49" charset="0"/>
+                <a:cs typeface="Times New Roman" panose="02020603050405020304" pitchFamily="18" charset="0"/>
+              </a:rPr>
+              <a:t>List</a:t>
+            </a:r>
+            <a:r>
+              <a:rPr lang="hu-HU" sz="1600" dirty="0">
+                <a:solidFill>
+                  <a:schemeClr val="tx1"/>
+                </a:solidFill>
+                <a:latin typeface="Consolas" panose="020B0609020204030204" pitchFamily="49" charset="0"/>
+                <a:ea typeface="Times New Roman" panose="02020603050405020304" pitchFamily="18" charset="0"/>
+                <a:cs typeface="Times New Roman" panose="02020603050405020304" pitchFamily="18" charset="0"/>
+              </a:rPr>
+              <a:t>&lt;</a:t>
+            </a:r>
+            <a:r>
+              <a:rPr lang="hu-HU" sz="1600" dirty="0" err="1">
+                <a:solidFill>
+                  <a:schemeClr val="tx1"/>
+                </a:solidFill>
+                <a:latin typeface="Consolas" panose="020B0609020204030204" pitchFamily="49" charset="0"/>
+                <a:ea typeface="Times New Roman" panose="02020603050405020304" pitchFamily="18" charset="0"/>
+                <a:cs typeface="Times New Roman" panose="02020603050405020304" pitchFamily="18" charset="0"/>
+              </a:rPr>
+              <a:t>Mesh</a:t>
+            </a:r>
+            <a:r>
+              <a:rPr lang="hu-HU" sz="1600" dirty="0">
+                <a:solidFill>
+                  <a:schemeClr val="tx1"/>
+                </a:solidFill>
+                <a:latin typeface="Consolas" panose="020B0609020204030204" pitchFamily="49" charset="0"/>
+                <a:ea typeface="Times New Roman" panose="02020603050405020304" pitchFamily="18" charset="0"/>
+                <a:cs typeface="Times New Roman" panose="02020603050405020304" pitchFamily="18" charset="0"/>
+              </a:rPr>
+              <a:t>&gt;{</a:t>
+            </a:r>
+          </a:p>
+          <a:p>
+            <a:pPr>
+              <a:lnSpc>
+                <a:spcPct val="107000"/>
+              </a:lnSpc>
+              <a:tabLst>
+                <a:tab pos="581660" algn="l"/>
+                <a:tab pos="1163320" algn="l"/>
+                <a:tab pos="1744980" algn="l"/>
+                <a:tab pos="2326640" algn="l"/>
+                <a:tab pos="2908300" algn="l"/>
+                <a:tab pos="3489960" algn="l"/>
+                <a:tab pos="4071620" algn="l"/>
+                <a:tab pos="4653280" algn="l"/>
+                <a:tab pos="5234940" algn="l"/>
+                <a:tab pos="5816600" algn="l"/>
+                <a:tab pos="6398260" algn="l"/>
+                <a:tab pos="6979920" algn="l"/>
+                <a:tab pos="7561580" algn="l"/>
+                <a:tab pos="8143240" algn="l"/>
+                <a:tab pos="8724900" algn="l"/>
+                <a:tab pos="9306560" algn="l"/>
+              </a:tabLst>
+            </a:pPr>
+            <a:r>
+              <a:rPr lang="hu-HU" sz="1600" dirty="0">
+                <a:solidFill>
+                  <a:schemeClr val="tx1"/>
+                </a:solidFill>
+                <a:latin typeface="Consolas" panose="020B0609020204030204" pitchFamily="49" charset="0"/>
+                <a:ea typeface="Times New Roman" panose="02020603050405020304" pitchFamily="18" charset="0"/>
+                <a:cs typeface="Times New Roman" panose="02020603050405020304" pitchFamily="18" charset="0"/>
+              </a:rPr>
+              <a:t>    </a:t>
+            </a:r>
+            <a:r>
+              <a:rPr lang="hu-HU" sz="1600" dirty="0" err="1">
+                <a:solidFill>
+                  <a:srgbClr val="C70040"/>
+                </a:solidFill>
+                <a:latin typeface="Consolas" panose="020B0609020204030204" pitchFamily="49" charset="0"/>
+                <a:cs typeface="Times New Roman" panose="02020603050405020304" pitchFamily="18" charset="0"/>
+              </a:rPr>
+              <a:t>val</a:t>
+            </a:r>
+            <a:r>
+              <a:rPr lang="hu-HU" sz="1600" dirty="0">
+                <a:solidFill>
+                  <a:schemeClr val="tx1"/>
+                </a:solidFill>
+                <a:latin typeface="Consolas" panose="020B0609020204030204" pitchFamily="49" charset="0"/>
+                <a:ea typeface="Times New Roman" panose="02020603050405020304" pitchFamily="18" charset="0"/>
+                <a:cs typeface="Times New Roman" panose="02020603050405020304" pitchFamily="18" charset="0"/>
+              </a:rPr>
+              <a:t> </a:t>
+            </a:r>
+            <a:r>
+              <a:rPr lang="hu-HU" sz="1600" dirty="0" err="1">
+                <a:solidFill>
+                  <a:schemeClr val="tx1"/>
+                </a:solidFill>
+                <a:latin typeface="Consolas" panose="020B0609020204030204" pitchFamily="49" charset="0"/>
+                <a:ea typeface="Times New Roman" panose="02020603050405020304" pitchFamily="18" charset="0"/>
+                <a:cs typeface="Times New Roman" panose="02020603050405020304" pitchFamily="18" charset="0"/>
+              </a:rPr>
+              <a:t>geometries</a:t>
+            </a:r>
+            <a:r>
+              <a:rPr lang="hu-HU" sz="1600" dirty="0">
+                <a:solidFill>
+                  <a:schemeClr val="tx1"/>
+                </a:solidFill>
+                <a:latin typeface="Consolas" panose="020B0609020204030204" pitchFamily="49" charset="0"/>
+                <a:ea typeface="Times New Roman" panose="02020603050405020304" pitchFamily="18" charset="0"/>
+                <a:cs typeface="Times New Roman" panose="02020603050405020304" pitchFamily="18" charset="0"/>
+              </a:rPr>
+              <a:t> = </a:t>
+            </a:r>
+            <a:r>
+              <a:rPr lang="hu-HU" sz="1600" dirty="0" err="1">
+                <a:solidFill>
+                  <a:schemeClr val="tx1"/>
+                </a:solidFill>
+                <a:latin typeface="Consolas" panose="020B0609020204030204" pitchFamily="49" charset="0"/>
+                <a:ea typeface="Times New Roman" panose="02020603050405020304" pitchFamily="18" charset="0"/>
+                <a:cs typeface="Times New Roman" panose="02020603050405020304" pitchFamily="18" charset="0"/>
+              </a:rPr>
+              <a:t>loadGeometries</a:t>
+            </a:r>
+            <a:r>
+              <a:rPr lang="hu-HU" sz="1600" dirty="0">
+                <a:solidFill>
+                  <a:schemeClr val="tx1"/>
+                </a:solidFill>
+                <a:latin typeface="Consolas" panose="020B0609020204030204" pitchFamily="49" charset="0"/>
+                <a:ea typeface="Times New Roman" panose="02020603050405020304" pitchFamily="18" charset="0"/>
+                <a:cs typeface="Times New Roman" panose="02020603050405020304" pitchFamily="18" charset="0"/>
+              </a:rPr>
+              <a:t>(</a:t>
+            </a:r>
+            <a:r>
+              <a:rPr lang="hu-HU" sz="1600" dirty="0" err="1">
+                <a:solidFill>
+                  <a:schemeClr val="tx1"/>
+                </a:solidFill>
+                <a:latin typeface="Consolas" panose="020B0609020204030204" pitchFamily="49" charset="0"/>
+                <a:ea typeface="Times New Roman" panose="02020603050405020304" pitchFamily="18" charset="0"/>
+                <a:cs typeface="Times New Roman" panose="02020603050405020304" pitchFamily="18" charset="0"/>
+              </a:rPr>
+              <a:t>gl</a:t>
+            </a:r>
+            <a:r>
+              <a:rPr lang="hu-HU" sz="1600" dirty="0">
+                <a:solidFill>
+                  <a:schemeClr val="tx1"/>
+                </a:solidFill>
+                <a:latin typeface="Consolas" panose="020B0609020204030204" pitchFamily="49" charset="0"/>
+                <a:ea typeface="Times New Roman" panose="02020603050405020304" pitchFamily="18" charset="0"/>
+                <a:cs typeface="Times New Roman" panose="02020603050405020304" pitchFamily="18" charset="0"/>
+              </a:rPr>
+              <a:t>, </a:t>
+            </a:r>
+            <a:r>
+              <a:rPr lang="hu-HU" sz="1600" dirty="0" err="1">
+                <a:solidFill>
+                  <a:schemeClr val="tx1"/>
+                </a:solidFill>
+                <a:latin typeface="Consolas" panose="020B0609020204030204" pitchFamily="49" charset="0"/>
+                <a:ea typeface="Times New Roman" panose="02020603050405020304" pitchFamily="18" charset="0"/>
+                <a:cs typeface="Times New Roman" panose="02020603050405020304" pitchFamily="18" charset="0"/>
+              </a:rPr>
+              <a:t>jsonModelFileUrl</a:t>
+            </a:r>
+            <a:r>
+              <a:rPr lang="hu-HU" sz="1600" dirty="0">
+                <a:solidFill>
+                  <a:schemeClr val="tx1"/>
+                </a:solidFill>
+                <a:latin typeface="Consolas" panose="020B0609020204030204" pitchFamily="49" charset="0"/>
+                <a:ea typeface="Times New Roman" panose="02020603050405020304" pitchFamily="18" charset="0"/>
+                <a:cs typeface="Times New Roman" panose="02020603050405020304" pitchFamily="18" charset="0"/>
+              </a:rPr>
+              <a:t>)</a:t>
+            </a:r>
+          </a:p>
+          <a:p>
+            <a:pPr>
+              <a:lnSpc>
+                <a:spcPct val="107000"/>
+              </a:lnSpc>
+              <a:tabLst>
+                <a:tab pos="581660" algn="l"/>
+                <a:tab pos="1163320" algn="l"/>
+                <a:tab pos="1744980" algn="l"/>
+                <a:tab pos="2326640" algn="l"/>
+                <a:tab pos="2908300" algn="l"/>
+                <a:tab pos="3489960" algn="l"/>
+                <a:tab pos="4071620" algn="l"/>
+                <a:tab pos="4653280" algn="l"/>
+                <a:tab pos="5234940" algn="l"/>
+                <a:tab pos="5816600" algn="l"/>
+                <a:tab pos="6398260" algn="l"/>
+                <a:tab pos="6979920" algn="l"/>
+                <a:tab pos="7561580" algn="l"/>
+                <a:tab pos="8143240" algn="l"/>
+                <a:tab pos="8724900" algn="l"/>
+                <a:tab pos="9306560" algn="l"/>
+              </a:tabLst>
+            </a:pPr>
+            <a:r>
+              <a:rPr lang="hu-HU" sz="1600" dirty="0">
+                <a:solidFill>
+                  <a:schemeClr val="tx1"/>
+                </a:solidFill>
+                <a:latin typeface="Consolas" panose="020B0609020204030204" pitchFamily="49" charset="0"/>
+                <a:ea typeface="Times New Roman" panose="02020603050405020304" pitchFamily="18" charset="0"/>
+                <a:cs typeface="Times New Roman" panose="02020603050405020304" pitchFamily="18" charset="0"/>
+              </a:rPr>
+              <a:t>    </a:t>
+            </a:r>
+            <a:r>
+              <a:rPr lang="hu-HU" sz="1600" dirty="0" err="1">
+                <a:solidFill>
+                  <a:srgbClr val="C70040"/>
+                </a:solidFill>
+                <a:latin typeface="Consolas" panose="020B0609020204030204" pitchFamily="49" charset="0"/>
+                <a:cs typeface="Times New Roman" panose="02020603050405020304" pitchFamily="18" charset="0"/>
+              </a:rPr>
+              <a:t>return</a:t>
+            </a:r>
+            <a:r>
+              <a:rPr lang="hu-HU" sz="1600" dirty="0">
+                <a:solidFill>
+                  <a:schemeClr val="tx1"/>
+                </a:solidFill>
+                <a:latin typeface="Consolas" panose="020B0609020204030204" pitchFamily="49" charset="0"/>
+                <a:ea typeface="Times New Roman" panose="02020603050405020304" pitchFamily="18" charset="0"/>
+                <a:cs typeface="Times New Roman" panose="02020603050405020304" pitchFamily="18" charset="0"/>
+              </a:rPr>
+              <a:t> (</a:t>
+            </a:r>
+            <a:r>
+              <a:rPr lang="hu-HU" sz="1600" dirty="0" err="1">
+                <a:solidFill>
+                  <a:schemeClr val="tx1"/>
+                </a:solidFill>
+                <a:latin typeface="Consolas" panose="020B0609020204030204" pitchFamily="49" charset="0"/>
+                <a:ea typeface="Times New Roman" panose="02020603050405020304" pitchFamily="18" charset="0"/>
+                <a:cs typeface="Times New Roman" panose="02020603050405020304" pitchFamily="18" charset="0"/>
+              </a:rPr>
+              <a:t>materials</a:t>
+            </a:r>
+            <a:r>
+              <a:rPr lang="hu-HU" sz="1600" dirty="0">
+                <a:solidFill>
+                  <a:schemeClr val="tx1"/>
+                </a:solidFill>
+                <a:latin typeface="Consolas" panose="020B0609020204030204" pitchFamily="49" charset="0"/>
+                <a:ea typeface="Times New Roman" panose="02020603050405020304" pitchFamily="18" charset="0"/>
+                <a:cs typeface="Times New Roman" panose="02020603050405020304" pitchFamily="18" charset="0"/>
+              </a:rPr>
+              <a:t> </a:t>
+            </a:r>
+            <a:r>
+              <a:rPr lang="hu-HU" sz="1600" dirty="0" err="1">
+                <a:solidFill>
+                  <a:srgbClr val="C70040"/>
+                </a:solidFill>
+                <a:latin typeface="Consolas" panose="020B0609020204030204" pitchFamily="49" charset="0"/>
+                <a:cs typeface="Times New Roman" panose="02020603050405020304" pitchFamily="18" charset="0"/>
+              </a:rPr>
+              <a:t>zip</a:t>
+            </a:r>
+            <a:r>
+              <a:rPr lang="hu-HU" sz="1600" dirty="0">
+                <a:solidFill>
+                  <a:schemeClr val="tx1"/>
+                </a:solidFill>
+                <a:latin typeface="Consolas" panose="020B0609020204030204" pitchFamily="49" charset="0"/>
+                <a:ea typeface="Times New Roman" panose="02020603050405020304" pitchFamily="18" charset="0"/>
+                <a:cs typeface="Times New Roman" panose="02020603050405020304" pitchFamily="18" charset="0"/>
+              </a:rPr>
+              <a:t> </a:t>
+            </a:r>
+            <a:r>
+              <a:rPr lang="hu-HU" sz="1600" dirty="0" err="1">
+                <a:solidFill>
+                  <a:schemeClr val="tx1"/>
+                </a:solidFill>
+                <a:latin typeface="Consolas" panose="020B0609020204030204" pitchFamily="49" charset="0"/>
+                <a:ea typeface="Times New Roman" panose="02020603050405020304" pitchFamily="18" charset="0"/>
+                <a:cs typeface="Times New Roman" panose="02020603050405020304" pitchFamily="18" charset="0"/>
+              </a:rPr>
+              <a:t>geometries</a:t>
+            </a:r>
+            <a:r>
+              <a:rPr lang="hu-HU" sz="1600" dirty="0">
+                <a:solidFill>
+                  <a:schemeClr val="tx1"/>
+                </a:solidFill>
+                <a:latin typeface="Consolas" panose="020B0609020204030204" pitchFamily="49" charset="0"/>
+                <a:ea typeface="Times New Roman" panose="02020603050405020304" pitchFamily="18" charset="0"/>
+                <a:cs typeface="Times New Roman" panose="02020603050405020304" pitchFamily="18" charset="0"/>
+              </a:rPr>
+              <a:t>)</a:t>
+            </a:r>
+            <a:r>
+              <a:rPr lang="hu-HU" sz="1600" dirty="0">
+                <a:solidFill>
+                  <a:srgbClr val="C70040"/>
+                </a:solidFill>
+                <a:latin typeface="Consolas" panose="020B0609020204030204" pitchFamily="49" charset="0"/>
+                <a:cs typeface="Times New Roman" panose="02020603050405020304" pitchFamily="18" charset="0"/>
+              </a:rPr>
+              <a:t>.</a:t>
+            </a:r>
+            <a:r>
+              <a:rPr lang="hu-HU" sz="1600" dirty="0">
+                <a:solidFill>
+                  <a:schemeClr val="tx1"/>
+                </a:solidFill>
+                <a:latin typeface="Consolas" panose="020B0609020204030204" pitchFamily="49" charset="0"/>
+                <a:ea typeface="Times New Roman" panose="02020603050405020304" pitchFamily="18" charset="0"/>
+                <a:cs typeface="Times New Roman" panose="02020603050405020304" pitchFamily="18" charset="0"/>
+              </a:rPr>
+              <a:t>map{(m, g) </a:t>
+            </a:r>
+            <a:r>
+              <a:rPr lang="hu-HU" sz="1600" dirty="0">
+                <a:solidFill>
+                  <a:srgbClr val="C70040"/>
+                </a:solidFill>
+                <a:latin typeface="Consolas" panose="020B0609020204030204" pitchFamily="49" charset="0"/>
+                <a:cs typeface="Times New Roman" panose="02020603050405020304" pitchFamily="18" charset="0"/>
+              </a:rPr>
+              <a:t>-&gt;</a:t>
+            </a:r>
+            <a:r>
+              <a:rPr lang="hu-HU" sz="1600" dirty="0">
+                <a:solidFill>
+                  <a:schemeClr val="tx1"/>
+                </a:solidFill>
+                <a:latin typeface="Consolas" panose="020B0609020204030204" pitchFamily="49" charset="0"/>
+                <a:ea typeface="Times New Roman" panose="02020603050405020304" pitchFamily="18" charset="0"/>
+                <a:cs typeface="Times New Roman" panose="02020603050405020304" pitchFamily="18" charset="0"/>
+              </a:rPr>
+              <a:t> </a:t>
+            </a:r>
+            <a:r>
+              <a:rPr lang="hu-HU" sz="1600" dirty="0" err="1">
+                <a:solidFill>
+                  <a:schemeClr val="tx1"/>
+                </a:solidFill>
+                <a:latin typeface="Consolas" panose="020B0609020204030204" pitchFamily="49" charset="0"/>
+                <a:ea typeface="Times New Roman" panose="02020603050405020304" pitchFamily="18" charset="0"/>
+                <a:cs typeface="Times New Roman" panose="02020603050405020304" pitchFamily="18" charset="0"/>
+              </a:rPr>
+              <a:t>Mesh</a:t>
+            </a:r>
+            <a:r>
+              <a:rPr lang="hu-HU" sz="1600" dirty="0">
+                <a:solidFill>
+                  <a:schemeClr val="tx1"/>
+                </a:solidFill>
+                <a:latin typeface="Consolas" panose="020B0609020204030204" pitchFamily="49" charset="0"/>
+                <a:ea typeface="Times New Roman" panose="02020603050405020304" pitchFamily="18" charset="0"/>
+                <a:cs typeface="Times New Roman" panose="02020603050405020304" pitchFamily="18" charset="0"/>
+              </a:rPr>
+              <a:t>(m, g)}</a:t>
+            </a:r>
+          </a:p>
+          <a:p>
+            <a:pPr>
+              <a:lnSpc>
+                <a:spcPct val="107000"/>
+              </a:lnSpc>
+              <a:tabLst>
+                <a:tab pos="581660" algn="l"/>
+                <a:tab pos="1163320" algn="l"/>
+                <a:tab pos="1744980" algn="l"/>
+                <a:tab pos="2326640" algn="l"/>
+                <a:tab pos="2908300" algn="l"/>
+                <a:tab pos="3489960" algn="l"/>
+                <a:tab pos="4071620" algn="l"/>
+                <a:tab pos="4653280" algn="l"/>
+                <a:tab pos="5234940" algn="l"/>
+                <a:tab pos="5816600" algn="l"/>
+                <a:tab pos="6398260" algn="l"/>
+                <a:tab pos="6979920" algn="l"/>
+                <a:tab pos="7561580" algn="l"/>
+                <a:tab pos="8143240" algn="l"/>
+                <a:tab pos="8724900" algn="l"/>
+                <a:tab pos="9306560" algn="l"/>
+              </a:tabLst>
+            </a:pPr>
+            <a:r>
+              <a:rPr lang="hu-HU" sz="1600" dirty="0">
+                <a:solidFill>
+                  <a:schemeClr val="tx1"/>
+                </a:solidFill>
+                <a:latin typeface="Consolas" panose="020B0609020204030204" pitchFamily="49" charset="0"/>
+                <a:ea typeface="Times New Roman" panose="02020603050405020304" pitchFamily="18" charset="0"/>
+                <a:cs typeface="Times New Roman" panose="02020603050405020304" pitchFamily="18" charset="0"/>
+              </a:rPr>
+              <a:t>  }</a:t>
+            </a:r>
+            <a:endParaRPr lang="en-US" sz="1600" dirty="0">
+              <a:solidFill>
+                <a:schemeClr val="tx1"/>
+              </a:solidFill>
+              <a:latin typeface="Calibri" panose="020F0502020204030204" pitchFamily="34" charset="0"/>
+              <a:ea typeface="Calibri" panose="020F0502020204030204" pitchFamily="34" charset="0"/>
+              <a:cs typeface="Times New Roman" panose="02020603050405020304" pitchFamily="18" charset="0"/>
+            </a:endParaRPr>
+          </a:p>
+        </p:txBody>
+      </p:sp>
+      <p:cxnSp>
+        <p:nvCxnSpPr>
+          <p:cNvPr id="4" name="Straight Arrow Connector 3"/>
+          <p:cNvCxnSpPr>
+            <a:cxnSpLocks/>
+            <a:stCxn id="5" idx="2"/>
+          </p:cNvCxnSpPr>
+          <p:nvPr/>
+        </p:nvCxnSpPr>
+        <p:spPr>
+          <a:xfrm flipH="1">
+            <a:off x="5340687" y="3465734"/>
+            <a:ext cx="2856338" cy="659200"/>
+          </a:xfrm>
+          <a:prstGeom prst="straightConnector1">
+            <a:avLst/>
+          </a:prstGeom>
+          <a:ln>
+            <a:solidFill>
+              <a:srgbClr val="FF0000"/>
+            </a:solidFill>
+            <a:tailEnd type="triangle"/>
+          </a:ln>
+        </p:spPr>
+        <p:style>
+          <a:lnRef idx="1">
+            <a:schemeClr val="accent1"/>
+          </a:lnRef>
+          <a:fillRef idx="0">
+            <a:schemeClr val="accent1"/>
+          </a:fillRef>
+          <a:effectRef idx="0">
+            <a:schemeClr val="accent1"/>
+          </a:effectRef>
+          <a:fontRef idx="minor">
+            <a:schemeClr val="tx1"/>
+          </a:fontRef>
+        </p:style>
+      </p:cxnSp>
+      <p:sp>
+        <p:nvSpPr>
+          <p:cNvPr id="5" name="TextBox 4"/>
+          <p:cNvSpPr txBox="1"/>
+          <p:nvPr/>
+        </p:nvSpPr>
+        <p:spPr>
+          <a:xfrm>
+            <a:off x="7231147" y="3096402"/>
+            <a:ext cx="1931757" cy="369332"/>
+          </a:xfrm>
+          <a:prstGeom prst="rect">
+            <a:avLst/>
+          </a:prstGeom>
+          <a:noFill/>
+        </p:spPr>
+        <p:txBody>
+          <a:bodyPr wrap="square" rtlCol="0">
+            <a:spAutoFit/>
+          </a:bodyPr>
+          <a:lstStyle/>
+          <a:p>
+            <a:r>
+              <a:rPr lang="hu-HU" dirty="0" err="1">
+                <a:solidFill>
+                  <a:srgbClr val="FF0000"/>
+                </a:solidFill>
+                <a:latin typeface="Whipsmart" panose="020B0502030203050204" pitchFamily="34" charset="0"/>
+              </a:rPr>
+              <a:t>from</a:t>
+            </a:r>
+            <a:r>
+              <a:rPr lang="hu-HU" dirty="0">
+                <a:solidFill>
+                  <a:srgbClr val="FF0000"/>
+                </a:solidFill>
+                <a:latin typeface="Whipsmart" panose="020B0502030203050204" pitchFamily="34" charset="0"/>
+              </a:rPr>
+              <a:t> </a:t>
+            </a:r>
+            <a:r>
+              <a:rPr lang="hu-HU" dirty="0" err="1">
+                <a:solidFill>
+                  <a:srgbClr val="FF0000"/>
+                </a:solidFill>
+                <a:latin typeface="Whipsmart" panose="020B0502030203050204" pitchFamily="34" charset="0"/>
+              </a:rPr>
+              <a:t>this</a:t>
+            </a:r>
+            <a:r>
+              <a:rPr lang="hu-HU" dirty="0">
+                <a:solidFill>
+                  <a:srgbClr val="FF0000"/>
+                </a:solidFill>
+                <a:latin typeface="Whipsmart" panose="020B0502030203050204" pitchFamily="34" charset="0"/>
+              </a:rPr>
+              <a:t> </a:t>
+            </a:r>
+            <a:r>
+              <a:rPr lang="hu-HU" dirty="0" err="1">
+                <a:solidFill>
+                  <a:srgbClr val="FF0000"/>
+                </a:solidFill>
+                <a:latin typeface="Whipsmart" panose="020B0502030203050204" pitchFamily="34" charset="0"/>
+              </a:rPr>
+              <a:t>string</a:t>
+            </a:r>
+            <a:endParaRPr lang="en-US" dirty="0">
+              <a:solidFill>
+                <a:srgbClr val="FF0000"/>
+              </a:solidFill>
+              <a:latin typeface="Whipsmart" panose="020B0502030203050204" pitchFamily="34" charset="0"/>
+            </a:endParaRPr>
+          </a:p>
+        </p:txBody>
+      </p:sp>
+      <p:sp>
+        <p:nvSpPr>
+          <p:cNvPr id="9" name="TextBox 8"/>
+          <p:cNvSpPr txBox="1"/>
+          <p:nvPr/>
+        </p:nvSpPr>
+        <p:spPr>
+          <a:xfrm>
+            <a:off x="7748420" y="3758866"/>
+            <a:ext cx="2293144" cy="369332"/>
+          </a:xfrm>
+          <a:prstGeom prst="rect">
+            <a:avLst/>
+          </a:prstGeom>
+          <a:noFill/>
+        </p:spPr>
+        <p:txBody>
+          <a:bodyPr wrap="square" rtlCol="0">
+            <a:spAutoFit/>
+          </a:bodyPr>
+          <a:lstStyle/>
+          <a:p>
+            <a:r>
+              <a:rPr lang="hu-HU" dirty="0" err="1">
+                <a:solidFill>
+                  <a:srgbClr val="FF0000"/>
+                </a:solidFill>
+                <a:latin typeface="Whipsmart" panose="020B0502030203050204" pitchFamily="34" charset="0"/>
+              </a:rPr>
+              <a:t>make</a:t>
+            </a:r>
+            <a:r>
+              <a:rPr lang="hu-HU" dirty="0">
+                <a:solidFill>
+                  <a:srgbClr val="FF0000"/>
+                </a:solidFill>
+                <a:latin typeface="Whipsmart" panose="020B0502030203050204" pitchFamily="34" charset="0"/>
+              </a:rPr>
+              <a:t> </a:t>
+            </a:r>
+            <a:r>
+              <a:rPr lang="hu-HU" dirty="0" err="1">
+                <a:solidFill>
+                  <a:srgbClr val="FF0000"/>
+                </a:solidFill>
+                <a:latin typeface="Whipsmart" panose="020B0502030203050204" pitchFamily="34" charset="0"/>
+              </a:rPr>
+              <a:t>these</a:t>
+            </a:r>
+            <a:endParaRPr lang="en-US" dirty="0">
+              <a:solidFill>
+                <a:srgbClr val="FF0000"/>
+              </a:solidFill>
+              <a:latin typeface="Whipsmart" panose="020B0502030203050204" pitchFamily="34" charset="0"/>
+            </a:endParaRPr>
+          </a:p>
+        </p:txBody>
+      </p:sp>
+      <p:cxnSp>
+        <p:nvCxnSpPr>
+          <p:cNvPr id="10" name="Straight Arrow Connector 9"/>
+          <p:cNvCxnSpPr>
+            <a:cxnSpLocks/>
+            <a:stCxn id="9" idx="1"/>
+          </p:cNvCxnSpPr>
+          <p:nvPr/>
+        </p:nvCxnSpPr>
+        <p:spPr>
+          <a:xfrm flipH="1">
+            <a:off x="6718696" y="3943532"/>
+            <a:ext cx="1029725" cy="276254"/>
+          </a:xfrm>
+          <a:prstGeom prst="straightConnector1">
+            <a:avLst/>
+          </a:prstGeom>
+          <a:ln>
+            <a:solidFill>
+              <a:srgbClr val="FF0000"/>
+            </a:solidFill>
+            <a:tailEnd type="triangle"/>
+          </a:ln>
+        </p:spPr>
+        <p:style>
+          <a:lnRef idx="1">
+            <a:schemeClr val="accent1"/>
+          </a:lnRef>
+          <a:fillRef idx="0">
+            <a:schemeClr val="accent1"/>
+          </a:fillRef>
+          <a:effectRef idx="0">
+            <a:schemeClr val="accent1"/>
+          </a:effectRef>
+          <a:fontRef idx="minor">
+            <a:schemeClr val="tx1"/>
+          </a:fontRef>
+        </p:style>
+      </p:cxnSp>
+      <p:sp>
+        <p:nvSpPr>
+          <p:cNvPr id="13" name="TextBox 12"/>
+          <p:cNvSpPr txBox="1"/>
+          <p:nvPr/>
+        </p:nvSpPr>
+        <p:spPr>
+          <a:xfrm>
+            <a:off x="2957106" y="5544440"/>
+            <a:ext cx="2293144" cy="646331"/>
+          </a:xfrm>
+          <a:prstGeom prst="rect">
+            <a:avLst/>
+          </a:prstGeom>
+          <a:noFill/>
+        </p:spPr>
+        <p:txBody>
+          <a:bodyPr wrap="square" rtlCol="0">
+            <a:spAutoFit/>
+          </a:bodyPr>
+          <a:lstStyle/>
+          <a:p>
+            <a:r>
+              <a:rPr lang="en-US" dirty="0">
+                <a:solidFill>
+                  <a:srgbClr val="FF0000"/>
+                </a:solidFill>
+                <a:latin typeface="Whipsmart" panose="020B0502030203050204" pitchFamily="34" charset="0"/>
+              </a:rPr>
+              <a:t>pair up materials and geometries</a:t>
+            </a:r>
+          </a:p>
+        </p:txBody>
+      </p:sp>
+      <p:cxnSp>
+        <p:nvCxnSpPr>
+          <p:cNvPr id="14" name="Straight Arrow Connector 13"/>
+          <p:cNvCxnSpPr>
+            <a:cxnSpLocks/>
+            <a:stCxn id="13" idx="0"/>
+          </p:cNvCxnSpPr>
+          <p:nvPr/>
+        </p:nvCxnSpPr>
+        <p:spPr>
+          <a:xfrm flipV="1">
+            <a:off x="4103678" y="5118317"/>
+            <a:ext cx="0" cy="426123"/>
+          </a:xfrm>
+          <a:prstGeom prst="straightConnector1">
+            <a:avLst/>
+          </a:prstGeom>
+          <a:ln>
+            <a:solidFill>
+              <a:srgbClr val="FF0000"/>
+            </a:solidFill>
+            <a:tailEnd type="triangle"/>
+          </a:ln>
+        </p:spPr>
+        <p:style>
+          <a:lnRef idx="1">
+            <a:schemeClr val="accent1"/>
+          </a:lnRef>
+          <a:fillRef idx="0">
+            <a:schemeClr val="accent1"/>
+          </a:fillRef>
+          <a:effectRef idx="0">
+            <a:schemeClr val="accent1"/>
+          </a:effectRef>
+          <a:fontRef idx="minor">
+            <a:schemeClr val="tx1"/>
+          </a:fontRef>
+        </p:style>
+      </p:cxnSp>
+      <p:sp>
+        <p:nvSpPr>
+          <p:cNvPr id="17" name="TextBox 16"/>
+          <p:cNvSpPr txBox="1"/>
+          <p:nvPr/>
+        </p:nvSpPr>
+        <p:spPr>
+          <a:xfrm>
+            <a:off x="6718696" y="5468837"/>
+            <a:ext cx="2615018" cy="646331"/>
+          </a:xfrm>
+          <a:prstGeom prst="rect">
+            <a:avLst/>
+          </a:prstGeom>
+          <a:noFill/>
+        </p:spPr>
+        <p:txBody>
+          <a:bodyPr wrap="square" rtlCol="0">
+            <a:spAutoFit/>
+          </a:bodyPr>
+          <a:lstStyle/>
+          <a:p>
+            <a:r>
+              <a:rPr lang="en-US" dirty="0">
+                <a:solidFill>
+                  <a:srgbClr val="FF0000"/>
+                </a:solidFill>
+                <a:latin typeface="Whipsmart" panose="020B0502030203050204" pitchFamily="34" charset="0"/>
+              </a:rPr>
+              <a:t>create a mesh for each pair</a:t>
+            </a:r>
+          </a:p>
+        </p:txBody>
+      </p:sp>
+      <p:cxnSp>
+        <p:nvCxnSpPr>
+          <p:cNvPr id="18" name="Straight Arrow Connector 17"/>
+          <p:cNvCxnSpPr>
+            <a:cxnSpLocks/>
+          </p:cNvCxnSpPr>
+          <p:nvPr/>
+        </p:nvCxnSpPr>
+        <p:spPr>
+          <a:xfrm flipH="1" flipV="1">
+            <a:off x="7748420" y="5118317"/>
+            <a:ext cx="267820" cy="347256"/>
+          </a:xfrm>
+          <a:prstGeom prst="straightConnector1">
+            <a:avLst/>
+          </a:prstGeom>
+          <a:ln>
+            <a:solidFill>
+              <a:srgbClr val="FF0000"/>
+            </a:solidFill>
+            <a:tailEnd type="triangle"/>
+          </a:ln>
+        </p:spPr>
+        <p:style>
+          <a:lnRef idx="1">
+            <a:schemeClr val="accent1"/>
+          </a:lnRef>
+          <a:fillRef idx="0">
+            <a:schemeClr val="accent1"/>
+          </a:fillRef>
+          <a:effectRef idx="0">
+            <a:schemeClr val="accent1"/>
+          </a:effectRef>
+          <a:fontRef idx="minor">
+            <a:schemeClr val="tx1"/>
+          </a:fontRef>
+        </p:style>
+      </p:cxnSp>
+    </p:spTree>
+    <p:extLst>
+      <p:ext uri="{BB962C8B-B14F-4D97-AF65-F5344CB8AC3E}">
+        <p14:creationId xmlns:p14="http://schemas.microsoft.com/office/powerpoint/2010/main" val="443696668"/>
+      </p:ext>
+    </p:extLst>
+  </p:cSld>
+  <p:clrMapOvr>
+    <a:masterClrMapping/>
+  </p:clrMapOvr>
+</p:sld>
+</file>
+
+<file path=ppt/slides/slide12.xml><?xml version="1.0" encoding="utf-8"?>
+<p:sld xmlns:a="http://schemas.openxmlformats.org/drawingml/2006/main" xmlns:r="http://schemas.openxmlformats.org/officeDocument/2006/relationships" xmlns:p="http://schemas.openxmlformats.org/presentationml/2006/main">
+  <p:cSld>
+    <p:spTree>
+      <p:nvGrpSpPr>
+        <p:cNvPr id="1" name=""/>
+        <p:cNvGrpSpPr/>
+        <p:nvPr/>
+      </p:nvGrpSpPr>
+      <p:grpSpPr>
+        <a:xfrm>
+          <a:off x="0" y="0"/>
+          <a:ext cx="0" cy="0"/>
+          <a:chOff x="0" y="0"/>
+          <a:chExt cx="0" cy="0"/>
+        </a:xfrm>
+      </p:grpSpPr>
+      <p:sp>
+        <p:nvSpPr>
+          <p:cNvPr id="2" name="Title 1"/>
+          <p:cNvSpPr>
+            <a:spLocks noGrp="1"/>
+          </p:cNvSpPr>
+          <p:nvPr>
+            <p:ph type="title"/>
+          </p:nvPr>
+        </p:nvSpPr>
+        <p:spPr/>
+        <p:txBody>
+          <a:bodyPr>
+            <a:noAutofit/>
+          </a:bodyPr>
+          <a:lstStyle/>
+          <a:p>
+            <a:r>
+              <a:rPr lang="hu-HU" sz="3200" dirty="0">
+                <a:latin typeface="Consolas" panose="020B0609020204030204" pitchFamily="49" charset="0"/>
+                <a:cs typeface="Consolas" panose="020B0609020204030204" pitchFamily="49" charset="0"/>
+              </a:rPr>
+              <a:t>GameObject.kt</a:t>
+            </a:r>
+            <a:r>
+              <a:rPr lang="hu-HU" sz="3200" dirty="0"/>
+              <a:t> –</a:t>
+            </a:r>
+            <a:r>
+              <a:rPr lang="en-US" sz="3200" dirty="0"/>
+              <a:t> multiple meshes are</a:t>
+            </a:r>
+            <a:r>
+              <a:rPr lang="hu-HU" sz="3200" dirty="0"/>
+              <a:t> allowed as child component</a:t>
+            </a:r>
+            <a:r>
+              <a:rPr lang="en-US" sz="3200" dirty="0"/>
+              <a:t>s</a:t>
+            </a:r>
+            <a:endParaRPr lang="en-US" sz="3200" dirty="0">
+              <a:latin typeface="Consolas" panose="020B0609020204030204" pitchFamily="49" charset="0"/>
+              <a:cs typeface="Consolas" panose="020B0609020204030204" pitchFamily="49" charset="0"/>
+            </a:endParaRPr>
+          </a:p>
+        </p:txBody>
+      </p:sp>
+      <p:sp>
+        <p:nvSpPr>
+          <p:cNvPr id="3" name="Rectangle 2"/>
+          <p:cNvSpPr/>
+          <p:nvPr/>
+        </p:nvSpPr>
+        <p:spPr>
+          <a:xfrm>
+            <a:off x="1524000" y="1905000"/>
+            <a:ext cx="9144000" cy="4953000"/>
+          </a:xfrm>
+          <a:prstGeom prst="rect">
+            <a:avLst/>
+          </a:prstGeom>
+          <a:solidFill>
+            <a:schemeClr val="accent4">
+              <a:lumMod val="20000"/>
+              <a:lumOff val="80000"/>
+            </a:schemeClr>
+          </a:solidFill>
+        </p:spPr>
+        <p:style>
+          <a:lnRef idx="2">
+            <a:schemeClr val="accent1">
+              <a:shade val="50000"/>
+            </a:schemeClr>
+          </a:lnRef>
+          <a:fillRef idx="1">
+            <a:schemeClr val="accent1"/>
+          </a:fillRef>
+          <a:effectRef idx="0">
+            <a:schemeClr val="accent1"/>
+          </a:effectRef>
+          <a:fontRef idx="minor">
+            <a:schemeClr val="lt1"/>
+          </a:fontRef>
+        </p:style>
+        <p:txBody>
+          <a:bodyPr rtlCol="0" anchor="ctr"/>
+          <a:lstStyle/>
+          <a:p>
+            <a:pPr>
+              <a:lnSpc>
+                <a:spcPct val="107000"/>
+              </a:lnSpc>
+              <a:tabLst>
+                <a:tab pos="581660" algn="l"/>
+                <a:tab pos="1163320" algn="l"/>
+                <a:tab pos="1744980" algn="l"/>
+                <a:tab pos="2326640" algn="l"/>
+                <a:tab pos="2908300" algn="l"/>
+                <a:tab pos="3489960" algn="l"/>
+                <a:tab pos="4071620" algn="l"/>
+                <a:tab pos="4653280" algn="l"/>
+                <a:tab pos="5234940" algn="l"/>
+                <a:tab pos="5816600" algn="l"/>
+                <a:tab pos="6398260" algn="l"/>
+                <a:tab pos="6979920" algn="l"/>
+                <a:tab pos="7561580" algn="l"/>
+                <a:tab pos="8143240" algn="l"/>
+                <a:tab pos="8724900" algn="l"/>
+                <a:tab pos="9306560" algn="l"/>
+              </a:tabLst>
+            </a:pPr>
+            <a:r>
               <a:rPr lang="en-US" sz="2800" dirty="0">
                 <a:solidFill>
                   <a:schemeClr val="bg1">
@@ -6443,7 +7551,7 @@
 </p:sld>
 </file>
 
-<file path=ppt/slides/slide12.xml><?xml version="1.0" encoding="utf-8"?>
+<file path=ppt/slides/slide13.xml><?xml version="1.0" encoding="utf-8"?>
 <p:sld xmlns:a="http://schemas.openxmlformats.org/drawingml/2006/main" xmlns:r="http://schemas.openxmlformats.org/officeDocument/2006/relationships" xmlns:p="http://schemas.openxmlformats.org/presentationml/2006/main">
   <p:cSld>
     <p:spTree>
@@ -6477,15 +7585,7 @@
           <a:p>
             <a:r>
               <a:rPr lang="en-US" dirty="0"/>
-              <a:t>Use </a:t>
-            </a:r>
-            <a:r>
-              <a:rPr lang="en-US" dirty="0" smtClean="0"/>
-              <a:t>this </a:t>
-            </a:r>
-            <a:r>
-              <a:rPr lang="en-US" dirty="0"/>
-              <a:t>to display 3D object</a:t>
+              <a:t>Use this to display 3D object</a:t>
             </a:r>
           </a:p>
         </p:txBody>
@@ -6519,24 +7619,14 @@
             <a:pPr lvl="1"/>
             <a:r>
               <a:rPr lang="en-US" dirty="0"/>
-              <a:t>same program, different </a:t>
-            </a:r>
-            <a:r>
-              <a:rPr lang="en-US" dirty="0" smtClean="0"/>
-              <a:t>texture</a:t>
-            </a:r>
-            <a:endParaRPr lang="en-US" dirty="0"/>
+              <a:t>same program, different texture</a:t>
+            </a:r>
           </a:p>
           <a:p>
             <a:r>
               <a:rPr lang="en-US" dirty="0"/>
-              <a:t>create game object using </a:t>
-            </a:r>
-            <a:r>
-              <a:rPr lang="en-US" dirty="0" smtClean="0"/>
-              <a:t>multiple meshes</a:t>
-            </a:r>
-            <a:endParaRPr lang="en-US" dirty="0"/>
+              <a:t>create game object using multiple meshes</a:t>
+            </a:r>
           </a:p>
         </p:txBody>
       </p:sp>
@@ -6624,18 +7714,17 @@
               </a:tabLst>
             </a:pPr>
             <a:r>
-              <a:rPr lang="en-US" dirty="0" err="1" smtClean="0">
-                <a:solidFill>
-                  <a:schemeClr val="tx1"/>
-                </a:solidFill>
-                <a:latin typeface="Consolas" panose="020B0609020204030204" pitchFamily="49" charset="0"/>
-                <a:ea typeface="Times New Roman" panose="02020603050405020304" pitchFamily="18" charset="0"/>
+              <a:rPr lang="en-US" dirty="0" err="1">
+                <a:solidFill>
+                  <a:srgbClr val="C70040"/>
+                </a:solidFill>
+                <a:latin typeface="Consolas" panose="020B0609020204030204" pitchFamily="49" charset="0"/>
                 <a:cs typeface="Times New Roman" panose="02020603050405020304" pitchFamily="18" charset="0"/>
               </a:rPr>
               <a:t>val</a:t>
             </a:r>
             <a:r>
-              <a:rPr lang="en-US" dirty="0" smtClean="0">
+              <a:rPr lang="en-US" dirty="0">
                 <a:solidFill>
                   <a:schemeClr val="tx1"/>
                 </a:solidFill>
@@ -6646,70 +7735,69 @@
               <a:t> </a:t>
             </a:r>
             <a:r>
-              <a:rPr lang="en-US" dirty="0" err="1" smtClean="0">
-                <a:solidFill>
-                  <a:schemeClr val="tx1"/>
-                </a:solidFill>
-                <a:latin typeface="Consolas" panose="020B0609020204030204" pitchFamily="49" charset="0"/>
-                <a:ea typeface="Times New Roman" panose="02020603050405020304" pitchFamily="18" charset="0"/>
-                <a:cs typeface="Times New Roman" panose="02020603050405020304" pitchFamily="18" charset="0"/>
-              </a:rPr>
-              <a:t>slowpokeMeshes</a:t>
-            </a:r>
-            <a:r>
-              <a:rPr lang="en-US" dirty="0" smtClean="0">
-                <a:solidFill>
-                  <a:schemeClr val="tx1"/>
-                </a:solidFill>
-                <a:latin typeface="Consolas" panose="020B0609020204030204" pitchFamily="49" charset="0"/>
-                <a:ea typeface="Times New Roman" panose="02020603050405020304" pitchFamily="18" charset="0"/>
-                <a:cs typeface="Times New Roman" panose="02020603050405020304" pitchFamily="18" charset="0"/>
-              </a:rPr>
-              <a:t> = </a:t>
-            </a:r>
-            <a:r>
-              <a:rPr lang="en-US" dirty="0" err="1" smtClean="0">
-                <a:solidFill>
-                  <a:schemeClr val="tx1"/>
-                </a:solidFill>
-                <a:latin typeface="Consolas" panose="020B0609020204030204" pitchFamily="49" charset="0"/>
-                <a:ea typeface="Times New Roman" panose="02020603050405020304" pitchFamily="18" charset="0"/>
-                <a:cs typeface="Times New Roman" panose="02020603050405020304" pitchFamily="18" charset="0"/>
-              </a:rPr>
-              <a:t>JsonLoader.meshesFrom</a:t>
-            </a:r>
-            <a:r>
-              <a:rPr lang="en-US" dirty="0" smtClean="0">
-                <a:solidFill>
-                  <a:schemeClr val="tx1"/>
-                </a:solidFill>
-                <a:latin typeface="Consolas" panose="020B0609020204030204" pitchFamily="49" charset="0"/>
-                <a:ea typeface="Times New Roman" panose="02020603050405020304" pitchFamily="18" charset="0"/>
-                <a:cs typeface="Times New Roman" panose="02020603050405020304" pitchFamily="18" charset="0"/>
-              </a:rPr>
-              <a:t>(</a:t>
-            </a:r>
-            <a:r>
-              <a:rPr lang="en-US" dirty="0" err="1" smtClean="0">
-                <a:solidFill>
-                  <a:schemeClr val="tx1"/>
-                </a:solidFill>
-                <a:latin typeface="Consolas" panose="020B0609020204030204" pitchFamily="49" charset="0"/>
-                <a:ea typeface="Times New Roman" panose="02020603050405020304" pitchFamily="18" charset="0"/>
-                <a:cs typeface="Times New Roman" panose="02020603050405020304" pitchFamily="18" charset="0"/>
-              </a:rPr>
-              <a:t>gl</a:t>
-            </a:r>
-            <a:r>
-              <a:rPr lang="en-US" dirty="0" smtClean="0">
-                <a:solidFill>
-                  <a:schemeClr val="tx1"/>
-                </a:solidFill>
-                <a:latin typeface="Consolas" panose="020B0609020204030204" pitchFamily="49" charset="0"/>
-                <a:ea typeface="Times New Roman" panose="02020603050405020304" pitchFamily="18" charset="0"/>
-                <a:cs typeface="Times New Roman" panose="02020603050405020304" pitchFamily="18" charset="0"/>
-              </a:rPr>
-              <a:t>,</a:t>
+              <a:rPr lang="en-US" dirty="0" err="1">
+                <a:solidFill>
+                  <a:schemeClr val="tx1"/>
+                </a:solidFill>
+                <a:latin typeface="Consolas" panose="020B0609020204030204" pitchFamily="49" charset="0"/>
+                <a:ea typeface="Times New Roman" panose="02020603050405020304" pitchFamily="18" charset="0"/>
+                <a:cs typeface="Times New Roman" panose="02020603050405020304" pitchFamily="18" charset="0"/>
+              </a:rPr>
+              <a:t>jsonLoader</a:t>
+            </a:r>
+            <a:r>
+              <a:rPr lang="en-US" dirty="0">
+                <a:solidFill>
+                  <a:schemeClr val="tx1"/>
+                </a:solidFill>
+                <a:latin typeface="Consolas" panose="020B0609020204030204" pitchFamily="49" charset="0"/>
+                <a:ea typeface="Times New Roman" panose="02020603050405020304" pitchFamily="18" charset="0"/>
+                <a:cs typeface="Times New Roman" panose="02020603050405020304" pitchFamily="18" charset="0"/>
+              </a:rPr>
+              <a:t> </a:t>
+            </a:r>
+            <a:r>
+              <a:rPr lang="en-US" dirty="0">
+                <a:solidFill>
+                  <a:srgbClr val="C70040"/>
+                </a:solidFill>
+                <a:latin typeface="Consolas" panose="020B0609020204030204" pitchFamily="49" charset="0"/>
+                <a:cs typeface="Times New Roman" panose="02020603050405020304" pitchFamily="18" charset="0"/>
+              </a:rPr>
+              <a:t>=</a:t>
+            </a:r>
+            <a:r>
+              <a:rPr lang="en-US" dirty="0">
+                <a:solidFill>
+                  <a:schemeClr val="tx1"/>
+                </a:solidFill>
+                <a:latin typeface="Consolas" panose="020B0609020204030204" pitchFamily="49" charset="0"/>
+                <a:ea typeface="Times New Roman" panose="02020603050405020304" pitchFamily="18" charset="0"/>
+                <a:cs typeface="Times New Roman" panose="02020603050405020304" pitchFamily="18" charset="0"/>
+              </a:rPr>
+              <a:t> </a:t>
+            </a:r>
+            <a:r>
+              <a:rPr lang="en-US" dirty="0" err="1">
+                <a:solidFill>
+                  <a:schemeClr val="tx1"/>
+                </a:solidFill>
+                <a:latin typeface="Consolas" panose="020B0609020204030204" pitchFamily="49" charset="0"/>
+                <a:ea typeface="Times New Roman" panose="02020603050405020304" pitchFamily="18" charset="0"/>
+                <a:cs typeface="Times New Roman" panose="02020603050405020304" pitchFamily="18" charset="0"/>
+              </a:rPr>
+              <a:t>JsonLoader</a:t>
+            </a:r>
+            <a:r>
+              <a:rPr lang="en-US" dirty="0">
+                <a:solidFill>
+                  <a:schemeClr val="tx1"/>
+                </a:solidFill>
+                <a:latin typeface="Consolas" panose="020B0609020204030204" pitchFamily="49" charset="0"/>
+                <a:ea typeface="Times New Roman" panose="02020603050405020304" pitchFamily="18" charset="0"/>
+                <a:cs typeface="Times New Roman" panose="02020603050405020304" pitchFamily="18" charset="0"/>
+              </a:rPr>
+              <a:t>()</a:t>
             </a:r>
           </a:p>
           <a:p>
@@ -6737,6 +7825,16 @@
               </a:tabLst>
             </a:pPr>
             <a:r>
+              <a:rPr lang="en-US" dirty="0" err="1">
+                <a:solidFill>
+                  <a:srgbClr val="C70040"/>
+                </a:solidFill>
+                <a:latin typeface="Consolas" panose="020B0609020204030204" pitchFamily="49" charset="0"/>
+                <a:cs typeface="Times New Roman" panose="02020603050405020304" pitchFamily="18" charset="0"/>
+              </a:rPr>
+              <a:t>val</a:t>
+            </a:r>
+            <a:r>
               <a:rPr lang="en-US" dirty="0">
                 <a:solidFill>
                   <a:schemeClr val="tx1"/>
@@ -6748,46 +7846,92 @@
               <a:t> </a:t>
             </a:r>
             <a:r>
-              <a:rPr lang="en-US" dirty="0" smtClean="0">
-                <a:solidFill>
-                  <a:schemeClr val="tx1"/>
-                </a:solidFill>
-                <a:latin typeface="Consolas" panose="020B0609020204030204" pitchFamily="49" charset="0"/>
-                <a:ea typeface="Times New Roman" panose="02020603050405020304" pitchFamily="18" charset="0"/>
-                <a:cs typeface="Times New Roman" panose="02020603050405020304" pitchFamily="18" charset="0"/>
-              </a:rPr>
-              <a:t> "media/slowpoke/</a:t>
-            </a:r>
-            <a:r>
-              <a:rPr lang="en-US" dirty="0" err="1" smtClean="0">
-                <a:solidFill>
-                  <a:schemeClr val="tx1"/>
-                </a:solidFill>
-                <a:latin typeface="Consolas" panose="020B0609020204030204" pitchFamily="49" charset="0"/>
-                <a:ea typeface="Times New Roman" panose="02020603050405020304" pitchFamily="18" charset="0"/>
-                <a:cs typeface="Times New Roman" panose="02020603050405020304" pitchFamily="18" charset="0"/>
-              </a:rPr>
-              <a:t>slowpoke.json</a:t>
-            </a:r>
-            <a:r>
-              <a:rPr lang="en-US" dirty="0" smtClean="0">
-                <a:solidFill>
-                  <a:schemeClr val="tx1"/>
-                </a:solidFill>
-                <a:latin typeface="Consolas" panose="020B0609020204030204" pitchFamily="49" charset="0"/>
-                <a:ea typeface="Times New Roman" panose="02020603050405020304" pitchFamily="18" charset="0"/>
-                <a:cs typeface="Times New Roman" panose="02020603050405020304" pitchFamily="18" charset="0"/>
-              </a:rPr>
-              <a:t>",</a:t>
-            </a:r>
-            <a:endParaRPr lang="en-US" dirty="0">
-              <a:solidFill>
-                <a:schemeClr val="tx1"/>
-              </a:solidFill>
-              <a:latin typeface="Consolas" panose="020B0609020204030204" pitchFamily="49" charset="0"/>
-              <a:ea typeface="Times New Roman" panose="02020603050405020304" pitchFamily="18" charset="0"/>
-              <a:cs typeface="Times New Roman" panose="02020603050405020304" pitchFamily="18" charset="0"/>
-            </a:endParaRPr>
+              <a:rPr lang="en-US" dirty="0" err="1">
+                <a:solidFill>
+                  <a:schemeClr val="tx1"/>
+                </a:solidFill>
+                <a:latin typeface="Consolas" panose="020B0609020204030204" pitchFamily="49" charset="0"/>
+                <a:ea typeface="Times New Roman" panose="02020603050405020304" pitchFamily="18" charset="0"/>
+                <a:cs typeface="Times New Roman" panose="02020603050405020304" pitchFamily="18" charset="0"/>
+              </a:rPr>
+              <a:t>slowpokeMeshes</a:t>
+            </a:r>
+            <a:r>
+              <a:rPr lang="en-US" dirty="0">
+                <a:solidFill>
+                  <a:schemeClr val="tx1"/>
+                </a:solidFill>
+                <a:latin typeface="Consolas" panose="020B0609020204030204" pitchFamily="49" charset="0"/>
+                <a:ea typeface="Times New Roman" panose="02020603050405020304" pitchFamily="18" charset="0"/>
+                <a:cs typeface="Times New Roman" panose="02020603050405020304" pitchFamily="18" charset="0"/>
+              </a:rPr>
+              <a:t> </a:t>
+            </a:r>
+            <a:r>
+              <a:rPr lang="en-US" dirty="0">
+                <a:solidFill>
+                  <a:srgbClr val="C70040"/>
+                </a:solidFill>
+                <a:latin typeface="Consolas" panose="020B0609020204030204" pitchFamily="49" charset="0"/>
+                <a:cs typeface="Times New Roman" panose="02020603050405020304" pitchFamily="18" charset="0"/>
+              </a:rPr>
+              <a:t>=</a:t>
+            </a:r>
+            <a:r>
+              <a:rPr lang="en-US" dirty="0">
+                <a:solidFill>
+                  <a:schemeClr val="tx1"/>
+                </a:solidFill>
+                <a:latin typeface="Consolas" panose="020B0609020204030204" pitchFamily="49" charset="0"/>
+                <a:ea typeface="Times New Roman" panose="02020603050405020304" pitchFamily="18" charset="0"/>
+                <a:cs typeface="Times New Roman" panose="02020603050405020304" pitchFamily="18" charset="0"/>
+              </a:rPr>
+              <a:t> </a:t>
+            </a:r>
+            <a:r>
+              <a:rPr lang="en-US" dirty="0" err="1">
+                <a:solidFill>
+                  <a:schemeClr val="tx1"/>
+                </a:solidFill>
+                <a:latin typeface="Consolas" panose="020B0609020204030204" pitchFamily="49" charset="0"/>
+                <a:ea typeface="Times New Roman" panose="02020603050405020304" pitchFamily="18" charset="0"/>
+                <a:cs typeface="Times New Roman" panose="02020603050405020304" pitchFamily="18" charset="0"/>
+              </a:rPr>
+              <a:t>jsonLoader.meshesFrom</a:t>
+            </a:r>
+            <a:r>
+              <a:rPr lang="en-US" dirty="0">
+                <a:solidFill>
+                  <a:schemeClr val="tx1"/>
+                </a:solidFill>
+                <a:latin typeface="Consolas" panose="020B0609020204030204" pitchFamily="49" charset="0"/>
+                <a:ea typeface="Times New Roman" panose="02020603050405020304" pitchFamily="18" charset="0"/>
+                <a:cs typeface="Times New Roman" panose="02020603050405020304" pitchFamily="18" charset="0"/>
+              </a:rPr>
+              <a:t>(</a:t>
+            </a:r>
+            <a:r>
+              <a:rPr lang="en-US" dirty="0" err="1">
+                <a:solidFill>
+                  <a:schemeClr val="tx1"/>
+                </a:solidFill>
+                <a:latin typeface="Consolas" panose="020B0609020204030204" pitchFamily="49" charset="0"/>
+                <a:ea typeface="Times New Roman" panose="02020603050405020304" pitchFamily="18" charset="0"/>
+                <a:cs typeface="Times New Roman" panose="02020603050405020304" pitchFamily="18" charset="0"/>
+              </a:rPr>
+              <a:t>gl</a:t>
+            </a:r>
+            <a:r>
+              <a:rPr lang="en-US" dirty="0">
+                <a:solidFill>
+                  <a:schemeClr val="tx1"/>
+                </a:solidFill>
+                <a:latin typeface="Consolas" panose="020B0609020204030204" pitchFamily="49" charset="0"/>
+                <a:ea typeface="Times New Roman" panose="02020603050405020304" pitchFamily="18" charset="0"/>
+                <a:cs typeface="Times New Roman" panose="02020603050405020304" pitchFamily="18" charset="0"/>
+              </a:rPr>
+              <a:t>,</a:t>
+            </a:r>
           </a:p>
           <a:p>
             <a:pPr>
@@ -6822,7 +7966,7 @@
                 <a:ea typeface="Times New Roman" panose="02020603050405020304" pitchFamily="18" charset="0"/>
                 <a:cs typeface="Times New Roman" panose="02020603050405020304" pitchFamily="18" charset="0"/>
               </a:rPr>
-              <a:t>  Material(</a:t>
+              <a:t>  "media/slowpoke/</a:t>
             </a:r>
             <a:r>
               <a:rPr lang="en-US" dirty="0" err="1">
@@ -6833,7 +7977,28 @@
                 <a:ea typeface="Times New Roman" panose="02020603050405020304" pitchFamily="18" charset="0"/>
                 <a:cs typeface="Times New Roman" panose="02020603050405020304" pitchFamily="18" charset="0"/>
               </a:rPr>
-              <a:t>texturedProgram</a:t>
+              <a:t>slowpoke</a:t>
+            </a:r>
+            <a:r>
+              <a:rPr lang="en-US" dirty="0" err="1">
+                <a:solidFill>
+                  <a:srgbClr val="C70040"/>
+                </a:solidFill>
+                <a:latin typeface="Consolas" panose="020B0609020204030204" pitchFamily="49" charset="0"/>
+                <a:cs typeface="Times New Roman" panose="02020603050405020304" pitchFamily="18" charset="0"/>
+              </a:rPr>
+              <a:t>.</a:t>
+            </a:r>
+            <a:r>
+              <a:rPr lang="en-US" dirty="0" err="1">
+                <a:solidFill>
+                  <a:schemeClr val="tx1"/>
+                </a:solidFill>
+                <a:latin typeface="Consolas" panose="020B0609020204030204" pitchFamily="49" charset="0"/>
+                <a:ea typeface="Times New Roman" panose="02020603050405020304" pitchFamily="18" charset="0"/>
+                <a:cs typeface="Times New Roman" panose="02020603050405020304" pitchFamily="18" charset="0"/>
+              </a:rPr>
+              <a:t>json</a:t>
             </a:r>
             <a:r>
               <a:rPr lang="en-US" dirty="0">
@@ -6844,7 +8009,7 @@
                 <a:ea typeface="Times New Roman" panose="02020603050405020304" pitchFamily="18" charset="0"/>
                 <a:cs typeface="Times New Roman" panose="02020603050405020304" pitchFamily="18" charset="0"/>
               </a:rPr>
-              <a:t>).apply{</a:t>
+              <a:t>",</a:t>
             </a:r>
           </a:p>
           <a:p>
@@ -6880,7 +8045,7 @@
                 <a:ea typeface="Times New Roman" panose="02020603050405020304" pitchFamily="18" charset="0"/>
                 <a:cs typeface="Times New Roman" panose="02020603050405020304" pitchFamily="18" charset="0"/>
               </a:rPr>
-              <a:t>    this["</a:t>
+              <a:t>  Material(</a:t>
             </a:r>
             <a:r>
               <a:rPr lang="en-US" dirty="0" err="1">
@@ -6891,7 +8056,7 @@
                 <a:ea typeface="Times New Roman" panose="02020603050405020304" pitchFamily="18" charset="0"/>
                 <a:cs typeface="Times New Roman" panose="02020603050405020304" pitchFamily="18" charset="0"/>
               </a:rPr>
-              <a:t>colorTexture</a:t>
+              <a:t>texturedProgram</a:t>
             </a:r>
             <a:r>
               <a:rPr lang="en-US" dirty="0">
@@ -6902,29 +8067,28 @@
                 <a:ea typeface="Times New Roman" panose="02020603050405020304" pitchFamily="18" charset="0"/>
                 <a:cs typeface="Times New Roman" panose="02020603050405020304" pitchFamily="18" charset="0"/>
               </a:rPr>
-              <a:t>"].set(Texture2D(</a:t>
-            </a:r>
-            <a:r>
-              <a:rPr lang="en-US" dirty="0" err="1">
-                <a:solidFill>
-                  <a:schemeClr val="tx1"/>
-                </a:solidFill>
-                <a:latin typeface="Consolas" panose="020B0609020204030204" pitchFamily="49" charset="0"/>
-                <a:ea typeface="Times New Roman" panose="02020603050405020304" pitchFamily="18" charset="0"/>
-                <a:cs typeface="Times New Roman" panose="02020603050405020304" pitchFamily="18" charset="0"/>
-              </a:rPr>
-              <a:t>gl</a:t>
+              <a:t>)</a:t>
             </a:r>
             <a:r>
               <a:rPr lang="en-US" dirty="0">
                 <a:solidFill>
-                  <a:schemeClr val="tx1"/>
-                </a:solidFill>
-                <a:latin typeface="Consolas" panose="020B0609020204030204" pitchFamily="49" charset="0"/>
-                <a:ea typeface="Times New Roman" panose="02020603050405020304" pitchFamily="18" charset="0"/>
-                <a:cs typeface="Times New Roman" panose="02020603050405020304" pitchFamily="18" charset="0"/>
-              </a:rPr>
-              <a:t>, "media/Yadon.png"))</a:t>
+                  <a:srgbClr val="C70040"/>
+                </a:solidFill>
+                <a:latin typeface="Consolas" panose="020B0609020204030204" pitchFamily="49" charset="0"/>
+                <a:cs typeface="Times New Roman" panose="02020603050405020304" pitchFamily="18" charset="0"/>
+              </a:rPr>
+              <a:t>.</a:t>
+            </a:r>
+            <a:r>
+              <a:rPr lang="en-US" dirty="0">
+                <a:solidFill>
+                  <a:schemeClr val="tx1"/>
+                </a:solidFill>
+                <a:latin typeface="Consolas" panose="020B0609020204030204" pitchFamily="49" charset="0"/>
+                <a:ea typeface="Times New Roman" panose="02020603050405020304" pitchFamily="18" charset="0"/>
+                <a:cs typeface="Times New Roman" panose="02020603050405020304" pitchFamily="18" charset="0"/>
+              </a:rPr>
+              <a:t>apply{</a:t>
             </a:r>
           </a:p>
           <a:p>
@@ -6960,7 +8124,70 @@
                 <a:ea typeface="Times New Roman" panose="02020603050405020304" pitchFamily="18" charset="0"/>
                 <a:cs typeface="Times New Roman" panose="02020603050405020304" pitchFamily="18" charset="0"/>
               </a:rPr>
-              <a:t>  },</a:t>
+              <a:t>    this[</a:t>
+            </a:r>
+            <a:r>
+              <a:rPr lang="en-US" dirty="0">
+                <a:solidFill>
+                  <a:srgbClr val="C70040"/>
+                </a:solidFill>
+                <a:latin typeface="Consolas" panose="020B0609020204030204" pitchFamily="49" charset="0"/>
+                <a:cs typeface="Times New Roman" panose="02020603050405020304" pitchFamily="18" charset="0"/>
+              </a:rPr>
+              <a:t>"</a:t>
+            </a:r>
+            <a:r>
+              <a:rPr lang="en-US" i="1" dirty="0" err="1">
+                <a:solidFill>
+                  <a:srgbClr val="FFC000"/>
+                </a:solidFill>
+                <a:latin typeface="Consolas" panose="020B0609020204030204" pitchFamily="49" charset="0"/>
+                <a:ea typeface="Times New Roman" panose="02020603050405020304" pitchFamily="18" charset="0"/>
+                <a:cs typeface="Times New Roman" panose="02020603050405020304" pitchFamily="18" charset="0"/>
+              </a:rPr>
+              <a:t>colorTexture</a:t>
+            </a:r>
+            <a:r>
+              <a:rPr lang="en-US" dirty="0">
+                <a:solidFill>
+                  <a:srgbClr val="C70040"/>
+                </a:solidFill>
+                <a:latin typeface="Consolas" panose="020B0609020204030204" pitchFamily="49" charset="0"/>
+                <a:cs typeface="Times New Roman" panose="02020603050405020304" pitchFamily="18" charset="0"/>
+              </a:rPr>
+              <a:t>"</a:t>
+            </a:r>
+            <a:r>
+              <a:rPr lang="en-US" dirty="0">
+                <a:solidFill>
+                  <a:schemeClr val="tx1"/>
+                </a:solidFill>
+                <a:latin typeface="Consolas" panose="020B0609020204030204" pitchFamily="49" charset="0"/>
+                <a:ea typeface="Times New Roman" panose="02020603050405020304" pitchFamily="18" charset="0"/>
+                <a:cs typeface="Times New Roman" panose="02020603050405020304" pitchFamily="18" charset="0"/>
+              </a:rPr>
+              <a:t>]</a:t>
+            </a:r>
+            <a:r>
+              <a:rPr lang="en-US" dirty="0">
+                <a:solidFill>
+                  <a:srgbClr val="C70040"/>
+                </a:solidFill>
+                <a:latin typeface="Consolas" panose="020B0609020204030204" pitchFamily="49" charset="0"/>
+                <a:cs typeface="Times New Roman" panose="02020603050405020304" pitchFamily="18" charset="0"/>
+              </a:rPr>
+              <a:t>.</a:t>
+            </a:r>
+            <a:r>
+              <a:rPr lang="en-US" dirty="0">
+                <a:solidFill>
+                  <a:schemeClr val="tx1"/>
+                </a:solidFill>
+                <a:latin typeface="Consolas" panose="020B0609020204030204" pitchFamily="49" charset="0"/>
+                <a:ea typeface="Times New Roman" panose="02020603050405020304" pitchFamily="18" charset="0"/>
+                <a:cs typeface="Times New Roman" panose="02020603050405020304" pitchFamily="18" charset="0"/>
+              </a:rPr>
+              <a:t>set(</a:t>
             </a:r>
           </a:p>
           <a:p>
@@ -6996,29 +8223,18 @@
                 <a:ea typeface="Times New Roman" panose="02020603050405020304" pitchFamily="18" charset="0"/>
                 <a:cs typeface="Times New Roman" panose="02020603050405020304" pitchFamily="18" charset="0"/>
               </a:rPr>
-              <a:t> </a:t>
-            </a:r>
-            <a:r>
-              <a:rPr lang="en-US" dirty="0" smtClean="0">
-                <a:solidFill>
-                  <a:schemeClr val="tx1"/>
-                </a:solidFill>
-                <a:latin typeface="Consolas" panose="020B0609020204030204" pitchFamily="49" charset="0"/>
-                <a:ea typeface="Times New Roman" panose="02020603050405020304" pitchFamily="18" charset="0"/>
-                <a:cs typeface="Times New Roman" panose="02020603050405020304" pitchFamily="18" charset="0"/>
-              </a:rPr>
-              <a:t> Material(</a:t>
-            </a:r>
-            <a:r>
-              <a:rPr lang="en-US" dirty="0" err="1" smtClean="0">
-                <a:solidFill>
-                  <a:schemeClr val="tx1"/>
-                </a:solidFill>
-                <a:latin typeface="Consolas" panose="020B0609020204030204" pitchFamily="49" charset="0"/>
-                <a:ea typeface="Times New Roman" panose="02020603050405020304" pitchFamily="18" charset="0"/>
-                <a:cs typeface="Times New Roman" panose="02020603050405020304" pitchFamily="18" charset="0"/>
-              </a:rPr>
-              <a:t>texturedProgram</a:t>
+              <a:t>            Texture2D(</a:t>
+            </a:r>
+            <a:r>
+              <a:rPr lang="en-US" dirty="0" err="1">
+                <a:solidFill>
+                  <a:schemeClr val="tx1"/>
+                </a:solidFill>
+                <a:latin typeface="Consolas" panose="020B0609020204030204" pitchFamily="49" charset="0"/>
+                <a:ea typeface="Times New Roman" panose="02020603050405020304" pitchFamily="18" charset="0"/>
+                <a:cs typeface="Times New Roman" panose="02020603050405020304" pitchFamily="18" charset="0"/>
+              </a:rPr>
+              <a:t>gl</a:t>
             </a:r>
             <a:r>
               <a:rPr lang="en-US" dirty="0">
@@ -7029,7 +8245,48 @@
                 <a:ea typeface="Times New Roman" panose="02020603050405020304" pitchFamily="18" charset="0"/>
                 <a:cs typeface="Times New Roman" panose="02020603050405020304" pitchFamily="18" charset="0"/>
               </a:rPr>
-              <a:t>).apply{</a:t>
+              <a:t>, </a:t>
+            </a:r>
+            <a:r>
+              <a:rPr lang="en-US" dirty="0">
+                <a:solidFill>
+                  <a:srgbClr val="C70040"/>
+                </a:solidFill>
+                <a:latin typeface="Consolas" panose="020B0609020204030204" pitchFamily="49" charset="0"/>
+                <a:cs typeface="Times New Roman" panose="02020603050405020304" pitchFamily="18" charset="0"/>
+              </a:rPr>
+              <a:t>"</a:t>
+            </a:r>
+            <a:r>
+              <a:rPr lang="en-US" i="1" dirty="0">
+                <a:solidFill>
+                  <a:srgbClr val="FFC000"/>
+                </a:solidFill>
+                <a:latin typeface="Consolas" panose="020B0609020204030204" pitchFamily="49" charset="0"/>
+                <a:cs typeface="Times New Roman" panose="02020603050405020304" pitchFamily="18" charset="0"/>
+              </a:rPr>
+              <a:t>media/Yadon.png</a:t>
+            </a:r>
+            <a:r>
+              <a:rPr lang="en-US" dirty="0">
+                <a:solidFill>
+                  <a:srgbClr val="C70040"/>
+                </a:solidFill>
+                <a:latin typeface="Consolas" panose="020B0609020204030204" pitchFamily="49" charset="0"/>
+                <a:cs typeface="Times New Roman" panose="02020603050405020304" pitchFamily="18" charset="0"/>
+              </a:rPr>
+              <a:t>"</a:t>
+            </a:r>
+            <a:r>
+              <a:rPr lang="en-US" dirty="0">
+                <a:solidFill>
+                  <a:schemeClr val="tx1"/>
+                </a:solidFill>
+                <a:latin typeface="Consolas" panose="020B0609020204030204" pitchFamily="49" charset="0"/>
+                <a:ea typeface="Times New Roman" panose="02020603050405020304" pitchFamily="18" charset="0"/>
+                <a:cs typeface="Times New Roman" panose="02020603050405020304" pitchFamily="18" charset="0"/>
+              </a:rPr>
+              <a:t>))</a:t>
             </a:r>
           </a:p>
           <a:p>
@@ -7065,51 +8322,7 @@
                 <a:ea typeface="Times New Roman" panose="02020603050405020304" pitchFamily="18" charset="0"/>
                 <a:cs typeface="Times New Roman" panose="02020603050405020304" pitchFamily="18" charset="0"/>
               </a:rPr>
-              <a:t>    this["</a:t>
-            </a:r>
-            <a:r>
-              <a:rPr lang="en-US" dirty="0" err="1">
-                <a:solidFill>
-                  <a:schemeClr val="tx1"/>
-                </a:solidFill>
-                <a:latin typeface="Consolas" panose="020B0609020204030204" pitchFamily="49" charset="0"/>
-                <a:ea typeface="Times New Roman" panose="02020603050405020304" pitchFamily="18" charset="0"/>
-                <a:cs typeface="Times New Roman" panose="02020603050405020304" pitchFamily="18" charset="0"/>
-              </a:rPr>
-              <a:t>colorTexture</a:t>
-            </a:r>
-            <a:r>
-              <a:rPr lang="en-US" dirty="0">
-                <a:solidFill>
-                  <a:schemeClr val="tx1"/>
-                </a:solidFill>
-                <a:latin typeface="Consolas" panose="020B0609020204030204" pitchFamily="49" charset="0"/>
-                <a:ea typeface="Times New Roman" panose="02020603050405020304" pitchFamily="18" charset="0"/>
-                <a:cs typeface="Times New Roman" panose="02020603050405020304" pitchFamily="18" charset="0"/>
-              </a:rPr>
-              <a:t>"].set(Texture2D(</a:t>
-            </a:r>
-            <a:r>
-              <a:rPr lang="en-US" dirty="0" err="1">
-                <a:solidFill>
-                  <a:schemeClr val="tx1"/>
-                </a:solidFill>
-                <a:latin typeface="Consolas" panose="020B0609020204030204" pitchFamily="49" charset="0"/>
-                <a:ea typeface="Times New Roman" panose="02020603050405020304" pitchFamily="18" charset="0"/>
-                <a:cs typeface="Times New Roman" panose="02020603050405020304" pitchFamily="18" charset="0"/>
-              </a:rPr>
-              <a:t>gl</a:t>
-            </a:r>
-            <a:r>
-              <a:rPr lang="en-US" dirty="0">
-                <a:solidFill>
-                  <a:schemeClr val="tx1"/>
-                </a:solidFill>
-                <a:latin typeface="Consolas" panose="020B0609020204030204" pitchFamily="49" charset="0"/>
-                <a:ea typeface="Times New Roman" panose="02020603050405020304" pitchFamily="18" charset="0"/>
-                <a:cs typeface="Times New Roman" panose="02020603050405020304" pitchFamily="18" charset="0"/>
-              </a:rPr>
-              <a:t>, "media/YadonEye.png"))</a:t>
+              <a:t>  },</a:t>
             </a:r>
           </a:p>
           <a:p>
@@ -7145,7 +8358,50 @@
                 <a:ea typeface="Times New Roman" panose="02020603050405020304" pitchFamily="18" charset="0"/>
                 <a:cs typeface="Times New Roman" panose="02020603050405020304" pitchFamily="18" charset="0"/>
               </a:rPr>
-              <a:t>  }</a:t>
+              <a:t>  Material(</a:t>
+            </a:r>
+            <a:r>
+              <a:rPr lang="en-US" dirty="0" err="1">
+                <a:solidFill>
+                  <a:schemeClr val="tx1"/>
+                </a:solidFill>
+                <a:latin typeface="Consolas" panose="020B0609020204030204" pitchFamily="49" charset="0"/>
+                <a:ea typeface="Times New Roman" panose="02020603050405020304" pitchFamily="18" charset="0"/>
+                <a:cs typeface="Times New Roman" panose="02020603050405020304" pitchFamily="18" charset="0"/>
+              </a:rPr>
+              <a:t>texturedProgram</a:t>
+            </a:r>
+            <a:r>
+              <a:rPr lang="en-US" dirty="0">
+                <a:solidFill>
+                  <a:schemeClr val="tx1"/>
+                </a:solidFill>
+                <a:latin typeface="Consolas" panose="020B0609020204030204" pitchFamily="49" charset="0"/>
+                <a:ea typeface="Times New Roman" panose="02020603050405020304" pitchFamily="18" charset="0"/>
+                <a:cs typeface="Times New Roman" panose="02020603050405020304" pitchFamily="18" charset="0"/>
+              </a:rPr>
+              <a:t>)</a:t>
+            </a:r>
+            <a:r>
+              <a:rPr lang="en-US" dirty="0">
+                <a:solidFill>
+                  <a:srgbClr val="C70040"/>
+                </a:solidFill>
+                <a:latin typeface="Consolas" panose="020B0609020204030204" pitchFamily="49" charset="0"/>
+                <a:cs typeface="Times New Roman" panose="02020603050405020304" pitchFamily="18" charset="0"/>
+              </a:rPr>
+              <a:t>.</a:t>
+            </a:r>
+            <a:r>
+              <a:rPr lang="en-US" dirty="0">
+                <a:solidFill>
+                  <a:schemeClr val="tx1"/>
+                </a:solidFill>
+                <a:latin typeface="Consolas" panose="020B0609020204030204" pitchFamily="49" charset="0"/>
+                <a:ea typeface="Times New Roman" panose="02020603050405020304" pitchFamily="18" charset="0"/>
+                <a:cs typeface="Times New Roman" panose="02020603050405020304" pitchFamily="18" charset="0"/>
+              </a:rPr>
+              <a:t>apply{</a:t>
             </a:r>
           </a:p>
           <a:p>
@@ -7173,15 +8429,77 @@
               </a:tabLst>
             </a:pPr>
             <a:r>
-              <a:rPr lang="en-US" dirty="0" smtClean="0">
-                <a:solidFill>
-                  <a:schemeClr val="tx1"/>
-                </a:solidFill>
-                <a:latin typeface="Consolas" panose="020B0609020204030204" pitchFamily="49" charset="0"/>
-                <a:ea typeface="Times New Roman" panose="02020603050405020304" pitchFamily="18" charset="0"/>
-                <a:cs typeface="Times New Roman" panose="02020603050405020304" pitchFamily="18" charset="0"/>
-              </a:rPr>
-              <a:t>)</a:t>
+              <a:rPr lang="en-US" dirty="0">
+                <a:solidFill>
+                  <a:schemeClr val="tx1"/>
+                </a:solidFill>
+                <a:latin typeface="Consolas" panose="020B0609020204030204" pitchFamily="49" charset="0"/>
+                <a:ea typeface="Times New Roman" panose="02020603050405020304" pitchFamily="18" charset="0"/>
+                <a:cs typeface="Times New Roman" panose="02020603050405020304" pitchFamily="18" charset="0"/>
+              </a:rPr>
+              <a:t>    this[</a:t>
+            </a:r>
+            <a:r>
+              <a:rPr lang="en-US" dirty="0">
+                <a:solidFill>
+                  <a:srgbClr val="C70040"/>
+                </a:solidFill>
+                <a:latin typeface="Consolas" panose="020B0609020204030204" pitchFamily="49" charset="0"/>
+                <a:cs typeface="Times New Roman" panose="02020603050405020304" pitchFamily="18" charset="0"/>
+              </a:rPr>
+              <a:t>"</a:t>
+            </a:r>
+            <a:r>
+              <a:rPr lang="en-US" i="1" dirty="0" err="1">
+                <a:solidFill>
+                  <a:srgbClr val="FFC000"/>
+                </a:solidFill>
+                <a:latin typeface="Consolas" panose="020B0609020204030204" pitchFamily="49" charset="0"/>
+                <a:cs typeface="Times New Roman" panose="02020603050405020304" pitchFamily="18" charset="0"/>
+              </a:rPr>
+              <a:t>colorTexture</a:t>
+            </a:r>
+            <a:r>
+              <a:rPr lang="en-US" dirty="0">
+                <a:solidFill>
+                  <a:srgbClr val="C70040"/>
+                </a:solidFill>
+                <a:latin typeface="Consolas" panose="020B0609020204030204" pitchFamily="49" charset="0"/>
+                <a:cs typeface="Times New Roman" panose="02020603050405020304" pitchFamily="18" charset="0"/>
+              </a:rPr>
+              <a:t>"</a:t>
+            </a:r>
+            <a:r>
+              <a:rPr lang="en-US" dirty="0">
+                <a:solidFill>
+                  <a:schemeClr val="tx1"/>
+                </a:solidFill>
+                <a:latin typeface="Consolas" panose="020B0609020204030204" pitchFamily="49" charset="0"/>
+                <a:ea typeface="Times New Roman" panose="02020603050405020304" pitchFamily="18" charset="0"/>
+                <a:cs typeface="Times New Roman" panose="02020603050405020304" pitchFamily="18" charset="0"/>
+              </a:rPr>
+              <a:t>]</a:t>
+            </a:r>
+            <a:r>
+              <a:rPr lang="en-US" dirty="0">
+                <a:solidFill>
+                  <a:srgbClr val="C70040"/>
+                </a:solidFill>
+                <a:latin typeface="Consolas" panose="020B0609020204030204" pitchFamily="49" charset="0"/>
+                <a:cs typeface="Times New Roman" panose="02020603050405020304" pitchFamily="18" charset="0"/>
+              </a:rPr>
+              <a:t>.</a:t>
+            </a:r>
+            <a:r>
+              <a:rPr lang="en-US" dirty="0">
+                <a:solidFill>
+                  <a:schemeClr val="tx1"/>
+                </a:solidFill>
+                <a:latin typeface="Consolas" panose="020B0609020204030204" pitchFamily="49" charset="0"/>
+                <a:ea typeface="Times New Roman" panose="02020603050405020304" pitchFamily="18" charset="0"/>
+                <a:cs typeface="Times New Roman" panose="02020603050405020304" pitchFamily="18" charset="0"/>
+              </a:rPr>
+              <a:t>set(</a:t>
             </a:r>
           </a:p>
           <a:p>
@@ -7208,14 +8526,80 @@
                 <a:tab pos="9306560" algn="l"/>
               </a:tabLst>
             </a:pPr>
-            <a:endParaRPr lang="en-US" dirty="0" smtClean="0">
-              <a:solidFill>
-                <a:schemeClr val="tx1"/>
-              </a:solidFill>
-              <a:latin typeface="Consolas" panose="020B0609020204030204" pitchFamily="49" charset="0"/>
-              <a:ea typeface="Times New Roman" panose="02020603050405020304" pitchFamily="18" charset="0"/>
-              <a:cs typeface="Times New Roman" panose="02020603050405020304" pitchFamily="18" charset="0"/>
-            </a:endParaRPr>
+            <a:r>
+              <a:rPr lang="en-US" dirty="0">
+                <a:solidFill>
+                  <a:schemeClr val="tx1"/>
+                </a:solidFill>
+                <a:latin typeface="Consolas" panose="020B0609020204030204" pitchFamily="49" charset="0"/>
+                <a:ea typeface="Times New Roman" panose="02020603050405020304" pitchFamily="18" charset="0"/>
+                <a:cs typeface="Times New Roman" panose="02020603050405020304" pitchFamily="18" charset="0"/>
+              </a:rPr>
+              <a:t>            Texture2D(</a:t>
+            </a:r>
+            <a:r>
+              <a:rPr lang="en-US" dirty="0" err="1">
+                <a:solidFill>
+                  <a:schemeClr val="tx1"/>
+                </a:solidFill>
+                <a:latin typeface="Consolas" panose="020B0609020204030204" pitchFamily="49" charset="0"/>
+                <a:ea typeface="Times New Roman" panose="02020603050405020304" pitchFamily="18" charset="0"/>
+                <a:cs typeface="Times New Roman" panose="02020603050405020304" pitchFamily="18" charset="0"/>
+              </a:rPr>
+              <a:t>gl</a:t>
+            </a:r>
+            <a:r>
+              <a:rPr lang="en-US" dirty="0">
+                <a:solidFill>
+                  <a:schemeClr val="tx1"/>
+                </a:solidFill>
+                <a:latin typeface="Consolas" panose="020B0609020204030204" pitchFamily="49" charset="0"/>
+                <a:ea typeface="Times New Roman" panose="02020603050405020304" pitchFamily="18" charset="0"/>
+                <a:cs typeface="Times New Roman" panose="02020603050405020304" pitchFamily="18" charset="0"/>
+              </a:rPr>
+              <a:t>, </a:t>
+            </a:r>
+            <a:r>
+              <a:rPr lang="en-US" dirty="0">
+                <a:solidFill>
+                  <a:srgbClr val="C70040"/>
+                </a:solidFill>
+                <a:latin typeface="Consolas" panose="020B0609020204030204" pitchFamily="49" charset="0"/>
+                <a:cs typeface="Times New Roman" panose="02020603050405020304" pitchFamily="18" charset="0"/>
+              </a:rPr>
+              <a:t>"</a:t>
+            </a:r>
+            <a:r>
+              <a:rPr lang="en-US" i="1" dirty="0">
+                <a:solidFill>
+                  <a:srgbClr val="FFC000"/>
+                </a:solidFill>
+                <a:latin typeface="Consolas" panose="020B0609020204030204" pitchFamily="49" charset="0"/>
+                <a:cs typeface="Times New Roman" panose="02020603050405020304" pitchFamily="18" charset="0"/>
+              </a:rPr>
+              <a:t>media/YadonEye.png</a:t>
+            </a:r>
+            <a:r>
+              <a:rPr lang="en-US" dirty="0">
+                <a:solidFill>
+                  <a:srgbClr val="C70040"/>
+                </a:solidFill>
+                <a:latin typeface="Consolas" panose="020B0609020204030204" pitchFamily="49" charset="0"/>
+                <a:cs typeface="Times New Roman" panose="02020603050405020304" pitchFamily="18" charset="0"/>
+              </a:rPr>
+              <a:t>"</a:t>
+            </a:r>
+            <a:r>
+              <a:rPr lang="en-US" dirty="0">
+                <a:solidFill>
+                  <a:schemeClr val="tx1"/>
+                </a:solidFill>
+                <a:latin typeface="Consolas" panose="020B0609020204030204" pitchFamily="49" charset="0"/>
+                <a:ea typeface="Times New Roman" panose="02020603050405020304" pitchFamily="18" charset="0"/>
+                <a:cs typeface="Times New Roman" panose="02020603050405020304" pitchFamily="18" charset="0"/>
+              </a:rPr>
+              <a:t>))</a:t>
+            </a:r>
           </a:p>
           <a:p>
             <a:pPr>
@@ -7242,26 +8626,15 @@
               </a:tabLst>
             </a:pPr>
             <a:r>
-              <a:rPr lang="en-US" dirty="0" err="1" smtClean="0">
-                <a:solidFill>
-                  <a:schemeClr val="tx1"/>
-                </a:solidFill>
-                <a:latin typeface="Consolas" panose="020B0609020204030204" pitchFamily="49" charset="0"/>
-                <a:ea typeface="Times New Roman" panose="02020603050405020304" pitchFamily="18" charset="0"/>
-                <a:cs typeface="Times New Roman" panose="02020603050405020304" pitchFamily="18" charset="0"/>
-              </a:rPr>
-              <a:t>init</a:t>
-            </a:r>
-            <a:r>
-              <a:rPr lang="en-US" dirty="0" smtClean="0">
-                <a:solidFill>
-                  <a:schemeClr val="tx1"/>
-                </a:solidFill>
-                <a:latin typeface="Consolas" panose="020B0609020204030204" pitchFamily="49" charset="0"/>
-                <a:ea typeface="Times New Roman" panose="02020603050405020304" pitchFamily="18" charset="0"/>
-                <a:cs typeface="Times New Roman" panose="02020603050405020304" pitchFamily="18" charset="0"/>
-              </a:rPr>
-              <a:t>{</a:t>
+              <a:rPr lang="en-US" dirty="0">
+                <a:solidFill>
+                  <a:schemeClr val="tx1"/>
+                </a:solidFill>
+                <a:latin typeface="Consolas" panose="020B0609020204030204" pitchFamily="49" charset="0"/>
+                <a:ea typeface="Times New Roman" panose="02020603050405020304" pitchFamily="18" charset="0"/>
+                <a:cs typeface="Times New Roman" panose="02020603050405020304" pitchFamily="18" charset="0"/>
+              </a:rPr>
+              <a:t>  }</a:t>
             </a:r>
           </a:p>
           <a:p>
@@ -7289,73 +8662,7 @@
               </a:tabLst>
             </a:pPr>
             <a:r>
-              <a:rPr lang="en-US" dirty="0" smtClean="0">
-                <a:solidFill>
-                  <a:schemeClr val="tx1"/>
-                </a:solidFill>
-                <a:latin typeface="Consolas" panose="020B0609020204030204" pitchFamily="49" charset="0"/>
-                <a:ea typeface="Times New Roman" panose="02020603050405020304" pitchFamily="18" charset="0"/>
-                <a:cs typeface="Times New Roman" panose="02020603050405020304" pitchFamily="18" charset="0"/>
-              </a:rPr>
-              <a:t>  </a:t>
-            </a:r>
-            <a:r>
-              <a:rPr lang="en-US" dirty="0" err="1" smtClean="0">
-                <a:solidFill>
-                  <a:schemeClr val="tx1"/>
-                </a:solidFill>
-                <a:latin typeface="Consolas" panose="020B0609020204030204" pitchFamily="49" charset="0"/>
-                <a:ea typeface="Times New Roman" panose="02020603050405020304" pitchFamily="18" charset="0"/>
-                <a:cs typeface="Times New Roman" panose="02020603050405020304" pitchFamily="18" charset="0"/>
-              </a:rPr>
-              <a:t>gameObjects</a:t>
-            </a:r>
-            <a:r>
-              <a:rPr lang="en-US" dirty="0" smtClean="0">
-                <a:solidFill>
-                  <a:schemeClr val="tx1"/>
-                </a:solidFill>
-                <a:latin typeface="Consolas" panose="020B0609020204030204" pitchFamily="49" charset="0"/>
-                <a:ea typeface="Times New Roman" panose="02020603050405020304" pitchFamily="18" charset="0"/>
-                <a:cs typeface="Times New Roman" panose="02020603050405020304" pitchFamily="18" charset="0"/>
-              </a:rPr>
-              <a:t> += </a:t>
-            </a:r>
-            <a:r>
-              <a:rPr lang="en-US" dirty="0" err="1" smtClean="0">
-                <a:solidFill>
-                  <a:schemeClr val="tx1"/>
-                </a:solidFill>
-                <a:latin typeface="Consolas" panose="020B0609020204030204" pitchFamily="49" charset="0"/>
-                <a:ea typeface="Times New Roman" panose="02020603050405020304" pitchFamily="18" charset="0"/>
-                <a:cs typeface="Times New Roman" panose="02020603050405020304" pitchFamily="18" charset="0"/>
-              </a:rPr>
-              <a:t>GameObject</a:t>
-            </a:r>
-            <a:r>
-              <a:rPr lang="en-US" dirty="0" smtClean="0">
-                <a:solidFill>
-                  <a:schemeClr val="tx1"/>
-                </a:solidFill>
-                <a:latin typeface="Consolas" panose="020B0609020204030204" pitchFamily="49" charset="0"/>
-                <a:ea typeface="Times New Roman" panose="02020603050405020304" pitchFamily="18" charset="0"/>
-                <a:cs typeface="Times New Roman" panose="02020603050405020304" pitchFamily="18" charset="0"/>
-              </a:rPr>
-              <a:t>(*</a:t>
-            </a:r>
-            <a:r>
-              <a:rPr lang="en-US" dirty="0" err="1" smtClean="0">
-                <a:solidFill>
-                  <a:schemeClr val="tx1"/>
-                </a:solidFill>
-                <a:latin typeface="Consolas" panose="020B0609020204030204" pitchFamily="49" charset="0"/>
-                <a:ea typeface="Times New Roman" panose="02020603050405020304" pitchFamily="18" charset="0"/>
-                <a:cs typeface="Times New Roman" panose="02020603050405020304" pitchFamily="18" charset="0"/>
-              </a:rPr>
-              <a:t>slowpokeMeshes</a:t>
-            </a:r>
-            <a:r>
-              <a:rPr lang="en-US" dirty="0" smtClean="0">
+              <a:rPr lang="en-US" dirty="0">
                 <a:solidFill>
                   <a:schemeClr val="tx1"/>
                 </a:solidFill>
@@ -7390,18 +8697,7 @@
                 <a:tab pos="9306560" algn="l"/>
               </a:tabLst>
             </a:pPr>
-            <a:r>
-              <a:rPr lang="en-US" dirty="0">
-                <a:solidFill>
-                  <a:schemeClr val="tx1"/>
-                </a:solidFill>
-                <a:latin typeface="Consolas" panose="020B0609020204030204" pitchFamily="49" charset="0"/>
-                <a:ea typeface="Times New Roman" panose="02020603050405020304" pitchFamily="18" charset="0"/>
-                <a:cs typeface="Times New Roman" panose="02020603050405020304" pitchFamily="18" charset="0"/>
-              </a:rPr>
-              <a:t>}</a:t>
-            </a:r>
-            <a:endParaRPr lang="en-US" dirty="0" smtClean="0">
+            <a:endParaRPr lang="en-US" dirty="0">
               <a:solidFill>
                 <a:schemeClr val="tx1"/>
               </a:solidFill>
@@ -7434,7 +8730,223 @@
                 <a:tab pos="9306560" algn="l"/>
               </a:tabLst>
             </a:pPr>
-            <a:endParaRPr lang="en-US" dirty="0" smtClean="0">
+            <a:r>
+              <a:rPr lang="en-US" dirty="0" err="1">
+                <a:solidFill>
+                  <a:schemeClr val="tx1"/>
+                </a:solidFill>
+                <a:latin typeface="Consolas" panose="020B0609020204030204" pitchFamily="49" charset="0"/>
+                <a:ea typeface="Times New Roman" panose="02020603050405020304" pitchFamily="18" charset="0"/>
+                <a:cs typeface="Times New Roman" panose="02020603050405020304" pitchFamily="18" charset="0"/>
+              </a:rPr>
+              <a:t>init</a:t>
+            </a:r>
+            <a:r>
+              <a:rPr lang="en-US" dirty="0">
+                <a:solidFill>
+                  <a:schemeClr val="tx1"/>
+                </a:solidFill>
+                <a:latin typeface="Consolas" panose="020B0609020204030204" pitchFamily="49" charset="0"/>
+                <a:ea typeface="Times New Roman" panose="02020603050405020304" pitchFamily="18" charset="0"/>
+                <a:cs typeface="Times New Roman" panose="02020603050405020304" pitchFamily="18" charset="0"/>
+              </a:rPr>
+              <a:t>{</a:t>
+            </a:r>
+          </a:p>
+          <a:p>
+            <a:pPr>
+              <a:lnSpc>
+                <a:spcPct val="107000"/>
+              </a:lnSpc>
+              <a:tabLst>
+                <a:tab pos="581660" algn="l"/>
+                <a:tab pos="1163320" algn="l"/>
+                <a:tab pos="1744980" algn="l"/>
+                <a:tab pos="2326640" algn="l"/>
+                <a:tab pos="2908300" algn="l"/>
+                <a:tab pos="3489960" algn="l"/>
+                <a:tab pos="4071620" algn="l"/>
+                <a:tab pos="4653280" algn="l"/>
+                <a:tab pos="5234940" algn="l"/>
+                <a:tab pos="5816600" algn="l"/>
+                <a:tab pos="6398260" algn="l"/>
+                <a:tab pos="6979920" algn="l"/>
+                <a:tab pos="7561580" algn="l"/>
+                <a:tab pos="8143240" algn="l"/>
+                <a:tab pos="8724900" algn="l"/>
+                <a:tab pos="9306560" algn="l"/>
+              </a:tabLst>
+            </a:pPr>
+            <a:r>
+              <a:rPr lang="en-US" dirty="0">
+                <a:solidFill>
+                  <a:schemeClr val="tx1"/>
+                </a:solidFill>
+                <a:latin typeface="Consolas" panose="020B0609020204030204" pitchFamily="49" charset="0"/>
+                <a:ea typeface="Times New Roman" panose="02020603050405020304" pitchFamily="18" charset="0"/>
+                <a:cs typeface="Times New Roman" panose="02020603050405020304" pitchFamily="18" charset="0"/>
+              </a:rPr>
+              <a:t>  </a:t>
+            </a:r>
+            <a:r>
+              <a:rPr lang="en-US" dirty="0" err="1">
+                <a:solidFill>
+                  <a:schemeClr val="tx1"/>
+                </a:solidFill>
+                <a:latin typeface="Consolas" panose="020B0609020204030204" pitchFamily="49" charset="0"/>
+                <a:ea typeface="Times New Roman" panose="02020603050405020304" pitchFamily="18" charset="0"/>
+                <a:cs typeface="Times New Roman" panose="02020603050405020304" pitchFamily="18" charset="0"/>
+              </a:rPr>
+              <a:t>gameObjects</a:t>
+            </a:r>
+            <a:r>
+              <a:rPr lang="en-US" dirty="0">
+                <a:solidFill>
+                  <a:schemeClr val="tx1"/>
+                </a:solidFill>
+                <a:latin typeface="Consolas" panose="020B0609020204030204" pitchFamily="49" charset="0"/>
+                <a:ea typeface="Times New Roman" panose="02020603050405020304" pitchFamily="18" charset="0"/>
+                <a:cs typeface="Times New Roman" panose="02020603050405020304" pitchFamily="18" charset="0"/>
+              </a:rPr>
+              <a:t> </a:t>
+            </a:r>
+            <a:r>
+              <a:rPr lang="en-US" dirty="0">
+                <a:solidFill>
+                  <a:srgbClr val="C70040"/>
+                </a:solidFill>
+                <a:latin typeface="Consolas" panose="020B0609020204030204" pitchFamily="49" charset="0"/>
+                <a:cs typeface="Times New Roman" panose="02020603050405020304" pitchFamily="18" charset="0"/>
+              </a:rPr>
+              <a:t>+=</a:t>
+            </a:r>
+            <a:r>
+              <a:rPr lang="en-US" dirty="0">
+                <a:solidFill>
+                  <a:schemeClr val="tx1"/>
+                </a:solidFill>
+                <a:latin typeface="Consolas" panose="020B0609020204030204" pitchFamily="49" charset="0"/>
+                <a:ea typeface="Times New Roman" panose="02020603050405020304" pitchFamily="18" charset="0"/>
+                <a:cs typeface="Times New Roman" panose="02020603050405020304" pitchFamily="18" charset="0"/>
+              </a:rPr>
+              <a:t> </a:t>
+            </a:r>
+            <a:r>
+              <a:rPr lang="en-US" dirty="0" err="1">
+                <a:solidFill>
+                  <a:schemeClr val="tx1"/>
+                </a:solidFill>
+                <a:latin typeface="Consolas" panose="020B0609020204030204" pitchFamily="49" charset="0"/>
+                <a:ea typeface="Times New Roman" panose="02020603050405020304" pitchFamily="18" charset="0"/>
+                <a:cs typeface="Times New Roman" panose="02020603050405020304" pitchFamily="18" charset="0"/>
+              </a:rPr>
+              <a:t>GameObject</a:t>
+            </a:r>
+            <a:r>
+              <a:rPr lang="en-US" dirty="0">
+                <a:solidFill>
+                  <a:schemeClr val="tx1"/>
+                </a:solidFill>
+                <a:latin typeface="Consolas" panose="020B0609020204030204" pitchFamily="49" charset="0"/>
+                <a:ea typeface="Times New Roman" panose="02020603050405020304" pitchFamily="18" charset="0"/>
+                <a:cs typeface="Times New Roman" panose="02020603050405020304" pitchFamily="18" charset="0"/>
+              </a:rPr>
+              <a:t>(</a:t>
+            </a:r>
+            <a:r>
+              <a:rPr lang="en-US" dirty="0">
+                <a:solidFill>
+                  <a:srgbClr val="C70040"/>
+                </a:solidFill>
+                <a:latin typeface="Consolas" panose="020B0609020204030204" pitchFamily="49" charset="0"/>
+                <a:cs typeface="Times New Roman" panose="02020603050405020304" pitchFamily="18" charset="0"/>
+              </a:rPr>
+              <a:t>*</a:t>
+            </a:r>
+            <a:r>
+              <a:rPr lang="en-US" dirty="0" err="1">
+                <a:solidFill>
+                  <a:schemeClr val="tx1"/>
+                </a:solidFill>
+                <a:latin typeface="Consolas" panose="020B0609020204030204" pitchFamily="49" charset="0"/>
+                <a:ea typeface="Times New Roman" panose="02020603050405020304" pitchFamily="18" charset="0"/>
+                <a:cs typeface="Times New Roman" panose="02020603050405020304" pitchFamily="18" charset="0"/>
+              </a:rPr>
+              <a:t>slowpokeMeshes</a:t>
+            </a:r>
+            <a:r>
+              <a:rPr lang="en-US" dirty="0">
+                <a:solidFill>
+                  <a:schemeClr val="tx1"/>
+                </a:solidFill>
+                <a:latin typeface="Consolas" panose="020B0609020204030204" pitchFamily="49" charset="0"/>
+                <a:ea typeface="Times New Roman" panose="02020603050405020304" pitchFamily="18" charset="0"/>
+                <a:cs typeface="Times New Roman" panose="02020603050405020304" pitchFamily="18" charset="0"/>
+              </a:rPr>
+              <a:t>)</a:t>
+            </a:r>
+          </a:p>
+          <a:p>
+            <a:pPr>
+              <a:lnSpc>
+                <a:spcPct val="107000"/>
+              </a:lnSpc>
+              <a:tabLst>
+                <a:tab pos="581660" algn="l"/>
+                <a:tab pos="1163320" algn="l"/>
+                <a:tab pos="1744980" algn="l"/>
+                <a:tab pos="2326640" algn="l"/>
+                <a:tab pos="2908300" algn="l"/>
+                <a:tab pos="3489960" algn="l"/>
+                <a:tab pos="4071620" algn="l"/>
+                <a:tab pos="4653280" algn="l"/>
+                <a:tab pos="5234940" algn="l"/>
+                <a:tab pos="5816600" algn="l"/>
+                <a:tab pos="6398260" algn="l"/>
+                <a:tab pos="6979920" algn="l"/>
+                <a:tab pos="7561580" algn="l"/>
+                <a:tab pos="8143240" algn="l"/>
+                <a:tab pos="8724900" algn="l"/>
+                <a:tab pos="9306560" algn="l"/>
+              </a:tabLst>
+            </a:pPr>
+            <a:r>
+              <a:rPr lang="en-US" dirty="0">
+                <a:solidFill>
+                  <a:schemeClr val="tx1"/>
+                </a:solidFill>
+                <a:latin typeface="Consolas" panose="020B0609020204030204" pitchFamily="49" charset="0"/>
+                <a:ea typeface="Times New Roman" panose="02020603050405020304" pitchFamily="18" charset="0"/>
+                <a:cs typeface="Times New Roman" panose="02020603050405020304" pitchFamily="18" charset="0"/>
+              </a:rPr>
+              <a:t>}</a:t>
+            </a:r>
+          </a:p>
+          <a:p>
+            <a:pPr>
+              <a:lnSpc>
+                <a:spcPct val="107000"/>
+              </a:lnSpc>
+              <a:tabLst>
+                <a:tab pos="581660" algn="l"/>
+                <a:tab pos="1163320" algn="l"/>
+                <a:tab pos="1744980" algn="l"/>
+                <a:tab pos="2326640" algn="l"/>
+                <a:tab pos="2908300" algn="l"/>
+                <a:tab pos="3489960" algn="l"/>
+                <a:tab pos="4071620" algn="l"/>
+                <a:tab pos="4653280" algn="l"/>
+                <a:tab pos="5234940" algn="l"/>
+                <a:tab pos="5816600" algn="l"/>
+                <a:tab pos="6398260" algn="l"/>
+                <a:tab pos="6979920" algn="l"/>
+                <a:tab pos="7561580" algn="l"/>
+                <a:tab pos="8143240" algn="l"/>
+                <a:tab pos="8724900" algn="l"/>
+                <a:tab pos="9306560" algn="l"/>
+              </a:tabLst>
+            </a:pPr>
+            <a:endParaRPr lang="en-US" dirty="0">
               <a:solidFill>
                 <a:schemeClr val="tx1"/>
               </a:solidFill>
@@ -7458,7 +8970,7 @@
 </p:sld>
 </file>
 
-<file path=ppt/slides/slide13.xml><?xml version="1.0" encoding="utf-8"?>
+<file path=ppt/slides/slide14.xml><?xml version="1.0" encoding="utf-8"?>
 <p:sld xmlns:a="http://schemas.openxmlformats.org/drawingml/2006/main" xmlns:r="http://schemas.openxmlformats.org/officeDocument/2006/relationships" xmlns:p="http://schemas.openxmlformats.org/presentationml/2006/main">
   <p:cSld>
     <p:spTree>
@@ -7534,7 +9046,7 @@
 </p:sld>
 </file>
 
-<file path=ppt/slides/slide14.xml><?xml version="1.0" encoding="utf-8"?>
+<file path=ppt/slides/slide15.xml><?xml version="1.0" encoding="utf-8"?>
 <p:sld xmlns:a="http://schemas.openxmlformats.org/drawingml/2006/main" xmlns:r="http://schemas.openxmlformats.org/officeDocument/2006/relationships" xmlns:p="http://schemas.openxmlformats.org/presentationml/2006/main">
   <p:cSld>
     <p:spTree>
@@ -8049,7 +9561,7 @@
 </p:sld>
 </file>
 
-<file path=ppt/slides/slide15.xml><?xml version="1.0" encoding="utf-8"?>
+<file path=ppt/slides/slide16.xml><?xml version="1.0" encoding="utf-8"?>
 <p:sld xmlns:a="http://schemas.openxmlformats.org/drawingml/2006/main" xmlns:r="http://schemas.openxmlformats.org/officeDocument/2006/relationships" xmlns:p="http://schemas.openxmlformats.org/presentationml/2006/main">
   <p:cSld>
     <p:spTree>
@@ -8374,7 +9886,7 @@
 </p:sld>
 </file>
 
-<file path=ppt/slides/slide16.xml><?xml version="1.0" encoding="utf-8"?>
+<file path=ppt/slides/slide17.xml><?xml version="1.0" encoding="utf-8"?>
 <p:sld xmlns:a="http://schemas.openxmlformats.org/drawingml/2006/main" xmlns:r="http://schemas.openxmlformats.org/officeDocument/2006/relationships" xmlns:p="http://schemas.openxmlformats.org/presentationml/2006/main">
   <p:cSld>
     <p:spTree>
@@ -17010,9 +18522,41 @@
                 <a:tab pos="9306560" algn="l"/>
               </a:tabLst>
             </a:pPr>
+            <a:r>
+              <a:rPr lang="en-US" sz="2000" dirty="0">
+                <a:solidFill>
+                  <a:srgbClr val="C70040"/>
+                </a:solidFill>
+                <a:latin typeface="Consolas" panose="020B0609020204030204" pitchFamily="49" charset="0"/>
+                <a:cs typeface="Times New Roman" panose="02020603050405020304" pitchFamily="18" charset="0"/>
+              </a:rPr>
+              <a:t>import</a:t>
+            </a:r>
+            <a:r>
+              <a:rPr lang="en-US" sz="2000" dirty="0">
+                <a:solidFill>
+                  <a:srgbClr val="000000"/>
+                </a:solidFill>
+                <a:latin typeface="Consolas" panose="020B0609020204030204" pitchFamily="49" charset="0"/>
+                <a:cs typeface="Times New Roman" panose="02020603050405020304" pitchFamily="18" charset="0"/>
+              </a:rPr>
+              <a:t> </a:t>
+            </a:r>
+            <a:r>
+              <a:rPr lang="en-US" sz="2000" dirty="0" err="1">
+                <a:solidFill>
+                  <a:srgbClr val="000000"/>
+                </a:solidFill>
+                <a:latin typeface="Consolas" panose="020B0609020204030204" pitchFamily="49" charset="0"/>
+                <a:cs typeface="Times New Roman" panose="02020603050405020304" pitchFamily="18" charset="0"/>
+              </a:rPr>
+              <a:t>vision.gears.webglmath.Geometry</a:t>
+            </a:r>
             <a:endParaRPr lang="en-US" sz="2000" dirty="0">
-              <a:latin typeface="Calibri" panose="020F0502020204030204" pitchFamily="34" charset="0"/>
-              <a:ea typeface="Calibri" panose="020F0502020204030204" pitchFamily="34" charset="0"/>
+              <a:solidFill>
+                <a:srgbClr val="000000"/>
+              </a:solidFill>
+              <a:latin typeface="Consolas" panose="020B0609020204030204" pitchFamily="49" charset="0"/>
               <a:cs typeface="Times New Roman" panose="02020603050405020304" pitchFamily="18" charset="0"/>
             </a:endParaRPr>
           </a:p>

--- a/projects/kog.040.010-models/aitcg310 - Modeling.pptx
+++ b/projects/kog.040.010-models/aitcg310 - Modeling.pptx
@@ -213,7 +213,7 @@
           <a:p>
             <a:fld id="{5B0DAFD6-FAC2-42B7-869F-67A360C20BEA}" type="datetimeFigureOut">
               <a:rPr lang="en-US" smtClean="0"/>
-              <a:t>11/3/2021</a:t>
+              <a:t>11/23/2021</a:t>
             </a:fld>
             <a:endParaRPr lang="en-US"/>
           </a:p>
@@ -611,7 +611,7 @@
           <a:p>
             <a:fld id="{338A3FAA-9C6C-4F9E-8590-40D8D97A52B8}" type="datetimeFigureOut">
               <a:rPr lang="en-US" smtClean="0"/>
-              <a:t>11/3/2021</a:t>
+              <a:t>11/23/2021</a:t>
             </a:fld>
             <a:endParaRPr lang="en-US"/>
           </a:p>
@@ -779,7 +779,7 @@
           <a:p>
             <a:fld id="{338A3FAA-9C6C-4F9E-8590-40D8D97A52B8}" type="datetimeFigureOut">
               <a:rPr lang="en-US" smtClean="0"/>
-              <a:t>11/3/2021</a:t>
+              <a:t>11/23/2021</a:t>
             </a:fld>
             <a:endParaRPr lang="en-US"/>
           </a:p>
@@ -957,7 +957,7 @@
           <a:p>
             <a:fld id="{338A3FAA-9C6C-4F9E-8590-40D8D97A52B8}" type="datetimeFigureOut">
               <a:rPr lang="en-US" smtClean="0"/>
-              <a:t>11/3/2021</a:t>
+              <a:t>11/23/2021</a:t>
             </a:fld>
             <a:endParaRPr lang="en-US"/>
           </a:p>
@@ -1125,7 +1125,7 @@
           <a:p>
             <a:fld id="{338A3FAA-9C6C-4F9E-8590-40D8D97A52B8}" type="datetimeFigureOut">
               <a:rPr lang="en-US" smtClean="0"/>
-              <a:t>11/3/2021</a:t>
+              <a:t>11/23/2021</a:t>
             </a:fld>
             <a:endParaRPr lang="en-US"/>
           </a:p>
@@ -1370,7 +1370,7 @@
           <a:p>
             <a:fld id="{338A3FAA-9C6C-4F9E-8590-40D8D97A52B8}" type="datetimeFigureOut">
               <a:rPr lang="en-US" smtClean="0"/>
-              <a:t>11/3/2021</a:t>
+              <a:t>11/23/2021</a:t>
             </a:fld>
             <a:endParaRPr lang="en-US"/>
           </a:p>
@@ -1599,7 +1599,7 @@
           <a:p>
             <a:fld id="{338A3FAA-9C6C-4F9E-8590-40D8D97A52B8}" type="datetimeFigureOut">
               <a:rPr lang="en-US" smtClean="0"/>
-              <a:t>11/3/2021</a:t>
+              <a:t>11/23/2021</a:t>
             </a:fld>
             <a:endParaRPr lang="en-US"/>
           </a:p>
@@ -1963,7 +1963,7 @@
           <a:p>
             <a:fld id="{338A3FAA-9C6C-4F9E-8590-40D8D97A52B8}" type="datetimeFigureOut">
               <a:rPr lang="en-US" smtClean="0"/>
-              <a:t>11/3/2021</a:t>
+              <a:t>11/23/2021</a:t>
             </a:fld>
             <a:endParaRPr lang="en-US"/>
           </a:p>
@@ -2080,7 +2080,7 @@
           <a:p>
             <a:fld id="{338A3FAA-9C6C-4F9E-8590-40D8D97A52B8}" type="datetimeFigureOut">
               <a:rPr lang="en-US" smtClean="0"/>
-              <a:t>11/3/2021</a:t>
+              <a:t>11/23/2021</a:t>
             </a:fld>
             <a:endParaRPr lang="en-US"/>
           </a:p>
@@ -2175,7 +2175,7 @@
           <a:p>
             <a:fld id="{338A3FAA-9C6C-4F9E-8590-40D8D97A52B8}" type="datetimeFigureOut">
               <a:rPr lang="en-US" smtClean="0"/>
-              <a:t>11/3/2021</a:t>
+              <a:t>11/23/2021</a:t>
             </a:fld>
             <a:endParaRPr lang="en-US"/>
           </a:p>
@@ -2450,7 +2450,7 @@
           <a:p>
             <a:fld id="{338A3FAA-9C6C-4F9E-8590-40D8D97A52B8}" type="datetimeFigureOut">
               <a:rPr lang="en-US" smtClean="0"/>
-              <a:t>11/3/2021</a:t>
+              <a:t>11/23/2021</a:t>
             </a:fld>
             <a:endParaRPr lang="en-US"/>
           </a:p>
@@ -2702,7 +2702,7 @@
           <a:p>
             <a:fld id="{338A3FAA-9C6C-4F9E-8590-40D8D97A52B8}" type="datetimeFigureOut">
               <a:rPr lang="en-US" smtClean="0"/>
-              <a:t>11/3/2021</a:t>
+              <a:t>11/23/2021</a:t>
             </a:fld>
             <a:endParaRPr lang="en-US"/>
           </a:p>
@@ -2913,7 +2913,7 @@
           <a:p>
             <a:fld id="{338A3FAA-9C6C-4F9E-8590-40D8D97A52B8}" type="datetimeFigureOut">
               <a:rPr lang="en-US" smtClean="0"/>
-              <a:t>11/3/2021</a:t>
+              <a:t>11/23/2021</a:t>
             </a:fld>
             <a:endParaRPr lang="en-US"/>
           </a:p>
@@ -3343,6 +3343,10 @@
               </a:rPr>
               <a:t>Computer Graphics</a:t>
             </a:r>
+            <a:r>
+              <a:rPr lang="en-US" dirty="0"/>
+              <a:t/>
+            </a:r>
             <a:br>
               <a:rPr lang="en-US" dirty="0"/>
             </a:br>
@@ -6264,7 +6268,7 @@
               <a:t>      </a:t>
             </a:r>
             <a:r>
-              <a:rPr lang="hu-HU" sz="1600" dirty="0" err="1">
+              <a:rPr lang="hu-HU" sz="1600" dirty="0">
                 <a:solidFill>
                   <a:srgbClr val="C70040"/>
                 </a:solidFill>
@@ -6282,125 +6286,70 @@
                 <a:ea typeface="Times New Roman" panose="02020603050405020304" pitchFamily="18" charset="0"/>
                 <a:cs typeface="Times New Roman" panose="02020603050405020304" pitchFamily="18" charset="0"/>
               </a:rPr>
+              <a:t> materials </a:t>
+            </a:r>
+            <a:r>
+              <a:rPr lang="hu-HU" sz="1600" dirty="0">
+                <a:solidFill>
+                  <a:srgbClr val="C70040"/>
+                </a:solidFill>
+                <a:latin typeface="Consolas" panose="020B0609020204030204" pitchFamily="49" charset="0"/>
+                <a:cs typeface="Times New Roman" panose="02020603050405020304" pitchFamily="18" charset="0"/>
+              </a:rPr>
+              <a:t>:</a:t>
+            </a:r>
+            <a:r>
+              <a:rPr lang="hu-HU" sz="1600" dirty="0">
+                <a:solidFill>
+                  <a:schemeClr val="tx1"/>
+                </a:solidFill>
+                <a:latin typeface="Consolas" panose="020B0609020204030204" pitchFamily="49" charset="0"/>
+                <a:ea typeface="Times New Roman" panose="02020603050405020304" pitchFamily="18" charset="0"/>
+                <a:cs typeface="Times New Roman" panose="02020603050405020304" pitchFamily="18" charset="0"/>
+              </a:rPr>
+              <a:t> Material) </a:t>
+            </a:r>
+            <a:r>
+              <a:rPr lang="hu-HU" sz="1600" dirty="0">
+                <a:solidFill>
+                  <a:srgbClr val="C70040"/>
+                </a:solidFill>
+                <a:latin typeface="Consolas" panose="020B0609020204030204" pitchFamily="49" charset="0"/>
+                <a:cs typeface="Times New Roman" panose="02020603050405020304" pitchFamily="18" charset="0"/>
+              </a:rPr>
+              <a:t>:</a:t>
+            </a:r>
+            <a:r>
+              <a:rPr lang="hu-HU" sz="1600" dirty="0">
+                <a:solidFill>
+                  <a:schemeClr val="tx1"/>
+                </a:solidFill>
+                <a:latin typeface="Consolas" panose="020B0609020204030204" pitchFamily="49" charset="0"/>
+                <a:ea typeface="Times New Roman" panose="02020603050405020304" pitchFamily="18" charset="0"/>
+                <a:cs typeface="Times New Roman" panose="02020603050405020304" pitchFamily="18" charset="0"/>
+              </a:rPr>
               <a:t> </a:t>
             </a:r>
             <a:r>
-              <a:rPr lang="hu-HU" sz="1600" dirty="0" err="1">
-                <a:solidFill>
-                  <a:schemeClr val="tx1"/>
-                </a:solidFill>
-                <a:latin typeface="Consolas" panose="020B0609020204030204" pitchFamily="49" charset="0"/>
-                <a:ea typeface="Times New Roman" panose="02020603050405020304" pitchFamily="18" charset="0"/>
-                <a:cs typeface="Times New Roman" panose="02020603050405020304" pitchFamily="18" charset="0"/>
-              </a:rPr>
-              <a:t>materials</a:t>
-            </a:r>
-            <a:r>
-              <a:rPr lang="hu-HU" sz="1600" dirty="0">
-                <a:solidFill>
-                  <a:schemeClr val="tx1"/>
-                </a:solidFill>
-                <a:latin typeface="Consolas" panose="020B0609020204030204" pitchFamily="49" charset="0"/>
-                <a:ea typeface="Times New Roman" panose="02020603050405020304" pitchFamily="18" charset="0"/>
-                <a:cs typeface="Times New Roman" panose="02020603050405020304" pitchFamily="18" charset="0"/>
-              </a:rPr>
-              <a:t> </a:t>
-            </a:r>
-            <a:r>
-              <a:rPr lang="hu-HU" sz="1600" dirty="0">
-                <a:solidFill>
-                  <a:srgbClr val="C70040"/>
-                </a:solidFill>
-                <a:latin typeface="Consolas" panose="020B0609020204030204" pitchFamily="49" charset="0"/>
-                <a:cs typeface="Times New Roman" panose="02020603050405020304" pitchFamily="18" charset="0"/>
-              </a:rPr>
-              <a:t>:</a:t>
-            </a:r>
-            <a:r>
-              <a:rPr lang="hu-HU" sz="1600" dirty="0">
-                <a:solidFill>
-                  <a:schemeClr val="tx1"/>
-                </a:solidFill>
-                <a:latin typeface="Consolas" panose="020B0609020204030204" pitchFamily="49" charset="0"/>
-                <a:ea typeface="Times New Roman" panose="02020603050405020304" pitchFamily="18" charset="0"/>
-                <a:cs typeface="Times New Roman" panose="02020603050405020304" pitchFamily="18" charset="0"/>
-              </a:rPr>
-              <a:t> </a:t>
-            </a:r>
-            <a:r>
-              <a:rPr lang="hu-HU" sz="1600" dirty="0" err="1">
-                <a:solidFill>
-                  <a:schemeClr val="tx1"/>
-                </a:solidFill>
-                <a:latin typeface="Consolas" panose="020B0609020204030204" pitchFamily="49" charset="0"/>
-                <a:ea typeface="Times New Roman" panose="02020603050405020304" pitchFamily="18" charset="0"/>
-                <a:cs typeface="Times New Roman" panose="02020603050405020304" pitchFamily="18" charset="0"/>
-              </a:rPr>
-              <a:t>Material</a:t>
-            </a:r>
-            <a:r>
-              <a:rPr lang="hu-HU" sz="1600" dirty="0">
-                <a:solidFill>
-                  <a:schemeClr val="tx1"/>
-                </a:solidFill>
-                <a:latin typeface="Consolas" panose="020B0609020204030204" pitchFamily="49" charset="0"/>
-                <a:ea typeface="Times New Roman" panose="02020603050405020304" pitchFamily="18" charset="0"/>
-                <a:cs typeface="Times New Roman" panose="02020603050405020304" pitchFamily="18" charset="0"/>
-              </a:rPr>
-              <a:t>) </a:t>
-            </a:r>
-            <a:r>
-              <a:rPr lang="hu-HU" sz="1600" dirty="0">
-                <a:solidFill>
-                  <a:srgbClr val="C70040"/>
-                </a:solidFill>
-                <a:latin typeface="Consolas" panose="020B0609020204030204" pitchFamily="49" charset="0"/>
-                <a:cs typeface="Times New Roman" panose="02020603050405020304" pitchFamily="18" charset="0"/>
-              </a:rPr>
-              <a:t>:</a:t>
-            </a:r>
-            <a:r>
-              <a:rPr lang="hu-HU" sz="1600" dirty="0">
-                <a:solidFill>
-                  <a:schemeClr val="tx1"/>
-                </a:solidFill>
-                <a:latin typeface="Consolas" panose="020B0609020204030204" pitchFamily="49" charset="0"/>
-                <a:ea typeface="Times New Roman" panose="02020603050405020304" pitchFamily="18" charset="0"/>
-                <a:cs typeface="Times New Roman" panose="02020603050405020304" pitchFamily="18" charset="0"/>
-              </a:rPr>
-              <a:t> </a:t>
-            </a:r>
-            <a:r>
-              <a:rPr lang="hu-HU" sz="1600" i="1" dirty="0">
+              <a:rPr lang="hu-HU" sz="1600" i="1" dirty="0" smtClean="0">
                 <a:solidFill>
                   <a:srgbClr val="34A7BD"/>
                 </a:solidFill>
                 <a:latin typeface="Consolas" panose="020B0609020204030204" pitchFamily="49" charset="0"/>
                 <a:cs typeface="Times New Roman" panose="02020603050405020304" pitchFamily="18" charset="0"/>
               </a:rPr>
-              <a:t>List</a:t>
-            </a:r>
-            <a:r>
-              <a:rPr lang="hu-HU" sz="1600" dirty="0">
-                <a:solidFill>
-                  <a:schemeClr val="tx1"/>
-                </a:solidFill>
-                <a:latin typeface="Consolas" panose="020B0609020204030204" pitchFamily="49" charset="0"/>
-                <a:ea typeface="Times New Roman" panose="02020603050405020304" pitchFamily="18" charset="0"/>
-                <a:cs typeface="Times New Roman" panose="02020603050405020304" pitchFamily="18" charset="0"/>
-              </a:rPr>
-              <a:t>&lt;</a:t>
-            </a:r>
-            <a:r>
-              <a:rPr lang="hu-HU" sz="1600" dirty="0" err="1">
-                <a:solidFill>
-                  <a:schemeClr val="tx1"/>
-                </a:solidFill>
-                <a:latin typeface="Consolas" panose="020B0609020204030204" pitchFamily="49" charset="0"/>
-                <a:ea typeface="Times New Roman" panose="02020603050405020304" pitchFamily="18" charset="0"/>
-                <a:cs typeface="Times New Roman" panose="02020603050405020304" pitchFamily="18" charset="0"/>
-              </a:rPr>
-              <a:t>Mesh</a:t>
+              <a:t>Array</a:t>
+            </a:r>
+            <a:r>
+              <a:rPr lang="hu-HU" sz="1600" dirty="0" smtClean="0">
+                <a:solidFill>
+                  <a:schemeClr val="tx1"/>
+                </a:solidFill>
+                <a:latin typeface="Consolas" panose="020B0609020204030204" pitchFamily="49" charset="0"/>
+                <a:ea typeface="Times New Roman" panose="02020603050405020304" pitchFamily="18" charset="0"/>
+                <a:cs typeface="Times New Roman" panose="02020603050405020304" pitchFamily="18" charset="0"/>
+              </a:rPr>
+              <a:t>&lt;Mesh</a:t>
             </a:r>
             <a:r>
               <a:rPr lang="hu-HU" sz="1600" dirty="0">
@@ -6595,7 +6544,7 @@
               <a:t>    </a:t>
             </a:r>
             <a:r>
-              <a:rPr lang="hu-HU" sz="1600" dirty="0" err="1">
+              <a:rPr lang="hu-HU" sz="1600" dirty="0">
                 <a:solidFill>
                   <a:srgbClr val="C70040"/>
                 </a:solidFill>
@@ -6613,33 +6562,11 @@
                 <a:ea typeface="Times New Roman" panose="02020603050405020304" pitchFamily="18" charset="0"/>
                 <a:cs typeface="Times New Roman" panose="02020603050405020304" pitchFamily="18" charset="0"/>
               </a:rPr>
-              <a:t> (</a:t>
-            </a:r>
-            <a:r>
-              <a:rPr lang="hu-HU" sz="1600" dirty="0" err="1">
-                <a:solidFill>
-                  <a:schemeClr val="tx1"/>
-                </a:solidFill>
-                <a:latin typeface="Consolas" panose="020B0609020204030204" pitchFamily="49" charset="0"/>
-                <a:ea typeface="Times New Roman" panose="02020603050405020304" pitchFamily="18" charset="0"/>
-                <a:cs typeface="Times New Roman" panose="02020603050405020304" pitchFamily="18" charset="0"/>
-              </a:rPr>
-              <a:t>materials</a:t>
+              <a:t> (materials </a:t>
             </a:r>
             <a:r>
               <a:rPr lang="hu-HU" sz="1600" dirty="0">
                 <a:solidFill>
-                  <a:schemeClr val="tx1"/>
-                </a:solidFill>
-                <a:latin typeface="Consolas" panose="020B0609020204030204" pitchFamily="49" charset="0"/>
-                <a:ea typeface="Times New Roman" panose="02020603050405020304" pitchFamily="18" charset="0"/>
-                <a:cs typeface="Times New Roman" panose="02020603050405020304" pitchFamily="18" charset="0"/>
-              </a:rPr>
-              <a:t> </a:t>
-            </a:r>
-            <a:r>
-              <a:rPr lang="hu-HU" sz="1600" dirty="0" err="1">
-                <a:solidFill>
                   <a:srgbClr val="C70040"/>
                 </a:solidFill>
                 <a:latin typeface="Consolas" panose="020B0609020204030204" pitchFamily="49" charset="0"/>
@@ -6656,39 +6583,38 @@
                 <a:ea typeface="Times New Roman" panose="02020603050405020304" pitchFamily="18" charset="0"/>
                 <a:cs typeface="Times New Roman" panose="02020603050405020304" pitchFamily="18" charset="0"/>
               </a:rPr>
-              <a:t> </a:t>
-            </a:r>
-            <a:r>
-              <a:rPr lang="hu-HU" sz="1600" dirty="0" err="1">
-                <a:solidFill>
-                  <a:schemeClr val="tx1"/>
-                </a:solidFill>
-                <a:latin typeface="Consolas" panose="020B0609020204030204" pitchFamily="49" charset="0"/>
-                <a:ea typeface="Times New Roman" panose="02020603050405020304" pitchFamily="18" charset="0"/>
-                <a:cs typeface="Times New Roman" panose="02020603050405020304" pitchFamily="18" charset="0"/>
-              </a:rPr>
-              <a:t>geometries</a:t>
+              <a:t> geometries)</a:t>
             </a:r>
             <a:r>
               <a:rPr lang="hu-HU" sz="1600" dirty="0">
                 <a:solidFill>
-                  <a:schemeClr val="tx1"/>
-                </a:solidFill>
-                <a:latin typeface="Consolas" panose="020B0609020204030204" pitchFamily="49" charset="0"/>
-                <a:ea typeface="Times New Roman" panose="02020603050405020304" pitchFamily="18" charset="0"/>
-                <a:cs typeface="Times New Roman" panose="02020603050405020304" pitchFamily="18" charset="0"/>
-              </a:rPr>
-              <a:t>)</a:t>
+                  <a:srgbClr val="C70040"/>
+                </a:solidFill>
+                <a:latin typeface="Consolas" panose="020B0609020204030204" pitchFamily="49" charset="0"/>
+                <a:cs typeface="Times New Roman" panose="02020603050405020304" pitchFamily="18" charset="0"/>
+              </a:rPr>
+              <a:t>.</a:t>
             </a:r>
             <a:r>
               <a:rPr lang="hu-HU" sz="1600" dirty="0">
                 <a:solidFill>
+                  <a:schemeClr val="tx1"/>
+                </a:solidFill>
+                <a:latin typeface="Consolas" panose="020B0609020204030204" pitchFamily="49" charset="0"/>
+                <a:ea typeface="Times New Roman" panose="02020603050405020304" pitchFamily="18" charset="0"/>
+                <a:cs typeface="Times New Roman" panose="02020603050405020304" pitchFamily="18" charset="0"/>
+              </a:rPr>
+              <a:t>map{(m, g) </a:t>
+            </a:r>
+            <a:r>
+              <a:rPr lang="hu-HU" sz="1600" dirty="0">
+                <a:solidFill>
                   <a:srgbClr val="C70040"/>
                 </a:solidFill>
                 <a:latin typeface="Consolas" panose="020B0609020204030204" pitchFamily="49" charset="0"/>
                 <a:cs typeface="Times New Roman" panose="02020603050405020304" pitchFamily="18" charset="0"/>
               </a:rPr>
-              <a:t>.</a:t>
+              <a:t>-&gt;</a:t>
             </a:r>
             <a:r>
               <a:rPr lang="hu-HU" sz="1600" dirty="0">
@@ -6699,51 +6625,27 @@
                 <a:ea typeface="Times New Roman" panose="02020603050405020304" pitchFamily="18" charset="0"/>
                 <a:cs typeface="Times New Roman" panose="02020603050405020304" pitchFamily="18" charset="0"/>
               </a:rPr>
-              <a:t>map{(m, g) </a:t>
-            </a:r>
-            <a:r>
-              <a:rPr lang="hu-HU" sz="1600" dirty="0">
-                <a:solidFill>
-                  <a:srgbClr val="C70040"/>
-                </a:solidFill>
-                <a:latin typeface="Consolas" panose="020B0609020204030204" pitchFamily="49" charset="0"/>
-                <a:cs typeface="Times New Roman" panose="02020603050405020304" pitchFamily="18" charset="0"/>
-              </a:rPr>
-              <a:t>-&gt;</a:t>
-            </a:r>
-            <a:r>
-              <a:rPr lang="hu-HU" sz="1600" dirty="0">
-                <a:solidFill>
-                  <a:schemeClr val="tx1"/>
-                </a:solidFill>
-                <a:latin typeface="Consolas" panose="020B0609020204030204" pitchFamily="49" charset="0"/>
-                <a:ea typeface="Times New Roman" panose="02020603050405020304" pitchFamily="18" charset="0"/>
-                <a:cs typeface="Times New Roman" panose="02020603050405020304" pitchFamily="18" charset="0"/>
-              </a:rPr>
-              <a:t> </a:t>
-            </a:r>
-            <a:r>
-              <a:rPr lang="hu-HU" sz="1600" dirty="0" err="1">
-                <a:solidFill>
-                  <a:schemeClr val="tx1"/>
-                </a:solidFill>
-                <a:latin typeface="Consolas" panose="020B0609020204030204" pitchFamily="49" charset="0"/>
-                <a:ea typeface="Times New Roman" panose="02020603050405020304" pitchFamily="18" charset="0"/>
-                <a:cs typeface="Times New Roman" panose="02020603050405020304" pitchFamily="18" charset="0"/>
-              </a:rPr>
-              <a:t>Mesh</a:t>
-            </a:r>
-            <a:r>
-              <a:rPr lang="hu-HU" sz="1600" dirty="0">
-                <a:solidFill>
-                  <a:schemeClr val="tx1"/>
-                </a:solidFill>
-                <a:latin typeface="Consolas" panose="020B0609020204030204" pitchFamily="49" charset="0"/>
-                <a:ea typeface="Times New Roman" panose="02020603050405020304" pitchFamily="18" charset="0"/>
-                <a:cs typeface="Times New Roman" panose="02020603050405020304" pitchFamily="18" charset="0"/>
-              </a:rPr>
-              <a:t>(m, g)}</a:t>
-            </a:r>
+              <a:t> Mesh(m, g</a:t>
+            </a:r>
+            <a:r>
+              <a:rPr lang="hu-HU" sz="1600" dirty="0" smtClean="0">
+                <a:solidFill>
+                  <a:schemeClr val="tx1"/>
+                </a:solidFill>
+                <a:latin typeface="Consolas" panose="020B0609020204030204" pitchFamily="49" charset="0"/>
+                <a:ea typeface="Times New Roman" panose="02020603050405020304" pitchFamily="18" charset="0"/>
+                <a:cs typeface="Times New Roman" panose="02020603050405020304" pitchFamily="18" charset="0"/>
+              </a:rPr>
+              <a:t>)}.toTypedArray()</a:t>
+            </a:r>
+            <a:endParaRPr lang="hu-HU" sz="1600" dirty="0">
+              <a:solidFill>
+                <a:schemeClr val="tx1"/>
+              </a:solidFill>
+              <a:latin typeface="Consolas" panose="020B0609020204030204" pitchFamily="49" charset="0"/>
+              <a:ea typeface="Times New Roman" panose="02020603050405020304" pitchFamily="18" charset="0"/>
+              <a:cs typeface="Times New Roman" panose="02020603050405020304" pitchFamily="18" charset="0"/>
+            </a:endParaRPr>
           </a:p>
           <a:p>
             <a:pPr>
@@ -7714,7 +7616,7 @@
               </a:tabLst>
             </a:pPr>
             <a:r>
-              <a:rPr lang="en-US" dirty="0" err="1">
+              <a:rPr lang="en-US" sz="1600" dirty="0" err="1">
                 <a:solidFill>
                   <a:srgbClr val="C70040"/>
                 </a:solidFill>
@@ -7724,7 +7626,7 @@
               <a:t>val</a:t>
             </a:r>
             <a:r>
-              <a:rPr lang="en-US" dirty="0">
+              <a:rPr lang="en-US" sz="1600" dirty="0">
                 <a:solidFill>
                   <a:schemeClr val="tx1"/>
                 </a:solidFill>
@@ -7735,7 +7637,7 @@
               <a:t> </a:t>
             </a:r>
             <a:r>
-              <a:rPr lang="en-US" dirty="0" err="1">
+              <a:rPr lang="en-US" sz="1600" dirty="0" err="1">
                 <a:solidFill>
                   <a:schemeClr val="tx1"/>
                 </a:solidFill>
@@ -7746,7 +7648,7 @@
               <a:t>jsonLoader</a:t>
             </a:r>
             <a:r>
-              <a:rPr lang="en-US" dirty="0">
+              <a:rPr lang="en-US" sz="1600" dirty="0">
                 <a:solidFill>
                   <a:schemeClr val="tx1"/>
                 </a:solidFill>
@@ -7757,7 +7659,7 @@
               <a:t> </a:t>
             </a:r>
             <a:r>
-              <a:rPr lang="en-US" dirty="0">
+              <a:rPr lang="en-US" sz="1600" dirty="0">
                 <a:solidFill>
                   <a:srgbClr val="C70040"/>
                 </a:solidFill>
@@ -7767,7 +7669,7 @@
               <a:t>=</a:t>
             </a:r>
             <a:r>
-              <a:rPr lang="en-US" dirty="0">
+              <a:rPr lang="en-US" sz="1600" dirty="0">
                 <a:solidFill>
                   <a:schemeClr val="tx1"/>
                 </a:solidFill>
@@ -7778,7 +7680,7 @@
               <a:t> </a:t>
             </a:r>
             <a:r>
-              <a:rPr lang="en-US" dirty="0" err="1">
+              <a:rPr lang="en-US" sz="1600" dirty="0" err="1">
                 <a:solidFill>
                   <a:schemeClr val="tx1"/>
                 </a:solidFill>
@@ -7789,7 +7691,7 @@
               <a:t>JsonLoader</a:t>
             </a:r>
             <a:r>
-              <a:rPr lang="en-US" dirty="0">
+              <a:rPr lang="en-US" sz="1600" dirty="0">
                 <a:solidFill>
                   <a:schemeClr val="tx1"/>
                 </a:solidFill>
@@ -7825,7 +7727,7 @@
               </a:tabLst>
             </a:pPr>
             <a:r>
-              <a:rPr lang="en-US" dirty="0" err="1">
+              <a:rPr lang="en-US" sz="1600" dirty="0" err="1">
                 <a:solidFill>
                   <a:srgbClr val="C70040"/>
                 </a:solidFill>
@@ -7835,7 +7737,7 @@
               <a:t>val</a:t>
             </a:r>
             <a:r>
-              <a:rPr lang="en-US" dirty="0">
+              <a:rPr lang="en-US" sz="1600" dirty="0">
                 <a:solidFill>
                   <a:schemeClr val="tx1"/>
                 </a:solidFill>
@@ -7846,7 +7748,7 @@
               <a:t> </a:t>
             </a:r>
             <a:r>
-              <a:rPr lang="en-US" dirty="0" err="1">
+              <a:rPr lang="en-US" sz="1600" dirty="0" err="1">
                 <a:solidFill>
                   <a:schemeClr val="tx1"/>
                 </a:solidFill>
@@ -7857,7 +7759,7 @@
               <a:t>slowpokeMeshes</a:t>
             </a:r>
             <a:r>
-              <a:rPr lang="en-US" dirty="0">
+              <a:rPr lang="en-US" sz="1600" dirty="0">
                 <a:solidFill>
                   <a:schemeClr val="tx1"/>
                 </a:solidFill>
@@ -7868,7 +7770,7 @@
               <a:t> </a:t>
             </a:r>
             <a:r>
-              <a:rPr lang="en-US" dirty="0">
+              <a:rPr lang="en-US" sz="1600" dirty="0">
                 <a:solidFill>
                   <a:srgbClr val="C70040"/>
                 </a:solidFill>
@@ -7878,7 +7780,7 @@
               <a:t>=</a:t>
             </a:r>
             <a:r>
-              <a:rPr lang="en-US" dirty="0">
+              <a:rPr lang="en-US" sz="1600" dirty="0">
                 <a:solidFill>
                   <a:schemeClr val="tx1"/>
                 </a:solidFill>
@@ -7889,7 +7791,7 @@
               <a:t> </a:t>
             </a:r>
             <a:r>
-              <a:rPr lang="en-US" dirty="0" err="1">
+              <a:rPr lang="en-US" sz="1600" dirty="0" err="1">
                 <a:solidFill>
                   <a:schemeClr val="tx1"/>
                 </a:solidFill>
@@ -7900,7 +7802,7 @@
               <a:t>jsonLoader.meshesFrom</a:t>
             </a:r>
             <a:r>
-              <a:rPr lang="en-US" dirty="0">
+              <a:rPr lang="en-US" sz="1600" dirty="0">
                 <a:solidFill>
                   <a:schemeClr val="tx1"/>
                 </a:solidFill>
@@ -7911,7 +7813,7 @@
               <a:t>(</a:t>
             </a:r>
             <a:r>
-              <a:rPr lang="en-US" dirty="0" err="1">
+              <a:rPr lang="en-US" sz="1600" dirty="0" err="1">
                 <a:solidFill>
                   <a:schemeClr val="tx1"/>
                 </a:solidFill>
@@ -7922,7 +7824,7 @@
               <a:t>gl</a:t>
             </a:r>
             <a:r>
-              <a:rPr lang="en-US" dirty="0">
+              <a:rPr lang="en-US" sz="1600" dirty="0">
                 <a:solidFill>
                   <a:schemeClr val="tx1"/>
                 </a:solidFill>
@@ -7958,7 +7860,7 @@
               </a:tabLst>
             </a:pPr>
             <a:r>
-              <a:rPr lang="en-US" dirty="0">
+              <a:rPr lang="en-US" sz="1600" dirty="0">
                 <a:solidFill>
                   <a:schemeClr val="tx1"/>
                 </a:solidFill>
@@ -7969,7 +7871,7 @@
               <a:t>  "media/slowpoke/</a:t>
             </a:r>
             <a:r>
-              <a:rPr lang="en-US" dirty="0" err="1">
+              <a:rPr lang="en-US" sz="1600" dirty="0" err="1">
                 <a:solidFill>
                   <a:schemeClr val="tx1"/>
                 </a:solidFill>
@@ -7980,7 +7882,7 @@
               <a:t>slowpoke</a:t>
             </a:r>
             <a:r>
-              <a:rPr lang="en-US" dirty="0" err="1">
+              <a:rPr lang="en-US" sz="1600" dirty="0" err="1">
                 <a:solidFill>
                   <a:srgbClr val="C70040"/>
                 </a:solidFill>
@@ -7990,7 +7892,7 @@
               <a:t>.</a:t>
             </a:r>
             <a:r>
-              <a:rPr lang="en-US" dirty="0" err="1">
+              <a:rPr lang="en-US" sz="1600" dirty="0" err="1">
                 <a:solidFill>
                   <a:schemeClr val="tx1"/>
                 </a:solidFill>
@@ -8001,7 +7903,7 @@
               <a:t>json</a:t>
             </a:r>
             <a:r>
-              <a:rPr lang="en-US" dirty="0">
+              <a:rPr lang="en-US" sz="1600" dirty="0">
                 <a:solidFill>
                   <a:schemeClr val="tx1"/>
                 </a:solidFill>
@@ -8037,7 +7939,7 @@
               </a:tabLst>
             </a:pPr>
             <a:r>
-              <a:rPr lang="en-US" dirty="0">
+              <a:rPr lang="en-US" sz="1600" dirty="0">
                 <a:solidFill>
                   <a:schemeClr val="tx1"/>
                 </a:solidFill>
@@ -8048,7 +7950,7 @@
               <a:t>  Material(</a:t>
             </a:r>
             <a:r>
-              <a:rPr lang="en-US" dirty="0" err="1">
+              <a:rPr lang="en-US" sz="1600" dirty="0" err="1">
                 <a:solidFill>
                   <a:schemeClr val="tx1"/>
                 </a:solidFill>
@@ -8059,7 +7961,7 @@
               <a:t>texturedProgram</a:t>
             </a:r>
             <a:r>
-              <a:rPr lang="en-US" dirty="0">
+              <a:rPr lang="en-US" sz="1600" dirty="0">
                 <a:solidFill>
                   <a:schemeClr val="tx1"/>
                 </a:solidFill>
@@ -8070,7 +7972,7 @@
               <a:t>)</a:t>
             </a:r>
             <a:r>
-              <a:rPr lang="en-US" dirty="0">
+              <a:rPr lang="en-US" sz="1600" dirty="0">
                 <a:solidFill>
                   <a:srgbClr val="C70040"/>
                 </a:solidFill>
@@ -8080,7 +7982,7 @@
               <a:t>.</a:t>
             </a:r>
             <a:r>
-              <a:rPr lang="en-US" dirty="0">
+              <a:rPr lang="en-US" sz="1600" dirty="0">
                 <a:solidFill>
                   <a:schemeClr val="tx1"/>
                 </a:solidFill>
@@ -8116,7 +8018,7 @@
               </a:tabLst>
             </a:pPr>
             <a:r>
-              <a:rPr lang="en-US" dirty="0">
+              <a:rPr lang="en-US" sz="1600" dirty="0">
                 <a:solidFill>
                   <a:schemeClr val="tx1"/>
                 </a:solidFill>
@@ -8127,7 +8029,7 @@
               <a:t>    this[</a:t>
             </a:r>
             <a:r>
-              <a:rPr lang="en-US" dirty="0">
+              <a:rPr lang="en-US" sz="1600" dirty="0">
                 <a:solidFill>
                   <a:srgbClr val="C70040"/>
                 </a:solidFill>
@@ -8137,7 +8039,7 @@
               <a:t>"</a:t>
             </a:r>
             <a:r>
-              <a:rPr lang="en-US" i="1" dirty="0" err="1">
+              <a:rPr lang="en-US" sz="1600" i="1" dirty="0" err="1">
                 <a:solidFill>
                   <a:srgbClr val="FFC000"/>
                 </a:solidFill>
@@ -8148,7 +8050,7 @@
               <a:t>colorTexture</a:t>
             </a:r>
             <a:r>
-              <a:rPr lang="en-US" dirty="0">
+              <a:rPr lang="en-US" sz="1600" dirty="0" smtClean="0">
                 <a:solidFill>
                   <a:srgbClr val="C70040"/>
                 </a:solidFill>
@@ -8158,7 +8060,7 @@
               <a:t>"</a:t>
             </a:r>
             <a:r>
-              <a:rPr lang="en-US" dirty="0">
+              <a:rPr lang="en-US" sz="1600" dirty="0" smtClean="0">
                 <a:solidFill>
                   <a:schemeClr val="tx1"/>
                 </a:solidFill>
@@ -8169,25 +8071,36 @@
               <a:t>]</a:t>
             </a:r>
             <a:r>
-              <a:rPr lang="en-US" dirty="0">
+              <a:rPr lang="hu-HU" sz="1600" dirty="0" smtClean="0">
                 <a:solidFill>
                   <a:srgbClr val="C70040"/>
                 </a:solidFill>
                 <a:latin typeface="Consolas" panose="020B0609020204030204" pitchFamily="49" charset="0"/>
                 <a:cs typeface="Times New Roman" panose="02020603050405020304" pitchFamily="18" charset="0"/>
               </a:rPr>
-              <a:t>.</a:t>
-            </a:r>
-            <a:r>
-              <a:rPr lang="en-US" dirty="0">
-                <a:solidFill>
-                  <a:schemeClr val="tx1"/>
-                </a:solidFill>
-                <a:latin typeface="Consolas" panose="020B0609020204030204" pitchFamily="49" charset="0"/>
-                <a:ea typeface="Times New Roman" panose="02020603050405020304" pitchFamily="18" charset="0"/>
-                <a:cs typeface="Times New Roman" panose="02020603050405020304" pitchFamily="18" charset="0"/>
-              </a:rPr>
-              <a:t>set(</a:t>
+              <a:t>?.</a:t>
+            </a:r>
+            <a:r>
+              <a:rPr lang="en-US" sz="1600" dirty="0" smtClean="0">
+                <a:solidFill>
+                  <a:schemeClr val="tx1"/>
+                </a:solidFill>
+                <a:latin typeface="Consolas" panose="020B0609020204030204" pitchFamily="49" charset="0"/>
+                <a:ea typeface="Times New Roman" panose="02020603050405020304" pitchFamily="18" charset="0"/>
+                <a:cs typeface="Times New Roman" panose="02020603050405020304" pitchFamily="18" charset="0"/>
+              </a:rPr>
+              <a:t>set</a:t>
+            </a:r>
+            <a:r>
+              <a:rPr lang="en-US" sz="1600" dirty="0">
+                <a:solidFill>
+                  <a:schemeClr val="tx1"/>
+                </a:solidFill>
+                <a:latin typeface="Consolas" panose="020B0609020204030204" pitchFamily="49" charset="0"/>
+                <a:ea typeface="Times New Roman" panose="02020603050405020304" pitchFamily="18" charset="0"/>
+                <a:cs typeface="Times New Roman" panose="02020603050405020304" pitchFamily="18" charset="0"/>
+              </a:rPr>
+              <a:t>(</a:t>
             </a:r>
           </a:p>
           <a:p>
@@ -8215,18 +8128,29 @@
               </a:tabLst>
             </a:pPr>
             <a:r>
-              <a:rPr lang="en-US" dirty="0">
-                <a:solidFill>
-                  <a:schemeClr val="tx1"/>
-                </a:solidFill>
-                <a:latin typeface="Consolas" panose="020B0609020204030204" pitchFamily="49" charset="0"/>
-                <a:ea typeface="Times New Roman" panose="02020603050405020304" pitchFamily="18" charset="0"/>
-                <a:cs typeface="Times New Roman" panose="02020603050405020304" pitchFamily="18" charset="0"/>
-              </a:rPr>
-              <a:t>            Texture2D(</a:t>
-            </a:r>
-            <a:r>
-              <a:rPr lang="en-US" dirty="0" err="1">
+              <a:rPr lang="en-US" sz="1600">
+                <a:solidFill>
+                  <a:schemeClr val="tx1"/>
+                </a:solidFill>
+                <a:latin typeface="Consolas" panose="020B0609020204030204" pitchFamily="49" charset="0"/>
+                <a:ea typeface="Times New Roman" panose="02020603050405020304" pitchFamily="18" charset="0"/>
+                <a:cs typeface="Times New Roman" panose="02020603050405020304" pitchFamily="18" charset="0"/>
+              </a:rPr>
+              <a:t>        </a:t>
+            </a:r>
+            <a:r>
+              <a:rPr lang="en-US" sz="1600" smtClean="0">
+                <a:solidFill>
+                  <a:schemeClr val="tx1"/>
+                </a:solidFill>
+                <a:latin typeface="Consolas" panose="020B0609020204030204" pitchFamily="49" charset="0"/>
+                <a:ea typeface="Times New Roman" panose="02020603050405020304" pitchFamily="18" charset="0"/>
+                <a:cs typeface="Times New Roman" panose="02020603050405020304" pitchFamily="18" charset="0"/>
+              </a:rPr>
+              <a:t>Texture2D(</a:t>
+            </a:r>
+            <a:r>
+              <a:rPr lang="en-US" sz="1600" dirty="0" err="1" smtClean="0">
                 <a:solidFill>
                   <a:schemeClr val="tx1"/>
                 </a:solidFill>
@@ -8237,7 +8161,7 @@
               <a:t>gl</a:t>
             </a:r>
             <a:r>
-              <a:rPr lang="en-US" dirty="0">
+              <a:rPr lang="en-US" sz="1600" dirty="0">
                 <a:solidFill>
                   <a:schemeClr val="tx1"/>
                 </a:solidFill>
@@ -8248,7 +8172,7 @@
               <a:t>, </a:t>
             </a:r>
             <a:r>
-              <a:rPr lang="en-US" dirty="0">
+              <a:rPr lang="en-US" sz="1600" dirty="0">
                 <a:solidFill>
                   <a:srgbClr val="C70040"/>
                 </a:solidFill>
@@ -8258,17 +8182,67 @@
               <a:t>"</a:t>
             </a:r>
             <a:r>
-              <a:rPr lang="en-US" i="1" dirty="0">
+              <a:rPr lang="en-US" sz="1600" i="1" dirty="0" smtClean="0">
                 <a:solidFill>
                   <a:srgbClr val="FFC000"/>
                 </a:solidFill>
                 <a:latin typeface="Consolas" panose="020B0609020204030204" pitchFamily="49" charset="0"/>
                 <a:cs typeface="Times New Roman" panose="02020603050405020304" pitchFamily="18" charset="0"/>
               </a:rPr>
-              <a:t>media/Yadon.png</a:t>
-            </a:r>
-            <a:r>
-              <a:rPr lang="en-US" dirty="0">
+              <a:t>media/</a:t>
+            </a:r>
+            <a:r>
+              <a:rPr lang="hu-HU" sz="1600" i="1" dirty="0" smtClean="0">
+                <a:solidFill>
+                  <a:srgbClr val="FFC000"/>
+                </a:solidFill>
+                <a:latin typeface="Consolas" panose="020B0609020204030204" pitchFamily="49" charset="0"/>
+                <a:cs typeface="Times New Roman" panose="02020603050405020304" pitchFamily="18" charset="0"/>
+              </a:rPr>
+              <a:t>slowpoke/</a:t>
+            </a:r>
+            <a:r>
+              <a:rPr lang="en-US" sz="1600" i="1" dirty="0" err="1" smtClean="0">
+                <a:solidFill>
+                  <a:srgbClr val="FFC000"/>
+                </a:solidFill>
+                <a:latin typeface="Consolas" panose="020B0609020204030204" pitchFamily="49" charset="0"/>
+                <a:cs typeface="Times New Roman" panose="02020603050405020304" pitchFamily="18" charset="0"/>
+              </a:rPr>
+              <a:t>Yadon</a:t>
+            </a:r>
+            <a:r>
+              <a:rPr lang="hu-HU" sz="1600" i="1" dirty="0" smtClean="0">
+                <a:solidFill>
+                  <a:srgbClr val="FFC000"/>
+                </a:solidFill>
+                <a:latin typeface="Consolas" panose="020B0609020204030204" pitchFamily="49" charset="0"/>
+                <a:cs typeface="Times New Roman" panose="02020603050405020304" pitchFamily="18" charset="0"/>
+              </a:rPr>
+              <a:t>Dh</a:t>
+            </a:r>
+            <a:r>
+              <a:rPr lang="en-US" sz="1600" i="1" dirty="0" smtClean="0">
+                <a:solidFill>
+                  <a:srgbClr val="FFC000"/>
+                </a:solidFill>
+                <a:latin typeface="Consolas" panose="020B0609020204030204" pitchFamily="49" charset="0"/>
+                <a:cs typeface="Times New Roman" panose="02020603050405020304" pitchFamily="18" charset="0"/>
+              </a:rPr>
+              <a:t>.</a:t>
+            </a:r>
+            <a:r>
+              <a:rPr lang="en-US" sz="1600" i="1" dirty="0" err="1" smtClean="0">
+                <a:solidFill>
+                  <a:srgbClr val="FFC000"/>
+                </a:solidFill>
+                <a:latin typeface="Consolas" panose="020B0609020204030204" pitchFamily="49" charset="0"/>
+                <a:cs typeface="Times New Roman" panose="02020603050405020304" pitchFamily="18" charset="0"/>
+              </a:rPr>
+              <a:t>png</a:t>
+            </a:r>
+            <a:r>
+              <a:rPr lang="en-US" sz="1600" dirty="0">
                 <a:solidFill>
                   <a:srgbClr val="C70040"/>
                 </a:solidFill>
@@ -8278,7 +8252,7 @@
               <a:t>"</a:t>
             </a:r>
             <a:r>
-              <a:rPr lang="en-US" dirty="0">
+              <a:rPr lang="en-US" sz="1600" dirty="0">
                 <a:solidFill>
                   <a:schemeClr val="tx1"/>
                 </a:solidFill>
@@ -8314,7 +8288,7 @@
               </a:tabLst>
             </a:pPr>
             <a:r>
-              <a:rPr lang="en-US" dirty="0">
+              <a:rPr lang="en-US" sz="1600" dirty="0">
                 <a:solidFill>
                   <a:schemeClr val="tx1"/>
                 </a:solidFill>
@@ -8350,7 +8324,7 @@
               </a:tabLst>
             </a:pPr>
             <a:r>
-              <a:rPr lang="en-US" dirty="0">
+              <a:rPr lang="en-US" sz="1600" dirty="0">
                 <a:solidFill>
                   <a:schemeClr val="tx1"/>
                 </a:solidFill>
@@ -8361,7 +8335,7 @@
               <a:t>  Material(</a:t>
             </a:r>
             <a:r>
-              <a:rPr lang="en-US" dirty="0" err="1">
+              <a:rPr lang="en-US" sz="1600" dirty="0" err="1">
                 <a:solidFill>
                   <a:schemeClr val="tx1"/>
                 </a:solidFill>
@@ -8372,7 +8346,7 @@
               <a:t>texturedProgram</a:t>
             </a:r>
             <a:r>
-              <a:rPr lang="en-US" dirty="0">
+              <a:rPr lang="en-US" sz="1600" dirty="0">
                 <a:solidFill>
                   <a:schemeClr val="tx1"/>
                 </a:solidFill>
@@ -8383,7 +8357,7 @@
               <a:t>)</a:t>
             </a:r>
             <a:r>
-              <a:rPr lang="en-US" dirty="0">
+              <a:rPr lang="en-US" sz="1600" dirty="0">
                 <a:solidFill>
                   <a:srgbClr val="C70040"/>
                 </a:solidFill>
@@ -8393,7 +8367,7 @@
               <a:t>.</a:t>
             </a:r>
             <a:r>
-              <a:rPr lang="en-US" dirty="0">
+              <a:rPr lang="en-US" sz="1600" dirty="0">
                 <a:solidFill>
                   <a:schemeClr val="tx1"/>
                 </a:solidFill>
@@ -8429,7 +8403,7 @@
               </a:tabLst>
             </a:pPr>
             <a:r>
-              <a:rPr lang="en-US" dirty="0">
+              <a:rPr lang="en-US" sz="1600" dirty="0">
                 <a:solidFill>
                   <a:schemeClr val="tx1"/>
                 </a:solidFill>
@@ -8440,7 +8414,7 @@
               <a:t>    this[</a:t>
             </a:r>
             <a:r>
-              <a:rPr lang="en-US" dirty="0">
+              <a:rPr lang="en-US" sz="1600" dirty="0">
                 <a:solidFill>
                   <a:srgbClr val="C70040"/>
                 </a:solidFill>
@@ -8450,7 +8424,7 @@
               <a:t>"</a:t>
             </a:r>
             <a:r>
-              <a:rPr lang="en-US" i="1" dirty="0" err="1">
+              <a:rPr lang="en-US" sz="1600" i="1" dirty="0" err="1">
                 <a:solidFill>
                   <a:srgbClr val="FFC000"/>
                 </a:solidFill>
@@ -8460,7 +8434,7 @@
               <a:t>colorTexture</a:t>
             </a:r>
             <a:r>
-              <a:rPr lang="en-US" dirty="0">
+              <a:rPr lang="en-US" sz="1600" dirty="0" smtClean="0">
                 <a:solidFill>
                   <a:srgbClr val="C70040"/>
                 </a:solidFill>
@@ -8470,7 +8444,7 @@
               <a:t>"</a:t>
             </a:r>
             <a:r>
-              <a:rPr lang="en-US" dirty="0">
+              <a:rPr lang="en-US" sz="1600" dirty="0" smtClean="0">
                 <a:solidFill>
                   <a:schemeClr val="tx1"/>
                 </a:solidFill>
@@ -8481,25 +8455,36 @@
               <a:t>]</a:t>
             </a:r>
             <a:r>
-              <a:rPr lang="en-US" dirty="0">
+              <a:rPr lang="hu-HU" sz="1600" dirty="0" smtClean="0">
                 <a:solidFill>
                   <a:srgbClr val="C70040"/>
                 </a:solidFill>
                 <a:latin typeface="Consolas" panose="020B0609020204030204" pitchFamily="49" charset="0"/>
                 <a:cs typeface="Times New Roman" panose="02020603050405020304" pitchFamily="18" charset="0"/>
               </a:rPr>
-              <a:t>.</a:t>
-            </a:r>
-            <a:r>
-              <a:rPr lang="en-US" dirty="0">
-                <a:solidFill>
-                  <a:schemeClr val="tx1"/>
-                </a:solidFill>
-                <a:latin typeface="Consolas" panose="020B0609020204030204" pitchFamily="49" charset="0"/>
-                <a:ea typeface="Times New Roman" panose="02020603050405020304" pitchFamily="18" charset="0"/>
-                <a:cs typeface="Times New Roman" panose="02020603050405020304" pitchFamily="18" charset="0"/>
-              </a:rPr>
-              <a:t>set(</a:t>
+              <a:t>?.</a:t>
+            </a:r>
+            <a:r>
+              <a:rPr lang="en-US" sz="1600" dirty="0" smtClean="0">
+                <a:solidFill>
+                  <a:schemeClr val="tx1"/>
+                </a:solidFill>
+                <a:latin typeface="Consolas" panose="020B0609020204030204" pitchFamily="49" charset="0"/>
+                <a:ea typeface="Times New Roman" panose="02020603050405020304" pitchFamily="18" charset="0"/>
+                <a:cs typeface="Times New Roman" panose="02020603050405020304" pitchFamily="18" charset="0"/>
+              </a:rPr>
+              <a:t>set</a:t>
+            </a:r>
+            <a:r>
+              <a:rPr lang="en-US" sz="1600" dirty="0">
+                <a:solidFill>
+                  <a:schemeClr val="tx1"/>
+                </a:solidFill>
+                <a:latin typeface="Consolas" panose="020B0609020204030204" pitchFamily="49" charset="0"/>
+                <a:ea typeface="Times New Roman" panose="02020603050405020304" pitchFamily="18" charset="0"/>
+                <a:cs typeface="Times New Roman" panose="02020603050405020304" pitchFamily="18" charset="0"/>
+              </a:rPr>
+              <a:t>(</a:t>
             </a:r>
           </a:p>
           <a:p>
@@ -8527,18 +8512,29 @@
               </a:tabLst>
             </a:pPr>
             <a:r>
-              <a:rPr lang="en-US" dirty="0">
-                <a:solidFill>
-                  <a:schemeClr val="tx1"/>
-                </a:solidFill>
-                <a:latin typeface="Consolas" panose="020B0609020204030204" pitchFamily="49" charset="0"/>
-                <a:ea typeface="Times New Roman" panose="02020603050405020304" pitchFamily="18" charset="0"/>
-                <a:cs typeface="Times New Roman" panose="02020603050405020304" pitchFamily="18" charset="0"/>
-              </a:rPr>
-              <a:t>            Texture2D(</a:t>
-            </a:r>
-            <a:r>
-              <a:rPr lang="en-US" dirty="0" err="1">
+              <a:rPr lang="en-US" sz="1600" dirty="0">
+                <a:solidFill>
+                  <a:schemeClr val="tx1"/>
+                </a:solidFill>
+                <a:latin typeface="Consolas" panose="020B0609020204030204" pitchFamily="49" charset="0"/>
+                <a:ea typeface="Times New Roman" panose="02020603050405020304" pitchFamily="18" charset="0"/>
+                <a:cs typeface="Times New Roman" panose="02020603050405020304" pitchFamily="18" charset="0"/>
+              </a:rPr>
+              <a:t>        </a:t>
+            </a:r>
+            <a:r>
+              <a:rPr lang="en-US" sz="1600" dirty="0" smtClean="0">
+                <a:solidFill>
+                  <a:schemeClr val="tx1"/>
+                </a:solidFill>
+                <a:latin typeface="Consolas" panose="020B0609020204030204" pitchFamily="49" charset="0"/>
+                <a:ea typeface="Times New Roman" panose="02020603050405020304" pitchFamily="18" charset="0"/>
+                <a:cs typeface="Times New Roman" panose="02020603050405020304" pitchFamily="18" charset="0"/>
+              </a:rPr>
+              <a:t>Texture2D(</a:t>
+            </a:r>
+            <a:r>
+              <a:rPr lang="en-US" sz="1600" dirty="0" err="1" smtClean="0">
                 <a:solidFill>
                   <a:schemeClr val="tx1"/>
                 </a:solidFill>
@@ -8549,7 +8545,7 @@
               <a:t>gl</a:t>
             </a:r>
             <a:r>
-              <a:rPr lang="en-US" dirty="0">
+              <a:rPr lang="en-US" sz="1600" dirty="0">
                 <a:solidFill>
                   <a:schemeClr val="tx1"/>
                 </a:solidFill>
@@ -8560,7 +8556,7 @@
               <a:t>, </a:t>
             </a:r>
             <a:r>
-              <a:rPr lang="en-US" dirty="0">
+              <a:rPr lang="en-US" sz="1600" dirty="0">
                 <a:solidFill>
                   <a:srgbClr val="C70040"/>
                 </a:solidFill>
@@ -8570,17 +8566,67 @@
               <a:t>"</a:t>
             </a:r>
             <a:r>
-              <a:rPr lang="en-US" i="1" dirty="0">
+              <a:rPr lang="en-US" sz="1600" i="1" dirty="0" smtClean="0">
                 <a:solidFill>
                   <a:srgbClr val="FFC000"/>
                 </a:solidFill>
                 <a:latin typeface="Consolas" panose="020B0609020204030204" pitchFamily="49" charset="0"/>
                 <a:cs typeface="Times New Roman" panose="02020603050405020304" pitchFamily="18" charset="0"/>
               </a:rPr>
-              <a:t>media/YadonEye.png</a:t>
-            </a:r>
-            <a:r>
-              <a:rPr lang="en-US" dirty="0">
+              <a:t>media/</a:t>
+            </a:r>
+            <a:r>
+              <a:rPr lang="hu-HU" sz="1600" i="1" dirty="0" smtClean="0">
+                <a:solidFill>
+                  <a:srgbClr val="FFC000"/>
+                </a:solidFill>
+                <a:latin typeface="Consolas" panose="020B0609020204030204" pitchFamily="49" charset="0"/>
+                <a:cs typeface="Times New Roman" panose="02020603050405020304" pitchFamily="18" charset="0"/>
+              </a:rPr>
+              <a:t>slowpoke/</a:t>
+            </a:r>
+            <a:r>
+              <a:rPr lang="en-US" sz="1600" i="1" dirty="0" err="1" smtClean="0">
+                <a:solidFill>
+                  <a:srgbClr val="FFC000"/>
+                </a:solidFill>
+                <a:latin typeface="Consolas" panose="020B0609020204030204" pitchFamily="49" charset="0"/>
+                <a:cs typeface="Times New Roman" panose="02020603050405020304" pitchFamily="18" charset="0"/>
+              </a:rPr>
+              <a:t>YadonEye</a:t>
+            </a:r>
+            <a:r>
+              <a:rPr lang="hu-HU" sz="1600" i="1" dirty="0" smtClean="0">
+                <a:solidFill>
+                  <a:srgbClr val="FFC000"/>
+                </a:solidFill>
+                <a:latin typeface="Consolas" panose="020B0609020204030204" pitchFamily="49" charset="0"/>
+                <a:cs typeface="Times New Roman" panose="02020603050405020304" pitchFamily="18" charset="0"/>
+              </a:rPr>
+              <a:t>Dh</a:t>
+            </a:r>
+            <a:r>
+              <a:rPr lang="en-US" sz="1600" i="1" dirty="0" smtClean="0">
+                <a:solidFill>
+                  <a:srgbClr val="FFC000"/>
+                </a:solidFill>
+                <a:latin typeface="Consolas" panose="020B0609020204030204" pitchFamily="49" charset="0"/>
+                <a:cs typeface="Times New Roman" panose="02020603050405020304" pitchFamily="18" charset="0"/>
+              </a:rPr>
+              <a:t>.</a:t>
+            </a:r>
+            <a:r>
+              <a:rPr lang="en-US" sz="1600" i="1" dirty="0" err="1" smtClean="0">
+                <a:solidFill>
+                  <a:srgbClr val="FFC000"/>
+                </a:solidFill>
+                <a:latin typeface="Consolas" panose="020B0609020204030204" pitchFamily="49" charset="0"/>
+                <a:cs typeface="Times New Roman" panose="02020603050405020304" pitchFamily="18" charset="0"/>
+              </a:rPr>
+              <a:t>png</a:t>
+            </a:r>
+            <a:r>
+              <a:rPr lang="en-US" sz="1600" dirty="0">
                 <a:solidFill>
                   <a:srgbClr val="C70040"/>
                 </a:solidFill>
@@ -8590,7 +8636,7 @@
               <a:t>"</a:t>
             </a:r>
             <a:r>
-              <a:rPr lang="en-US" dirty="0">
+              <a:rPr lang="en-US" sz="1600" dirty="0">
                 <a:solidFill>
                   <a:schemeClr val="tx1"/>
                 </a:solidFill>
@@ -8626,7 +8672,7 @@
               </a:tabLst>
             </a:pPr>
             <a:r>
-              <a:rPr lang="en-US" dirty="0">
+              <a:rPr lang="en-US" sz="1600" dirty="0">
                 <a:solidFill>
                   <a:schemeClr val="tx1"/>
                 </a:solidFill>
@@ -8662,7 +8708,7 @@
               </a:tabLst>
             </a:pPr>
             <a:r>
-              <a:rPr lang="en-US" dirty="0">
+              <a:rPr lang="en-US" sz="1600" dirty="0">
                 <a:solidFill>
                   <a:schemeClr val="tx1"/>
                 </a:solidFill>
@@ -8697,7 +8743,7 @@
                 <a:tab pos="9306560" algn="l"/>
               </a:tabLst>
             </a:pPr>
-            <a:endParaRPr lang="en-US" dirty="0">
+            <a:endParaRPr lang="en-US" sz="1600" dirty="0">
               <a:solidFill>
                 <a:schemeClr val="tx1"/>
               </a:solidFill>
@@ -8731,7 +8777,7 @@
               </a:tabLst>
             </a:pPr>
             <a:r>
-              <a:rPr lang="en-US" dirty="0" err="1">
+              <a:rPr lang="en-US" sz="1600" dirty="0" err="1">
                 <a:solidFill>
                   <a:schemeClr val="tx1"/>
                 </a:solidFill>
@@ -8742,7 +8788,7 @@
               <a:t>init</a:t>
             </a:r>
             <a:r>
-              <a:rPr lang="en-US" dirty="0">
+              <a:rPr lang="en-US" sz="1600" dirty="0">
                 <a:solidFill>
                   <a:schemeClr val="tx1"/>
                 </a:solidFill>
@@ -8778,7 +8824,7 @@
               </a:tabLst>
             </a:pPr>
             <a:r>
-              <a:rPr lang="en-US" dirty="0">
+              <a:rPr lang="en-US" sz="1600" dirty="0">
                 <a:solidFill>
                   <a:schemeClr val="tx1"/>
                 </a:solidFill>
@@ -8789,7 +8835,7 @@
               <a:t>  </a:t>
             </a:r>
             <a:r>
-              <a:rPr lang="en-US" dirty="0" err="1">
+              <a:rPr lang="en-US" sz="1600" dirty="0" err="1">
                 <a:solidFill>
                   <a:schemeClr val="tx1"/>
                 </a:solidFill>
@@ -8800,7 +8846,7 @@
               <a:t>gameObjects</a:t>
             </a:r>
             <a:r>
-              <a:rPr lang="en-US" dirty="0">
+              <a:rPr lang="en-US" sz="1600" dirty="0">
                 <a:solidFill>
                   <a:schemeClr val="tx1"/>
                 </a:solidFill>
@@ -8811,7 +8857,7 @@
               <a:t> </a:t>
             </a:r>
             <a:r>
-              <a:rPr lang="en-US" dirty="0">
+              <a:rPr lang="en-US" sz="1600" dirty="0">
                 <a:solidFill>
                   <a:srgbClr val="C70040"/>
                 </a:solidFill>
@@ -8821,7 +8867,7 @@
               <a:t>+=</a:t>
             </a:r>
             <a:r>
-              <a:rPr lang="en-US" dirty="0">
+              <a:rPr lang="en-US" sz="1600" dirty="0">
                 <a:solidFill>
                   <a:schemeClr val="tx1"/>
                 </a:solidFill>
@@ -8832,7 +8878,7 @@
               <a:t> </a:t>
             </a:r>
             <a:r>
-              <a:rPr lang="en-US" dirty="0" err="1">
+              <a:rPr lang="en-US" sz="1600" dirty="0" err="1">
                 <a:solidFill>
                   <a:schemeClr val="tx1"/>
                 </a:solidFill>
@@ -8843,7 +8889,7 @@
               <a:t>GameObject</a:t>
             </a:r>
             <a:r>
-              <a:rPr lang="en-US" dirty="0">
+              <a:rPr lang="en-US" sz="1600" dirty="0">
                 <a:solidFill>
                   <a:schemeClr val="tx1"/>
                 </a:solidFill>
@@ -8854,7 +8900,7 @@
               <a:t>(</a:t>
             </a:r>
             <a:r>
-              <a:rPr lang="en-US" dirty="0">
+              <a:rPr lang="en-US" sz="1600" dirty="0">
                 <a:solidFill>
                   <a:srgbClr val="C70040"/>
                 </a:solidFill>
@@ -8864,7 +8910,7 @@
               <a:t>*</a:t>
             </a:r>
             <a:r>
-              <a:rPr lang="en-US" dirty="0" err="1">
+              <a:rPr lang="en-US" sz="1600" dirty="0" err="1">
                 <a:solidFill>
                   <a:schemeClr val="tx1"/>
                 </a:solidFill>
@@ -8875,7 +8921,7 @@
               <a:t>slowpokeMeshes</a:t>
             </a:r>
             <a:r>
-              <a:rPr lang="en-US" dirty="0">
+              <a:rPr lang="en-US" sz="1600" dirty="0">
                 <a:solidFill>
                   <a:schemeClr val="tx1"/>
                 </a:solidFill>
@@ -8911,7 +8957,7 @@
               </a:tabLst>
             </a:pPr>
             <a:r>
-              <a:rPr lang="en-US" dirty="0">
+              <a:rPr lang="en-US" sz="1600" dirty="0">
                 <a:solidFill>
                   <a:schemeClr val="tx1"/>
                 </a:solidFill>
@@ -8946,7 +8992,7 @@
                 <a:tab pos="9306560" algn="l"/>
               </a:tabLst>
             </a:pPr>
-            <a:endParaRPr lang="en-US" dirty="0">
+            <a:endParaRPr lang="en-US" sz="1600" dirty="0">
               <a:solidFill>
                 <a:schemeClr val="tx1"/>
               </a:solidFill>

--- a/projects/kog.040.010-models/aitcg310 - Modeling.pptx
+++ b/projects/kog.040.010-models/aitcg310 - Modeling.pptx
@@ -213,7 +213,7 @@
           <a:p>
             <a:fld id="{5B0DAFD6-FAC2-42B7-869F-67A360C20BEA}" type="datetimeFigureOut">
               <a:rPr lang="en-US" smtClean="0"/>
-              <a:t>11/23/2021</a:t>
+              <a:t>3/7/2022</a:t>
             </a:fld>
             <a:endParaRPr lang="en-US"/>
           </a:p>
@@ -611,7 +611,7 @@
           <a:p>
             <a:fld id="{338A3FAA-9C6C-4F9E-8590-40D8D97A52B8}" type="datetimeFigureOut">
               <a:rPr lang="en-US" smtClean="0"/>
-              <a:t>11/23/2021</a:t>
+              <a:t>3/7/2022</a:t>
             </a:fld>
             <a:endParaRPr lang="en-US"/>
           </a:p>
@@ -779,7 +779,7 @@
           <a:p>
             <a:fld id="{338A3FAA-9C6C-4F9E-8590-40D8D97A52B8}" type="datetimeFigureOut">
               <a:rPr lang="en-US" smtClean="0"/>
-              <a:t>11/23/2021</a:t>
+              <a:t>3/7/2022</a:t>
             </a:fld>
             <a:endParaRPr lang="en-US"/>
           </a:p>
@@ -957,7 +957,7 @@
           <a:p>
             <a:fld id="{338A3FAA-9C6C-4F9E-8590-40D8D97A52B8}" type="datetimeFigureOut">
               <a:rPr lang="en-US" smtClean="0"/>
-              <a:t>11/23/2021</a:t>
+              <a:t>3/7/2022</a:t>
             </a:fld>
             <a:endParaRPr lang="en-US"/>
           </a:p>
@@ -1125,7 +1125,7 @@
           <a:p>
             <a:fld id="{338A3FAA-9C6C-4F9E-8590-40D8D97A52B8}" type="datetimeFigureOut">
               <a:rPr lang="en-US" smtClean="0"/>
-              <a:t>11/23/2021</a:t>
+              <a:t>3/7/2022</a:t>
             </a:fld>
             <a:endParaRPr lang="en-US"/>
           </a:p>
@@ -1370,7 +1370,7 @@
           <a:p>
             <a:fld id="{338A3FAA-9C6C-4F9E-8590-40D8D97A52B8}" type="datetimeFigureOut">
               <a:rPr lang="en-US" smtClean="0"/>
-              <a:t>11/23/2021</a:t>
+              <a:t>3/7/2022</a:t>
             </a:fld>
             <a:endParaRPr lang="en-US"/>
           </a:p>
@@ -1599,7 +1599,7 @@
           <a:p>
             <a:fld id="{338A3FAA-9C6C-4F9E-8590-40D8D97A52B8}" type="datetimeFigureOut">
               <a:rPr lang="en-US" smtClean="0"/>
-              <a:t>11/23/2021</a:t>
+              <a:t>3/7/2022</a:t>
             </a:fld>
             <a:endParaRPr lang="en-US"/>
           </a:p>
@@ -1963,7 +1963,7 @@
           <a:p>
             <a:fld id="{338A3FAA-9C6C-4F9E-8590-40D8D97A52B8}" type="datetimeFigureOut">
               <a:rPr lang="en-US" smtClean="0"/>
-              <a:t>11/23/2021</a:t>
+              <a:t>3/7/2022</a:t>
             </a:fld>
             <a:endParaRPr lang="en-US"/>
           </a:p>
@@ -2080,7 +2080,7 @@
           <a:p>
             <a:fld id="{338A3FAA-9C6C-4F9E-8590-40D8D97A52B8}" type="datetimeFigureOut">
               <a:rPr lang="en-US" smtClean="0"/>
-              <a:t>11/23/2021</a:t>
+              <a:t>3/7/2022</a:t>
             </a:fld>
             <a:endParaRPr lang="en-US"/>
           </a:p>
@@ -2175,7 +2175,7 @@
           <a:p>
             <a:fld id="{338A3FAA-9C6C-4F9E-8590-40D8D97A52B8}" type="datetimeFigureOut">
               <a:rPr lang="en-US" smtClean="0"/>
-              <a:t>11/23/2021</a:t>
+              <a:t>3/7/2022</a:t>
             </a:fld>
             <a:endParaRPr lang="en-US"/>
           </a:p>
@@ -2450,7 +2450,7 @@
           <a:p>
             <a:fld id="{338A3FAA-9C6C-4F9E-8590-40D8D97A52B8}" type="datetimeFigureOut">
               <a:rPr lang="en-US" smtClean="0"/>
-              <a:t>11/23/2021</a:t>
+              <a:t>3/7/2022</a:t>
             </a:fld>
             <a:endParaRPr lang="en-US"/>
           </a:p>
@@ -2702,7 +2702,7 @@
           <a:p>
             <a:fld id="{338A3FAA-9C6C-4F9E-8590-40D8D97A52B8}" type="datetimeFigureOut">
               <a:rPr lang="en-US" smtClean="0"/>
-              <a:t>11/23/2021</a:t>
+              <a:t>3/7/2022</a:t>
             </a:fld>
             <a:endParaRPr lang="en-US"/>
           </a:p>
@@ -2913,7 +2913,7 @@
           <a:p>
             <a:fld id="{338A3FAA-9C6C-4F9E-8590-40D8D97A52B8}" type="datetimeFigureOut">
               <a:rPr lang="en-US" smtClean="0"/>
-              <a:t>11/23/2021</a:t>
+              <a:t>3/7/2022</a:t>
             </a:fld>
             <a:endParaRPr lang="en-US"/>
           </a:p>
@@ -3343,10 +3343,6 @@
               </a:rPr>
               <a:t>Computer Graphics</a:t>
             </a:r>
-            <a:r>
-              <a:rPr lang="en-US" dirty="0"/>
-              <a:t/>
-            </a:r>
             <a:br>
               <a:rPr lang="en-US" dirty="0"/>
             </a:br>
@@ -3531,7 +3527,7 @@
               </a:tabLst>
             </a:pPr>
             <a:r>
-              <a:rPr lang="hu-HU" sz="1600" dirty="0">
+              <a:rPr lang="hu-HU" sz="1400" dirty="0">
                 <a:solidFill>
                   <a:schemeClr val="tx1"/>
                 </a:solidFill>
@@ -3542,7 +3538,7 @@
               <a:t> </a:t>
             </a:r>
             <a:r>
-              <a:rPr lang="en-US" sz="1600" dirty="0">
+              <a:rPr lang="en-US" sz="1400" dirty="0">
                 <a:solidFill>
                   <a:schemeClr val="tx1"/>
                 </a:solidFill>
@@ -3553,7 +3549,7 @@
               <a:t> </a:t>
             </a:r>
             <a:r>
-              <a:rPr lang="hu-HU" sz="1600" dirty="0" err="1">
+              <a:rPr lang="hu-HU" sz="1400" dirty="0" err="1">
                 <a:solidFill>
                   <a:srgbClr val="C70040"/>
                 </a:solidFill>
@@ -3563,7 +3559,7 @@
               <a:t>fun</a:t>
             </a:r>
             <a:r>
-              <a:rPr lang="hu-HU" sz="1600" dirty="0">
+              <a:rPr lang="hu-HU" sz="1400" dirty="0">
                 <a:solidFill>
                   <a:schemeClr val="tx1"/>
                 </a:solidFill>
@@ -3574,7 +3570,7 @@
               <a:t> </a:t>
             </a:r>
             <a:r>
-              <a:rPr lang="hu-HU" sz="1600" dirty="0" err="1">
+              <a:rPr lang="hu-HU" sz="1400" dirty="0" err="1">
                 <a:solidFill>
                   <a:schemeClr val="tx1"/>
                 </a:solidFill>
@@ -3585,7 +3581,7 @@
               <a:t>load</a:t>
             </a:r>
             <a:r>
-              <a:rPr lang="en-US" sz="1600" dirty="0">
+              <a:rPr lang="en-US" sz="1400" dirty="0">
                 <a:solidFill>
                   <a:schemeClr val="tx1"/>
                 </a:solidFill>
@@ -3596,7 +3592,7 @@
               <a:t>Geometries</a:t>
             </a:r>
             <a:r>
-              <a:rPr lang="hu-HU" sz="1600" dirty="0">
+              <a:rPr lang="hu-HU" sz="1400" dirty="0">
                 <a:solidFill>
                   <a:schemeClr val="tx1"/>
                 </a:solidFill>
@@ -3607,7 +3603,7 @@
               <a:t>(</a:t>
             </a:r>
             <a:r>
-              <a:rPr lang="hu-HU" sz="1600" i="1" dirty="0" err="1">
+              <a:rPr lang="hu-HU" sz="1400" i="1" dirty="0" err="1">
                 <a:solidFill>
                   <a:srgbClr val="CB6500"/>
                 </a:solidFill>
@@ -3617,7 +3613,7 @@
               <a:t>gl</a:t>
             </a:r>
             <a:r>
-              <a:rPr lang="hu-HU" sz="1600" dirty="0">
+              <a:rPr lang="hu-HU" sz="1400" dirty="0">
                 <a:solidFill>
                   <a:schemeClr val="tx1"/>
                 </a:solidFill>
@@ -3628,7 +3624,7 @@
               <a:t> </a:t>
             </a:r>
             <a:r>
-              <a:rPr lang="hu-HU" sz="1600" dirty="0">
+              <a:rPr lang="hu-HU" sz="1400" dirty="0">
                 <a:solidFill>
                   <a:srgbClr val="C70040"/>
                 </a:solidFill>
@@ -3638,7 +3634,7 @@
               <a:t>:</a:t>
             </a:r>
             <a:r>
-              <a:rPr lang="hu-HU" sz="1600" dirty="0">
+              <a:rPr lang="hu-HU" sz="1400" dirty="0">
                 <a:solidFill>
                   <a:schemeClr val="tx1"/>
                 </a:solidFill>
@@ -3674,7 +3670,7 @@
               </a:tabLst>
             </a:pPr>
             <a:r>
-              <a:rPr lang="hu-HU" sz="1600" dirty="0">
+              <a:rPr lang="hu-HU" sz="1400" dirty="0">
                 <a:solidFill>
                   <a:schemeClr val="tx1"/>
                 </a:solidFill>
@@ -3685,7 +3681,7 @@
               <a:t>      </a:t>
             </a:r>
             <a:r>
-              <a:rPr lang="hu-HU" sz="1600" i="1" dirty="0" err="1">
+              <a:rPr lang="hu-HU" sz="1400" i="1" dirty="0" err="1">
                 <a:solidFill>
                   <a:srgbClr val="CB6500"/>
                 </a:solidFill>
@@ -3695,7 +3691,7 @@
               <a:t>jsonModelFileUrl</a:t>
             </a:r>
             <a:r>
-              <a:rPr lang="hu-HU" sz="1600" dirty="0">
+              <a:rPr lang="hu-HU" sz="1400" dirty="0">
                 <a:solidFill>
                   <a:schemeClr val="tx1"/>
                 </a:solidFill>
@@ -3706,7 +3702,7 @@
               <a:t> </a:t>
             </a:r>
             <a:r>
-              <a:rPr lang="hu-HU" sz="1600" dirty="0">
+              <a:rPr lang="hu-HU" sz="1400" dirty="0">
                 <a:solidFill>
                   <a:srgbClr val="C70040"/>
                 </a:solidFill>
@@ -3716,7 +3712,7 @@
               <a:t>:</a:t>
             </a:r>
             <a:r>
-              <a:rPr lang="hu-HU" sz="1600" dirty="0">
+              <a:rPr lang="hu-HU" sz="1400" dirty="0">
                 <a:solidFill>
                   <a:schemeClr val="tx1"/>
                 </a:solidFill>
@@ -3727,7 +3723,7 @@
               <a:t> </a:t>
             </a:r>
             <a:r>
-              <a:rPr lang="hu-HU" sz="1600" dirty="0" err="1">
+              <a:rPr lang="hu-HU" sz="1400" dirty="0" err="1">
                 <a:solidFill>
                   <a:schemeClr val="tx1"/>
                 </a:solidFill>
@@ -3738,7 +3734,7 @@
               <a:t>String</a:t>
             </a:r>
             <a:r>
-              <a:rPr lang="hu-HU" sz="1600" dirty="0">
+              <a:rPr lang="hu-HU" sz="1400" dirty="0">
                 <a:solidFill>
                   <a:schemeClr val="tx1"/>
                 </a:solidFill>
@@ -3749,7 +3745,7 @@
               <a:t>) : </a:t>
             </a:r>
             <a:r>
-              <a:rPr lang="hu-HU" sz="1600" i="1" dirty="0" err="1">
+              <a:rPr lang="hu-HU" sz="1400" i="1" dirty="0" err="1">
                 <a:solidFill>
                   <a:srgbClr val="34A7BD"/>
                 </a:solidFill>
@@ -3759,7 +3755,7 @@
               <a:t>Array</a:t>
             </a:r>
             <a:r>
-              <a:rPr lang="hu-HU" sz="1600" dirty="0">
+              <a:rPr lang="hu-HU" sz="1400" dirty="0">
                 <a:solidFill>
                   <a:schemeClr val="tx1"/>
                 </a:solidFill>
@@ -3770,7 +3766,7 @@
               <a:t>&lt;</a:t>
             </a:r>
             <a:r>
-              <a:rPr lang="hu-HU" sz="1600" dirty="0" err="1">
+              <a:rPr lang="hu-HU" sz="1400" dirty="0" err="1">
                 <a:solidFill>
                   <a:schemeClr val="tx1"/>
                 </a:solidFill>
@@ -3781,7 +3777,7 @@
               <a:t>Geometry</a:t>
             </a:r>
             <a:r>
-              <a:rPr lang="hu-HU" sz="1600" dirty="0">
+              <a:rPr lang="hu-HU" sz="1400" dirty="0">
                 <a:solidFill>
                   <a:schemeClr val="tx1"/>
                 </a:solidFill>
@@ -3817,7 +3813,7 @@
               </a:tabLst>
             </a:pPr>
             <a:r>
-              <a:rPr lang="hu-HU" sz="1600" dirty="0">
+              <a:rPr lang="hu-HU" sz="1400" dirty="0">
                 <a:solidFill>
                   <a:schemeClr val="tx1"/>
                 </a:solidFill>
@@ -3828,7 +3824,7 @@
               <a:t>    </a:t>
             </a:r>
             <a:r>
-              <a:rPr lang="hu-HU" sz="1600" dirty="0" err="1">
+              <a:rPr lang="hu-HU" sz="1400" dirty="0" err="1">
                 <a:solidFill>
                   <a:srgbClr val="C70040"/>
                 </a:solidFill>
@@ -3838,7 +3834,7 @@
               <a:t>val</a:t>
             </a:r>
             <a:r>
-              <a:rPr lang="hu-HU" sz="1600" dirty="0">
+              <a:rPr lang="hu-HU" sz="1400" dirty="0">
                 <a:solidFill>
                   <a:schemeClr val="tx1"/>
                 </a:solidFill>
@@ -3849,7 +3845,7 @@
               <a:t> </a:t>
             </a:r>
             <a:r>
-              <a:rPr lang="hu-HU" sz="1600" dirty="0" err="1">
+              <a:rPr lang="hu-HU" sz="1400" dirty="0" err="1">
                 <a:solidFill>
                   <a:schemeClr val="tx1"/>
                 </a:solidFill>
@@ -3860,7 +3856,7 @@
               <a:t>request</a:t>
             </a:r>
             <a:r>
-              <a:rPr lang="hu-HU" sz="1600" dirty="0">
+              <a:rPr lang="hu-HU" sz="1400" dirty="0">
                 <a:solidFill>
                   <a:schemeClr val="tx1"/>
                 </a:solidFill>
@@ -3871,7 +3867,7 @@
               <a:t> </a:t>
             </a:r>
             <a:r>
-              <a:rPr lang="hu-HU" sz="1600" dirty="0">
+              <a:rPr lang="hu-HU" sz="1400" dirty="0">
                 <a:solidFill>
                   <a:srgbClr val="C70040"/>
                 </a:solidFill>
@@ -3881,7 +3877,7 @@
               <a:t>=</a:t>
             </a:r>
             <a:r>
-              <a:rPr lang="hu-HU" sz="1600" dirty="0">
+              <a:rPr lang="hu-HU" sz="1400" dirty="0">
                 <a:solidFill>
                   <a:schemeClr val="tx1"/>
                 </a:solidFill>
@@ -3892,7 +3888,7 @@
               <a:t> </a:t>
             </a:r>
             <a:r>
-              <a:rPr lang="hu-HU" sz="1600" dirty="0" err="1">
+              <a:rPr lang="hu-HU" sz="1400" dirty="0" err="1">
                 <a:solidFill>
                   <a:schemeClr val="tx1"/>
                 </a:solidFill>
@@ -3903,7 +3899,7 @@
               <a:t>XMLHttpRequest</a:t>
             </a:r>
             <a:r>
-              <a:rPr lang="hu-HU" sz="1600" dirty="0">
+              <a:rPr lang="hu-HU" sz="1400" dirty="0">
                 <a:solidFill>
                   <a:schemeClr val="tx1"/>
                 </a:solidFill>
@@ -3939,7 +3935,7 @@
               </a:tabLst>
             </a:pPr>
             <a:r>
-              <a:rPr lang="hu-HU" sz="1600" dirty="0">
+              <a:rPr lang="hu-HU" sz="1400" dirty="0">
                 <a:solidFill>
                   <a:schemeClr val="tx1"/>
                 </a:solidFill>
@@ -3950,7 +3946,7 @@
               <a:t>    </a:t>
             </a:r>
             <a:r>
-              <a:rPr lang="hu-HU" sz="1600" dirty="0" err="1">
+              <a:rPr lang="hu-HU" sz="1400" dirty="0" err="1">
                 <a:solidFill>
                   <a:schemeClr val="tx1"/>
                 </a:solidFill>
@@ -3961,7 +3957,7 @@
               <a:t>request</a:t>
             </a:r>
             <a:r>
-              <a:rPr lang="hu-HU" sz="1600" dirty="0" err="1">
+              <a:rPr lang="hu-HU" sz="1400" dirty="0" err="1">
                 <a:solidFill>
                   <a:srgbClr val="C70040"/>
                 </a:solidFill>
@@ -3971,7 +3967,7 @@
               <a:t>.</a:t>
             </a:r>
             <a:r>
-              <a:rPr lang="hu-HU" sz="1600" dirty="0" err="1">
+              <a:rPr lang="hu-HU" sz="1400" dirty="0" err="1">
                 <a:solidFill>
                   <a:schemeClr val="tx1"/>
                 </a:solidFill>
@@ -3982,7 +3978,7 @@
               <a:t>overrideMimeType</a:t>
             </a:r>
             <a:r>
-              <a:rPr lang="hu-HU" sz="1600" dirty="0">
+              <a:rPr lang="hu-HU" sz="1400" dirty="0">
                 <a:solidFill>
                   <a:schemeClr val="tx1"/>
                 </a:solidFill>
@@ -3993,7 +3989,7 @@
               <a:t>(</a:t>
             </a:r>
             <a:r>
-              <a:rPr lang="hu-HU" sz="1600" dirty="0">
+              <a:rPr lang="hu-HU" sz="1400" dirty="0">
                 <a:solidFill>
                   <a:srgbClr val="8F8634"/>
                 </a:solidFill>
@@ -4003,7 +3999,7 @@
               <a:t>"</a:t>
             </a:r>
             <a:r>
-              <a:rPr lang="hu-HU" sz="1600" dirty="0" err="1">
+              <a:rPr lang="hu-HU" sz="1400" dirty="0" err="1">
                 <a:solidFill>
                   <a:srgbClr val="8F8634"/>
                 </a:solidFill>
@@ -4013,7 +4009,7 @@
               <a:t>application</a:t>
             </a:r>
             <a:r>
-              <a:rPr lang="hu-HU" sz="1600" dirty="0">
+              <a:rPr lang="hu-HU" sz="1400" dirty="0">
                 <a:solidFill>
                   <a:srgbClr val="8F8634"/>
                 </a:solidFill>
@@ -4023,7 +4019,7 @@
               <a:t>/</a:t>
             </a:r>
             <a:r>
-              <a:rPr lang="hu-HU" sz="1600" dirty="0" err="1">
+              <a:rPr lang="hu-HU" sz="1400" dirty="0" err="1">
                 <a:solidFill>
                   <a:srgbClr val="8F8634"/>
                 </a:solidFill>
@@ -4033,7 +4029,7 @@
               <a:t>json</a:t>
             </a:r>
             <a:r>
-              <a:rPr lang="hu-HU" sz="1600" dirty="0">
+              <a:rPr lang="hu-HU" sz="1400" dirty="0">
                 <a:solidFill>
                   <a:srgbClr val="8F8634"/>
                 </a:solidFill>
@@ -4043,7 +4039,7 @@
               <a:t>"</a:t>
             </a:r>
             <a:r>
-              <a:rPr lang="hu-HU" sz="1600" dirty="0">
+              <a:rPr lang="hu-HU" sz="1400" dirty="0">
                 <a:solidFill>
                   <a:schemeClr val="tx1"/>
                 </a:solidFill>
@@ -4079,7 +4075,7 @@
               </a:tabLst>
             </a:pPr>
             <a:r>
-              <a:rPr lang="hu-HU" sz="1600" dirty="0">
+              <a:rPr lang="hu-HU" sz="1400" dirty="0">
                 <a:solidFill>
                   <a:schemeClr val="tx1"/>
                 </a:solidFill>
@@ -4090,7 +4086,7 @@
               <a:t>    </a:t>
             </a:r>
             <a:r>
-              <a:rPr lang="hu-HU" sz="1600" dirty="0" err="1">
+              <a:rPr lang="hu-HU" sz="1400" dirty="0" err="1">
                 <a:solidFill>
                   <a:schemeClr val="tx1"/>
                 </a:solidFill>
@@ -4101,7 +4097,7 @@
               <a:t>request</a:t>
             </a:r>
             <a:r>
-              <a:rPr lang="hu-HU" sz="1600" dirty="0" err="1">
+              <a:rPr lang="hu-HU" sz="1400" dirty="0" err="1">
                 <a:solidFill>
                   <a:srgbClr val="C70040"/>
                 </a:solidFill>
@@ -4111,7 +4107,7 @@
               <a:t>.</a:t>
             </a:r>
             <a:r>
-              <a:rPr lang="hu-HU" sz="1600" dirty="0" err="1">
+              <a:rPr lang="hu-HU" sz="1400" dirty="0" err="1">
                 <a:solidFill>
                   <a:schemeClr val="tx1"/>
                 </a:solidFill>
@@ -4122,7 +4118,7 @@
               <a:t>open</a:t>
             </a:r>
             <a:r>
-              <a:rPr lang="hu-HU" sz="1600" dirty="0">
+              <a:rPr lang="hu-HU" sz="1400" dirty="0">
                 <a:solidFill>
                   <a:schemeClr val="tx1"/>
                 </a:solidFill>
@@ -4133,7 +4129,7 @@
               <a:t>(</a:t>
             </a:r>
             <a:r>
-              <a:rPr lang="hu-HU" sz="1600" dirty="0">
+              <a:rPr lang="hu-HU" sz="1400" dirty="0">
                 <a:solidFill>
                   <a:srgbClr val="8F8634"/>
                 </a:solidFill>
@@ -4143,7 +4139,7 @@
               <a:t>"GET"</a:t>
             </a:r>
             <a:r>
-              <a:rPr lang="hu-HU" sz="1600" dirty="0">
+              <a:rPr lang="hu-HU" sz="1400" dirty="0">
                 <a:solidFill>
                   <a:schemeClr val="tx1"/>
                 </a:solidFill>
@@ -4154,7 +4150,7 @@
               <a:t>, </a:t>
             </a:r>
             <a:r>
-              <a:rPr lang="hu-HU" sz="1600" dirty="0" err="1">
+              <a:rPr lang="hu-HU" sz="1400" dirty="0" err="1">
                 <a:solidFill>
                   <a:schemeClr val="tx1"/>
                 </a:solidFill>
@@ -4165,7 +4161,7 @@
               <a:t>jsonModelFileUrl</a:t>
             </a:r>
             <a:r>
-              <a:rPr lang="hu-HU" sz="1600" dirty="0">
+              <a:rPr lang="hu-HU" sz="1400" dirty="0">
                 <a:solidFill>
                   <a:schemeClr val="tx1"/>
                 </a:solidFill>
@@ -4176,7 +4172,7 @@
               <a:t>, </a:t>
             </a:r>
             <a:r>
-              <a:rPr lang="hu-HU" sz="1600" dirty="0" err="1">
+              <a:rPr lang="hu-HU" sz="1400" dirty="0" err="1">
                 <a:solidFill>
                   <a:schemeClr val="tx1"/>
                 </a:solidFill>
@@ -4187,7 +4183,7 @@
               <a:t>false</a:t>
             </a:r>
             <a:r>
-              <a:rPr lang="hu-HU" sz="1600" dirty="0">
+              <a:rPr lang="hu-HU" sz="1400" dirty="0">
                 <a:solidFill>
                   <a:schemeClr val="tx1"/>
                 </a:solidFill>
@@ -4223,7 +4219,7 @@
               </a:tabLst>
             </a:pPr>
             <a:r>
-              <a:rPr lang="hu-HU" sz="1600" dirty="0">
+              <a:rPr lang="hu-HU" sz="1400" dirty="0">
                 <a:solidFill>
                   <a:schemeClr val="tx1"/>
                 </a:solidFill>
@@ -4234,7 +4230,7 @@
               <a:t>    </a:t>
             </a:r>
             <a:r>
-              <a:rPr lang="hu-HU" sz="1600" dirty="0">
+              <a:rPr lang="hu-HU" sz="1400" dirty="0">
                 <a:solidFill>
                   <a:srgbClr val="C70040"/>
                 </a:solidFill>
@@ -4244,7 +4240,7 @@
               <a:t>var</a:t>
             </a:r>
             <a:r>
-              <a:rPr lang="hu-HU" sz="1600" dirty="0">
+              <a:rPr lang="hu-HU" sz="1400" dirty="0">
                 <a:solidFill>
                   <a:schemeClr val="tx1"/>
                 </a:solidFill>
@@ -4255,7 +4251,7 @@
               <a:t> </a:t>
             </a:r>
             <a:r>
-              <a:rPr lang="hu-HU" sz="1600" dirty="0" err="1">
+              <a:rPr lang="hu-HU" sz="1400" dirty="0" err="1">
                 <a:solidFill>
                   <a:schemeClr val="tx1"/>
                 </a:solidFill>
@@ -4266,7 +4262,7 @@
               <a:t>geometries</a:t>
             </a:r>
             <a:r>
-              <a:rPr lang="hu-HU" sz="1600" dirty="0">
+              <a:rPr lang="hu-HU" sz="1400" dirty="0">
                 <a:solidFill>
                   <a:schemeClr val="tx1"/>
                 </a:solidFill>
@@ -4277,7 +4273,7 @@
               <a:t> </a:t>
             </a:r>
             <a:r>
-              <a:rPr lang="hu-HU" sz="1600" dirty="0">
+              <a:rPr lang="hu-HU" sz="1400" dirty="0">
                 <a:solidFill>
                   <a:srgbClr val="C70040"/>
                 </a:solidFill>
@@ -4287,7 +4283,7 @@
               <a:t>:</a:t>
             </a:r>
             <a:r>
-              <a:rPr lang="hu-HU" sz="1600" dirty="0">
+              <a:rPr lang="hu-HU" sz="1400" dirty="0">
                 <a:solidFill>
                   <a:schemeClr val="tx1"/>
                 </a:solidFill>
@@ -4298,7 +4294,7 @@
               <a:t> </a:t>
             </a:r>
             <a:r>
-              <a:rPr lang="hu-HU" sz="1600" i="1" dirty="0" err="1">
+              <a:rPr lang="hu-HU" sz="1400" i="1" dirty="0" err="1">
                 <a:solidFill>
                   <a:srgbClr val="34A7BD"/>
                 </a:solidFill>
@@ -4308,7 +4304,7 @@
               <a:t>Array</a:t>
             </a:r>
             <a:r>
-              <a:rPr lang="hu-HU" sz="1600" dirty="0">
+              <a:rPr lang="hu-HU" sz="1400" dirty="0">
                 <a:solidFill>
                   <a:schemeClr val="tx1"/>
                 </a:solidFill>
@@ -4319,7 +4315,7 @@
               <a:t>&lt;</a:t>
             </a:r>
             <a:r>
-              <a:rPr lang="hu-HU" sz="1600" dirty="0" err="1">
+              <a:rPr lang="hu-HU" sz="1400" dirty="0" err="1">
                 <a:solidFill>
                   <a:schemeClr val="tx1"/>
                 </a:solidFill>
@@ -4330,7 +4326,7 @@
               <a:t>Geometry</a:t>
             </a:r>
             <a:r>
-              <a:rPr lang="hu-HU" sz="1600" dirty="0">
+              <a:rPr lang="hu-HU" sz="1400" dirty="0">
                 <a:solidFill>
                   <a:schemeClr val="tx1"/>
                 </a:solidFill>
@@ -4341,7 +4337,7 @@
               <a:t>&gt;</a:t>
             </a:r>
             <a:r>
-              <a:rPr lang="hu-HU" sz="1600" dirty="0">
+              <a:rPr lang="hu-HU" sz="1400" dirty="0">
                 <a:solidFill>
                   <a:srgbClr val="C70040"/>
                 </a:solidFill>
@@ -4351,7 +4347,7 @@
               <a:t>?</a:t>
             </a:r>
             <a:r>
-              <a:rPr lang="hu-HU" sz="1600" dirty="0">
+              <a:rPr lang="hu-HU" sz="1400" dirty="0">
                 <a:solidFill>
                   <a:schemeClr val="tx1"/>
                 </a:solidFill>
@@ -4362,7 +4358,7 @@
               <a:t> </a:t>
             </a:r>
             <a:r>
-              <a:rPr lang="hu-HU" sz="1600" dirty="0">
+              <a:rPr lang="hu-HU" sz="1400" dirty="0">
                 <a:solidFill>
                   <a:srgbClr val="C70040"/>
                 </a:solidFill>
@@ -4372,7 +4368,7 @@
               <a:t>=</a:t>
             </a:r>
             <a:r>
-              <a:rPr lang="hu-HU" sz="1600" dirty="0">
+              <a:rPr lang="hu-HU" sz="1400" dirty="0">
                 <a:solidFill>
                   <a:schemeClr val="tx1"/>
                 </a:solidFill>
@@ -4408,7 +4404,7 @@
               </a:tabLst>
             </a:pPr>
             <a:r>
-              <a:rPr lang="hu-HU" sz="1600" dirty="0">
+              <a:rPr lang="hu-HU" sz="1400" dirty="0">
                 <a:solidFill>
                   <a:schemeClr val="tx1"/>
                 </a:solidFill>
@@ -4419,7 +4415,7 @@
               <a:t>    </a:t>
             </a:r>
             <a:r>
-              <a:rPr lang="hu-HU" sz="1600" dirty="0" err="1">
+              <a:rPr lang="hu-HU" sz="1400" dirty="0" err="1">
                 <a:solidFill>
                   <a:schemeClr val="tx1"/>
                 </a:solidFill>
@@ -4430,7 +4426,7 @@
               <a:t>request</a:t>
             </a:r>
             <a:r>
-              <a:rPr lang="hu-HU" sz="1600" dirty="0" err="1">
+              <a:rPr lang="hu-HU" sz="1400" dirty="0" err="1">
                 <a:solidFill>
                   <a:srgbClr val="C70040"/>
                 </a:solidFill>
@@ -4440,7 +4436,7 @@
               <a:t>.</a:t>
             </a:r>
             <a:r>
-              <a:rPr lang="hu-HU" sz="1600" dirty="0" err="1">
+              <a:rPr lang="hu-HU" sz="1400" dirty="0" err="1">
                 <a:solidFill>
                   <a:schemeClr val="tx1"/>
                 </a:solidFill>
@@ -4451,7 +4447,7 @@
               <a:t>onloadend</a:t>
             </a:r>
             <a:r>
-              <a:rPr lang="hu-HU" sz="1600" dirty="0">
+              <a:rPr lang="hu-HU" sz="1400" dirty="0">
                 <a:solidFill>
                   <a:schemeClr val="tx1"/>
                 </a:solidFill>
@@ -4462,7 +4458,7 @@
               <a:t> </a:t>
             </a:r>
             <a:r>
-              <a:rPr lang="hu-HU" sz="1600" dirty="0">
+              <a:rPr lang="hu-HU" sz="1400" dirty="0">
                 <a:solidFill>
                   <a:srgbClr val="C70040"/>
                 </a:solidFill>
@@ -4472,7 +4468,7 @@
               <a:t>=</a:t>
             </a:r>
             <a:r>
-              <a:rPr lang="hu-HU" sz="1600" dirty="0">
+              <a:rPr lang="hu-HU" sz="1400" dirty="0">
                 <a:solidFill>
                   <a:schemeClr val="tx1"/>
                 </a:solidFill>
@@ -4482,7 +4478,7 @@
               </a:rPr>
               <a:t> { </a:t>
             </a:r>
-            <a:endParaRPr lang="en-US" sz="1600" dirty="0">
+            <a:endParaRPr lang="en-US" sz="1400" dirty="0">
               <a:solidFill>
                 <a:schemeClr val="tx1"/>
               </a:solidFill>
@@ -4516,7 +4512,7 @@
               </a:tabLst>
             </a:pPr>
             <a:r>
-              <a:rPr lang="en-US" sz="1600" dirty="0">
+              <a:rPr lang="en-US" sz="1400" dirty="0">
                 <a:solidFill>
                   <a:schemeClr val="tx1"/>
                 </a:solidFill>
@@ -4527,7 +4523,7 @@
               <a:t>      </a:t>
             </a:r>
             <a:r>
-              <a:rPr lang="hu-HU" sz="1600" dirty="0" err="1">
+              <a:rPr lang="hu-HU" sz="1400" dirty="0" err="1">
                 <a:solidFill>
                   <a:srgbClr val="C70040"/>
                 </a:solidFill>
@@ -4537,7 +4533,7 @@
               <a:t>val</a:t>
             </a:r>
             <a:r>
-              <a:rPr lang="hu-HU" sz="1600" dirty="0">
+              <a:rPr lang="hu-HU" sz="1400" dirty="0">
                 <a:solidFill>
                   <a:schemeClr val="tx1"/>
                 </a:solidFill>
@@ -4548,7 +4544,7 @@
               <a:t> </a:t>
             </a:r>
             <a:r>
-              <a:rPr lang="hu-HU" sz="1600" dirty="0" err="1">
+              <a:rPr lang="hu-HU" sz="1400" dirty="0" err="1">
                 <a:solidFill>
                   <a:schemeClr val="tx1"/>
                 </a:solidFill>
@@ -4559,7 +4555,7 @@
               <a:t>json</a:t>
             </a:r>
             <a:r>
-              <a:rPr lang="hu-HU" sz="1600" dirty="0">
+              <a:rPr lang="hu-HU" sz="1400" dirty="0">
                 <a:solidFill>
                   <a:schemeClr val="tx1"/>
                 </a:solidFill>
@@ -4570,7 +4566,7 @@
               <a:t> = </a:t>
             </a:r>
             <a:r>
-              <a:rPr lang="hu-HU" sz="1600" dirty="0" err="1">
+              <a:rPr lang="hu-HU" sz="1400" dirty="0" err="1">
                 <a:solidFill>
                   <a:schemeClr val="tx1"/>
                 </a:solidFill>
@@ -4581,7 +4577,7 @@
               <a:t>Json</a:t>
             </a:r>
             <a:r>
-              <a:rPr lang="hu-HU" sz="1600" dirty="0">
+              <a:rPr lang="hu-HU" sz="1400" dirty="0">
                 <a:solidFill>
                   <a:schemeClr val="tx1"/>
                 </a:solidFill>
@@ -4592,7 +4588,7 @@
               <a:t> { </a:t>
             </a:r>
             <a:r>
-              <a:rPr lang="hu-HU" sz="1600" dirty="0" err="1">
+              <a:rPr lang="hu-HU" sz="1400" dirty="0" err="1">
                 <a:solidFill>
                   <a:schemeClr val="tx1"/>
                 </a:solidFill>
@@ -4603,7 +4599,7 @@
               <a:t>ignoreUnknownKeys</a:t>
             </a:r>
             <a:r>
-              <a:rPr lang="hu-HU" sz="1600" dirty="0">
+              <a:rPr lang="hu-HU" sz="1400" dirty="0">
                 <a:solidFill>
                   <a:srgbClr val="C70040"/>
                 </a:solidFill>
@@ -4613,7 +4609,7 @@
               <a:t>=</a:t>
             </a:r>
             <a:r>
-              <a:rPr lang="hu-HU" sz="1600" dirty="0" err="1">
+              <a:rPr lang="hu-HU" sz="1400" dirty="0" err="1">
                 <a:solidFill>
                   <a:schemeClr val="tx1"/>
                 </a:solidFill>
@@ -4624,7 +4620,7 @@
               <a:t>true</a:t>
             </a:r>
             <a:r>
-              <a:rPr lang="hu-HU" sz="1600" dirty="0">
+              <a:rPr lang="hu-HU" sz="1400" dirty="0">
                 <a:solidFill>
                   <a:schemeClr val="tx1"/>
                 </a:solidFill>
@@ -4660,7 +4656,7 @@
               </a:tabLst>
             </a:pPr>
             <a:r>
-              <a:rPr lang="en-US" sz="1600" dirty="0">
+              <a:rPr lang="en-US" sz="1400" dirty="0">
                 <a:solidFill>
                   <a:srgbClr val="C70040"/>
                 </a:solidFill>
@@ -4670,7 +4666,7 @@
               <a:t>      </a:t>
             </a:r>
             <a:r>
-              <a:rPr lang="hu-HU" sz="1600" dirty="0" err="1">
+              <a:rPr lang="hu-HU" sz="1400" dirty="0" err="1">
                 <a:solidFill>
                   <a:srgbClr val="C70040"/>
                 </a:solidFill>
@@ -4680,7 +4676,7 @@
               <a:t>val</a:t>
             </a:r>
             <a:r>
-              <a:rPr lang="hu-HU" sz="1600" dirty="0">
+              <a:rPr lang="hu-HU" sz="1400" dirty="0">
                 <a:solidFill>
                   <a:schemeClr val="tx1"/>
                 </a:solidFill>
@@ -4691,7 +4687,7 @@
               <a:t> </a:t>
             </a:r>
             <a:r>
-              <a:rPr lang="hu-HU" sz="1600" dirty="0" err="1">
+              <a:rPr lang="hu-HU" sz="1400" dirty="0" err="1">
                 <a:solidFill>
                   <a:schemeClr val="tx1"/>
                 </a:solidFill>
@@ -4702,7 +4698,7 @@
               <a:t>jsonModel</a:t>
             </a:r>
             <a:r>
-              <a:rPr lang="hu-HU" sz="1600" dirty="0">
+              <a:rPr lang="hu-HU" sz="1400" dirty="0">
                 <a:solidFill>
                   <a:schemeClr val="tx1"/>
                 </a:solidFill>
@@ -4713,7 +4709,7 @@
               <a:t> </a:t>
             </a:r>
             <a:r>
-              <a:rPr lang="hu-HU" sz="1600" dirty="0">
+              <a:rPr lang="hu-HU" sz="1400" dirty="0">
                 <a:solidFill>
                   <a:srgbClr val="C70040"/>
                 </a:solidFill>
@@ -4723,7 +4719,7 @@
               <a:t>=</a:t>
             </a:r>
             <a:r>
-              <a:rPr lang="hu-HU" sz="1600" dirty="0">
+              <a:rPr lang="hu-HU" sz="1400" dirty="0">
                 <a:solidFill>
                   <a:schemeClr val="tx1"/>
                 </a:solidFill>
@@ -4734,7 +4730,7 @@
               <a:t> </a:t>
             </a:r>
             <a:r>
-              <a:rPr lang="hu-HU" sz="1600" dirty="0" err="1">
+              <a:rPr lang="hu-HU" sz="1400" dirty="0" err="1">
                 <a:solidFill>
                   <a:schemeClr val="tx1"/>
                 </a:solidFill>
@@ -4745,7 +4741,7 @@
               <a:t>json</a:t>
             </a:r>
             <a:r>
-              <a:rPr lang="hu-HU" sz="1600" dirty="0" err="1">
+              <a:rPr lang="hu-HU" sz="1400" dirty="0" err="1">
                 <a:solidFill>
                   <a:srgbClr val="C70040"/>
                 </a:solidFill>
@@ -4755,7 +4751,7 @@
               <a:t>.</a:t>
             </a:r>
             <a:r>
-              <a:rPr lang="hu-HU" sz="1600" dirty="0" err="1">
+              <a:rPr lang="hu-HU" sz="1400" dirty="0" err="1">
                 <a:solidFill>
                   <a:schemeClr val="tx1"/>
                 </a:solidFill>
@@ -4766,7 +4762,7 @@
               <a:t>decodeFromString</a:t>
             </a:r>
             <a:r>
-              <a:rPr lang="hu-HU" sz="1600" dirty="0">
+              <a:rPr lang="hu-HU" sz="1400" dirty="0">
                 <a:solidFill>
                   <a:schemeClr val="tx1"/>
                 </a:solidFill>
@@ -4776,7 +4772,7 @@
               </a:rPr>
               <a:t>(</a:t>
             </a:r>
-            <a:endParaRPr lang="en-US" sz="1600" dirty="0">
+            <a:endParaRPr lang="en-US" sz="1400" dirty="0">
               <a:solidFill>
                 <a:schemeClr val="tx1"/>
               </a:solidFill>
@@ -4810,7 +4806,7 @@
               </a:tabLst>
             </a:pPr>
             <a:r>
-              <a:rPr lang="en-US" sz="1600" dirty="0">
+              <a:rPr lang="en-US" sz="1400" dirty="0">
                 <a:solidFill>
                   <a:schemeClr val="tx1"/>
                 </a:solidFill>
@@ -4821,7 +4817,7 @@
               <a:t>                       </a:t>
             </a:r>
             <a:r>
-              <a:rPr lang="hu-HU" sz="1600" dirty="0" err="1">
+              <a:rPr lang="hu-HU" sz="1400" dirty="0" err="1">
                 <a:solidFill>
                   <a:schemeClr val="tx1"/>
                 </a:solidFill>
@@ -4832,7 +4828,7 @@
               <a:t>JsonModel</a:t>
             </a:r>
             <a:r>
-              <a:rPr lang="hu-HU" sz="1600" dirty="0" err="1">
+              <a:rPr lang="hu-HU" sz="1400" dirty="0" err="1">
                 <a:solidFill>
                   <a:srgbClr val="C70040"/>
                 </a:solidFill>
@@ -4842,7 +4838,7 @@
               <a:t>.</a:t>
             </a:r>
             <a:r>
-              <a:rPr lang="hu-HU" sz="1600" dirty="0" err="1">
+              <a:rPr lang="hu-HU" sz="1400" dirty="0" err="1">
                 <a:solidFill>
                   <a:schemeClr val="tx1"/>
                 </a:solidFill>
@@ -4853,7 +4849,7 @@
               <a:t>serializer</a:t>
             </a:r>
             <a:r>
-              <a:rPr lang="hu-HU" sz="1600" dirty="0">
+              <a:rPr lang="hu-HU" sz="1400" dirty="0">
                 <a:solidFill>
                   <a:schemeClr val="tx1"/>
                 </a:solidFill>
@@ -4864,7 +4860,7 @@
               <a:t>(), </a:t>
             </a:r>
             <a:r>
-              <a:rPr lang="hu-HU" sz="1600" dirty="0" err="1">
+              <a:rPr lang="hu-HU" sz="1400" dirty="0" err="1">
                 <a:solidFill>
                   <a:schemeClr val="tx1"/>
                 </a:solidFill>
@@ -4875,7 +4871,7 @@
               <a:t>request</a:t>
             </a:r>
             <a:r>
-              <a:rPr lang="hu-HU" sz="1600" dirty="0" err="1">
+              <a:rPr lang="hu-HU" sz="1400" dirty="0" err="1">
                 <a:solidFill>
                   <a:srgbClr val="C70040"/>
                 </a:solidFill>
@@ -4885,7 +4881,7 @@
               <a:t>.</a:t>
             </a:r>
             <a:r>
-              <a:rPr lang="hu-HU" sz="1600" dirty="0" err="1">
+              <a:rPr lang="hu-HU" sz="1400" dirty="0" err="1">
                 <a:solidFill>
                   <a:schemeClr val="tx1"/>
                 </a:solidFill>
@@ -4896,7 +4892,7 @@
               <a:t>responseText</a:t>
             </a:r>
             <a:r>
-              <a:rPr lang="hu-HU" sz="1600" dirty="0">
+              <a:rPr lang="hu-HU" sz="1400" dirty="0">
                 <a:solidFill>
                   <a:schemeClr val="tx1"/>
                 </a:solidFill>
@@ -4932,7 +4928,7 @@
               </a:tabLst>
             </a:pPr>
             <a:r>
-              <a:rPr lang="hu-HU" sz="1600" dirty="0">
+              <a:rPr lang="hu-HU" sz="1400" dirty="0">
                 <a:solidFill>
                   <a:schemeClr val="tx1"/>
                 </a:solidFill>
@@ -4943,7 +4939,7 @@
               <a:t>      </a:t>
             </a:r>
             <a:r>
-              <a:rPr lang="hu-HU" sz="1600" dirty="0" err="1">
+              <a:rPr lang="hu-HU" sz="1400" dirty="0" err="1">
                 <a:solidFill>
                   <a:schemeClr val="tx1"/>
                 </a:solidFill>
@@ -4954,7 +4950,7 @@
               <a:t>geometries</a:t>
             </a:r>
             <a:r>
-              <a:rPr lang="hu-HU" sz="1600" dirty="0">
+              <a:rPr lang="hu-HU" sz="1400" dirty="0">
                 <a:solidFill>
                   <a:schemeClr val="tx1"/>
                 </a:solidFill>
@@ -4965,7 +4961,7 @@
               <a:t> </a:t>
             </a:r>
             <a:r>
-              <a:rPr lang="hu-HU" sz="1600" dirty="0">
+              <a:rPr lang="hu-HU" sz="1400" dirty="0">
                 <a:solidFill>
                   <a:srgbClr val="C70040"/>
                 </a:solidFill>
@@ -4975,7 +4971,7 @@
               <a:t>=</a:t>
             </a:r>
             <a:r>
-              <a:rPr lang="hu-HU" sz="1600" dirty="0">
+              <a:rPr lang="hu-HU" sz="1400" dirty="0">
                 <a:solidFill>
                   <a:schemeClr val="tx1"/>
                 </a:solidFill>
@@ -4986,7 +4982,7 @@
               <a:t> </a:t>
             </a:r>
             <a:r>
-              <a:rPr lang="hu-HU" sz="1600" dirty="0" err="1">
+              <a:rPr lang="hu-HU" sz="1400" dirty="0" err="1">
                 <a:solidFill>
                   <a:schemeClr val="tx1"/>
                 </a:solidFill>
@@ -4997,7 +4993,7 @@
               <a:t>jsonModel</a:t>
             </a:r>
             <a:r>
-              <a:rPr lang="hu-HU" sz="1600" dirty="0" err="1">
+              <a:rPr lang="hu-HU" sz="1400" dirty="0" err="1">
                 <a:solidFill>
                   <a:srgbClr val="C70040"/>
                 </a:solidFill>
@@ -5007,7 +5003,7 @@
               <a:t>.</a:t>
             </a:r>
             <a:r>
-              <a:rPr lang="hu-HU" sz="1600" dirty="0" err="1">
+              <a:rPr lang="hu-HU" sz="1400" dirty="0" err="1">
                 <a:solidFill>
                   <a:schemeClr val="tx1"/>
                 </a:solidFill>
@@ -5018,7 +5014,7 @@
               <a:t>meshes</a:t>
             </a:r>
             <a:r>
-              <a:rPr lang="hu-HU" sz="1600" dirty="0" err="1">
+              <a:rPr lang="hu-HU" sz="1400" dirty="0" err="1">
                 <a:solidFill>
                   <a:srgbClr val="C70040"/>
                 </a:solidFill>
@@ -5028,7 +5024,7 @@
               <a:t>.</a:t>
             </a:r>
             <a:r>
-              <a:rPr lang="hu-HU" sz="1600" dirty="0" err="1">
+              <a:rPr lang="hu-HU" sz="1400" dirty="0" err="1">
                 <a:solidFill>
                   <a:schemeClr val="tx1"/>
                 </a:solidFill>
@@ -5039,7 +5035,7 @@
               <a:t>map</a:t>
             </a:r>
             <a:r>
-              <a:rPr lang="hu-HU" sz="1600" dirty="0">
+              <a:rPr lang="hu-HU" sz="1400" dirty="0">
                 <a:solidFill>
                   <a:schemeClr val="tx1"/>
                 </a:solidFill>
@@ -5050,7 +5046,7 @@
               <a:t>{ </a:t>
             </a:r>
             <a:r>
-              <a:rPr lang="hu-HU" sz="1600" dirty="0" err="1">
+              <a:rPr lang="hu-HU" sz="1400" dirty="0" err="1">
                 <a:solidFill>
                   <a:schemeClr val="tx1"/>
                 </a:solidFill>
@@ -5061,7 +5057,7 @@
               <a:t>SubmeshGeometry</a:t>
             </a:r>
             <a:r>
-              <a:rPr lang="hu-HU" sz="1600" dirty="0">
+              <a:rPr lang="hu-HU" sz="1400" dirty="0">
                 <a:solidFill>
                   <a:schemeClr val="tx1"/>
                 </a:solidFill>
@@ -5072,7 +5068,7 @@
               <a:t>(</a:t>
             </a:r>
             <a:r>
-              <a:rPr lang="hu-HU" sz="1600" dirty="0" err="1">
+              <a:rPr lang="hu-HU" sz="1400" dirty="0" err="1">
                 <a:solidFill>
                   <a:schemeClr val="tx1"/>
                 </a:solidFill>
@@ -5083,7 +5079,7 @@
               <a:t>gl</a:t>
             </a:r>
             <a:r>
-              <a:rPr lang="hu-HU" sz="1600" dirty="0">
+              <a:rPr lang="hu-HU" sz="1400" dirty="0">
                 <a:solidFill>
                   <a:schemeClr val="tx1"/>
                 </a:solidFill>
@@ -5094,7 +5090,7 @@
               <a:t>, </a:t>
             </a:r>
             <a:r>
-              <a:rPr lang="hu-HU" sz="1600" dirty="0" err="1">
+              <a:rPr lang="hu-HU" sz="1400" dirty="0" err="1">
                 <a:solidFill>
                   <a:schemeClr val="tx1"/>
                 </a:solidFill>
@@ -5105,15 +5101,37 @@
               <a:t>it</a:t>
             </a:r>
             <a:r>
-              <a:rPr lang="hu-HU" sz="1600" dirty="0">
-                <a:solidFill>
-                  <a:schemeClr val="tx1"/>
-                </a:solidFill>
-                <a:latin typeface="Consolas" panose="020B0609020204030204" pitchFamily="49" charset="0"/>
-                <a:ea typeface="Times New Roman" panose="02020603050405020304" pitchFamily="18" charset="0"/>
-                <a:cs typeface="Times New Roman" panose="02020603050405020304" pitchFamily="18" charset="0"/>
-              </a:rPr>
-              <a:t>) }</a:t>
+              <a:rPr lang="hu-HU" sz="1400" dirty="0">
+                <a:solidFill>
+                  <a:schemeClr val="tx1"/>
+                </a:solidFill>
+                <a:latin typeface="Consolas" panose="020B0609020204030204" pitchFamily="49" charset="0"/>
+                <a:ea typeface="Times New Roman" panose="02020603050405020304" pitchFamily="18" charset="0"/>
+                <a:cs typeface="Times New Roman" panose="02020603050405020304" pitchFamily="18" charset="0"/>
+              </a:rPr>
+              <a:t>) }.</a:t>
+            </a:r>
+            <a:r>
+              <a:rPr lang="hu-HU" sz="1400" dirty="0" err="1">
+                <a:solidFill>
+                  <a:schemeClr val="tx1"/>
+                </a:solidFill>
+                <a:latin typeface="Consolas" panose="020B0609020204030204" pitchFamily="49" charset="0"/>
+                <a:ea typeface="Times New Roman" panose="02020603050405020304" pitchFamily="18" charset="0"/>
+                <a:cs typeface="Times New Roman" panose="02020603050405020304" pitchFamily="18" charset="0"/>
+              </a:rPr>
+              <a:t>toTypedArray</a:t>
+            </a:r>
+            <a:r>
+              <a:rPr lang="hu-HU" sz="1400" dirty="0">
+                <a:solidFill>
+                  <a:schemeClr val="tx1"/>
+                </a:solidFill>
+                <a:latin typeface="Consolas" panose="020B0609020204030204" pitchFamily="49" charset="0"/>
+                <a:ea typeface="Times New Roman" panose="02020603050405020304" pitchFamily="18" charset="0"/>
+                <a:cs typeface="Times New Roman" panose="02020603050405020304" pitchFamily="18" charset="0"/>
+              </a:rPr>
+              <a:t>()</a:t>
             </a:r>
           </a:p>
           <a:p>
@@ -5141,7 +5159,7 @@
               </a:tabLst>
             </a:pPr>
             <a:r>
-              <a:rPr lang="hu-HU" sz="1600" dirty="0">
+              <a:rPr lang="hu-HU" sz="1400" dirty="0">
                 <a:solidFill>
                   <a:schemeClr val="tx1"/>
                 </a:solidFill>
@@ -5152,7 +5170,7 @@
               <a:t>      </a:t>
             </a:r>
             <a:r>
-              <a:rPr lang="hu-HU" sz="1600" i="1" dirty="0">
+              <a:rPr lang="hu-HU" sz="1400" i="1" dirty="0">
                 <a:solidFill>
                   <a:srgbClr val="34A7BD"/>
                 </a:solidFill>
@@ -5187,7 +5205,7 @@
               </a:tabLst>
             </a:pPr>
             <a:r>
-              <a:rPr lang="hu-HU" sz="1600" dirty="0">
+              <a:rPr lang="hu-HU" sz="1400" dirty="0">
                 <a:solidFill>
                   <a:schemeClr val="tx1"/>
                 </a:solidFill>
@@ -5223,7 +5241,7 @@
               </a:tabLst>
             </a:pPr>
             <a:r>
-              <a:rPr lang="hu-HU" sz="1600" dirty="0">
+              <a:rPr lang="hu-HU" sz="1400" dirty="0">
                 <a:solidFill>
                   <a:schemeClr val="tx1"/>
                 </a:solidFill>
@@ -5234,7 +5252,7 @@
               <a:t>    </a:t>
             </a:r>
             <a:r>
-              <a:rPr lang="hu-HU" sz="1600" dirty="0" err="1">
+              <a:rPr lang="hu-HU" sz="1400" dirty="0" err="1">
                 <a:solidFill>
                   <a:schemeClr val="tx1"/>
                 </a:solidFill>
@@ -5245,7 +5263,7 @@
               <a:t>request</a:t>
             </a:r>
             <a:r>
-              <a:rPr lang="hu-HU" sz="1600" dirty="0" err="1">
+              <a:rPr lang="hu-HU" sz="1400" dirty="0" err="1">
                 <a:solidFill>
                   <a:srgbClr val="C70040"/>
                 </a:solidFill>
@@ -5255,7 +5273,7 @@
               <a:t>.</a:t>
             </a:r>
             <a:r>
-              <a:rPr lang="hu-HU" sz="1600" dirty="0" err="1">
+              <a:rPr lang="hu-HU" sz="1400" dirty="0" err="1">
                 <a:solidFill>
                   <a:schemeClr val="tx1"/>
                 </a:solidFill>
@@ -5266,7 +5284,7 @@
               <a:t>send</a:t>
             </a:r>
             <a:r>
-              <a:rPr lang="hu-HU" sz="1600" dirty="0">
+              <a:rPr lang="hu-HU" sz="1400" dirty="0">
                 <a:solidFill>
                   <a:schemeClr val="tx1"/>
                 </a:solidFill>
@@ -5302,7 +5320,7 @@
               </a:tabLst>
             </a:pPr>
             <a:r>
-              <a:rPr lang="hu-HU" sz="1600" dirty="0">
+              <a:rPr lang="hu-HU" sz="1400" dirty="0">
                 <a:solidFill>
                   <a:schemeClr val="tx1"/>
                 </a:solidFill>
@@ -5313,7 +5331,7 @@
               <a:t>    </a:t>
             </a:r>
             <a:r>
-              <a:rPr lang="hu-HU" sz="1600" dirty="0" err="1">
+              <a:rPr lang="hu-HU" sz="1400" dirty="0" err="1">
                 <a:solidFill>
                   <a:schemeClr val="tx1"/>
                 </a:solidFill>
@@ -5324,7 +5342,7 @@
               <a:t>return</a:t>
             </a:r>
             <a:r>
-              <a:rPr lang="hu-HU" sz="1600" dirty="0">
+              <a:rPr lang="hu-HU" sz="1400" dirty="0">
                 <a:solidFill>
                   <a:schemeClr val="tx1"/>
                 </a:solidFill>
@@ -5335,7 +5353,7 @@
               <a:t> </a:t>
             </a:r>
             <a:r>
-              <a:rPr lang="hu-HU" sz="1600" dirty="0" err="1">
+              <a:rPr lang="hu-HU" sz="1400" dirty="0" err="1">
                 <a:solidFill>
                   <a:schemeClr val="tx1"/>
                 </a:solidFill>
@@ -5346,7 +5364,7 @@
               <a:t>geometries</a:t>
             </a:r>
             <a:r>
-              <a:rPr lang="hu-HU" sz="1600" dirty="0">
+              <a:rPr lang="hu-HU" sz="1400" dirty="0">
                 <a:solidFill>
                   <a:srgbClr val="C70040"/>
                 </a:solidFill>
@@ -5355,7 +5373,7 @@
               </a:rPr>
               <a:t>!!</a:t>
             </a:r>
-            <a:endParaRPr lang="hu-HU" sz="2000" dirty="0">
+            <a:endParaRPr lang="hu-HU" dirty="0">
               <a:solidFill>
                 <a:srgbClr val="C70040"/>
               </a:solidFill>
@@ -5388,7 +5406,7 @@
               </a:tabLst>
             </a:pPr>
             <a:r>
-              <a:rPr lang="hu-HU" sz="1600" dirty="0">
+              <a:rPr lang="hu-HU" sz="1400" dirty="0">
                 <a:solidFill>
                   <a:schemeClr val="tx1"/>
                 </a:solidFill>
@@ -5398,7 +5416,7 @@
               </a:rPr>
               <a:t>  }</a:t>
             </a:r>
-            <a:endParaRPr lang="en-US" sz="1600" dirty="0">
+            <a:endParaRPr lang="en-US" sz="1400" dirty="0">
               <a:solidFill>
                 <a:schemeClr val="tx1"/>
               </a:solidFill>
@@ -5420,7 +5438,7 @@
         </p:nvCxnSpPr>
         <p:spPr>
           <a:xfrm flipH="1">
-            <a:off x="4094964" y="1935266"/>
+            <a:off x="3800765" y="2186585"/>
             <a:ext cx="2856338" cy="659200"/>
           </a:xfrm>
           <a:prstGeom prst="straightConnector1">
@@ -5456,7 +5474,7 @@
         </p:nvSpPr>
         <p:spPr>
           <a:xfrm>
-            <a:off x="5985424" y="1565934"/>
+            <a:off x="5691225" y="1817253"/>
             <a:ext cx="1931757" cy="369332"/>
           </a:xfrm>
           <a:prstGeom prst="rect">
@@ -5532,7 +5550,7 @@
         </p:nvSpPr>
         <p:spPr>
           <a:xfrm>
-            <a:off x="8042764" y="2141314"/>
+            <a:off x="7486173" y="2384865"/>
             <a:ext cx="2293144" cy="369332"/>
           </a:xfrm>
           <a:prstGeom prst="rect">
@@ -5593,7 +5611,7 @@
         </p:nvCxnSpPr>
         <p:spPr>
           <a:xfrm flipH="1">
-            <a:off x="7013040" y="2325980"/>
+            <a:off x="6456449" y="2569531"/>
             <a:ext cx="1029725" cy="276254"/>
           </a:xfrm>
           <a:prstGeom prst="straightConnector1">
@@ -5629,7 +5647,7 @@
         </p:nvSpPr>
         <p:spPr>
           <a:xfrm>
-            <a:off x="4884420" y="5444191"/>
+            <a:off x="4564060" y="5444191"/>
             <a:ext cx="1421364" cy="369332"/>
           </a:xfrm>
           <a:prstGeom prst="rect">
@@ -5666,7 +5684,7 @@
         </p:nvCxnSpPr>
         <p:spPr>
           <a:xfrm flipV="1">
-            <a:off x="5595102" y="5132960"/>
+            <a:off x="5274742" y="5132960"/>
             <a:ext cx="58939" cy="311231"/>
           </a:xfrm>
           <a:prstGeom prst="straightConnector1">
@@ -5702,7 +5720,7 @@
         </p:nvSpPr>
         <p:spPr>
           <a:xfrm>
-            <a:off x="6735255" y="5628857"/>
+            <a:off x="6410466" y="5628857"/>
             <a:ext cx="2615018" cy="646331"/>
           </a:xfrm>
           <a:prstGeom prst="rect">
@@ -5829,13 +5847,14 @@
           <p:cNvPr id="18" name="Straight Arrow Connector 17"/>
           <p:cNvCxnSpPr>
             <a:cxnSpLocks/>
+            <a:stCxn id="17" idx="0"/>
           </p:cNvCxnSpPr>
           <p:nvPr/>
         </p:nvCxnSpPr>
         <p:spPr>
           <a:xfrm flipV="1">
-            <a:off x="7917181" y="5132960"/>
-            <a:ext cx="487679" cy="495897"/>
+            <a:off x="7717975" y="5132960"/>
+            <a:ext cx="0" cy="495897"/>
           </a:xfrm>
           <a:prstGeom prst="straightConnector1">
             <a:avLst/>
@@ -6331,7 +6350,7 @@
               <a:t> </a:t>
             </a:r>
             <a:r>
-              <a:rPr lang="hu-HU" sz="1600" i="1" dirty="0" smtClean="0">
+              <a:rPr lang="hu-HU" sz="1600" i="1" dirty="0">
                 <a:solidFill>
                   <a:srgbClr val="34A7BD"/>
                 </a:solidFill>
@@ -6341,17 +6360,6 @@
               <a:t>Array</a:t>
             </a:r>
             <a:r>
-              <a:rPr lang="hu-HU" sz="1600" dirty="0" smtClean="0">
-                <a:solidFill>
-                  <a:schemeClr val="tx1"/>
-                </a:solidFill>
-                <a:latin typeface="Consolas" panose="020B0609020204030204" pitchFamily="49" charset="0"/>
-                <a:ea typeface="Times New Roman" panose="02020603050405020304" pitchFamily="18" charset="0"/>
-                <a:cs typeface="Times New Roman" panose="02020603050405020304" pitchFamily="18" charset="0"/>
-              </a:rPr>
-              <a:t>&lt;Mesh</a:t>
-            </a:r>
-            <a:r>
               <a:rPr lang="hu-HU" sz="1600" dirty="0">
                 <a:solidFill>
                   <a:schemeClr val="tx1"/>
@@ -6360,7 +6368,7 @@
                 <a:ea typeface="Times New Roman" panose="02020603050405020304" pitchFamily="18" charset="0"/>
                 <a:cs typeface="Times New Roman" panose="02020603050405020304" pitchFamily="18" charset="0"/>
               </a:rPr>
-              <a:t>&gt;{</a:t>
+              <a:t>&lt;Mesh&gt;{</a:t>
             </a:r>
           </a:p>
           <a:p>
@@ -6625,27 +6633,8 @@
                 <a:ea typeface="Times New Roman" panose="02020603050405020304" pitchFamily="18" charset="0"/>
                 <a:cs typeface="Times New Roman" panose="02020603050405020304" pitchFamily="18" charset="0"/>
               </a:rPr>
-              <a:t> Mesh(m, g</a:t>
-            </a:r>
-            <a:r>
-              <a:rPr lang="hu-HU" sz="1600" dirty="0" smtClean="0">
-                <a:solidFill>
-                  <a:schemeClr val="tx1"/>
-                </a:solidFill>
-                <a:latin typeface="Consolas" panose="020B0609020204030204" pitchFamily="49" charset="0"/>
-                <a:ea typeface="Times New Roman" panose="02020603050405020304" pitchFamily="18" charset="0"/>
-                <a:cs typeface="Times New Roman" panose="02020603050405020304" pitchFamily="18" charset="0"/>
-              </a:rPr>
-              <a:t>)}.toTypedArray()</a:t>
-            </a:r>
-            <a:endParaRPr lang="hu-HU" sz="1600" dirty="0">
-              <a:solidFill>
-                <a:schemeClr val="tx1"/>
-              </a:solidFill>
-              <a:latin typeface="Consolas" panose="020B0609020204030204" pitchFamily="49" charset="0"/>
-              <a:ea typeface="Times New Roman" panose="02020603050405020304" pitchFamily="18" charset="0"/>
-              <a:cs typeface="Times New Roman" panose="02020603050405020304" pitchFamily="18" charset="0"/>
-            </a:endParaRPr>
+              <a:t> Mesh(m, g)}.toTypedArray()</a:t>
+            </a:r>
           </a:p>
           <a:p>
             <a:pPr>
@@ -8050,7 +8039,7 @@
               <a:t>colorTexture</a:t>
             </a:r>
             <a:r>
-              <a:rPr lang="en-US" sz="1600" dirty="0" smtClean="0">
+              <a:rPr lang="en-US" sz="1600" dirty="0">
                 <a:solidFill>
                   <a:srgbClr val="C70040"/>
                 </a:solidFill>
@@ -8060,7 +8049,7 @@
               <a:t>"</a:t>
             </a:r>
             <a:r>
-              <a:rPr lang="en-US" sz="1600" dirty="0" smtClean="0">
+              <a:rPr lang="en-US" sz="1600" dirty="0">
                 <a:solidFill>
                   <a:schemeClr val="tx1"/>
                 </a:solidFill>
@@ -8071,7 +8060,7 @@
               <a:t>]</a:t>
             </a:r>
             <a:r>
-              <a:rPr lang="hu-HU" sz="1600" dirty="0" smtClean="0">
+              <a:rPr lang="hu-HU" sz="1600" dirty="0">
                 <a:solidFill>
                   <a:srgbClr val="C70040"/>
                 </a:solidFill>
@@ -8081,17 +8070,6 @@
               <a:t>?.</a:t>
             </a:r>
             <a:r>
-              <a:rPr lang="en-US" sz="1600" dirty="0" smtClean="0">
-                <a:solidFill>
-                  <a:schemeClr val="tx1"/>
-                </a:solidFill>
-                <a:latin typeface="Consolas" panose="020B0609020204030204" pitchFamily="49" charset="0"/>
-                <a:ea typeface="Times New Roman" panose="02020603050405020304" pitchFamily="18" charset="0"/>
-                <a:cs typeface="Times New Roman" panose="02020603050405020304" pitchFamily="18" charset="0"/>
-              </a:rPr>
-              <a:t>set</a:t>
-            </a:r>
-            <a:r>
               <a:rPr lang="en-US" sz="1600" dirty="0">
                 <a:solidFill>
                   <a:schemeClr val="tx1"/>
@@ -8100,7 +8078,7 @@
                 <a:ea typeface="Times New Roman" panose="02020603050405020304" pitchFamily="18" charset="0"/>
                 <a:cs typeface="Times New Roman" panose="02020603050405020304" pitchFamily="18" charset="0"/>
               </a:rPr>
-              <a:t>(</a:t>
+              <a:t>set(</a:t>
             </a:r>
           </a:p>
           <a:p>
@@ -8136,21 +8114,10 @@
                 <a:ea typeface="Times New Roman" panose="02020603050405020304" pitchFamily="18" charset="0"/>
                 <a:cs typeface="Times New Roman" panose="02020603050405020304" pitchFamily="18" charset="0"/>
               </a:rPr>
-              <a:t>        </a:t>
-            </a:r>
-            <a:r>
-              <a:rPr lang="en-US" sz="1600" smtClean="0">
-                <a:solidFill>
-                  <a:schemeClr val="tx1"/>
-                </a:solidFill>
-                <a:latin typeface="Consolas" panose="020B0609020204030204" pitchFamily="49" charset="0"/>
-                <a:ea typeface="Times New Roman" panose="02020603050405020304" pitchFamily="18" charset="0"/>
-                <a:cs typeface="Times New Roman" panose="02020603050405020304" pitchFamily="18" charset="0"/>
-              </a:rPr>
-              <a:t>Texture2D(</a:t>
-            </a:r>
-            <a:r>
-              <a:rPr lang="en-US" sz="1600" dirty="0" err="1" smtClean="0">
+              <a:t>        Texture2D(</a:t>
+            </a:r>
+            <a:r>
+              <a:rPr lang="en-US" sz="1600" dirty="0" err="1">
                 <a:solidFill>
                   <a:schemeClr val="tx1"/>
                 </a:solidFill>
@@ -8182,7 +8149,7 @@
               <a:t>"</a:t>
             </a:r>
             <a:r>
-              <a:rPr lang="en-US" sz="1600" i="1" dirty="0" smtClean="0">
+              <a:rPr lang="en-US" sz="1600" i="1" dirty="0">
                 <a:solidFill>
                   <a:srgbClr val="FFC000"/>
                 </a:solidFill>
@@ -8192,7 +8159,7 @@
               <a:t>media/</a:t>
             </a:r>
             <a:r>
-              <a:rPr lang="hu-HU" sz="1600" i="1" dirty="0" smtClean="0">
+              <a:rPr lang="hu-HU" sz="1600" i="1" dirty="0">
                 <a:solidFill>
                   <a:srgbClr val="FFC000"/>
                 </a:solidFill>
@@ -8202,7 +8169,7 @@
               <a:t>slowpoke/</a:t>
             </a:r>
             <a:r>
-              <a:rPr lang="en-US" sz="1600" i="1" dirty="0" err="1" smtClean="0">
+              <a:rPr lang="en-US" sz="1600" i="1" dirty="0" err="1">
                 <a:solidFill>
                   <a:srgbClr val="FFC000"/>
                 </a:solidFill>
@@ -8212,7 +8179,7 @@
               <a:t>Yadon</a:t>
             </a:r>
             <a:r>
-              <a:rPr lang="hu-HU" sz="1600" i="1" dirty="0" smtClean="0">
+              <a:rPr lang="hu-HU" sz="1600" i="1" dirty="0">
                 <a:solidFill>
                   <a:srgbClr val="FFC000"/>
                 </a:solidFill>
@@ -8222,7 +8189,7 @@
               <a:t>Dh</a:t>
             </a:r>
             <a:r>
-              <a:rPr lang="en-US" sz="1600" i="1" dirty="0" smtClean="0">
+              <a:rPr lang="en-US" sz="1600" i="1" dirty="0">
                 <a:solidFill>
                   <a:srgbClr val="FFC000"/>
                 </a:solidFill>
@@ -8232,7 +8199,7 @@
               <a:t>.</a:t>
             </a:r>
             <a:r>
-              <a:rPr lang="en-US" sz="1600" i="1" dirty="0" err="1" smtClean="0">
+              <a:rPr lang="en-US" sz="1600" i="1" dirty="0" err="1">
                 <a:solidFill>
                   <a:srgbClr val="FFC000"/>
                 </a:solidFill>
@@ -8434,7 +8401,7 @@
               <a:t>colorTexture</a:t>
             </a:r>
             <a:r>
-              <a:rPr lang="en-US" sz="1600" dirty="0" smtClean="0">
+              <a:rPr lang="en-US" sz="1600" dirty="0">
                 <a:solidFill>
                   <a:srgbClr val="C70040"/>
                 </a:solidFill>
@@ -8444,7 +8411,7 @@
               <a:t>"</a:t>
             </a:r>
             <a:r>
-              <a:rPr lang="en-US" sz="1600" dirty="0" smtClean="0">
+              <a:rPr lang="en-US" sz="1600" dirty="0">
                 <a:solidFill>
                   <a:schemeClr val="tx1"/>
                 </a:solidFill>
@@ -8455,7 +8422,7 @@
               <a:t>]</a:t>
             </a:r>
             <a:r>
-              <a:rPr lang="hu-HU" sz="1600" dirty="0" smtClean="0">
+              <a:rPr lang="hu-HU" sz="1600" dirty="0">
                 <a:solidFill>
                   <a:srgbClr val="C70040"/>
                 </a:solidFill>
@@ -8465,17 +8432,6 @@
               <a:t>?.</a:t>
             </a:r>
             <a:r>
-              <a:rPr lang="en-US" sz="1600" dirty="0" smtClean="0">
-                <a:solidFill>
-                  <a:schemeClr val="tx1"/>
-                </a:solidFill>
-                <a:latin typeface="Consolas" panose="020B0609020204030204" pitchFamily="49" charset="0"/>
-                <a:ea typeface="Times New Roman" panose="02020603050405020304" pitchFamily="18" charset="0"/>
-                <a:cs typeface="Times New Roman" panose="02020603050405020304" pitchFamily="18" charset="0"/>
-              </a:rPr>
-              <a:t>set</a:t>
-            </a:r>
-            <a:r>
               <a:rPr lang="en-US" sz="1600" dirty="0">
                 <a:solidFill>
                   <a:schemeClr val="tx1"/>
@@ -8484,7 +8440,7 @@
                 <a:ea typeface="Times New Roman" panose="02020603050405020304" pitchFamily="18" charset="0"/>
                 <a:cs typeface="Times New Roman" panose="02020603050405020304" pitchFamily="18" charset="0"/>
               </a:rPr>
-              <a:t>(</a:t>
+              <a:t>set(</a:t>
             </a:r>
           </a:p>
           <a:p>
@@ -8520,21 +8476,10 @@
                 <a:ea typeface="Times New Roman" panose="02020603050405020304" pitchFamily="18" charset="0"/>
                 <a:cs typeface="Times New Roman" panose="02020603050405020304" pitchFamily="18" charset="0"/>
               </a:rPr>
-              <a:t>        </a:t>
-            </a:r>
-            <a:r>
-              <a:rPr lang="en-US" sz="1600" dirty="0" smtClean="0">
-                <a:solidFill>
-                  <a:schemeClr val="tx1"/>
-                </a:solidFill>
-                <a:latin typeface="Consolas" panose="020B0609020204030204" pitchFamily="49" charset="0"/>
-                <a:ea typeface="Times New Roman" panose="02020603050405020304" pitchFamily="18" charset="0"/>
-                <a:cs typeface="Times New Roman" panose="02020603050405020304" pitchFamily="18" charset="0"/>
-              </a:rPr>
-              <a:t>Texture2D(</a:t>
-            </a:r>
-            <a:r>
-              <a:rPr lang="en-US" sz="1600" dirty="0" err="1" smtClean="0">
+              <a:t>        Texture2D(</a:t>
+            </a:r>
+            <a:r>
+              <a:rPr lang="en-US" sz="1600" dirty="0" err="1">
                 <a:solidFill>
                   <a:schemeClr val="tx1"/>
                 </a:solidFill>
@@ -8566,7 +8511,7 @@
               <a:t>"</a:t>
             </a:r>
             <a:r>
-              <a:rPr lang="en-US" sz="1600" i="1" dirty="0" smtClean="0">
+              <a:rPr lang="en-US" sz="1600" i="1" dirty="0">
                 <a:solidFill>
                   <a:srgbClr val="FFC000"/>
                 </a:solidFill>
@@ -8576,7 +8521,7 @@
               <a:t>media/</a:t>
             </a:r>
             <a:r>
-              <a:rPr lang="hu-HU" sz="1600" i="1" dirty="0" smtClean="0">
+              <a:rPr lang="hu-HU" sz="1600" i="1" dirty="0">
                 <a:solidFill>
                   <a:srgbClr val="FFC000"/>
                 </a:solidFill>
@@ -8586,7 +8531,7 @@
               <a:t>slowpoke/</a:t>
             </a:r>
             <a:r>
-              <a:rPr lang="en-US" sz="1600" i="1" dirty="0" err="1" smtClean="0">
+              <a:rPr lang="en-US" sz="1600" i="1" dirty="0" err="1">
                 <a:solidFill>
                   <a:srgbClr val="FFC000"/>
                 </a:solidFill>
@@ -8596,7 +8541,7 @@
               <a:t>YadonEye</a:t>
             </a:r>
             <a:r>
-              <a:rPr lang="hu-HU" sz="1600" i="1" dirty="0" smtClean="0">
+              <a:rPr lang="hu-HU" sz="1600" i="1" dirty="0">
                 <a:solidFill>
                   <a:srgbClr val="FFC000"/>
                 </a:solidFill>
@@ -8606,7 +8551,7 @@
               <a:t>Dh</a:t>
             </a:r>
             <a:r>
-              <a:rPr lang="en-US" sz="1600" i="1" dirty="0" smtClean="0">
+              <a:rPr lang="en-US" sz="1600" i="1" dirty="0">
                 <a:solidFill>
                   <a:srgbClr val="FFC000"/>
                 </a:solidFill>
@@ -8616,7 +8561,7 @@
               <a:t>.</a:t>
             </a:r>
             <a:r>
-              <a:rPr lang="en-US" sz="1600" i="1" dirty="0" err="1" smtClean="0">
+              <a:rPr lang="en-US" sz="1600" i="1" dirty="0" err="1">
                 <a:solidFill>
                   <a:srgbClr val="FFC000"/>
                 </a:solidFill>
